--- a/Python Session/Python_11_may.pptx
+++ b/Python Session/Python_11_may.pptx
@@ -2,13 +2,15 @@
 <file path=ppt/presentation.xml><?xml version="1.0" encoding="utf-8"?>
 <p:presentation xmlns:a="http://schemas.openxmlformats.org/drawingml/2006/main" xmlns:r="http://schemas.openxmlformats.org/officeDocument/2006/relationships" xmlns:p="http://schemas.openxmlformats.org/presentationml/2006/main" saveSubsetFonts="1">
   <p:sldMasterIdLst>
-    <p:sldMasterId id="2147483648" r:id="rId1"/>
+    <p:sldMasterId id="2147483726" r:id="rId1"/>
   </p:sldMasterIdLst>
   <p:sldIdLst>
-    <p:sldId id="262" r:id="rId2"/>
-    <p:sldId id="263" r:id="rId3"/>
-    <p:sldId id="265" r:id="rId4"/>
-    <p:sldId id="264" r:id="rId5"/>
+    <p:sldId id="267" r:id="rId2"/>
+    <p:sldId id="268" r:id="rId3"/>
+    <p:sldId id="269" r:id="rId4"/>
+    <p:sldId id="270" r:id="rId5"/>
+    <p:sldId id="271" r:id="rId6"/>
+    <p:sldId id="272" r:id="rId7"/>
   </p:sldIdLst>
   <p:sldSz cx="12192000" cy="6858000"/>
   <p:notesSz cx="6858000" cy="9144000"/>
@@ -116,7 +118,7 @@
 </file>
 
 <file path=ppt/slideLayouts/slideLayout1.xml><?xml version="1.0" encoding="utf-8"?>
-<p:sldLayout xmlns:a="http://schemas.openxmlformats.org/drawingml/2006/main" xmlns:r="http://schemas.openxmlformats.org/officeDocument/2006/relationships" xmlns:p="http://schemas.openxmlformats.org/presentationml/2006/main" type="title" preserve="1">
+<p:sldLayout xmlns:a="http://schemas.openxmlformats.org/drawingml/2006/main" xmlns:r="http://schemas.openxmlformats.org/officeDocument/2006/relationships" xmlns:p="http://schemas.openxmlformats.org/presentationml/2006/main" showMasterSp="0" type="title" preserve="1">
   <p:cSld name="Title Slide">
     <p:spTree>
       <p:nvGrpSpPr>
@@ -144,15 +146,19 @@
         </p:nvSpPr>
         <p:spPr>
           <a:xfrm>
-            <a:off x="1524000" y="1122363"/>
-            <a:ext cx="9144000" cy="2387600"/>
+            <a:off x="684212" y="685799"/>
+            <a:ext cx="8001000" cy="2971801"/>
           </a:xfrm>
         </p:spPr>
         <p:txBody>
-          <a:bodyPr anchor="b"/>
+          <a:bodyPr anchor="b">
+            <a:normAutofit/>
+          </a:bodyPr>
           <a:lstStyle>
-            <a:lvl1pPr algn="ctr">
-              <a:defRPr sz="6000"/>
+            <a:lvl1pPr algn="l">
+              <a:defRPr sz="4800">
+                <a:effectLst/>
+              </a:defRPr>
             </a:lvl1pPr>
           </a:lstStyle>
           <a:p>
@@ -160,7 +166,7 @@
               <a:rPr lang="en-US" smtClean="0"/>
               <a:t>Click to edit Master title style</a:t>
             </a:r>
-            <a:endParaRPr lang="en-IN"/>
+            <a:endParaRPr lang="en-US" dirty="0"/>
           </a:p>
         </p:txBody>
       </p:sp>
@@ -176,48 +182,104 @@
         </p:nvSpPr>
         <p:spPr>
           <a:xfrm>
-            <a:off x="1524000" y="3602038"/>
-            <a:ext cx="9144000" cy="1655762"/>
+            <a:off x="684212" y="3843867"/>
+            <a:ext cx="6400800" cy="1947333"/>
           </a:xfrm>
         </p:spPr>
         <p:txBody>
-          <a:bodyPr/>
+          <a:bodyPr anchor="t">
+            <a:normAutofit/>
+          </a:bodyPr>
           <a:lstStyle>
-            <a:lvl1pPr marL="0" indent="0" algn="ctr">
-              <a:buNone/>
-              <a:defRPr sz="2400"/>
+            <a:lvl1pPr marL="0" indent="0" algn="l">
+              <a:buNone/>
+              <a:defRPr sz="2100">
+                <a:solidFill>
+                  <a:schemeClr val="bg2">
+                    <a:lumMod val="75000"/>
+                  </a:schemeClr>
+                </a:solidFill>
+              </a:defRPr>
             </a:lvl1pPr>
             <a:lvl2pPr marL="457200" indent="0" algn="ctr">
               <a:buNone/>
-              <a:defRPr sz="2000"/>
+              <a:defRPr>
+                <a:solidFill>
+                  <a:schemeClr val="tx1">
+                    <a:tint val="75000"/>
+                  </a:schemeClr>
+                </a:solidFill>
+              </a:defRPr>
             </a:lvl2pPr>
             <a:lvl3pPr marL="914400" indent="0" algn="ctr">
               <a:buNone/>
-              <a:defRPr sz="1800"/>
+              <a:defRPr>
+                <a:solidFill>
+                  <a:schemeClr val="tx1">
+                    <a:tint val="75000"/>
+                  </a:schemeClr>
+                </a:solidFill>
+              </a:defRPr>
             </a:lvl3pPr>
             <a:lvl4pPr marL="1371600" indent="0" algn="ctr">
               <a:buNone/>
-              <a:defRPr sz="1600"/>
+              <a:defRPr>
+                <a:solidFill>
+                  <a:schemeClr val="tx1">
+                    <a:tint val="75000"/>
+                  </a:schemeClr>
+                </a:solidFill>
+              </a:defRPr>
             </a:lvl4pPr>
             <a:lvl5pPr marL="1828800" indent="0" algn="ctr">
               <a:buNone/>
-              <a:defRPr sz="1600"/>
+              <a:defRPr>
+                <a:solidFill>
+                  <a:schemeClr val="tx1">
+                    <a:tint val="75000"/>
+                  </a:schemeClr>
+                </a:solidFill>
+              </a:defRPr>
             </a:lvl5pPr>
             <a:lvl6pPr marL="2286000" indent="0" algn="ctr">
               <a:buNone/>
-              <a:defRPr sz="1600"/>
+              <a:defRPr>
+                <a:solidFill>
+                  <a:schemeClr val="tx1">
+                    <a:tint val="75000"/>
+                  </a:schemeClr>
+                </a:solidFill>
+              </a:defRPr>
             </a:lvl6pPr>
             <a:lvl7pPr marL="2743200" indent="0" algn="ctr">
               <a:buNone/>
-              <a:defRPr sz="1600"/>
+              <a:defRPr>
+                <a:solidFill>
+                  <a:schemeClr val="tx1">
+                    <a:tint val="75000"/>
+                  </a:schemeClr>
+                </a:solidFill>
+              </a:defRPr>
             </a:lvl7pPr>
             <a:lvl8pPr marL="3200400" indent="0" algn="ctr">
               <a:buNone/>
-              <a:defRPr sz="1600"/>
+              <a:defRPr>
+                <a:solidFill>
+                  <a:schemeClr val="tx1">
+                    <a:tint val="75000"/>
+                  </a:schemeClr>
+                </a:solidFill>
+              </a:defRPr>
             </a:lvl8pPr>
             <a:lvl9pPr marL="3657600" indent="0" algn="ctr">
               <a:buNone/>
-              <a:defRPr sz="1600"/>
+              <a:defRPr>
+                <a:solidFill>
+                  <a:schemeClr val="tx1">
+                    <a:tint val="75000"/>
+                  </a:schemeClr>
+                </a:solidFill>
+              </a:defRPr>
             </a:lvl9pPr>
           </a:lstStyle>
           <a:p>
@@ -225,7 +287,7 @@
               <a:rPr lang="en-US" smtClean="0"/>
               <a:t>Click to edit Master subtitle style</a:t>
             </a:r>
-            <a:endParaRPr lang="en-IN"/>
+            <a:endParaRPr lang="en-US" dirty="0"/>
           </a:p>
         </p:txBody>
       </p:sp>
@@ -246,7 +308,7 @@
           <a:p>
             <a:fld id="{4301CC33-C1E3-43D5-954C-D3879CCC99B6}" type="datetimeFigureOut">
               <a:rPr lang="en-IN" smtClean="0"/>
-              <a:t>01-05-2022</a:t>
+              <a:t>08-05-2022</a:t>
             </a:fld>
             <a:endParaRPr lang="en-IN"/>
           </a:p>
@@ -294,10 +356,185 @@
           </a:p>
         </p:txBody>
       </p:sp>
+      <p:cxnSp>
+        <p:nvCxnSpPr>
+          <p:cNvPr id="16" name="Straight Connector 15"/>
+          <p:cNvCxnSpPr/>
+          <p:nvPr/>
+        </p:nvCxnSpPr>
+        <p:spPr>
+          <a:xfrm flipH="1">
+            <a:off x="8228012" y="8467"/>
+            <a:ext cx="3810000" cy="3810000"/>
+          </a:xfrm>
+          <a:prstGeom prst="line">
+            <a:avLst/>
+          </a:prstGeom>
+          <a:ln w="12700">
+            <a:solidFill>
+              <a:schemeClr val="tx1"/>
+            </a:solidFill>
+          </a:ln>
+        </p:spPr>
+        <p:style>
+          <a:lnRef idx="2">
+            <a:schemeClr val="accent1"/>
+          </a:lnRef>
+          <a:fillRef idx="0">
+            <a:schemeClr val="accent1"/>
+          </a:fillRef>
+          <a:effectRef idx="1">
+            <a:schemeClr val="accent1"/>
+          </a:effectRef>
+          <a:fontRef idx="minor">
+            <a:schemeClr val="tx1"/>
+          </a:fontRef>
+        </p:style>
+      </p:cxnSp>
+      <p:cxnSp>
+        <p:nvCxnSpPr>
+          <p:cNvPr id="17" name="Straight Connector 16"/>
+          <p:cNvCxnSpPr/>
+          <p:nvPr/>
+        </p:nvCxnSpPr>
+        <p:spPr>
+          <a:xfrm flipH="1">
+            <a:off x="6108170" y="91545"/>
+            <a:ext cx="6080655" cy="6080655"/>
+          </a:xfrm>
+          <a:prstGeom prst="line">
+            <a:avLst/>
+          </a:prstGeom>
+          <a:ln w="12700">
+            <a:solidFill>
+              <a:schemeClr val="tx1"/>
+            </a:solidFill>
+          </a:ln>
+        </p:spPr>
+        <p:style>
+          <a:lnRef idx="2">
+            <a:schemeClr val="accent1"/>
+          </a:lnRef>
+          <a:fillRef idx="0">
+            <a:schemeClr val="accent1"/>
+          </a:fillRef>
+          <a:effectRef idx="1">
+            <a:schemeClr val="accent1"/>
+          </a:effectRef>
+          <a:fontRef idx="minor">
+            <a:schemeClr val="tx1"/>
+          </a:fontRef>
+        </p:style>
+      </p:cxnSp>
+      <p:cxnSp>
+        <p:nvCxnSpPr>
+          <p:cNvPr id="19" name="Straight Connector 18"/>
+          <p:cNvCxnSpPr/>
+          <p:nvPr/>
+        </p:nvCxnSpPr>
+        <p:spPr>
+          <a:xfrm flipH="1">
+            <a:off x="7235825" y="228600"/>
+            <a:ext cx="4953000" cy="4953000"/>
+          </a:xfrm>
+          <a:prstGeom prst="line">
+            <a:avLst/>
+          </a:prstGeom>
+          <a:ln w="12700">
+            <a:solidFill>
+              <a:schemeClr val="tx1"/>
+            </a:solidFill>
+          </a:ln>
+        </p:spPr>
+        <p:style>
+          <a:lnRef idx="2">
+            <a:schemeClr val="accent1"/>
+          </a:lnRef>
+          <a:fillRef idx="0">
+            <a:schemeClr val="accent1"/>
+          </a:fillRef>
+          <a:effectRef idx="1">
+            <a:schemeClr val="accent1"/>
+          </a:effectRef>
+          <a:fontRef idx="minor">
+            <a:schemeClr val="tx1"/>
+          </a:fontRef>
+        </p:style>
+      </p:cxnSp>
+      <p:cxnSp>
+        <p:nvCxnSpPr>
+          <p:cNvPr id="21" name="Straight Connector 20"/>
+          <p:cNvCxnSpPr/>
+          <p:nvPr/>
+        </p:nvCxnSpPr>
+        <p:spPr>
+          <a:xfrm flipH="1">
+            <a:off x="7335837" y="32278"/>
+            <a:ext cx="4852989" cy="4852989"/>
+          </a:xfrm>
+          <a:prstGeom prst="line">
+            <a:avLst/>
+          </a:prstGeom>
+          <a:ln w="31750">
+            <a:solidFill>
+              <a:schemeClr val="tx1"/>
+            </a:solidFill>
+          </a:ln>
+        </p:spPr>
+        <p:style>
+          <a:lnRef idx="2">
+            <a:schemeClr val="accent1"/>
+          </a:lnRef>
+          <a:fillRef idx="0">
+            <a:schemeClr val="accent1"/>
+          </a:fillRef>
+          <a:effectRef idx="1">
+            <a:schemeClr val="accent1"/>
+          </a:effectRef>
+          <a:fontRef idx="minor">
+            <a:schemeClr val="tx1"/>
+          </a:fontRef>
+        </p:style>
+      </p:cxnSp>
+      <p:cxnSp>
+        <p:nvCxnSpPr>
+          <p:cNvPr id="23" name="Straight Connector 22"/>
+          <p:cNvCxnSpPr/>
+          <p:nvPr/>
+        </p:nvCxnSpPr>
+        <p:spPr>
+          <a:xfrm flipH="1">
+            <a:off x="7845426" y="609601"/>
+            <a:ext cx="4343399" cy="4343399"/>
+          </a:xfrm>
+          <a:prstGeom prst="line">
+            <a:avLst/>
+          </a:prstGeom>
+          <a:ln w="31750">
+            <a:solidFill>
+              <a:schemeClr val="tx1"/>
+            </a:solidFill>
+          </a:ln>
+        </p:spPr>
+        <p:style>
+          <a:lnRef idx="2">
+            <a:schemeClr val="accent1"/>
+          </a:lnRef>
+          <a:fillRef idx="0">
+            <a:schemeClr val="accent1"/>
+          </a:fillRef>
+          <a:effectRef idx="1">
+            <a:schemeClr val="accent1"/>
+          </a:effectRef>
+          <a:fontRef idx="minor">
+            <a:schemeClr val="tx1"/>
+          </a:fontRef>
+        </p:style>
+      </p:cxnSp>
     </p:spTree>
     <p:extLst>
       <p:ext uri="{BB962C8B-B14F-4D97-AF65-F5344CB8AC3E}">
-        <p14:creationId xmlns:p14="http://schemas.microsoft.com/office/powerpoint/2010/main" val="2143301740"/>
+        <p14:creationId xmlns:p14="http://schemas.microsoft.com/office/powerpoint/2010/main" val="4129420036"/>
       </p:ext>
     </p:extLst>
   </p:cSld>
@@ -308,6 +545,1812 @@
 </file>
 
 <file path=ppt/slideLayouts/slideLayout10.xml><?xml version="1.0" encoding="utf-8"?>
+<p:sldLayout xmlns:a="http://schemas.openxmlformats.org/drawingml/2006/main" xmlns:r="http://schemas.openxmlformats.org/officeDocument/2006/relationships" xmlns:p="http://schemas.openxmlformats.org/presentationml/2006/main" preserve="1">
+  <p:cSld name="Panoramic Picture with Caption">
+    <p:spTree>
+      <p:nvGrpSpPr>
+        <p:cNvPr id="1" name=""/>
+        <p:cNvGrpSpPr/>
+        <p:nvPr/>
+      </p:nvGrpSpPr>
+      <p:grpSpPr>
+        <a:xfrm>
+          <a:off x="0" y="0"/>
+          <a:ext cx="0" cy="0"/>
+          <a:chOff x="0" y="0"/>
+          <a:chExt cx="0" cy="0"/>
+        </a:xfrm>
+      </p:grpSpPr>
+      <p:sp>
+        <p:nvSpPr>
+          <p:cNvPr id="2" name="Title 1"/>
+          <p:cNvSpPr>
+            <a:spLocks noGrp="1"/>
+          </p:cNvSpPr>
+          <p:nvPr>
+            <p:ph type="title"/>
+          </p:nvPr>
+        </p:nvSpPr>
+        <p:spPr/>
+        <p:txBody>
+          <a:bodyPr/>
+          <a:lstStyle/>
+          <a:p>
+            <a:r>
+              <a:rPr lang="en-US" smtClean="0"/>
+              <a:t>Click to edit Master title style</a:t>
+            </a:r>
+            <a:endParaRPr lang="en-US" dirty="0"/>
+          </a:p>
+        </p:txBody>
+      </p:sp>
+      <p:sp>
+        <p:nvSpPr>
+          <p:cNvPr id="17" name="Picture Placeholder 2"/>
+          <p:cNvSpPr>
+            <a:spLocks noGrp="1" noChangeAspect="1"/>
+          </p:cNvSpPr>
+          <p:nvPr>
+            <p:ph type="pic" idx="13"/>
+          </p:nvPr>
+        </p:nvSpPr>
+        <p:spPr>
+          <a:xfrm>
+            <a:off x="685800" y="533400"/>
+            <a:ext cx="10818812" cy="3124200"/>
+          </a:xfrm>
+          <a:prstGeom prst="snip2DiagRect">
+            <a:avLst>
+              <a:gd name="adj1" fmla="val 10815"/>
+              <a:gd name="adj2" fmla="val 0"/>
+            </a:avLst>
+          </a:prstGeom>
+          <a:ln w="15875">
+            <a:solidFill>
+              <a:schemeClr val="tx1">
+                <a:alpha val="40000"/>
+              </a:schemeClr>
+            </a:solidFill>
+          </a:ln>
+          <a:effectLst>
+            <a:innerShdw blurRad="57150" dist="38100" dir="14460000">
+              <a:srgbClr val="000000">
+                <a:alpha val="70000"/>
+              </a:srgbClr>
+            </a:innerShdw>
+          </a:effectLst>
+        </p:spPr>
+        <p:txBody>
+          <a:bodyPr anchor="t">
+            <a:normAutofit/>
+          </a:bodyPr>
+          <a:lstStyle>
+            <a:lvl1pPr marL="0" indent="0" algn="ctr">
+              <a:buNone/>
+              <a:defRPr sz="1600"/>
+            </a:lvl1pPr>
+            <a:lvl2pPr marL="457200" indent="0">
+              <a:buNone/>
+              <a:defRPr sz="1600"/>
+            </a:lvl2pPr>
+            <a:lvl3pPr marL="914400" indent="0">
+              <a:buNone/>
+              <a:defRPr sz="1600"/>
+            </a:lvl3pPr>
+            <a:lvl4pPr marL="1371600" indent="0">
+              <a:buNone/>
+              <a:defRPr sz="1600"/>
+            </a:lvl4pPr>
+            <a:lvl5pPr marL="1828800" indent="0">
+              <a:buNone/>
+              <a:defRPr sz="1600"/>
+            </a:lvl5pPr>
+            <a:lvl6pPr marL="2286000" indent="0">
+              <a:buNone/>
+              <a:defRPr sz="1600"/>
+            </a:lvl6pPr>
+            <a:lvl7pPr marL="2743200" indent="0">
+              <a:buNone/>
+              <a:defRPr sz="1600"/>
+            </a:lvl7pPr>
+            <a:lvl8pPr marL="3200400" indent="0">
+              <a:buNone/>
+              <a:defRPr sz="1600"/>
+            </a:lvl8pPr>
+            <a:lvl9pPr marL="3657600" indent="0">
+              <a:buNone/>
+              <a:defRPr sz="1600"/>
+            </a:lvl9pPr>
+          </a:lstStyle>
+          <a:p>
+            <a:r>
+              <a:rPr lang="en-US" smtClean="0"/>
+              <a:t>Click icon to add picture</a:t>
+            </a:r>
+            <a:endParaRPr lang="en-US" dirty="0"/>
+          </a:p>
+        </p:txBody>
+      </p:sp>
+      <p:sp>
+        <p:nvSpPr>
+          <p:cNvPr id="16" name="Text Placeholder 9"/>
+          <p:cNvSpPr>
+            <a:spLocks noGrp="1"/>
+          </p:cNvSpPr>
+          <p:nvPr>
+            <p:ph type="body" sz="quarter" idx="14"/>
+          </p:nvPr>
+        </p:nvSpPr>
+        <p:spPr>
+          <a:xfrm>
+            <a:off x="914402" y="3843867"/>
+            <a:ext cx="8304210" cy="457200"/>
+          </a:xfrm>
+        </p:spPr>
+        <p:txBody>
+          <a:bodyPr anchor="t">
+            <a:normAutofit/>
+          </a:bodyPr>
+          <a:lstStyle>
+            <a:lvl1pPr marL="0" indent="0">
+              <a:buFontTx/>
+              <a:buNone/>
+              <a:defRPr sz="1600"/>
+            </a:lvl1pPr>
+            <a:lvl2pPr marL="457200" indent="0">
+              <a:buFontTx/>
+              <a:buNone/>
+              <a:defRPr/>
+            </a:lvl2pPr>
+            <a:lvl3pPr marL="914400" indent="0">
+              <a:buFontTx/>
+              <a:buNone/>
+              <a:defRPr/>
+            </a:lvl3pPr>
+            <a:lvl4pPr marL="1371600" indent="0">
+              <a:buFontTx/>
+              <a:buNone/>
+              <a:defRPr/>
+            </a:lvl4pPr>
+            <a:lvl5pPr marL="1828800" indent="0">
+              <a:buFontTx/>
+              <a:buNone/>
+              <a:defRPr/>
+            </a:lvl5pPr>
+          </a:lstStyle>
+          <a:p>
+            <a:pPr lvl="0"/>
+            <a:r>
+              <a:rPr lang="en-US" smtClean="0"/>
+              <a:t>Click to edit Master text styles</a:t>
+            </a:r>
+          </a:p>
+        </p:txBody>
+      </p:sp>
+      <p:sp>
+        <p:nvSpPr>
+          <p:cNvPr id="3" name="Date Placeholder 2"/>
+          <p:cNvSpPr>
+            <a:spLocks noGrp="1"/>
+          </p:cNvSpPr>
+          <p:nvPr>
+            <p:ph type="dt" sz="half" idx="10"/>
+          </p:nvPr>
+        </p:nvSpPr>
+        <p:spPr/>
+        <p:txBody>
+          <a:bodyPr/>
+          <a:lstStyle/>
+          <a:p>
+            <a:fld id="{4301CC33-C1E3-43D5-954C-D3879CCC99B6}" type="datetimeFigureOut">
+              <a:rPr lang="en-IN" smtClean="0"/>
+              <a:t>08-05-2022</a:t>
+            </a:fld>
+            <a:endParaRPr lang="en-IN"/>
+          </a:p>
+        </p:txBody>
+      </p:sp>
+      <p:sp>
+        <p:nvSpPr>
+          <p:cNvPr id="4" name="Footer Placeholder 3"/>
+          <p:cNvSpPr>
+            <a:spLocks noGrp="1"/>
+          </p:cNvSpPr>
+          <p:nvPr>
+            <p:ph type="ftr" sz="quarter" idx="11"/>
+          </p:nvPr>
+        </p:nvSpPr>
+        <p:spPr/>
+        <p:txBody>
+          <a:bodyPr/>
+          <a:lstStyle/>
+          <a:p>
+            <a:endParaRPr lang="en-IN"/>
+          </a:p>
+        </p:txBody>
+      </p:sp>
+      <p:sp>
+        <p:nvSpPr>
+          <p:cNvPr id="5" name="Slide Number Placeholder 4"/>
+          <p:cNvSpPr>
+            <a:spLocks noGrp="1"/>
+          </p:cNvSpPr>
+          <p:nvPr>
+            <p:ph type="sldNum" sz="quarter" idx="12"/>
+          </p:nvPr>
+        </p:nvSpPr>
+        <p:spPr/>
+        <p:txBody>
+          <a:bodyPr/>
+          <a:lstStyle/>
+          <a:p>
+            <a:fld id="{CB30A393-CD7A-45A1-9433-308CC08C211E}" type="slidenum">
+              <a:rPr lang="en-IN" smtClean="0"/>
+              <a:t>‹#›</a:t>
+            </a:fld>
+            <a:endParaRPr lang="en-IN"/>
+          </a:p>
+        </p:txBody>
+      </p:sp>
+    </p:spTree>
+    <p:extLst>
+      <p:ext uri="{BB962C8B-B14F-4D97-AF65-F5344CB8AC3E}">
+        <p14:creationId xmlns:p14="http://schemas.microsoft.com/office/powerpoint/2010/main" val="2395881644"/>
+      </p:ext>
+    </p:extLst>
+  </p:cSld>
+  <p:clrMapOvr>
+    <a:masterClrMapping/>
+  </p:clrMapOvr>
+</p:sldLayout>
+</file>
+
+<file path=ppt/slideLayouts/slideLayout11.xml><?xml version="1.0" encoding="utf-8"?>
+<p:sldLayout xmlns:a="http://schemas.openxmlformats.org/drawingml/2006/main" xmlns:r="http://schemas.openxmlformats.org/officeDocument/2006/relationships" xmlns:p="http://schemas.openxmlformats.org/presentationml/2006/main" preserve="1">
+  <p:cSld name="Title and Caption">
+    <p:spTree>
+      <p:nvGrpSpPr>
+        <p:cNvPr id="1" name=""/>
+        <p:cNvGrpSpPr/>
+        <p:nvPr/>
+      </p:nvGrpSpPr>
+      <p:grpSpPr>
+        <a:xfrm>
+          <a:off x="0" y="0"/>
+          <a:ext cx="0" cy="0"/>
+          <a:chOff x="0" y="0"/>
+          <a:chExt cx="0" cy="0"/>
+        </a:xfrm>
+      </p:grpSpPr>
+      <p:sp>
+        <p:nvSpPr>
+          <p:cNvPr id="2" name="Title 1"/>
+          <p:cNvSpPr>
+            <a:spLocks noGrp="1"/>
+          </p:cNvSpPr>
+          <p:nvPr>
+            <p:ph type="title"/>
+          </p:nvPr>
+        </p:nvSpPr>
+        <p:spPr>
+          <a:xfrm>
+            <a:off x="684213" y="685800"/>
+            <a:ext cx="10058400" cy="2743200"/>
+          </a:xfrm>
+        </p:spPr>
+        <p:txBody>
+          <a:bodyPr anchor="ctr">
+            <a:normAutofit/>
+          </a:bodyPr>
+          <a:lstStyle>
+            <a:lvl1pPr algn="l">
+              <a:defRPr sz="3200" b="0" cap="all"/>
+            </a:lvl1pPr>
+          </a:lstStyle>
+          <a:p>
+            <a:r>
+              <a:rPr lang="en-US" smtClean="0"/>
+              <a:t>Click to edit Master title style</a:t>
+            </a:r>
+            <a:endParaRPr lang="en-US" dirty="0"/>
+          </a:p>
+        </p:txBody>
+      </p:sp>
+      <p:sp>
+        <p:nvSpPr>
+          <p:cNvPr id="3" name="Text Placeholder 2"/>
+          <p:cNvSpPr>
+            <a:spLocks noGrp="1"/>
+          </p:cNvSpPr>
+          <p:nvPr>
+            <p:ph type="body" idx="1"/>
+          </p:nvPr>
+        </p:nvSpPr>
+        <p:spPr>
+          <a:xfrm>
+            <a:off x="684212" y="4114800"/>
+            <a:ext cx="8535988" cy="1879600"/>
+          </a:xfrm>
+        </p:spPr>
+        <p:txBody>
+          <a:bodyPr anchor="ctr">
+            <a:normAutofit/>
+          </a:bodyPr>
+          <a:lstStyle>
+            <a:lvl1pPr marL="0" indent="0" algn="l">
+              <a:buNone/>
+              <a:defRPr sz="2000">
+                <a:solidFill>
+                  <a:schemeClr val="bg2">
+                    <a:lumMod val="75000"/>
+                  </a:schemeClr>
+                </a:solidFill>
+              </a:defRPr>
+            </a:lvl1pPr>
+            <a:lvl2pPr marL="457200" indent="0">
+              <a:buNone/>
+              <a:defRPr sz="1800">
+                <a:solidFill>
+                  <a:schemeClr val="tx1">
+                    <a:tint val="75000"/>
+                  </a:schemeClr>
+                </a:solidFill>
+              </a:defRPr>
+            </a:lvl2pPr>
+            <a:lvl3pPr marL="914400" indent="0">
+              <a:buNone/>
+              <a:defRPr sz="1600">
+                <a:solidFill>
+                  <a:schemeClr val="tx1">
+                    <a:tint val="75000"/>
+                  </a:schemeClr>
+                </a:solidFill>
+              </a:defRPr>
+            </a:lvl3pPr>
+            <a:lvl4pPr marL="1371600" indent="0">
+              <a:buNone/>
+              <a:defRPr sz="1400">
+                <a:solidFill>
+                  <a:schemeClr val="tx1">
+                    <a:tint val="75000"/>
+                  </a:schemeClr>
+                </a:solidFill>
+              </a:defRPr>
+            </a:lvl4pPr>
+            <a:lvl5pPr marL="1828800" indent="0">
+              <a:buNone/>
+              <a:defRPr sz="1400">
+                <a:solidFill>
+                  <a:schemeClr val="tx1">
+                    <a:tint val="75000"/>
+                  </a:schemeClr>
+                </a:solidFill>
+              </a:defRPr>
+            </a:lvl5pPr>
+            <a:lvl6pPr marL="2286000" indent="0">
+              <a:buNone/>
+              <a:defRPr sz="1400">
+                <a:solidFill>
+                  <a:schemeClr val="tx1">
+                    <a:tint val="75000"/>
+                  </a:schemeClr>
+                </a:solidFill>
+              </a:defRPr>
+            </a:lvl6pPr>
+            <a:lvl7pPr marL="2743200" indent="0">
+              <a:buNone/>
+              <a:defRPr sz="1400">
+                <a:solidFill>
+                  <a:schemeClr val="tx1">
+                    <a:tint val="75000"/>
+                  </a:schemeClr>
+                </a:solidFill>
+              </a:defRPr>
+            </a:lvl7pPr>
+            <a:lvl8pPr marL="3200400" indent="0">
+              <a:buNone/>
+              <a:defRPr sz="1400">
+                <a:solidFill>
+                  <a:schemeClr val="tx1">
+                    <a:tint val="75000"/>
+                  </a:schemeClr>
+                </a:solidFill>
+              </a:defRPr>
+            </a:lvl8pPr>
+            <a:lvl9pPr marL="3657600" indent="0">
+              <a:buNone/>
+              <a:defRPr sz="1400">
+                <a:solidFill>
+                  <a:schemeClr val="tx1">
+                    <a:tint val="75000"/>
+                  </a:schemeClr>
+                </a:solidFill>
+              </a:defRPr>
+            </a:lvl9pPr>
+          </a:lstStyle>
+          <a:p>
+            <a:pPr lvl="0"/>
+            <a:r>
+              <a:rPr lang="en-US" smtClean="0"/>
+              <a:t>Click to edit Master text styles</a:t>
+            </a:r>
+          </a:p>
+        </p:txBody>
+      </p:sp>
+      <p:sp>
+        <p:nvSpPr>
+          <p:cNvPr id="4" name="Date Placeholder 3"/>
+          <p:cNvSpPr>
+            <a:spLocks noGrp="1"/>
+          </p:cNvSpPr>
+          <p:nvPr>
+            <p:ph type="dt" sz="half" idx="10"/>
+          </p:nvPr>
+        </p:nvSpPr>
+        <p:spPr/>
+        <p:txBody>
+          <a:bodyPr/>
+          <a:lstStyle/>
+          <a:p>
+            <a:fld id="{4301CC33-C1E3-43D5-954C-D3879CCC99B6}" type="datetimeFigureOut">
+              <a:rPr lang="en-IN" smtClean="0"/>
+              <a:t>08-05-2022</a:t>
+            </a:fld>
+            <a:endParaRPr lang="en-IN"/>
+          </a:p>
+        </p:txBody>
+      </p:sp>
+      <p:sp>
+        <p:nvSpPr>
+          <p:cNvPr id="5" name="Footer Placeholder 4"/>
+          <p:cNvSpPr>
+            <a:spLocks noGrp="1"/>
+          </p:cNvSpPr>
+          <p:nvPr>
+            <p:ph type="ftr" sz="quarter" idx="11"/>
+          </p:nvPr>
+        </p:nvSpPr>
+        <p:spPr/>
+        <p:txBody>
+          <a:bodyPr/>
+          <a:lstStyle/>
+          <a:p>
+            <a:endParaRPr lang="en-IN"/>
+          </a:p>
+        </p:txBody>
+      </p:sp>
+      <p:sp>
+        <p:nvSpPr>
+          <p:cNvPr id="6" name="Slide Number Placeholder 5"/>
+          <p:cNvSpPr>
+            <a:spLocks noGrp="1"/>
+          </p:cNvSpPr>
+          <p:nvPr>
+            <p:ph type="sldNum" sz="quarter" idx="12"/>
+          </p:nvPr>
+        </p:nvSpPr>
+        <p:spPr/>
+        <p:txBody>
+          <a:bodyPr/>
+          <a:lstStyle/>
+          <a:p>
+            <a:fld id="{CB30A393-CD7A-45A1-9433-308CC08C211E}" type="slidenum">
+              <a:rPr lang="en-IN" smtClean="0"/>
+              <a:t>‹#›</a:t>
+            </a:fld>
+            <a:endParaRPr lang="en-IN"/>
+          </a:p>
+        </p:txBody>
+      </p:sp>
+    </p:spTree>
+    <p:extLst>
+      <p:ext uri="{BB962C8B-B14F-4D97-AF65-F5344CB8AC3E}">
+        <p14:creationId xmlns:p14="http://schemas.microsoft.com/office/powerpoint/2010/main" val="53000225"/>
+      </p:ext>
+    </p:extLst>
+  </p:cSld>
+  <p:clrMapOvr>
+    <a:masterClrMapping/>
+  </p:clrMapOvr>
+</p:sldLayout>
+</file>
+
+<file path=ppt/slideLayouts/slideLayout12.xml><?xml version="1.0" encoding="utf-8"?>
+<p:sldLayout xmlns:a="http://schemas.openxmlformats.org/drawingml/2006/main" xmlns:r="http://schemas.openxmlformats.org/officeDocument/2006/relationships" xmlns:p="http://schemas.openxmlformats.org/presentationml/2006/main" preserve="1">
+  <p:cSld name="Quote with Caption">
+    <p:spTree>
+      <p:nvGrpSpPr>
+        <p:cNvPr id="1" name=""/>
+        <p:cNvGrpSpPr/>
+        <p:nvPr/>
+      </p:nvGrpSpPr>
+      <p:grpSpPr>
+        <a:xfrm>
+          <a:off x="0" y="0"/>
+          <a:ext cx="0" cy="0"/>
+          <a:chOff x="0" y="0"/>
+          <a:chExt cx="0" cy="0"/>
+        </a:xfrm>
+      </p:grpSpPr>
+      <p:sp>
+        <p:nvSpPr>
+          <p:cNvPr id="2" name="Title 1"/>
+          <p:cNvSpPr>
+            <a:spLocks noGrp="1"/>
+          </p:cNvSpPr>
+          <p:nvPr>
+            <p:ph type="title"/>
+          </p:nvPr>
+        </p:nvSpPr>
+        <p:spPr>
+          <a:xfrm>
+            <a:off x="1141411" y="685800"/>
+            <a:ext cx="9144001" cy="2743200"/>
+          </a:xfrm>
+        </p:spPr>
+        <p:txBody>
+          <a:bodyPr anchor="ctr">
+            <a:normAutofit/>
+          </a:bodyPr>
+          <a:lstStyle>
+            <a:lvl1pPr algn="l">
+              <a:defRPr sz="3200" b="0" cap="all">
+                <a:solidFill>
+                  <a:schemeClr val="tx1"/>
+                </a:solidFill>
+              </a:defRPr>
+            </a:lvl1pPr>
+          </a:lstStyle>
+          <a:p>
+            <a:r>
+              <a:rPr lang="en-US" smtClean="0"/>
+              <a:t>Click to edit Master title style</a:t>
+            </a:r>
+            <a:endParaRPr lang="en-US" dirty="0"/>
+          </a:p>
+        </p:txBody>
+      </p:sp>
+      <p:sp>
+        <p:nvSpPr>
+          <p:cNvPr id="10" name="Text Placeholder 9"/>
+          <p:cNvSpPr>
+            <a:spLocks noGrp="1"/>
+          </p:cNvSpPr>
+          <p:nvPr>
+            <p:ph type="body" sz="quarter" idx="13"/>
+          </p:nvPr>
+        </p:nvSpPr>
+        <p:spPr>
+          <a:xfrm>
+            <a:off x="1446212" y="3429000"/>
+            <a:ext cx="8534400" cy="381000"/>
+          </a:xfrm>
+        </p:spPr>
+        <p:txBody>
+          <a:bodyPr anchor="ctr"/>
+          <a:lstStyle>
+            <a:lvl1pPr marL="0" indent="0">
+              <a:buFontTx/>
+              <a:buNone/>
+              <a:defRPr/>
+            </a:lvl1pPr>
+            <a:lvl2pPr marL="457200" indent="0">
+              <a:buFontTx/>
+              <a:buNone/>
+              <a:defRPr/>
+            </a:lvl2pPr>
+            <a:lvl3pPr marL="914400" indent="0">
+              <a:buFontTx/>
+              <a:buNone/>
+              <a:defRPr/>
+            </a:lvl3pPr>
+            <a:lvl4pPr marL="1371600" indent="0">
+              <a:buFontTx/>
+              <a:buNone/>
+              <a:defRPr/>
+            </a:lvl4pPr>
+            <a:lvl5pPr marL="1828800" indent="0">
+              <a:buFontTx/>
+              <a:buNone/>
+              <a:defRPr/>
+            </a:lvl5pPr>
+          </a:lstStyle>
+          <a:p>
+            <a:pPr lvl="0"/>
+            <a:r>
+              <a:rPr lang="en-US" smtClean="0"/>
+              <a:t>Click to edit Master text styles</a:t>
+            </a:r>
+          </a:p>
+        </p:txBody>
+      </p:sp>
+      <p:sp>
+        <p:nvSpPr>
+          <p:cNvPr id="3" name="Text Placeholder 2"/>
+          <p:cNvSpPr>
+            <a:spLocks noGrp="1"/>
+          </p:cNvSpPr>
+          <p:nvPr>
+            <p:ph type="body" idx="1"/>
+          </p:nvPr>
+        </p:nvSpPr>
+        <p:spPr>
+          <a:xfrm>
+            <a:off x="684213" y="4301067"/>
+            <a:ext cx="8534400" cy="1684865"/>
+          </a:xfrm>
+        </p:spPr>
+        <p:txBody>
+          <a:bodyPr anchor="ctr">
+            <a:normAutofit/>
+          </a:bodyPr>
+          <a:lstStyle>
+            <a:lvl1pPr marL="0" indent="0" algn="l">
+              <a:buNone/>
+              <a:defRPr sz="2000">
+                <a:solidFill>
+                  <a:schemeClr val="bg2">
+                    <a:lumMod val="75000"/>
+                  </a:schemeClr>
+                </a:solidFill>
+              </a:defRPr>
+            </a:lvl1pPr>
+            <a:lvl2pPr marL="457200" indent="0">
+              <a:buNone/>
+              <a:defRPr sz="1800">
+                <a:solidFill>
+                  <a:schemeClr val="tx1">
+                    <a:tint val="75000"/>
+                  </a:schemeClr>
+                </a:solidFill>
+              </a:defRPr>
+            </a:lvl2pPr>
+            <a:lvl3pPr marL="914400" indent="0">
+              <a:buNone/>
+              <a:defRPr sz="1600">
+                <a:solidFill>
+                  <a:schemeClr val="tx1">
+                    <a:tint val="75000"/>
+                  </a:schemeClr>
+                </a:solidFill>
+              </a:defRPr>
+            </a:lvl3pPr>
+            <a:lvl4pPr marL="1371600" indent="0">
+              <a:buNone/>
+              <a:defRPr sz="1400">
+                <a:solidFill>
+                  <a:schemeClr val="tx1">
+                    <a:tint val="75000"/>
+                  </a:schemeClr>
+                </a:solidFill>
+              </a:defRPr>
+            </a:lvl4pPr>
+            <a:lvl5pPr marL="1828800" indent="0">
+              <a:buNone/>
+              <a:defRPr sz="1400">
+                <a:solidFill>
+                  <a:schemeClr val="tx1">
+                    <a:tint val="75000"/>
+                  </a:schemeClr>
+                </a:solidFill>
+              </a:defRPr>
+            </a:lvl5pPr>
+            <a:lvl6pPr marL="2286000" indent="0">
+              <a:buNone/>
+              <a:defRPr sz="1400">
+                <a:solidFill>
+                  <a:schemeClr val="tx1">
+                    <a:tint val="75000"/>
+                  </a:schemeClr>
+                </a:solidFill>
+              </a:defRPr>
+            </a:lvl6pPr>
+            <a:lvl7pPr marL="2743200" indent="0">
+              <a:buNone/>
+              <a:defRPr sz="1400">
+                <a:solidFill>
+                  <a:schemeClr val="tx1">
+                    <a:tint val="75000"/>
+                  </a:schemeClr>
+                </a:solidFill>
+              </a:defRPr>
+            </a:lvl7pPr>
+            <a:lvl8pPr marL="3200400" indent="0">
+              <a:buNone/>
+              <a:defRPr sz="1400">
+                <a:solidFill>
+                  <a:schemeClr val="tx1">
+                    <a:tint val="75000"/>
+                  </a:schemeClr>
+                </a:solidFill>
+              </a:defRPr>
+            </a:lvl8pPr>
+            <a:lvl9pPr marL="3657600" indent="0">
+              <a:buNone/>
+              <a:defRPr sz="1400">
+                <a:solidFill>
+                  <a:schemeClr val="tx1">
+                    <a:tint val="75000"/>
+                  </a:schemeClr>
+                </a:solidFill>
+              </a:defRPr>
+            </a:lvl9pPr>
+          </a:lstStyle>
+          <a:p>
+            <a:pPr lvl="0"/>
+            <a:r>
+              <a:rPr lang="en-US" smtClean="0"/>
+              <a:t>Click to edit Master text styles</a:t>
+            </a:r>
+          </a:p>
+        </p:txBody>
+      </p:sp>
+      <p:sp>
+        <p:nvSpPr>
+          <p:cNvPr id="4" name="Date Placeholder 3"/>
+          <p:cNvSpPr>
+            <a:spLocks noGrp="1"/>
+          </p:cNvSpPr>
+          <p:nvPr>
+            <p:ph type="dt" sz="half" idx="10"/>
+          </p:nvPr>
+        </p:nvSpPr>
+        <p:spPr/>
+        <p:txBody>
+          <a:bodyPr/>
+          <a:lstStyle/>
+          <a:p>
+            <a:fld id="{4301CC33-C1E3-43D5-954C-D3879CCC99B6}" type="datetimeFigureOut">
+              <a:rPr lang="en-IN" smtClean="0"/>
+              <a:t>08-05-2022</a:t>
+            </a:fld>
+            <a:endParaRPr lang="en-IN"/>
+          </a:p>
+        </p:txBody>
+      </p:sp>
+      <p:sp>
+        <p:nvSpPr>
+          <p:cNvPr id="5" name="Footer Placeholder 4"/>
+          <p:cNvSpPr>
+            <a:spLocks noGrp="1"/>
+          </p:cNvSpPr>
+          <p:nvPr>
+            <p:ph type="ftr" sz="quarter" idx="11"/>
+          </p:nvPr>
+        </p:nvSpPr>
+        <p:spPr/>
+        <p:txBody>
+          <a:bodyPr/>
+          <a:lstStyle/>
+          <a:p>
+            <a:endParaRPr lang="en-IN"/>
+          </a:p>
+        </p:txBody>
+      </p:sp>
+      <p:sp>
+        <p:nvSpPr>
+          <p:cNvPr id="6" name="Slide Number Placeholder 5"/>
+          <p:cNvSpPr>
+            <a:spLocks noGrp="1"/>
+          </p:cNvSpPr>
+          <p:nvPr>
+            <p:ph type="sldNum" sz="quarter" idx="12"/>
+          </p:nvPr>
+        </p:nvSpPr>
+        <p:spPr/>
+        <p:txBody>
+          <a:bodyPr/>
+          <a:lstStyle/>
+          <a:p>
+            <a:fld id="{CB30A393-CD7A-45A1-9433-308CC08C211E}" type="slidenum">
+              <a:rPr lang="en-IN" smtClean="0"/>
+              <a:t>‹#›</a:t>
+            </a:fld>
+            <a:endParaRPr lang="en-IN"/>
+          </a:p>
+        </p:txBody>
+      </p:sp>
+      <p:sp>
+        <p:nvSpPr>
+          <p:cNvPr id="14" name="TextBox 13"/>
+          <p:cNvSpPr txBox="1"/>
+          <p:nvPr/>
+        </p:nvSpPr>
+        <p:spPr>
+          <a:xfrm>
+            <a:off x="531812" y="812222"/>
+            <a:ext cx="609600" cy="584776"/>
+          </a:xfrm>
+          <a:prstGeom prst="rect">
+            <a:avLst/>
+          </a:prstGeom>
+        </p:spPr>
+        <p:txBody>
+          <a:bodyPr vert="horz" lIns="91440" tIns="45720" rIns="91440" bIns="45720" rtlCol="0" anchor="ctr">
+            <a:noAutofit/>
+          </a:bodyPr>
+          <a:lstStyle/>
+          <a:p>
+            <a:pPr lvl="0"/>
+            <a:r>
+              <a:rPr lang="en-US" sz="8000" dirty="0">
+                <a:solidFill>
+                  <a:schemeClr val="tx1"/>
+                </a:solidFill>
+                <a:effectLst/>
+              </a:rPr>
+              <a:t>“</a:t>
+            </a:r>
+          </a:p>
+        </p:txBody>
+      </p:sp>
+      <p:sp>
+        <p:nvSpPr>
+          <p:cNvPr id="15" name="TextBox 14"/>
+          <p:cNvSpPr txBox="1"/>
+          <p:nvPr/>
+        </p:nvSpPr>
+        <p:spPr>
+          <a:xfrm>
+            <a:off x="10285412" y="2768601"/>
+            <a:ext cx="609600" cy="584776"/>
+          </a:xfrm>
+          <a:prstGeom prst="rect">
+            <a:avLst/>
+          </a:prstGeom>
+        </p:spPr>
+        <p:txBody>
+          <a:bodyPr vert="horz" lIns="91440" tIns="45720" rIns="91440" bIns="45720" rtlCol="0" anchor="ctr">
+            <a:noAutofit/>
+          </a:bodyPr>
+          <a:lstStyle/>
+          <a:p>
+            <a:pPr lvl="0" algn="r"/>
+            <a:r>
+              <a:rPr lang="en-US" sz="8000" dirty="0">
+                <a:solidFill>
+                  <a:schemeClr val="tx1"/>
+                </a:solidFill>
+                <a:effectLst/>
+              </a:rPr>
+              <a:t>”</a:t>
+            </a:r>
+          </a:p>
+        </p:txBody>
+      </p:sp>
+    </p:spTree>
+    <p:extLst>
+      <p:ext uri="{BB962C8B-B14F-4D97-AF65-F5344CB8AC3E}">
+        <p14:creationId xmlns:p14="http://schemas.microsoft.com/office/powerpoint/2010/main" val="2393446924"/>
+      </p:ext>
+    </p:extLst>
+  </p:cSld>
+  <p:clrMapOvr>
+    <a:masterClrMapping/>
+  </p:clrMapOvr>
+</p:sldLayout>
+</file>
+
+<file path=ppt/slideLayouts/slideLayout13.xml><?xml version="1.0" encoding="utf-8"?>
+<p:sldLayout xmlns:a="http://schemas.openxmlformats.org/drawingml/2006/main" xmlns:r="http://schemas.openxmlformats.org/officeDocument/2006/relationships" xmlns:p="http://schemas.openxmlformats.org/presentationml/2006/main" preserve="1">
+  <p:cSld name="Name Card">
+    <p:spTree>
+      <p:nvGrpSpPr>
+        <p:cNvPr id="1" name=""/>
+        <p:cNvGrpSpPr/>
+        <p:nvPr/>
+      </p:nvGrpSpPr>
+      <p:grpSpPr>
+        <a:xfrm>
+          <a:off x="0" y="0"/>
+          <a:ext cx="0" cy="0"/>
+          <a:chOff x="0" y="0"/>
+          <a:chExt cx="0" cy="0"/>
+        </a:xfrm>
+      </p:grpSpPr>
+      <p:sp>
+        <p:nvSpPr>
+          <p:cNvPr id="2" name="Title 1"/>
+          <p:cNvSpPr>
+            <a:spLocks noGrp="1"/>
+          </p:cNvSpPr>
+          <p:nvPr>
+            <p:ph type="title"/>
+          </p:nvPr>
+        </p:nvSpPr>
+        <p:spPr>
+          <a:xfrm>
+            <a:off x="684212" y="3429000"/>
+            <a:ext cx="8534400" cy="1697400"/>
+          </a:xfrm>
+        </p:spPr>
+        <p:txBody>
+          <a:bodyPr anchor="b">
+            <a:normAutofit/>
+          </a:bodyPr>
+          <a:lstStyle>
+            <a:lvl1pPr algn="l">
+              <a:defRPr sz="3200" b="0" cap="all"/>
+            </a:lvl1pPr>
+          </a:lstStyle>
+          <a:p>
+            <a:r>
+              <a:rPr lang="en-US" smtClean="0"/>
+              <a:t>Click to edit Master title style</a:t>
+            </a:r>
+            <a:endParaRPr lang="en-US" dirty="0"/>
+          </a:p>
+        </p:txBody>
+      </p:sp>
+      <p:sp>
+        <p:nvSpPr>
+          <p:cNvPr id="3" name="Text Placeholder 2"/>
+          <p:cNvSpPr>
+            <a:spLocks noGrp="1"/>
+          </p:cNvSpPr>
+          <p:nvPr>
+            <p:ph type="body" idx="1"/>
+          </p:nvPr>
+        </p:nvSpPr>
+        <p:spPr>
+          <a:xfrm>
+            <a:off x="684211" y="5132981"/>
+            <a:ext cx="8535990" cy="860400"/>
+          </a:xfrm>
+        </p:spPr>
+        <p:txBody>
+          <a:bodyPr anchor="t">
+            <a:normAutofit/>
+          </a:bodyPr>
+          <a:lstStyle>
+            <a:lvl1pPr marL="0" indent="0" algn="l">
+              <a:buNone/>
+              <a:defRPr sz="2000">
+                <a:solidFill>
+                  <a:schemeClr val="bg2">
+                    <a:lumMod val="75000"/>
+                  </a:schemeClr>
+                </a:solidFill>
+              </a:defRPr>
+            </a:lvl1pPr>
+            <a:lvl2pPr marL="457200" indent="0">
+              <a:buNone/>
+              <a:defRPr sz="1800">
+                <a:solidFill>
+                  <a:schemeClr val="tx1">
+                    <a:tint val="75000"/>
+                  </a:schemeClr>
+                </a:solidFill>
+              </a:defRPr>
+            </a:lvl2pPr>
+            <a:lvl3pPr marL="914400" indent="0">
+              <a:buNone/>
+              <a:defRPr sz="1600">
+                <a:solidFill>
+                  <a:schemeClr val="tx1">
+                    <a:tint val="75000"/>
+                  </a:schemeClr>
+                </a:solidFill>
+              </a:defRPr>
+            </a:lvl3pPr>
+            <a:lvl4pPr marL="1371600" indent="0">
+              <a:buNone/>
+              <a:defRPr sz="1400">
+                <a:solidFill>
+                  <a:schemeClr val="tx1">
+                    <a:tint val="75000"/>
+                  </a:schemeClr>
+                </a:solidFill>
+              </a:defRPr>
+            </a:lvl4pPr>
+            <a:lvl5pPr marL="1828800" indent="0">
+              <a:buNone/>
+              <a:defRPr sz="1400">
+                <a:solidFill>
+                  <a:schemeClr val="tx1">
+                    <a:tint val="75000"/>
+                  </a:schemeClr>
+                </a:solidFill>
+              </a:defRPr>
+            </a:lvl5pPr>
+            <a:lvl6pPr marL="2286000" indent="0">
+              <a:buNone/>
+              <a:defRPr sz="1400">
+                <a:solidFill>
+                  <a:schemeClr val="tx1">
+                    <a:tint val="75000"/>
+                  </a:schemeClr>
+                </a:solidFill>
+              </a:defRPr>
+            </a:lvl6pPr>
+            <a:lvl7pPr marL="2743200" indent="0">
+              <a:buNone/>
+              <a:defRPr sz="1400">
+                <a:solidFill>
+                  <a:schemeClr val="tx1">
+                    <a:tint val="75000"/>
+                  </a:schemeClr>
+                </a:solidFill>
+              </a:defRPr>
+            </a:lvl7pPr>
+            <a:lvl8pPr marL="3200400" indent="0">
+              <a:buNone/>
+              <a:defRPr sz="1400">
+                <a:solidFill>
+                  <a:schemeClr val="tx1">
+                    <a:tint val="75000"/>
+                  </a:schemeClr>
+                </a:solidFill>
+              </a:defRPr>
+            </a:lvl8pPr>
+            <a:lvl9pPr marL="3657600" indent="0">
+              <a:buNone/>
+              <a:defRPr sz="1400">
+                <a:solidFill>
+                  <a:schemeClr val="tx1">
+                    <a:tint val="75000"/>
+                  </a:schemeClr>
+                </a:solidFill>
+              </a:defRPr>
+            </a:lvl9pPr>
+          </a:lstStyle>
+          <a:p>
+            <a:pPr lvl="0"/>
+            <a:r>
+              <a:rPr lang="en-US" smtClean="0"/>
+              <a:t>Click to edit Master text styles</a:t>
+            </a:r>
+          </a:p>
+        </p:txBody>
+      </p:sp>
+      <p:sp>
+        <p:nvSpPr>
+          <p:cNvPr id="4" name="Date Placeholder 3"/>
+          <p:cNvSpPr>
+            <a:spLocks noGrp="1"/>
+          </p:cNvSpPr>
+          <p:nvPr>
+            <p:ph type="dt" sz="half" idx="10"/>
+          </p:nvPr>
+        </p:nvSpPr>
+        <p:spPr/>
+        <p:txBody>
+          <a:bodyPr/>
+          <a:lstStyle/>
+          <a:p>
+            <a:fld id="{4301CC33-C1E3-43D5-954C-D3879CCC99B6}" type="datetimeFigureOut">
+              <a:rPr lang="en-IN" smtClean="0"/>
+              <a:t>08-05-2022</a:t>
+            </a:fld>
+            <a:endParaRPr lang="en-IN"/>
+          </a:p>
+        </p:txBody>
+      </p:sp>
+      <p:sp>
+        <p:nvSpPr>
+          <p:cNvPr id="5" name="Footer Placeholder 4"/>
+          <p:cNvSpPr>
+            <a:spLocks noGrp="1"/>
+          </p:cNvSpPr>
+          <p:nvPr>
+            <p:ph type="ftr" sz="quarter" idx="11"/>
+          </p:nvPr>
+        </p:nvSpPr>
+        <p:spPr/>
+        <p:txBody>
+          <a:bodyPr/>
+          <a:lstStyle/>
+          <a:p>
+            <a:endParaRPr lang="en-IN"/>
+          </a:p>
+        </p:txBody>
+      </p:sp>
+      <p:sp>
+        <p:nvSpPr>
+          <p:cNvPr id="6" name="Slide Number Placeholder 5"/>
+          <p:cNvSpPr>
+            <a:spLocks noGrp="1"/>
+          </p:cNvSpPr>
+          <p:nvPr>
+            <p:ph type="sldNum" sz="quarter" idx="12"/>
+          </p:nvPr>
+        </p:nvSpPr>
+        <p:spPr/>
+        <p:txBody>
+          <a:bodyPr/>
+          <a:lstStyle/>
+          <a:p>
+            <a:fld id="{CB30A393-CD7A-45A1-9433-308CC08C211E}" type="slidenum">
+              <a:rPr lang="en-IN" smtClean="0"/>
+              <a:t>‹#›</a:t>
+            </a:fld>
+            <a:endParaRPr lang="en-IN"/>
+          </a:p>
+        </p:txBody>
+      </p:sp>
+    </p:spTree>
+    <p:extLst>
+      <p:ext uri="{BB962C8B-B14F-4D97-AF65-F5344CB8AC3E}">
+        <p14:creationId xmlns:p14="http://schemas.microsoft.com/office/powerpoint/2010/main" val="1317892808"/>
+      </p:ext>
+    </p:extLst>
+  </p:cSld>
+  <p:clrMapOvr>
+    <a:masterClrMapping/>
+  </p:clrMapOvr>
+</p:sldLayout>
+</file>
+
+<file path=ppt/slideLayouts/slideLayout14.xml><?xml version="1.0" encoding="utf-8"?>
+<p:sldLayout xmlns:a="http://schemas.openxmlformats.org/drawingml/2006/main" xmlns:r="http://schemas.openxmlformats.org/officeDocument/2006/relationships" xmlns:p="http://schemas.openxmlformats.org/presentationml/2006/main" preserve="1">
+  <p:cSld name="Quote Name Card">
+    <p:spTree>
+      <p:nvGrpSpPr>
+        <p:cNvPr id="1" name=""/>
+        <p:cNvGrpSpPr/>
+        <p:nvPr/>
+      </p:nvGrpSpPr>
+      <p:grpSpPr>
+        <a:xfrm>
+          <a:off x="0" y="0"/>
+          <a:ext cx="0" cy="0"/>
+          <a:chOff x="0" y="0"/>
+          <a:chExt cx="0" cy="0"/>
+        </a:xfrm>
+      </p:grpSpPr>
+      <p:sp>
+        <p:nvSpPr>
+          <p:cNvPr id="2" name="Title 1"/>
+          <p:cNvSpPr>
+            <a:spLocks noGrp="1"/>
+          </p:cNvSpPr>
+          <p:nvPr>
+            <p:ph type="title"/>
+          </p:nvPr>
+        </p:nvSpPr>
+        <p:spPr>
+          <a:xfrm>
+            <a:off x="1141413" y="685800"/>
+            <a:ext cx="9144000" cy="2743200"/>
+          </a:xfrm>
+        </p:spPr>
+        <p:txBody>
+          <a:bodyPr anchor="ctr">
+            <a:normAutofit/>
+          </a:bodyPr>
+          <a:lstStyle>
+            <a:lvl1pPr algn="l">
+              <a:defRPr sz="3200" b="0" cap="all">
+                <a:solidFill>
+                  <a:schemeClr val="tx1"/>
+                </a:solidFill>
+              </a:defRPr>
+            </a:lvl1pPr>
+          </a:lstStyle>
+          <a:p>
+            <a:r>
+              <a:rPr lang="en-US" smtClean="0"/>
+              <a:t>Click to edit Master title style</a:t>
+            </a:r>
+            <a:endParaRPr lang="en-US" dirty="0"/>
+          </a:p>
+        </p:txBody>
+      </p:sp>
+      <p:sp>
+        <p:nvSpPr>
+          <p:cNvPr id="10" name="Text Placeholder 9"/>
+          <p:cNvSpPr>
+            <a:spLocks noGrp="1"/>
+          </p:cNvSpPr>
+          <p:nvPr>
+            <p:ph type="body" sz="quarter" idx="13"/>
+          </p:nvPr>
+        </p:nvSpPr>
+        <p:spPr>
+          <a:xfrm>
+            <a:off x="684212" y="3928534"/>
+            <a:ext cx="8534401" cy="1049866"/>
+          </a:xfrm>
+        </p:spPr>
+        <p:txBody>
+          <a:bodyPr vert="horz" lIns="91440" tIns="45720" rIns="91440" bIns="45720" rtlCol="0" anchor="b">
+            <a:normAutofit/>
+          </a:bodyPr>
+          <a:lstStyle>
+            <a:lvl1pPr>
+              <a:buNone/>
+              <a:defRPr lang="en-US" sz="2400" b="0" cap="all" dirty="0">
+                <a:ln w="3175" cmpd="sng">
+                  <a:noFill/>
+                </a:ln>
+                <a:solidFill>
+                  <a:schemeClr val="tx1"/>
+                </a:solidFill>
+                <a:effectLst/>
+              </a:defRPr>
+            </a:lvl1pPr>
+          </a:lstStyle>
+          <a:p>
+            <a:pPr marL="0" lvl="0">
+              <a:spcBef>
+                <a:spcPct val="0"/>
+              </a:spcBef>
+              <a:buNone/>
+            </a:pPr>
+            <a:r>
+              <a:rPr lang="en-US" smtClean="0"/>
+              <a:t>Click to edit Master text styles</a:t>
+            </a:r>
+          </a:p>
+        </p:txBody>
+      </p:sp>
+      <p:sp>
+        <p:nvSpPr>
+          <p:cNvPr id="3" name="Text Placeholder 2"/>
+          <p:cNvSpPr>
+            <a:spLocks noGrp="1"/>
+          </p:cNvSpPr>
+          <p:nvPr>
+            <p:ph type="body" idx="1"/>
+          </p:nvPr>
+        </p:nvSpPr>
+        <p:spPr>
+          <a:xfrm>
+            <a:off x="684211" y="4978400"/>
+            <a:ext cx="8534401" cy="1016000"/>
+          </a:xfrm>
+        </p:spPr>
+        <p:txBody>
+          <a:bodyPr anchor="t">
+            <a:normAutofit/>
+          </a:bodyPr>
+          <a:lstStyle>
+            <a:lvl1pPr marL="0" indent="0" algn="l">
+              <a:buNone/>
+              <a:defRPr sz="1800">
+                <a:solidFill>
+                  <a:schemeClr val="bg2">
+                    <a:lumMod val="75000"/>
+                  </a:schemeClr>
+                </a:solidFill>
+              </a:defRPr>
+            </a:lvl1pPr>
+            <a:lvl2pPr marL="457200" indent="0">
+              <a:buNone/>
+              <a:defRPr sz="1800">
+                <a:solidFill>
+                  <a:schemeClr val="tx1">
+                    <a:tint val="75000"/>
+                  </a:schemeClr>
+                </a:solidFill>
+              </a:defRPr>
+            </a:lvl2pPr>
+            <a:lvl3pPr marL="914400" indent="0">
+              <a:buNone/>
+              <a:defRPr sz="1600">
+                <a:solidFill>
+                  <a:schemeClr val="tx1">
+                    <a:tint val="75000"/>
+                  </a:schemeClr>
+                </a:solidFill>
+              </a:defRPr>
+            </a:lvl3pPr>
+            <a:lvl4pPr marL="1371600" indent="0">
+              <a:buNone/>
+              <a:defRPr sz="1400">
+                <a:solidFill>
+                  <a:schemeClr val="tx1">
+                    <a:tint val="75000"/>
+                  </a:schemeClr>
+                </a:solidFill>
+              </a:defRPr>
+            </a:lvl4pPr>
+            <a:lvl5pPr marL="1828800" indent="0">
+              <a:buNone/>
+              <a:defRPr sz="1400">
+                <a:solidFill>
+                  <a:schemeClr val="tx1">
+                    <a:tint val="75000"/>
+                  </a:schemeClr>
+                </a:solidFill>
+              </a:defRPr>
+            </a:lvl5pPr>
+            <a:lvl6pPr marL="2286000" indent="0">
+              <a:buNone/>
+              <a:defRPr sz="1400">
+                <a:solidFill>
+                  <a:schemeClr val="tx1">
+                    <a:tint val="75000"/>
+                  </a:schemeClr>
+                </a:solidFill>
+              </a:defRPr>
+            </a:lvl6pPr>
+            <a:lvl7pPr marL="2743200" indent="0">
+              <a:buNone/>
+              <a:defRPr sz="1400">
+                <a:solidFill>
+                  <a:schemeClr val="tx1">
+                    <a:tint val="75000"/>
+                  </a:schemeClr>
+                </a:solidFill>
+              </a:defRPr>
+            </a:lvl7pPr>
+            <a:lvl8pPr marL="3200400" indent="0">
+              <a:buNone/>
+              <a:defRPr sz="1400">
+                <a:solidFill>
+                  <a:schemeClr val="tx1">
+                    <a:tint val="75000"/>
+                  </a:schemeClr>
+                </a:solidFill>
+              </a:defRPr>
+            </a:lvl8pPr>
+            <a:lvl9pPr marL="3657600" indent="0">
+              <a:buNone/>
+              <a:defRPr sz="1400">
+                <a:solidFill>
+                  <a:schemeClr val="tx1">
+                    <a:tint val="75000"/>
+                  </a:schemeClr>
+                </a:solidFill>
+              </a:defRPr>
+            </a:lvl9pPr>
+          </a:lstStyle>
+          <a:p>
+            <a:pPr lvl="0"/>
+            <a:r>
+              <a:rPr lang="en-US" smtClean="0"/>
+              <a:t>Click to edit Master text styles</a:t>
+            </a:r>
+          </a:p>
+        </p:txBody>
+      </p:sp>
+      <p:sp>
+        <p:nvSpPr>
+          <p:cNvPr id="4" name="Date Placeholder 3"/>
+          <p:cNvSpPr>
+            <a:spLocks noGrp="1"/>
+          </p:cNvSpPr>
+          <p:nvPr>
+            <p:ph type="dt" sz="half" idx="10"/>
+          </p:nvPr>
+        </p:nvSpPr>
+        <p:spPr/>
+        <p:txBody>
+          <a:bodyPr/>
+          <a:lstStyle/>
+          <a:p>
+            <a:fld id="{4301CC33-C1E3-43D5-954C-D3879CCC99B6}" type="datetimeFigureOut">
+              <a:rPr lang="en-IN" smtClean="0"/>
+              <a:t>08-05-2022</a:t>
+            </a:fld>
+            <a:endParaRPr lang="en-IN"/>
+          </a:p>
+        </p:txBody>
+      </p:sp>
+      <p:sp>
+        <p:nvSpPr>
+          <p:cNvPr id="5" name="Footer Placeholder 4"/>
+          <p:cNvSpPr>
+            <a:spLocks noGrp="1"/>
+          </p:cNvSpPr>
+          <p:nvPr>
+            <p:ph type="ftr" sz="quarter" idx="11"/>
+          </p:nvPr>
+        </p:nvSpPr>
+        <p:spPr/>
+        <p:txBody>
+          <a:bodyPr/>
+          <a:lstStyle/>
+          <a:p>
+            <a:endParaRPr lang="en-IN"/>
+          </a:p>
+        </p:txBody>
+      </p:sp>
+      <p:sp>
+        <p:nvSpPr>
+          <p:cNvPr id="6" name="Slide Number Placeholder 5"/>
+          <p:cNvSpPr>
+            <a:spLocks noGrp="1"/>
+          </p:cNvSpPr>
+          <p:nvPr>
+            <p:ph type="sldNum" sz="quarter" idx="12"/>
+          </p:nvPr>
+        </p:nvSpPr>
+        <p:spPr/>
+        <p:txBody>
+          <a:bodyPr/>
+          <a:lstStyle/>
+          <a:p>
+            <a:fld id="{CB30A393-CD7A-45A1-9433-308CC08C211E}" type="slidenum">
+              <a:rPr lang="en-IN" smtClean="0"/>
+              <a:t>‹#›</a:t>
+            </a:fld>
+            <a:endParaRPr lang="en-IN"/>
+          </a:p>
+        </p:txBody>
+      </p:sp>
+      <p:sp>
+        <p:nvSpPr>
+          <p:cNvPr id="11" name="TextBox 10"/>
+          <p:cNvSpPr txBox="1"/>
+          <p:nvPr/>
+        </p:nvSpPr>
+        <p:spPr>
+          <a:xfrm>
+            <a:off x="531812" y="812222"/>
+            <a:ext cx="609600" cy="584776"/>
+          </a:xfrm>
+          <a:prstGeom prst="rect">
+            <a:avLst/>
+          </a:prstGeom>
+        </p:spPr>
+        <p:txBody>
+          <a:bodyPr vert="horz" lIns="91440" tIns="45720" rIns="91440" bIns="45720" rtlCol="0" anchor="ctr">
+            <a:noAutofit/>
+          </a:bodyPr>
+          <a:lstStyle/>
+          <a:p>
+            <a:pPr lvl="0"/>
+            <a:r>
+              <a:rPr lang="en-US" sz="8000" dirty="0">
+                <a:solidFill>
+                  <a:schemeClr val="tx1"/>
+                </a:solidFill>
+                <a:effectLst/>
+              </a:rPr>
+              <a:t>“</a:t>
+            </a:r>
+          </a:p>
+        </p:txBody>
+      </p:sp>
+      <p:sp>
+        <p:nvSpPr>
+          <p:cNvPr id="12" name="TextBox 11"/>
+          <p:cNvSpPr txBox="1"/>
+          <p:nvPr/>
+        </p:nvSpPr>
+        <p:spPr>
+          <a:xfrm>
+            <a:off x="10285412" y="2768601"/>
+            <a:ext cx="609600" cy="584776"/>
+          </a:xfrm>
+          <a:prstGeom prst="rect">
+            <a:avLst/>
+          </a:prstGeom>
+        </p:spPr>
+        <p:txBody>
+          <a:bodyPr vert="horz" lIns="91440" tIns="45720" rIns="91440" bIns="45720" rtlCol="0" anchor="ctr">
+            <a:noAutofit/>
+          </a:bodyPr>
+          <a:lstStyle/>
+          <a:p>
+            <a:pPr lvl="0" algn="r"/>
+            <a:r>
+              <a:rPr lang="en-US" sz="8000" dirty="0">
+                <a:solidFill>
+                  <a:schemeClr val="tx1"/>
+                </a:solidFill>
+                <a:effectLst/>
+              </a:rPr>
+              <a:t>”</a:t>
+            </a:r>
+          </a:p>
+        </p:txBody>
+      </p:sp>
+    </p:spTree>
+    <p:extLst>
+      <p:ext uri="{BB962C8B-B14F-4D97-AF65-F5344CB8AC3E}">
+        <p14:creationId xmlns:p14="http://schemas.microsoft.com/office/powerpoint/2010/main" val="3125603037"/>
+      </p:ext>
+    </p:extLst>
+  </p:cSld>
+  <p:clrMapOvr>
+    <a:masterClrMapping/>
+  </p:clrMapOvr>
+</p:sldLayout>
+</file>
+
+<file path=ppt/slideLayouts/slideLayout15.xml><?xml version="1.0" encoding="utf-8"?>
+<p:sldLayout xmlns:a="http://schemas.openxmlformats.org/drawingml/2006/main" xmlns:r="http://schemas.openxmlformats.org/officeDocument/2006/relationships" xmlns:p="http://schemas.openxmlformats.org/presentationml/2006/main" preserve="1">
+  <p:cSld name="True or False">
+    <p:spTree>
+      <p:nvGrpSpPr>
+        <p:cNvPr id="1" name=""/>
+        <p:cNvGrpSpPr/>
+        <p:nvPr/>
+      </p:nvGrpSpPr>
+      <p:grpSpPr>
+        <a:xfrm>
+          <a:off x="0" y="0"/>
+          <a:ext cx="0" cy="0"/>
+          <a:chOff x="0" y="0"/>
+          <a:chExt cx="0" cy="0"/>
+        </a:xfrm>
+      </p:grpSpPr>
+      <p:sp>
+        <p:nvSpPr>
+          <p:cNvPr id="2" name="Title 1"/>
+          <p:cNvSpPr>
+            <a:spLocks noGrp="1"/>
+          </p:cNvSpPr>
+          <p:nvPr>
+            <p:ph type="title"/>
+          </p:nvPr>
+        </p:nvSpPr>
+        <p:spPr>
+          <a:xfrm>
+            <a:off x="684213" y="685800"/>
+            <a:ext cx="10058400" cy="2743200"/>
+          </a:xfrm>
+        </p:spPr>
+        <p:txBody>
+          <a:bodyPr vert="horz" lIns="91440" tIns="45720" rIns="91440" bIns="45720" rtlCol="0" anchor="ctr">
+            <a:normAutofit/>
+          </a:bodyPr>
+          <a:lstStyle>
+            <a:lvl1pPr>
+              <a:defRPr lang="en-US" b="0" dirty="0"/>
+            </a:lvl1pPr>
+          </a:lstStyle>
+          <a:p>
+            <a:pPr marL="0" lvl="0"/>
+            <a:r>
+              <a:rPr lang="en-US" smtClean="0"/>
+              <a:t>Click to edit Master title style</a:t>
+            </a:r>
+            <a:endParaRPr lang="en-US" dirty="0"/>
+          </a:p>
+        </p:txBody>
+      </p:sp>
+      <p:sp>
+        <p:nvSpPr>
+          <p:cNvPr id="10" name="Text Placeholder 9"/>
+          <p:cNvSpPr>
+            <a:spLocks noGrp="1"/>
+          </p:cNvSpPr>
+          <p:nvPr>
+            <p:ph type="body" sz="quarter" idx="13"/>
+          </p:nvPr>
+        </p:nvSpPr>
+        <p:spPr>
+          <a:xfrm>
+            <a:off x="684212" y="3928534"/>
+            <a:ext cx="8534400" cy="838200"/>
+          </a:xfrm>
+        </p:spPr>
+        <p:txBody>
+          <a:bodyPr vert="horz" lIns="91440" tIns="45720" rIns="91440" bIns="45720" rtlCol="0" anchor="b">
+            <a:normAutofit/>
+          </a:bodyPr>
+          <a:lstStyle>
+            <a:lvl1pPr>
+              <a:buNone/>
+              <a:defRPr lang="en-US" sz="2400" b="0" cap="all" dirty="0">
+                <a:ln w="3175" cmpd="sng">
+                  <a:noFill/>
+                </a:ln>
+                <a:solidFill>
+                  <a:schemeClr val="tx1"/>
+                </a:solidFill>
+                <a:effectLst/>
+              </a:defRPr>
+            </a:lvl1pPr>
+          </a:lstStyle>
+          <a:p>
+            <a:pPr marL="0" lvl="0">
+              <a:spcBef>
+                <a:spcPct val="0"/>
+              </a:spcBef>
+              <a:buNone/>
+            </a:pPr>
+            <a:r>
+              <a:rPr lang="en-US" smtClean="0"/>
+              <a:t>Click to edit Master text styles</a:t>
+            </a:r>
+          </a:p>
+        </p:txBody>
+      </p:sp>
+      <p:sp>
+        <p:nvSpPr>
+          <p:cNvPr id="3" name="Text Placeholder 2"/>
+          <p:cNvSpPr>
+            <a:spLocks noGrp="1"/>
+          </p:cNvSpPr>
+          <p:nvPr>
+            <p:ph type="body" idx="1"/>
+          </p:nvPr>
+        </p:nvSpPr>
+        <p:spPr>
+          <a:xfrm>
+            <a:off x="684211" y="4766732"/>
+            <a:ext cx="8534401" cy="1227667"/>
+          </a:xfrm>
+        </p:spPr>
+        <p:txBody>
+          <a:bodyPr anchor="t">
+            <a:normAutofit/>
+          </a:bodyPr>
+          <a:lstStyle>
+            <a:lvl1pPr marL="0" indent="0" algn="l">
+              <a:buNone/>
+              <a:defRPr sz="1800">
+                <a:solidFill>
+                  <a:schemeClr val="bg2">
+                    <a:lumMod val="75000"/>
+                  </a:schemeClr>
+                </a:solidFill>
+              </a:defRPr>
+            </a:lvl1pPr>
+            <a:lvl2pPr marL="457200" indent="0">
+              <a:buNone/>
+              <a:defRPr sz="1800">
+                <a:solidFill>
+                  <a:schemeClr val="tx1">
+                    <a:tint val="75000"/>
+                  </a:schemeClr>
+                </a:solidFill>
+              </a:defRPr>
+            </a:lvl2pPr>
+            <a:lvl3pPr marL="914400" indent="0">
+              <a:buNone/>
+              <a:defRPr sz="1600">
+                <a:solidFill>
+                  <a:schemeClr val="tx1">
+                    <a:tint val="75000"/>
+                  </a:schemeClr>
+                </a:solidFill>
+              </a:defRPr>
+            </a:lvl3pPr>
+            <a:lvl4pPr marL="1371600" indent="0">
+              <a:buNone/>
+              <a:defRPr sz="1400">
+                <a:solidFill>
+                  <a:schemeClr val="tx1">
+                    <a:tint val="75000"/>
+                  </a:schemeClr>
+                </a:solidFill>
+              </a:defRPr>
+            </a:lvl4pPr>
+            <a:lvl5pPr marL="1828800" indent="0">
+              <a:buNone/>
+              <a:defRPr sz="1400">
+                <a:solidFill>
+                  <a:schemeClr val="tx1">
+                    <a:tint val="75000"/>
+                  </a:schemeClr>
+                </a:solidFill>
+              </a:defRPr>
+            </a:lvl5pPr>
+            <a:lvl6pPr marL="2286000" indent="0">
+              <a:buNone/>
+              <a:defRPr sz="1400">
+                <a:solidFill>
+                  <a:schemeClr val="tx1">
+                    <a:tint val="75000"/>
+                  </a:schemeClr>
+                </a:solidFill>
+              </a:defRPr>
+            </a:lvl6pPr>
+            <a:lvl7pPr marL="2743200" indent="0">
+              <a:buNone/>
+              <a:defRPr sz="1400">
+                <a:solidFill>
+                  <a:schemeClr val="tx1">
+                    <a:tint val="75000"/>
+                  </a:schemeClr>
+                </a:solidFill>
+              </a:defRPr>
+            </a:lvl7pPr>
+            <a:lvl8pPr marL="3200400" indent="0">
+              <a:buNone/>
+              <a:defRPr sz="1400">
+                <a:solidFill>
+                  <a:schemeClr val="tx1">
+                    <a:tint val="75000"/>
+                  </a:schemeClr>
+                </a:solidFill>
+              </a:defRPr>
+            </a:lvl8pPr>
+            <a:lvl9pPr marL="3657600" indent="0">
+              <a:buNone/>
+              <a:defRPr sz="1400">
+                <a:solidFill>
+                  <a:schemeClr val="tx1">
+                    <a:tint val="75000"/>
+                  </a:schemeClr>
+                </a:solidFill>
+              </a:defRPr>
+            </a:lvl9pPr>
+          </a:lstStyle>
+          <a:p>
+            <a:pPr lvl="0"/>
+            <a:r>
+              <a:rPr lang="en-US" smtClean="0"/>
+              <a:t>Click to edit Master text styles</a:t>
+            </a:r>
+          </a:p>
+        </p:txBody>
+      </p:sp>
+      <p:sp>
+        <p:nvSpPr>
+          <p:cNvPr id="4" name="Date Placeholder 3"/>
+          <p:cNvSpPr>
+            <a:spLocks noGrp="1"/>
+          </p:cNvSpPr>
+          <p:nvPr>
+            <p:ph type="dt" sz="half" idx="10"/>
+          </p:nvPr>
+        </p:nvSpPr>
+        <p:spPr/>
+        <p:txBody>
+          <a:bodyPr/>
+          <a:lstStyle/>
+          <a:p>
+            <a:fld id="{4301CC33-C1E3-43D5-954C-D3879CCC99B6}" type="datetimeFigureOut">
+              <a:rPr lang="en-IN" smtClean="0"/>
+              <a:t>08-05-2022</a:t>
+            </a:fld>
+            <a:endParaRPr lang="en-IN"/>
+          </a:p>
+        </p:txBody>
+      </p:sp>
+      <p:sp>
+        <p:nvSpPr>
+          <p:cNvPr id="5" name="Footer Placeholder 4"/>
+          <p:cNvSpPr>
+            <a:spLocks noGrp="1"/>
+          </p:cNvSpPr>
+          <p:nvPr>
+            <p:ph type="ftr" sz="quarter" idx="11"/>
+          </p:nvPr>
+        </p:nvSpPr>
+        <p:spPr/>
+        <p:txBody>
+          <a:bodyPr/>
+          <a:lstStyle/>
+          <a:p>
+            <a:endParaRPr lang="en-IN"/>
+          </a:p>
+        </p:txBody>
+      </p:sp>
+      <p:sp>
+        <p:nvSpPr>
+          <p:cNvPr id="6" name="Slide Number Placeholder 5"/>
+          <p:cNvSpPr>
+            <a:spLocks noGrp="1"/>
+          </p:cNvSpPr>
+          <p:nvPr>
+            <p:ph type="sldNum" sz="quarter" idx="12"/>
+          </p:nvPr>
+        </p:nvSpPr>
+        <p:spPr/>
+        <p:txBody>
+          <a:bodyPr/>
+          <a:lstStyle/>
+          <a:p>
+            <a:fld id="{CB30A393-CD7A-45A1-9433-308CC08C211E}" type="slidenum">
+              <a:rPr lang="en-IN" smtClean="0"/>
+              <a:t>‹#›</a:t>
+            </a:fld>
+            <a:endParaRPr lang="en-IN"/>
+          </a:p>
+        </p:txBody>
+      </p:sp>
+    </p:spTree>
+    <p:extLst>
+      <p:ext uri="{BB962C8B-B14F-4D97-AF65-F5344CB8AC3E}">
+        <p14:creationId xmlns:p14="http://schemas.microsoft.com/office/powerpoint/2010/main" val="2921048745"/>
+      </p:ext>
+    </p:extLst>
+  </p:cSld>
+  <p:clrMapOvr>
+    <a:masterClrMapping/>
+  </p:clrMapOvr>
+</p:sldLayout>
+</file>
+
+<file path=ppt/slideLayouts/slideLayout16.xml><?xml version="1.0" encoding="utf-8"?>
 <p:sldLayout xmlns:a="http://schemas.openxmlformats.org/drawingml/2006/main" xmlns:r="http://schemas.openxmlformats.org/officeDocument/2006/relationships" xmlns:p="http://schemas.openxmlformats.org/presentationml/2006/main" type="vertTx" preserve="1">
   <p:cSld name="Title and Vertical Text">
     <p:spTree>
@@ -337,13 +2380,17 @@
         <p:spPr/>
         <p:txBody>
           <a:bodyPr/>
-          <a:lstStyle/>
+          <a:lstStyle>
+            <a:lvl1pPr algn="l">
+              <a:defRPr/>
+            </a:lvl1pPr>
+          </a:lstStyle>
           <a:p>
             <a:r>
               <a:rPr lang="en-US" smtClean="0"/>
               <a:t>Click to edit Master title style</a:t>
             </a:r>
-            <a:endParaRPr lang="en-IN"/>
+            <a:endParaRPr lang="en-US" dirty="0"/>
           </a:p>
         </p:txBody>
       </p:sp>
@@ -359,7 +2406,7 @@
         </p:nvSpPr>
         <p:spPr/>
         <p:txBody>
-          <a:bodyPr vert="eaVert"/>
+          <a:bodyPr vert="eaVert" anchor="t"/>
           <a:lstStyle/>
           <a:p>
             <a:pPr lvl="0"/>
@@ -395,7 +2442,7 @@
               <a:rPr lang="en-US" smtClean="0"/>
               <a:t>Fifth level</a:t>
             </a:r>
-            <a:endParaRPr lang="en-IN"/>
+            <a:endParaRPr lang="en-US" dirty="0"/>
           </a:p>
         </p:txBody>
       </p:sp>
@@ -416,7 +2463,7 @@
           <a:p>
             <a:fld id="{4301CC33-C1E3-43D5-954C-D3879CCC99B6}" type="datetimeFigureOut">
               <a:rPr lang="en-IN" smtClean="0"/>
-              <a:t>01-05-2022</a:t>
+              <a:t>08-05-2022</a:t>
             </a:fld>
             <a:endParaRPr lang="en-IN"/>
           </a:p>
@@ -467,7 +2514,7 @@
     </p:spTree>
     <p:extLst>
       <p:ext uri="{BB962C8B-B14F-4D97-AF65-F5344CB8AC3E}">
-        <p14:creationId xmlns:p14="http://schemas.microsoft.com/office/powerpoint/2010/main" val="3213425778"/>
+        <p14:creationId xmlns:p14="http://schemas.microsoft.com/office/powerpoint/2010/main" val="1246303957"/>
       </p:ext>
     </p:extLst>
   </p:cSld>
@@ -477,7 +2524,7 @@
 </p:sldLayout>
 </file>
 
-<file path=ppt/slideLayouts/slideLayout11.xml><?xml version="1.0" encoding="utf-8"?>
+<file path=ppt/slideLayouts/slideLayout17.xml><?xml version="1.0" encoding="utf-8"?>
 <p:sldLayout xmlns:a="http://schemas.openxmlformats.org/drawingml/2006/main" xmlns:r="http://schemas.openxmlformats.org/officeDocument/2006/relationships" xmlns:p="http://schemas.openxmlformats.org/presentationml/2006/main" type="vertTitleAndTx" preserve="1">
   <p:cSld name="Vertical Title and Text">
     <p:spTree>
@@ -506,8 +2553,8 @@
         </p:nvSpPr>
         <p:spPr>
           <a:xfrm>
-            <a:off x="8724900" y="365125"/>
-            <a:ext cx="2628900" cy="5811838"/>
+            <a:off x="8685212" y="685800"/>
+            <a:ext cx="2057400" cy="4572000"/>
           </a:xfrm>
         </p:spPr>
         <p:txBody>
@@ -518,7 +2565,7 @@
               <a:rPr lang="en-US" smtClean="0"/>
               <a:t>Click to edit Master title style</a:t>
             </a:r>
-            <a:endParaRPr lang="en-IN"/>
+            <a:endParaRPr lang="en-US" dirty="0"/>
           </a:p>
         </p:txBody>
       </p:sp>
@@ -534,12 +2581,12 @@
         </p:nvSpPr>
         <p:spPr>
           <a:xfrm>
-            <a:off x="838200" y="365125"/>
-            <a:ext cx="7734300" cy="5811838"/>
+            <a:off x="685800" y="685800"/>
+            <a:ext cx="7823200" cy="5308600"/>
           </a:xfrm>
         </p:spPr>
         <p:txBody>
-          <a:bodyPr vert="eaVert"/>
+          <a:bodyPr vert="eaVert" anchor="t"/>
           <a:lstStyle/>
           <a:p>
             <a:pPr lvl="0"/>
@@ -575,7 +2622,7 @@
               <a:rPr lang="en-US" smtClean="0"/>
               <a:t>Fifth level</a:t>
             </a:r>
-            <a:endParaRPr lang="en-IN"/>
+            <a:endParaRPr lang="en-US" dirty="0"/>
           </a:p>
         </p:txBody>
       </p:sp>
@@ -596,7 +2643,7 @@
           <a:p>
             <a:fld id="{4301CC33-C1E3-43D5-954C-D3879CCC99B6}" type="datetimeFigureOut">
               <a:rPr lang="en-IN" smtClean="0"/>
-              <a:t>01-05-2022</a:t>
+              <a:t>08-05-2022</a:t>
             </a:fld>
             <a:endParaRPr lang="en-IN"/>
           </a:p>
@@ -647,7 +2694,7 @@
     </p:spTree>
     <p:extLst>
       <p:ext uri="{BB962C8B-B14F-4D97-AF65-F5344CB8AC3E}">
-        <p14:creationId xmlns:p14="http://schemas.microsoft.com/office/powerpoint/2010/main" val="3605973144"/>
+        <p14:creationId xmlns:p14="http://schemas.microsoft.com/office/powerpoint/2010/main" val="4265233967"/>
       </p:ext>
     </p:extLst>
   </p:cSld>
@@ -693,7 +2740,7 @@
               <a:rPr lang="en-US" smtClean="0"/>
               <a:t>Click to edit Master title style</a:t>
             </a:r>
-            <a:endParaRPr lang="en-IN"/>
+            <a:endParaRPr lang="en-US" dirty="0"/>
           </a:p>
         </p:txBody>
       </p:sp>
@@ -705,6 +2752,58 @@
           </p:cNvSpPr>
           <p:nvPr>
             <p:ph idx="1"/>
+          </p:nvPr>
+        </p:nvSpPr>
+        <p:spPr/>
+        <p:txBody>
+          <a:bodyPr anchor="ctr"/>
+          <a:lstStyle/>
+          <a:p>
+            <a:pPr lvl="0"/>
+            <a:r>
+              <a:rPr lang="en-US" smtClean="0"/>
+              <a:t>Click to edit Master text styles</a:t>
+            </a:r>
+          </a:p>
+          <a:p>
+            <a:pPr lvl="1"/>
+            <a:r>
+              <a:rPr lang="en-US" smtClean="0"/>
+              <a:t>Second level</a:t>
+            </a:r>
+          </a:p>
+          <a:p>
+            <a:pPr lvl="2"/>
+            <a:r>
+              <a:rPr lang="en-US" smtClean="0"/>
+              <a:t>Third level</a:t>
+            </a:r>
+          </a:p>
+          <a:p>
+            <a:pPr lvl="3"/>
+            <a:r>
+              <a:rPr lang="en-US" smtClean="0"/>
+              <a:t>Fourth level</a:t>
+            </a:r>
+          </a:p>
+          <a:p>
+            <a:pPr lvl="4"/>
+            <a:r>
+              <a:rPr lang="en-US" smtClean="0"/>
+              <a:t>Fifth level</a:t>
+            </a:r>
+            <a:endParaRPr lang="en-US" dirty="0"/>
+          </a:p>
+        </p:txBody>
+      </p:sp>
+      <p:sp>
+        <p:nvSpPr>
+          <p:cNvPr id="4" name="Date Placeholder 3"/>
+          <p:cNvSpPr>
+            <a:spLocks noGrp="1"/>
+          </p:cNvSpPr>
+          <p:nvPr>
+            <p:ph type="dt" sz="half" idx="10"/>
           </p:nvPr>
         </p:nvSpPr>
         <p:spPr/>
@@ -712,61 +2811,9 @@
           <a:bodyPr/>
           <a:lstStyle/>
           <a:p>
-            <a:pPr lvl="0"/>
-            <a:r>
-              <a:rPr lang="en-US" smtClean="0"/>
-              <a:t>Click to edit Master text styles</a:t>
-            </a:r>
-          </a:p>
-          <a:p>
-            <a:pPr lvl="1"/>
-            <a:r>
-              <a:rPr lang="en-US" smtClean="0"/>
-              <a:t>Second level</a:t>
-            </a:r>
-          </a:p>
-          <a:p>
-            <a:pPr lvl="2"/>
-            <a:r>
-              <a:rPr lang="en-US" smtClean="0"/>
-              <a:t>Third level</a:t>
-            </a:r>
-          </a:p>
-          <a:p>
-            <a:pPr lvl="3"/>
-            <a:r>
-              <a:rPr lang="en-US" smtClean="0"/>
-              <a:t>Fourth level</a:t>
-            </a:r>
-          </a:p>
-          <a:p>
-            <a:pPr lvl="4"/>
-            <a:r>
-              <a:rPr lang="en-US" smtClean="0"/>
-              <a:t>Fifth level</a:t>
-            </a:r>
-            <a:endParaRPr lang="en-IN"/>
-          </a:p>
-        </p:txBody>
-      </p:sp>
-      <p:sp>
-        <p:nvSpPr>
-          <p:cNvPr id="4" name="Date Placeholder 3"/>
-          <p:cNvSpPr>
-            <a:spLocks noGrp="1"/>
-          </p:cNvSpPr>
-          <p:nvPr>
-            <p:ph type="dt" sz="half" idx="10"/>
-          </p:nvPr>
-        </p:nvSpPr>
-        <p:spPr/>
-        <p:txBody>
-          <a:bodyPr/>
-          <a:lstStyle/>
-          <a:p>
             <a:fld id="{4301CC33-C1E3-43D5-954C-D3879CCC99B6}" type="datetimeFigureOut">
               <a:rPr lang="en-IN" smtClean="0"/>
-              <a:t>01-05-2022</a:t>
+              <a:t>08-05-2022</a:t>
             </a:fld>
             <a:endParaRPr lang="en-IN"/>
           </a:p>
@@ -817,7 +2864,7 @@
     </p:spTree>
     <p:extLst>
       <p:ext uri="{BB962C8B-B14F-4D97-AF65-F5344CB8AC3E}">
-        <p14:creationId xmlns:p14="http://schemas.microsoft.com/office/powerpoint/2010/main" val="136956784"/>
+        <p14:creationId xmlns:p14="http://schemas.microsoft.com/office/powerpoint/2010/main" val="1213202461"/>
       </p:ext>
     </p:extLst>
   </p:cSld>
@@ -856,15 +2903,17 @@
         </p:nvSpPr>
         <p:spPr>
           <a:xfrm>
-            <a:off x="831850" y="1709738"/>
-            <a:ext cx="10515600" cy="2852737"/>
+            <a:off x="684211" y="2006600"/>
+            <a:ext cx="8534401" cy="2281600"/>
           </a:xfrm>
         </p:spPr>
         <p:txBody>
-          <a:bodyPr anchor="b"/>
+          <a:bodyPr anchor="b">
+            <a:normAutofit/>
+          </a:bodyPr>
           <a:lstStyle>
-            <a:lvl1pPr>
-              <a:defRPr sz="6000"/>
+            <a:lvl1pPr algn="l">
+              <a:defRPr sz="3600" b="0" cap="all"/>
             </a:lvl1pPr>
           </a:lstStyle>
           <a:p>
@@ -872,7 +2921,7 @@
               <a:rPr lang="en-US" smtClean="0"/>
               <a:t>Click to edit Master title style</a:t>
             </a:r>
-            <a:endParaRPr lang="en-IN"/>
+            <a:endParaRPr lang="en-US" dirty="0"/>
           </a:p>
         </p:txBody>
       </p:sp>
@@ -888,26 +2937,28 @@
         </p:nvSpPr>
         <p:spPr>
           <a:xfrm>
-            <a:off x="831850" y="4589463"/>
-            <a:ext cx="10515600" cy="1500187"/>
+            <a:off x="684213" y="4495800"/>
+            <a:ext cx="8534400" cy="1498600"/>
           </a:xfrm>
         </p:spPr>
         <p:txBody>
-          <a:bodyPr/>
+          <a:bodyPr anchor="t">
+            <a:normAutofit/>
+          </a:bodyPr>
           <a:lstStyle>
-            <a:lvl1pPr marL="0" indent="0">
-              <a:buNone/>
-              <a:defRPr sz="2400">
+            <a:lvl1pPr marL="0" indent="0" algn="l">
+              <a:buNone/>
+              <a:defRPr sz="1800">
                 <a:solidFill>
-                  <a:schemeClr val="tx1">
-                    <a:tint val="75000"/>
+                  <a:schemeClr val="bg2">
+                    <a:lumMod val="75000"/>
                   </a:schemeClr>
                 </a:solidFill>
               </a:defRPr>
             </a:lvl1pPr>
             <a:lvl2pPr marL="457200" indent="0">
               <a:buNone/>
-              <a:defRPr sz="2000">
+              <a:defRPr sz="1800">
                 <a:solidFill>
                   <a:schemeClr val="tx1">
                     <a:tint val="75000"/>
@@ -917,7 +2968,7 @@
             </a:lvl2pPr>
             <a:lvl3pPr marL="914400" indent="0">
               <a:buNone/>
-              <a:defRPr sz="1800">
+              <a:defRPr sz="1600">
                 <a:solidFill>
                   <a:schemeClr val="tx1">
                     <a:tint val="75000"/>
@@ -927,7 +2978,7 @@
             </a:lvl3pPr>
             <a:lvl4pPr marL="1371600" indent="0">
               <a:buNone/>
-              <a:defRPr sz="1600">
+              <a:defRPr sz="1400">
                 <a:solidFill>
                   <a:schemeClr val="tx1">
                     <a:tint val="75000"/>
@@ -937,7 +2988,7 @@
             </a:lvl4pPr>
             <a:lvl5pPr marL="1828800" indent="0">
               <a:buNone/>
-              <a:defRPr sz="1600">
+              <a:defRPr sz="1400">
                 <a:solidFill>
                   <a:schemeClr val="tx1">
                     <a:tint val="75000"/>
@@ -947,7 +2998,7 @@
             </a:lvl5pPr>
             <a:lvl6pPr marL="2286000" indent="0">
               <a:buNone/>
-              <a:defRPr sz="1600">
+              <a:defRPr sz="1400">
                 <a:solidFill>
                   <a:schemeClr val="tx1">
                     <a:tint val="75000"/>
@@ -957,7 +3008,7 @@
             </a:lvl6pPr>
             <a:lvl7pPr marL="2743200" indent="0">
               <a:buNone/>
-              <a:defRPr sz="1600">
+              <a:defRPr sz="1400">
                 <a:solidFill>
                   <a:schemeClr val="tx1">
                     <a:tint val="75000"/>
@@ -967,7 +3018,7 @@
             </a:lvl7pPr>
             <a:lvl8pPr marL="3200400" indent="0">
               <a:buNone/>
-              <a:defRPr sz="1600">
+              <a:defRPr sz="1400">
                 <a:solidFill>
                   <a:schemeClr val="tx1">
                     <a:tint val="75000"/>
@@ -977,7 +3028,7 @@
             </a:lvl8pPr>
             <a:lvl9pPr marL="3657600" indent="0">
               <a:buNone/>
-              <a:defRPr sz="1600">
+              <a:defRPr sz="1400">
                 <a:solidFill>
                   <a:schemeClr val="tx1">
                     <a:tint val="75000"/>
@@ -1012,7 +3063,7 @@
           <a:p>
             <a:fld id="{4301CC33-C1E3-43D5-954C-D3879CCC99B6}" type="datetimeFigureOut">
               <a:rPr lang="en-IN" smtClean="0"/>
-              <a:t>01-05-2022</a:t>
+              <a:t>08-05-2022</a:t>
             </a:fld>
             <a:endParaRPr lang="en-IN"/>
           </a:p>
@@ -1063,7 +3114,7 @@
     </p:spTree>
     <p:extLst>
       <p:ext uri="{BB962C8B-B14F-4D97-AF65-F5344CB8AC3E}">
-        <p14:creationId xmlns:p14="http://schemas.microsoft.com/office/powerpoint/2010/main" val="2584327038"/>
+        <p14:creationId xmlns:p14="http://schemas.microsoft.com/office/powerpoint/2010/main" val="2845523513"/>
       </p:ext>
     </p:extLst>
   </p:cSld>
@@ -1109,7 +3160,7 @@
               <a:rPr lang="en-US" smtClean="0"/>
               <a:t>Click to edit Master title style</a:t>
             </a:r>
-            <a:endParaRPr lang="en-IN"/>
+            <a:endParaRPr lang="en-US" dirty="0"/>
           </a:p>
         </p:txBody>
       </p:sp>
@@ -1125,126 +3176,130 @@
         </p:nvSpPr>
         <p:spPr>
           <a:xfrm>
-            <a:off x="838200" y="1825625"/>
-            <a:ext cx="5181600" cy="4351338"/>
+            <a:off x="684211" y="685800"/>
+            <a:ext cx="4937655" cy="3615267"/>
           </a:xfrm>
         </p:spPr>
         <p:txBody>
+          <a:bodyPr>
+            <a:normAutofit/>
+          </a:bodyPr>
+          <a:lstStyle/>
+          <a:p>
+            <a:pPr lvl="0"/>
+            <a:r>
+              <a:rPr lang="en-US" smtClean="0"/>
+              <a:t>Click to edit Master text styles</a:t>
+            </a:r>
+          </a:p>
+          <a:p>
+            <a:pPr lvl="1"/>
+            <a:r>
+              <a:rPr lang="en-US" smtClean="0"/>
+              <a:t>Second level</a:t>
+            </a:r>
+          </a:p>
+          <a:p>
+            <a:pPr lvl="2"/>
+            <a:r>
+              <a:rPr lang="en-US" smtClean="0"/>
+              <a:t>Third level</a:t>
+            </a:r>
+          </a:p>
+          <a:p>
+            <a:pPr lvl="3"/>
+            <a:r>
+              <a:rPr lang="en-US" smtClean="0"/>
+              <a:t>Fourth level</a:t>
+            </a:r>
+          </a:p>
+          <a:p>
+            <a:pPr lvl="4"/>
+            <a:r>
+              <a:rPr lang="en-US" smtClean="0"/>
+              <a:t>Fifth level</a:t>
+            </a:r>
+            <a:endParaRPr lang="en-US" dirty="0"/>
+          </a:p>
+        </p:txBody>
+      </p:sp>
+      <p:sp>
+        <p:nvSpPr>
+          <p:cNvPr id="4" name="Content Placeholder 3"/>
+          <p:cNvSpPr>
+            <a:spLocks noGrp="1"/>
+          </p:cNvSpPr>
+          <p:nvPr>
+            <p:ph sz="half" idx="2"/>
+          </p:nvPr>
+        </p:nvSpPr>
+        <p:spPr>
+          <a:xfrm>
+            <a:off x="5808133" y="685801"/>
+            <a:ext cx="4934479" cy="3615266"/>
+          </a:xfrm>
+        </p:spPr>
+        <p:txBody>
+          <a:bodyPr>
+            <a:normAutofit/>
+          </a:bodyPr>
+          <a:lstStyle/>
+          <a:p>
+            <a:pPr lvl="0"/>
+            <a:r>
+              <a:rPr lang="en-US" smtClean="0"/>
+              <a:t>Click to edit Master text styles</a:t>
+            </a:r>
+          </a:p>
+          <a:p>
+            <a:pPr lvl="1"/>
+            <a:r>
+              <a:rPr lang="en-US" smtClean="0"/>
+              <a:t>Second level</a:t>
+            </a:r>
+          </a:p>
+          <a:p>
+            <a:pPr lvl="2"/>
+            <a:r>
+              <a:rPr lang="en-US" smtClean="0"/>
+              <a:t>Third level</a:t>
+            </a:r>
+          </a:p>
+          <a:p>
+            <a:pPr lvl="3"/>
+            <a:r>
+              <a:rPr lang="en-US" smtClean="0"/>
+              <a:t>Fourth level</a:t>
+            </a:r>
+          </a:p>
+          <a:p>
+            <a:pPr lvl="4"/>
+            <a:r>
+              <a:rPr lang="en-US" smtClean="0"/>
+              <a:t>Fifth level</a:t>
+            </a:r>
+            <a:endParaRPr lang="en-US" dirty="0"/>
+          </a:p>
+        </p:txBody>
+      </p:sp>
+      <p:sp>
+        <p:nvSpPr>
+          <p:cNvPr id="5" name="Date Placeholder 4"/>
+          <p:cNvSpPr>
+            <a:spLocks noGrp="1"/>
+          </p:cNvSpPr>
+          <p:nvPr>
+            <p:ph type="dt" sz="half" idx="10"/>
+          </p:nvPr>
+        </p:nvSpPr>
+        <p:spPr/>
+        <p:txBody>
           <a:bodyPr/>
           <a:lstStyle/>
           <a:p>
-            <a:pPr lvl="0"/>
-            <a:r>
-              <a:rPr lang="en-US" smtClean="0"/>
-              <a:t>Click to edit Master text styles</a:t>
-            </a:r>
-          </a:p>
-          <a:p>
-            <a:pPr lvl="1"/>
-            <a:r>
-              <a:rPr lang="en-US" smtClean="0"/>
-              <a:t>Second level</a:t>
-            </a:r>
-          </a:p>
-          <a:p>
-            <a:pPr lvl="2"/>
-            <a:r>
-              <a:rPr lang="en-US" smtClean="0"/>
-              <a:t>Third level</a:t>
-            </a:r>
-          </a:p>
-          <a:p>
-            <a:pPr lvl="3"/>
-            <a:r>
-              <a:rPr lang="en-US" smtClean="0"/>
-              <a:t>Fourth level</a:t>
-            </a:r>
-          </a:p>
-          <a:p>
-            <a:pPr lvl="4"/>
-            <a:r>
-              <a:rPr lang="en-US" smtClean="0"/>
-              <a:t>Fifth level</a:t>
-            </a:r>
-            <a:endParaRPr lang="en-IN"/>
-          </a:p>
-        </p:txBody>
-      </p:sp>
-      <p:sp>
-        <p:nvSpPr>
-          <p:cNvPr id="4" name="Content Placeholder 3"/>
-          <p:cNvSpPr>
-            <a:spLocks noGrp="1"/>
-          </p:cNvSpPr>
-          <p:nvPr>
-            <p:ph sz="half" idx="2"/>
-          </p:nvPr>
-        </p:nvSpPr>
-        <p:spPr>
-          <a:xfrm>
-            <a:off x="6172200" y="1825625"/>
-            <a:ext cx="5181600" cy="4351338"/>
-          </a:xfrm>
-        </p:spPr>
-        <p:txBody>
-          <a:bodyPr/>
-          <a:lstStyle/>
-          <a:p>
-            <a:pPr lvl="0"/>
-            <a:r>
-              <a:rPr lang="en-US" smtClean="0"/>
-              <a:t>Click to edit Master text styles</a:t>
-            </a:r>
-          </a:p>
-          <a:p>
-            <a:pPr lvl="1"/>
-            <a:r>
-              <a:rPr lang="en-US" smtClean="0"/>
-              <a:t>Second level</a:t>
-            </a:r>
-          </a:p>
-          <a:p>
-            <a:pPr lvl="2"/>
-            <a:r>
-              <a:rPr lang="en-US" smtClean="0"/>
-              <a:t>Third level</a:t>
-            </a:r>
-          </a:p>
-          <a:p>
-            <a:pPr lvl="3"/>
-            <a:r>
-              <a:rPr lang="en-US" smtClean="0"/>
-              <a:t>Fourth level</a:t>
-            </a:r>
-          </a:p>
-          <a:p>
-            <a:pPr lvl="4"/>
-            <a:r>
-              <a:rPr lang="en-US" smtClean="0"/>
-              <a:t>Fifth level</a:t>
-            </a:r>
-            <a:endParaRPr lang="en-IN"/>
-          </a:p>
-        </p:txBody>
-      </p:sp>
-      <p:sp>
-        <p:nvSpPr>
-          <p:cNvPr id="5" name="Date Placeholder 4"/>
-          <p:cNvSpPr>
-            <a:spLocks noGrp="1"/>
-          </p:cNvSpPr>
-          <p:nvPr>
-            <p:ph type="dt" sz="half" idx="10"/>
-          </p:nvPr>
-        </p:nvSpPr>
-        <p:spPr/>
-        <p:txBody>
-          <a:bodyPr/>
-          <a:lstStyle/>
-          <a:p>
             <a:fld id="{4301CC33-C1E3-43D5-954C-D3879CCC99B6}" type="datetimeFigureOut">
               <a:rPr lang="en-IN" smtClean="0"/>
-              <a:t>01-05-2022</a:t>
+              <a:t>08-05-2022</a:t>
             </a:fld>
             <a:endParaRPr lang="en-IN"/>
           </a:p>
@@ -1295,7 +3350,7 @@
     </p:spTree>
     <p:extLst>
       <p:ext uri="{BB962C8B-B14F-4D97-AF65-F5344CB8AC3E}">
-        <p14:creationId xmlns:p14="http://schemas.microsoft.com/office/powerpoint/2010/main" val="3139458306"/>
+        <p14:creationId xmlns:p14="http://schemas.microsoft.com/office/powerpoint/2010/main" val="3797491097"/>
       </p:ext>
     </p:extLst>
   </p:cSld>
@@ -1332,46 +3387,51 @@
             <p:ph type="title"/>
           </p:nvPr>
         </p:nvSpPr>
+        <p:spPr/>
+        <p:txBody>
+          <a:bodyPr/>
+          <a:lstStyle>
+            <a:lvl1pPr>
+              <a:defRPr/>
+            </a:lvl1pPr>
+          </a:lstStyle>
+          <a:p>
+            <a:r>
+              <a:rPr lang="en-US" smtClean="0"/>
+              <a:t>Click to edit Master title style</a:t>
+            </a:r>
+            <a:endParaRPr lang="en-US" dirty="0"/>
+          </a:p>
+        </p:txBody>
+      </p:sp>
+      <p:sp>
+        <p:nvSpPr>
+          <p:cNvPr id="3" name="Text Placeholder 2"/>
+          <p:cNvSpPr>
+            <a:spLocks noGrp="1"/>
+          </p:cNvSpPr>
+          <p:nvPr>
+            <p:ph type="body" idx="1"/>
+          </p:nvPr>
+        </p:nvSpPr>
         <p:spPr>
           <a:xfrm>
-            <a:off x="839788" y="365125"/>
-            <a:ext cx="10515600" cy="1325563"/>
+            <a:off x="972080" y="685800"/>
+            <a:ext cx="4649787" cy="576262"/>
           </a:xfrm>
         </p:spPr>
         <p:txBody>
-          <a:bodyPr/>
-          <a:lstStyle/>
-          <a:p>
-            <a:r>
-              <a:rPr lang="en-US" smtClean="0"/>
-              <a:t>Click to edit Master title style</a:t>
-            </a:r>
-            <a:endParaRPr lang="en-IN"/>
-          </a:p>
-        </p:txBody>
-      </p:sp>
-      <p:sp>
-        <p:nvSpPr>
-          <p:cNvPr id="3" name="Text Placeholder 2"/>
-          <p:cNvSpPr>
-            <a:spLocks noGrp="1"/>
-          </p:cNvSpPr>
-          <p:nvPr>
-            <p:ph type="body" idx="1"/>
-          </p:nvPr>
-        </p:nvSpPr>
-        <p:spPr>
-          <a:xfrm>
-            <a:off x="839788" y="1681163"/>
-            <a:ext cx="5157787" cy="823912"/>
-          </a:xfrm>
-        </p:spPr>
-        <p:txBody>
-          <a:bodyPr anchor="b"/>
+          <a:bodyPr anchor="b">
+            <a:noAutofit/>
+          </a:bodyPr>
           <a:lstStyle>
             <a:lvl1pPr marL="0" indent="0">
               <a:buNone/>
-              <a:defRPr sz="2400" b="1"/>
+              <a:defRPr sz="2800" b="0">
+                <a:solidFill>
+                  <a:schemeClr val="tx1"/>
+                </a:solidFill>
+              </a:defRPr>
             </a:lvl1pPr>
             <a:lvl2pPr marL="457200" indent="0">
               <a:buNone/>
@@ -1427,12 +3487,14 @@
         </p:nvSpPr>
         <p:spPr>
           <a:xfrm>
-            <a:off x="839788" y="2505075"/>
-            <a:ext cx="5157787" cy="3684588"/>
+            <a:off x="684211" y="1270529"/>
+            <a:ext cx="4937655" cy="3030538"/>
           </a:xfrm>
         </p:spPr>
         <p:txBody>
-          <a:bodyPr/>
+          <a:bodyPr anchor="t">
+            <a:normAutofit/>
+          </a:bodyPr>
           <a:lstStyle/>
           <a:p>
             <a:pPr lvl="0"/>
@@ -1468,7 +3530,7 @@
               <a:rPr lang="en-US" smtClean="0"/>
               <a:t>Fifth level</a:t>
             </a:r>
-            <a:endParaRPr lang="en-IN"/>
+            <a:endParaRPr lang="en-US" dirty="0"/>
           </a:p>
         </p:txBody>
       </p:sp>
@@ -1484,16 +3546,22 @@
         </p:nvSpPr>
         <p:spPr>
           <a:xfrm>
-            <a:off x="6172200" y="1681163"/>
-            <a:ext cx="5183188" cy="823912"/>
+            <a:off x="6079066" y="685800"/>
+            <a:ext cx="4665134" cy="576262"/>
           </a:xfrm>
         </p:spPr>
         <p:txBody>
-          <a:bodyPr anchor="b"/>
+          <a:bodyPr anchor="b">
+            <a:noAutofit/>
+          </a:bodyPr>
           <a:lstStyle>
             <a:lvl1pPr marL="0" indent="0">
               <a:buNone/>
-              <a:defRPr sz="2400" b="1"/>
+              <a:defRPr sz="2800" b="0">
+                <a:solidFill>
+                  <a:schemeClr val="tx1"/>
+                </a:solidFill>
+              </a:defRPr>
             </a:lvl1pPr>
             <a:lvl2pPr marL="457200" indent="0">
               <a:buNone/>
@@ -1549,69 +3617,71 @@
         </p:nvSpPr>
         <p:spPr>
           <a:xfrm>
-            <a:off x="6172200" y="2505075"/>
-            <a:ext cx="5183188" cy="3684588"/>
+            <a:off x="5806545" y="1262062"/>
+            <a:ext cx="4929188" cy="3030538"/>
           </a:xfrm>
         </p:spPr>
         <p:txBody>
+          <a:bodyPr anchor="t">
+            <a:normAutofit/>
+          </a:bodyPr>
+          <a:lstStyle/>
+          <a:p>
+            <a:pPr lvl="0"/>
+            <a:r>
+              <a:rPr lang="en-US" smtClean="0"/>
+              <a:t>Click to edit Master text styles</a:t>
+            </a:r>
+          </a:p>
+          <a:p>
+            <a:pPr lvl="1"/>
+            <a:r>
+              <a:rPr lang="en-US" smtClean="0"/>
+              <a:t>Second level</a:t>
+            </a:r>
+          </a:p>
+          <a:p>
+            <a:pPr lvl="2"/>
+            <a:r>
+              <a:rPr lang="en-US" smtClean="0"/>
+              <a:t>Third level</a:t>
+            </a:r>
+          </a:p>
+          <a:p>
+            <a:pPr lvl="3"/>
+            <a:r>
+              <a:rPr lang="en-US" smtClean="0"/>
+              <a:t>Fourth level</a:t>
+            </a:r>
+          </a:p>
+          <a:p>
+            <a:pPr lvl="4"/>
+            <a:r>
+              <a:rPr lang="en-US" smtClean="0"/>
+              <a:t>Fifth level</a:t>
+            </a:r>
+            <a:endParaRPr lang="en-US" dirty="0"/>
+          </a:p>
+        </p:txBody>
+      </p:sp>
+      <p:sp>
+        <p:nvSpPr>
+          <p:cNvPr id="7" name="Date Placeholder 6"/>
+          <p:cNvSpPr>
+            <a:spLocks noGrp="1"/>
+          </p:cNvSpPr>
+          <p:nvPr>
+            <p:ph type="dt" sz="half" idx="10"/>
+          </p:nvPr>
+        </p:nvSpPr>
+        <p:spPr/>
+        <p:txBody>
           <a:bodyPr/>
           <a:lstStyle/>
           <a:p>
-            <a:pPr lvl="0"/>
-            <a:r>
-              <a:rPr lang="en-US" smtClean="0"/>
-              <a:t>Click to edit Master text styles</a:t>
-            </a:r>
-          </a:p>
-          <a:p>
-            <a:pPr lvl="1"/>
-            <a:r>
-              <a:rPr lang="en-US" smtClean="0"/>
-              <a:t>Second level</a:t>
-            </a:r>
-          </a:p>
-          <a:p>
-            <a:pPr lvl="2"/>
-            <a:r>
-              <a:rPr lang="en-US" smtClean="0"/>
-              <a:t>Third level</a:t>
-            </a:r>
-          </a:p>
-          <a:p>
-            <a:pPr lvl="3"/>
-            <a:r>
-              <a:rPr lang="en-US" smtClean="0"/>
-              <a:t>Fourth level</a:t>
-            </a:r>
-          </a:p>
-          <a:p>
-            <a:pPr lvl="4"/>
-            <a:r>
-              <a:rPr lang="en-US" smtClean="0"/>
-              <a:t>Fifth level</a:t>
-            </a:r>
-            <a:endParaRPr lang="en-IN"/>
-          </a:p>
-        </p:txBody>
-      </p:sp>
-      <p:sp>
-        <p:nvSpPr>
-          <p:cNvPr id="7" name="Date Placeholder 6"/>
-          <p:cNvSpPr>
-            <a:spLocks noGrp="1"/>
-          </p:cNvSpPr>
-          <p:nvPr>
-            <p:ph type="dt" sz="half" idx="10"/>
-          </p:nvPr>
-        </p:nvSpPr>
-        <p:spPr/>
-        <p:txBody>
-          <a:bodyPr/>
-          <a:lstStyle/>
-          <a:p>
             <a:fld id="{4301CC33-C1E3-43D5-954C-D3879CCC99B6}" type="datetimeFigureOut">
               <a:rPr lang="en-IN" smtClean="0"/>
-              <a:t>01-05-2022</a:t>
+              <a:t>08-05-2022</a:t>
             </a:fld>
             <a:endParaRPr lang="en-IN"/>
           </a:p>
@@ -1662,7 +3732,7 @@
     </p:spTree>
     <p:extLst>
       <p:ext uri="{BB962C8B-B14F-4D97-AF65-F5344CB8AC3E}">
-        <p14:creationId xmlns:p14="http://schemas.microsoft.com/office/powerpoint/2010/main" val="3777369794"/>
+        <p14:creationId xmlns:p14="http://schemas.microsoft.com/office/powerpoint/2010/main" val="446208586"/>
       </p:ext>
     </p:extLst>
   </p:cSld>
@@ -1708,7 +3778,7 @@
               <a:rPr lang="en-US" smtClean="0"/>
               <a:t>Click to edit Master title style</a:t>
             </a:r>
-            <a:endParaRPr lang="en-IN"/>
+            <a:endParaRPr lang="en-US" dirty="0"/>
           </a:p>
         </p:txBody>
       </p:sp>
@@ -1729,7 +3799,7 @@
           <a:p>
             <a:fld id="{4301CC33-C1E3-43D5-954C-D3879CCC99B6}" type="datetimeFigureOut">
               <a:rPr lang="en-IN" smtClean="0"/>
-              <a:t>01-05-2022</a:t>
+              <a:t>08-05-2022</a:t>
             </a:fld>
             <a:endParaRPr lang="en-IN"/>
           </a:p>
@@ -1780,7 +3850,7 @@
     </p:spTree>
     <p:extLst>
       <p:ext uri="{BB962C8B-B14F-4D97-AF65-F5344CB8AC3E}">
-        <p14:creationId xmlns:p14="http://schemas.microsoft.com/office/powerpoint/2010/main" val="3694406794"/>
+        <p14:creationId xmlns:p14="http://schemas.microsoft.com/office/powerpoint/2010/main" val="686666511"/>
       </p:ext>
     </p:extLst>
   </p:cSld>
@@ -1824,7 +3894,7 @@
           <a:p>
             <a:fld id="{4301CC33-C1E3-43D5-954C-D3879CCC99B6}" type="datetimeFigureOut">
               <a:rPr lang="en-IN" smtClean="0"/>
-              <a:t>01-05-2022</a:t>
+              <a:t>08-05-2022</a:t>
             </a:fld>
             <a:endParaRPr lang="en-IN"/>
           </a:p>
@@ -1875,7 +3945,7 @@
     </p:spTree>
     <p:extLst>
       <p:ext uri="{BB962C8B-B14F-4D97-AF65-F5344CB8AC3E}">
-        <p14:creationId xmlns:p14="http://schemas.microsoft.com/office/powerpoint/2010/main" val="3792721006"/>
+        <p14:creationId xmlns:p14="http://schemas.microsoft.com/office/powerpoint/2010/main" val="3516359504"/>
       </p:ext>
     </p:extLst>
   </p:cSld>
@@ -1914,15 +3984,17 @@
         </p:nvSpPr>
         <p:spPr>
           <a:xfrm>
-            <a:off x="839788" y="457200"/>
-            <a:ext cx="3932237" cy="1600200"/>
+            <a:off x="7085012" y="685800"/>
+            <a:ext cx="3657600" cy="1371600"/>
           </a:xfrm>
         </p:spPr>
         <p:txBody>
-          <a:bodyPr anchor="b"/>
+          <a:bodyPr anchor="b">
+            <a:normAutofit/>
+          </a:bodyPr>
           <a:lstStyle>
-            <a:lvl1pPr>
-              <a:defRPr sz="3200"/>
+            <a:lvl1pPr algn="l">
+              <a:defRPr sz="2400" b="0"/>
             </a:lvl1pPr>
           </a:lstStyle>
           <a:p>
@@ -1930,7 +4002,7 @@
               <a:rPr lang="en-US" smtClean="0"/>
               <a:t>Click to edit Master title style</a:t>
             </a:r>
-            <a:endParaRPr lang="en-IN"/>
+            <a:endParaRPr lang="en-US" dirty="0"/>
           </a:p>
         </p:txBody>
       </p:sp>
@@ -1946,41 +4018,15 @@
         </p:nvSpPr>
         <p:spPr>
           <a:xfrm>
-            <a:off x="5183188" y="987425"/>
-            <a:ext cx="6172200" cy="4873625"/>
+            <a:off x="684212" y="685800"/>
+            <a:ext cx="5943601" cy="5308600"/>
           </a:xfrm>
         </p:spPr>
         <p:txBody>
-          <a:bodyPr/>
-          <a:lstStyle>
-            <a:lvl1pPr>
-              <a:defRPr sz="3200"/>
-            </a:lvl1pPr>
-            <a:lvl2pPr>
-              <a:defRPr sz="2800"/>
-            </a:lvl2pPr>
-            <a:lvl3pPr>
-              <a:defRPr sz="2400"/>
-            </a:lvl3pPr>
-            <a:lvl4pPr>
-              <a:defRPr sz="2000"/>
-            </a:lvl4pPr>
-            <a:lvl5pPr>
-              <a:defRPr sz="2000"/>
-            </a:lvl5pPr>
-            <a:lvl6pPr>
-              <a:defRPr sz="2000"/>
-            </a:lvl6pPr>
-            <a:lvl7pPr>
-              <a:defRPr sz="2000"/>
-            </a:lvl7pPr>
-            <a:lvl8pPr>
-              <a:defRPr sz="2000"/>
-            </a:lvl8pPr>
-            <a:lvl9pPr>
-              <a:defRPr sz="2000"/>
-            </a:lvl9pPr>
-          </a:lstStyle>
+          <a:bodyPr anchor="ctr">
+            <a:normAutofit/>
+          </a:bodyPr>
+          <a:lstStyle/>
           <a:p>
             <a:pPr lvl="0"/>
             <a:r>
@@ -2015,7 +4061,7 @@
               <a:rPr lang="en-US" smtClean="0"/>
               <a:t>Fifth level</a:t>
             </a:r>
-            <a:endParaRPr lang="en-IN"/>
+            <a:endParaRPr lang="en-US" dirty="0"/>
           </a:p>
         </p:txBody>
       </p:sp>
@@ -2031,12 +4077,14 @@
         </p:nvSpPr>
         <p:spPr>
           <a:xfrm>
-            <a:off x="839788" y="2057400"/>
-            <a:ext cx="3932237" cy="3811588"/>
+            <a:off x="7085012" y="2209799"/>
+            <a:ext cx="3657600" cy="2091267"/>
           </a:xfrm>
         </p:spPr>
         <p:txBody>
-          <a:bodyPr/>
+          <a:bodyPr anchor="t">
+            <a:normAutofit/>
+          </a:bodyPr>
           <a:lstStyle>
             <a:lvl1pPr marL="0" indent="0">
               <a:buNone/>
@@ -2044,35 +4092,35 @@
             </a:lvl1pPr>
             <a:lvl2pPr marL="457200" indent="0">
               <a:buNone/>
-              <a:defRPr sz="1400"/>
+              <a:defRPr sz="1200"/>
             </a:lvl2pPr>
             <a:lvl3pPr marL="914400" indent="0">
               <a:buNone/>
-              <a:defRPr sz="1200"/>
+              <a:defRPr sz="1000"/>
             </a:lvl3pPr>
             <a:lvl4pPr marL="1371600" indent="0">
               <a:buNone/>
-              <a:defRPr sz="1000"/>
+              <a:defRPr sz="900"/>
             </a:lvl4pPr>
             <a:lvl5pPr marL="1828800" indent="0">
               <a:buNone/>
-              <a:defRPr sz="1000"/>
+              <a:defRPr sz="900"/>
             </a:lvl5pPr>
             <a:lvl6pPr marL="2286000" indent="0">
               <a:buNone/>
-              <a:defRPr sz="1000"/>
+              <a:defRPr sz="900"/>
             </a:lvl6pPr>
             <a:lvl7pPr marL="2743200" indent="0">
               <a:buNone/>
-              <a:defRPr sz="1000"/>
+              <a:defRPr sz="900"/>
             </a:lvl7pPr>
             <a:lvl8pPr marL="3200400" indent="0">
               <a:buNone/>
-              <a:defRPr sz="1000"/>
+              <a:defRPr sz="900"/>
             </a:lvl8pPr>
             <a:lvl9pPr marL="3657600" indent="0">
               <a:buNone/>
-              <a:defRPr sz="1000"/>
+              <a:defRPr sz="900"/>
             </a:lvl9pPr>
           </a:lstStyle>
           <a:p>
@@ -2101,7 +4149,7 @@
           <a:p>
             <a:fld id="{4301CC33-C1E3-43D5-954C-D3879CCC99B6}" type="datetimeFigureOut">
               <a:rPr lang="en-IN" smtClean="0"/>
-              <a:t>01-05-2022</a:t>
+              <a:t>08-05-2022</a:t>
             </a:fld>
             <a:endParaRPr lang="en-IN"/>
           </a:p>
@@ -2152,7 +4200,7 @@
     </p:spTree>
     <p:extLst>
       <p:ext uri="{BB962C8B-B14F-4D97-AF65-F5344CB8AC3E}">
-        <p14:creationId xmlns:p14="http://schemas.microsoft.com/office/powerpoint/2010/main" val="3556587331"/>
+        <p14:creationId xmlns:p14="http://schemas.microsoft.com/office/powerpoint/2010/main" val="1737545734"/>
       </p:ext>
     </p:extLst>
   </p:cSld>
@@ -2191,15 +4239,17 @@
         </p:nvSpPr>
         <p:spPr>
           <a:xfrm>
-            <a:off x="839788" y="457200"/>
-            <a:ext cx="3932237" cy="1600200"/>
+            <a:off x="4722812" y="1447800"/>
+            <a:ext cx="6019800" cy="1143000"/>
           </a:xfrm>
         </p:spPr>
         <p:txBody>
-          <a:bodyPr anchor="b"/>
+          <a:bodyPr anchor="b">
+            <a:normAutofit/>
+          </a:bodyPr>
           <a:lstStyle>
-            <a:lvl1pPr>
-              <a:defRPr sz="3200"/>
+            <a:lvl1pPr algn="l">
+              <a:defRPr sz="2800" b="0"/>
             </a:lvl1pPr>
           </a:lstStyle>
           <a:p>
@@ -2207,15 +4257,15 @@
               <a:rPr lang="en-US" smtClean="0"/>
               <a:t>Click to edit Master title style</a:t>
             </a:r>
-            <a:endParaRPr lang="en-IN"/>
-          </a:p>
-        </p:txBody>
-      </p:sp>
-      <p:sp>
-        <p:nvSpPr>
-          <p:cNvPr id="3" name="Picture Placeholder 2"/>
-          <p:cNvSpPr>
-            <a:spLocks noGrp="1"/>
+            <a:endParaRPr lang="en-US" dirty="0"/>
+          </a:p>
+        </p:txBody>
+      </p:sp>
+      <p:sp>
+        <p:nvSpPr>
+          <p:cNvPr id="14" name="Picture Placeholder 2"/>
+          <p:cNvSpPr>
+            <a:spLocks noGrp="1" noChangeAspect="1"/>
           </p:cNvSpPr>
           <p:nvPr>
             <p:ph type="pic" idx="1"/>
@@ -2223,112 +4273,140 @@
         </p:nvSpPr>
         <p:spPr>
           <a:xfrm>
-            <a:off x="5183188" y="987425"/>
-            <a:ext cx="6172200" cy="4873625"/>
+            <a:off x="989012" y="914400"/>
+            <a:ext cx="3280974" cy="4572000"/>
           </a:xfrm>
+          <a:prstGeom prst="snip2DiagRect">
+            <a:avLst>
+              <a:gd name="adj1" fmla="val 10815"/>
+              <a:gd name="adj2" fmla="val 0"/>
+            </a:avLst>
+          </a:prstGeom>
+          <a:ln w="15875">
+            <a:solidFill>
+              <a:schemeClr val="tx1">
+                <a:alpha val="40000"/>
+              </a:schemeClr>
+            </a:solidFill>
+          </a:ln>
+          <a:effectLst>
+            <a:innerShdw blurRad="57150" dist="38100" dir="14460000">
+              <a:srgbClr val="000000">
+                <a:alpha val="70000"/>
+              </a:srgbClr>
+            </a:innerShdw>
+          </a:effectLst>
         </p:spPr>
         <p:txBody>
-          <a:bodyPr/>
+          <a:bodyPr anchor="t">
+            <a:normAutofit/>
+          </a:bodyPr>
           <a:lstStyle>
-            <a:lvl1pPr marL="0" indent="0">
-              <a:buNone/>
-              <a:defRPr sz="3200"/>
-            </a:lvl1pPr>
-            <a:lvl2pPr marL="457200" indent="0">
-              <a:buNone/>
-              <a:defRPr sz="2800"/>
-            </a:lvl2pPr>
-            <a:lvl3pPr marL="914400" indent="0">
-              <a:buNone/>
-              <a:defRPr sz="2400"/>
-            </a:lvl3pPr>
-            <a:lvl4pPr marL="1371600" indent="0">
-              <a:buNone/>
-              <a:defRPr sz="2000"/>
-            </a:lvl4pPr>
-            <a:lvl5pPr marL="1828800" indent="0">
-              <a:buNone/>
-              <a:defRPr sz="2000"/>
-            </a:lvl5pPr>
-            <a:lvl6pPr marL="2286000" indent="0">
-              <a:buNone/>
-              <a:defRPr sz="2000"/>
-            </a:lvl6pPr>
-            <a:lvl7pPr marL="2743200" indent="0">
-              <a:buNone/>
-              <a:defRPr sz="2000"/>
-            </a:lvl7pPr>
-            <a:lvl8pPr marL="3200400" indent="0">
-              <a:buNone/>
-              <a:defRPr sz="2000"/>
-            </a:lvl8pPr>
-            <a:lvl9pPr marL="3657600" indent="0">
-              <a:buNone/>
-              <a:defRPr sz="2000"/>
-            </a:lvl9pPr>
-          </a:lstStyle>
-          <a:p>
-            <a:endParaRPr lang="en-IN"/>
-          </a:p>
-        </p:txBody>
-      </p:sp>
-      <p:sp>
-        <p:nvSpPr>
-          <p:cNvPr id="4" name="Text Placeholder 3"/>
-          <p:cNvSpPr>
-            <a:spLocks noGrp="1"/>
-          </p:cNvSpPr>
-          <p:nvPr>
-            <p:ph type="body" sz="half" idx="2"/>
-          </p:nvPr>
-        </p:nvSpPr>
-        <p:spPr>
-          <a:xfrm>
-            <a:off x="839788" y="2057400"/>
-            <a:ext cx="3932237" cy="3811588"/>
-          </a:xfrm>
-        </p:spPr>
-        <p:txBody>
-          <a:bodyPr/>
-          <a:lstStyle>
-            <a:lvl1pPr marL="0" indent="0">
+            <a:lvl1pPr marL="0" indent="0" algn="ctr">
               <a:buNone/>
               <a:defRPr sz="1600"/>
             </a:lvl1pPr>
             <a:lvl2pPr marL="457200" indent="0">
               <a:buNone/>
-              <a:defRPr sz="1400"/>
+              <a:defRPr sz="1600"/>
             </a:lvl2pPr>
             <a:lvl3pPr marL="914400" indent="0">
               <a:buNone/>
-              <a:defRPr sz="1200"/>
+              <a:defRPr sz="1600"/>
             </a:lvl3pPr>
             <a:lvl4pPr marL="1371600" indent="0">
               <a:buNone/>
-              <a:defRPr sz="1000"/>
+              <a:defRPr sz="1600"/>
             </a:lvl4pPr>
             <a:lvl5pPr marL="1828800" indent="0">
               <a:buNone/>
-              <a:defRPr sz="1000"/>
+              <a:defRPr sz="1600"/>
             </a:lvl5pPr>
             <a:lvl6pPr marL="2286000" indent="0">
               <a:buNone/>
-              <a:defRPr sz="1000"/>
+              <a:defRPr sz="1600"/>
             </a:lvl6pPr>
             <a:lvl7pPr marL="2743200" indent="0">
               <a:buNone/>
-              <a:defRPr sz="1000"/>
+              <a:defRPr sz="1600"/>
             </a:lvl7pPr>
             <a:lvl8pPr marL="3200400" indent="0">
               <a:buNone/>
-              <a:defRPr sz="1000"/>
+              <a:defRPr sz="1600"/>
             </a:lvl8pPr>
             <a:lvl9pPr marL="3657600" indent="0">
               <a:buNone/>
-              <a:defRPr sz="1000"/>
+              <a:defRPr sz="1600"/>
             </a:lvl9pPr>
           </a:lstStyle>
           <a:p>
+            <a:r>
+              <a:rPr lang="en-US" smtClean="0"/>
+              <a:t>Click icon to add picture</a:t>
+            </a:r>
+            <a:endParaRPr lang="en-US" dirty="0"/>
+          </a:p>
+        </p:txBody>
+      </p:sp>
+      <p:sp>
+        <p:nvSpPr>
+          <p:cNvPr id="4" name="Text Placeholder 3"/>
+          <p:cNvSpPr>
+            <a:spLocks noGrp="1"/>
+          </p:cNvSpPr>
+          <p:nvPr>
+            <p:ph type="body" sz="half" idx="2"/>
+          </p:nvPr>
+        </p:nvSpPr>
+        <p:spPr>
+          <a:xfrm>
+            <a:off x="4722812" y="2777066"/>
+            <a:ext cx="6021388" cy="2048933"/>
+          </a:xfrm>
+        </p:spPr>
+        <p:txBody>
+          <a:bodyPr anchor="t">
+            <a:normAutofit/>
+          </a:bodyPr>
+          <a:lstStyle>
+            <a:lvl1pPr marL="0" indent="0">
+              <a:buNone/>
+              <a:defRPr sz="1800"/>
+            </a:lvl1pPr>
+            <a:lvl2pPr marL="457200" indent="0">
+              <a:buNone/>
+              <a:defRPr sz="1200"/>
+            </a:lvl2pPr>
+            <a:lvl3pPr marL="914400" indent="0">
+              <a:buNone/>
+              <a:defRPr sz="1000"/>
+            </a:lvl3pPr>
+            <a:lvl4pPr marL="1371600" indent="0">
+              <a:buNone/>
+              <a:defRPr sz="900"/>
+            </a:lvl4pPr>
+            <a:lvl5pPr marL="1828800" indent="0">
+              <a:buNone/>
+              <a:defRPr sz="900"/>
+            </a:lvl5pPr>
+            <a:lvl6pPr marL="2286000" indent="0">
+              <a:buNone/>
+              <a:defRPr sz="900"/>
+            </a:lvl6pPr>
+            <a:lvl7pPr marL="2743200" indent="0">
+              <a:buNone/>
+              <a:defRPr sz="900"/>
+            </a:lvl7pPr>
+            <a:lvl8pPr marL="3200400" indent="0">
+              <a:buNone/>
+              <a:defRPr sz="900"/>
+            </a:lvl8pPr>
+            <a:lvl9pPr marL="3657600" indent="0">
+              <a:buNone/>
+              <a:defRPr sz="900"/>
+            </a:lvl9pPr>
+          </a:lstStyle>
+          <a:p>
             <a:pPr lvl="0"/>
             <a:r>
               <a:rPr lang="en-US" smtClean="0"/>
@@ -2354,7 +4432,7 @@
           <a:p>
             <a:fld id="{4301CC33-C1E3-43D5-954C-D3879CCC99B6}" type="datetimeFigureOut">
               <a:rPr lang="en-IN" smtClean="0"/>
-              <a:t>01-05-2022</a:t>
+              <a:t>08-05-2022</a:t>
             </a:fld>
             <a:endParaRPr lang="en-IN"/>
           </a:p>
@@ -2405,7 +4483,7 @@
     </p:spTree>
     <p:extLst>
       <p:ext uri="{BB962C8B-B14F-4D97-AF65-F5344CB8AC3E}">
-        <p14:creationId xmlns:p14="http://schemas.microsoft.com/office/powerpoint/2010/main" val="2736573313"/>
+        <p14:creationId xmlns:p14="http://schemas.microsoft.com/office/powerpoint/2010/main" val="603519867"/>
       </p:ext>
     </p:extLst>
   </p:cSld>
@@ -2419,8 +4497,8 @@
 <p:sldMaster xmlns:a="http://schemas.openxmlformats.org/drawingml/2006/main" xmlns:r="http://schemas.openxmlformats.org/officeDocument/2006/relationships" xmlns:p="http://schemas.openxmlformats.org/presentationml/2006/main">
   <p:cSld>
     <p:bg>
-      <p:bgRef idx="1001">
-        <a:schemeClr val="bg1"/>
+      <p:bgRef idx="1002">
+        <a:schemeClr val="bg2"/>
       </p:bgRef>
     </p:bg>
     <p:spTree>
@@ -2437,6 +4515,196 @@
           <a:chExt cx="0" cy="0"/>
         </a:xfrm>
       </p:grpSpPr>
+      <p:grpSp>
+        <p:nvGrpSpPr>
+          <p:cNvPr id="7" name="Group 6"/>
+          <p:cNvGrpSpPr/>
+          <p:nvPr/>
+        </p:nvGrpSpPr>
+        <p:grpSpPr>
+          <a:xfrm>
+            <a:off x="9206969" y="2963333"/>
+            <a:ext cx="2981858" cy="3208867"/>
+            <a:chOff x="9206969" y="2963333"/>
+            <a:chExt cx="2981858" cy="3208867"/>
+          </a:xfrm>
+        </p:grpSpPr>
+        <p:cxnSp>
+          <p:nvCxnSpPr>
+            <p:cNvPr id="8" name="Straight Connector 7"/>
+            <p:cNvCxnSpPr/>
+            <p:nvPr/>
+          </p:nvCxnSpPr>
+          <p:spPr>
+            <a:xfrm flipH="1">
+              <a:off x="11276012" y="2963333"/>
+              <a:ext cx="912814" cy="912812"/>
+            </a:xfrm>
+            <a:prstGeom prst="line">
+              <a:avLst/>
+            </a:prstGeom>
+            <a:ln w="9525">
+              <a:solidFill>
+                <a:schemeClr val="tx1"/>
+              </a:solidFill>
+            </a:ln>
+          </p:spPr>
+          <p:style>
+            <a:lnRef idx="2">
+              <a:schemeClr val="accent1"/>
+            </a:lnRef>
+            <a:fillRef idx="0">
+              <a:schemeClr val="accent1"/>
+            </a:fillRef>
+            <a:effectRef idx="1">
+              <a:schemeClr val="accent1"/>
+            </a:effectRef>
+            <a:fontRef idx="minor">
+              <a:schemeClr val="tx1"/>
+            </a:fontRef>
+          </p:style>
+        </p:cxnSp>
+        <p:cxnSp>
+          <p:nvCxnSpPr>
+            <p:cNvPr id="9" name="Straight Connector 8"/>
+            <p:cNvCxnSpPr/>
+            <p:nvPr/>
+          </p:nvCxnSpPr>
+          <p:spPr>
+            <a:xfrm flipH="1">
+              <a:off x="9206969" y="3190344"/>
+              <a:ext cx="2981857" cy="2981856"/>
+            </a:xfrm>
+            <a:prstGeom prst="line">
+              <a:avLst/>
+            </a:prstGeom>
+            <a:ln w="9525">
+              <a:solidFill>
+                <a:schemeClr val="tx1"/>
+              </a:solidFill>
+            </a:ln>
+          </p:spPr>
+          <p:style>
+            <a:lnRef idx="2">
+              <a:schemeClr val="accent1"/>
+            </a:lnRef>
+            <a:fillRef idx="0">
+              <a:schemeClr val="accent1"/>
+            </a:fillRef>
+            <a:effectRef idx="1">
+              <a:schemeClr val="accent1"/>
+            </a:effectRef>
+            <a:fontRef idx="minor">
+              <a:schemeClr val="tx1"/>
+            </a:fontRef>
+          </p:style>
+        </p:cxnSp>
+        <p:cxnSp>
+          <p:nvCxnSpPr>
+            <p:cNvPr id="10" name="Straight Connector 9"/>
+            <p:cNvCxnSpPr/>
+            <p:nvPr/>
+          </p:nvCxnSpPr>
+          <p:spPr>
+            <a:xfrm flipH="1">
+              <a:off x="10292292" y="3285067"/>
+              <a:ext cx="1896534" cy="1896533"/>
+            </a:xfrm>
+            <a:prstGeom prst="line">
+              <a:avLst/>
+            </a:prstGeom>
+            <a:ln w="9525">
+              <a:solidFill>
+                <a:schemeClr val="tx1"/>
+              </a:solidFill>
+            </a:ln>
+          </p:spPr>
+          <p:style>
+            <a:lnRef idx="2">
+              <a:schemeClr val="accent1"/>
+            </a:lnRef>
+            <a:fillRef idx="0">
+              <a:schemeClr val="accent1"/>
+            </a:fillRef>
+            <a:effectRef idx="1">
+              <a:schemeClr val="accent1"/>
+            </a:effectRef>
+            <a:fontRef idx="minor">
+              <a:schemeClr val="tx1"/>
+            </a:fontRef>
+          </p:style>
+        </p:cxnSp>
+        <p:cxnSp>
+          <p:nvCxnSpPr>
+            <p:cNvPr id="11" name="Straight Connector 10"/>
+            <p:cNvCxnSpPr/>
+            <p:nvPr/>
+          </p:nvCxnSpPr>
+          <p:spPr>
+            <a:xfrm flipH="1">
+              <a:off x="10443103" y="3131080"/>
+              <a:ext cx="1745722" cy="1745720"/>
+            </a:xfrm>
+            <a:prstGeom prst="line">
+              <a:avLst/>
+            </a:prstGeom>
+            <a:ln w="28575">
+              <a:solidFill>
+                <a:schemeClr val="tx1"/>
+              </a:solidFill>
+            </a:ln>
+          </p:spPr>
+          <p:style>
+            <a:lnRef idx="2">
+              <a:schemeClr val="accent1"/>
+            </a:lnRef>
+            <a:fillRef idx="0">
+              <a:schemeClr val="accent1"/>
+            </a:fillRef>
+            <a:effectRef idx="1">
+              <a:schemeClr val="accent1"/>
+            </a:effectRef>
+            <a:fontRef idx="minor">
+              <a:schemeClr val="tx1"/>
+            </a:fontRef>
+          </p:style>
+        </p:cxnSp>
+        <p:cxnSp>
+          <p:nvCxnSpPr>
+            <p:cNvPr id="12" name="Straight Connector 11"/>
+            <p:cNvCxnSpPr/>
+            <p:nvPr/>
+          </p:nvCxnSpPr>
+          <p:spPr>
+            <a:xfrm flipH="1">
+              <a:off x="10918826" y="3683001"/>
+              <a:ext cx="1270001" cy="1269999"/>
+            </a:xfrm>
+            <a:prstGeom prst="line">
+              <a:avLst/>
+            </a:prstGeom>
+            <a:ln w="28575">
+              <a:solidFill>
+                <a:schemeClr val="tx1"/>
+              </a:solidFill>
+            </a:ln>
+          </p:spPr>
+          <p:style>
+            <a:lnRef idx="2">
+              <a:schemeClr val="accent1"/>
+            </a:lnRef>
+            <a:fillRef idx="0">
+              <a:schemeClr val="accent1"/>
+            </a:fillRef>
+            <a:effectRef idx="1">
+              <a:schemeClr val="accent1"/>
+            </a:effectRef>
+            <a:fontRef idx="minor">
+              <a:schemeClr val="tx1"/>
+            </a:fontRef>
+          </p:style>
+        </p:cxnSp>
+      </p:grpSp>
       <p:sp>
         <p:nvSpPr>
           <p:cNvPr id="2" name="Title Placeholder 1"/>
@@ -2449,8 +4717,42 @@
         </p:nvSpPr>
         <p:spPr>
           <a:xfrm>
-            <a:off x="838200" y="365125"/>
-            <a:ext cx="10515600" cy="1325563"/>
+            <a:off x="684212" y="4487332"/>
+            <a:ext cx="8534400" cy="1507067"/>
+          </a:xfrm>
+          <a:prstGeom prst="rect">
+            <a:avLst/>
+          </a:prstGeom>
+          <a:effectLst/>
+        </p:spPr>
+        <p:txBody>
+          <a:bodyPr vert="horz" lIns="91440" tIns="45720" rIns="91440" bIns="45720" rtlCol="0" anchor="ctr">
+            <a:normAutofit/>
+          </a:bodyPr>
+          <a:lstStyle/>
+          <a:p>
+            <a:r>
+              <a:rPr lang="en-US" smtClean="0"/>
+              <a:t>Click to edit Master title style</a:t>
+            </a:r>
+            <a:endParaRPr lang="en-US" dirty="0"/>
+          </a:p>
+        </p:txBody>
+      </p:sp>
+      <p:sp>
+        <p:nvSpPr>
+          <p:cNvPr id="3" name="Text Placeholder 2"/>
+          <p:cNvSpPr>
+            <a:spLocks noGrp="1"/>
+          </p:cNvSpPr>
+          <p:nvPr>
+            <p:ph type="body" idx="1"/>
+          </p:nvPr>
+        </p:nvSpPr>
+        <p:spPr>
+          <a:xfrm>
+            <a:off x="684212" y="685800"/>
+            <a:ext cx="8534400" cy="3615267"/>
           </a:xfrm>
           <a:prstGeom prst="rect">
             <a:avLst/>
@@ -2462,183 +4764,156 @@
           </a:bodyPr>
           <a:lstStyle/>
           <a:p>
+            <a:pPr lvl="0"/>
             <a:r>
               <a:rPr lang="en-US" smtClean="0"/>
-              <a:t>Click to edit Master title style</a:t>
-            </a:r>
-            <a:endParaRPr lang="en-IN"/>
-          </a:p>
-        </p:txBody>
-      </p:sp>
-      <p:sp>
-        <p:nvSpPr>
-          <p:cNvPr id="3" name="Text Placeholder 2"/>
-          <p:cNvSpPr>
-            <a:spLocks noGrp="1"/>
-          </p:cNvSpPr>
-          <p:nvPr>
-            <p:ph type="body" idx="1"/>
+              <a:t>Click to edit Master text styles</a:t>
+            </a:r>
+          </a:p>
+          <a:p>
+            <a:pPr lvl="1"/>
+            <a:r>
+              <a:rPr lang="en-US" smtClean="0"/>
+              <a:t>Second level</a:t>
+            </a:r>
+          </a:p>
+          <a:p>
+            <a:pPr lvl="2"/>
+            <a:r>
+              <a:rPr lang="en-US" smtClean="0"/>
+              <a:t>Third level</a:t>
+            </a:r>
+          </a:p>
+          <a:p>
+            <a:pPr lvl="3"/>
+            <a:r>
+              <a:rPr lang="en-US" smtClean="0"/>
+              <a:t>Fourth level</a:t>
+            </a:r>
+          </a:p>
+          <a:p>
+            <a:pPr lvl="4"/>
+            <a:r>
+              <a:rPr lang="en-US" smtClean="0"/>
+              <a:t>Fifth level</a:t>
+            </a:r>
+            <a:endParaRPr lang="en-US" dirty="0"/>
+          </a:p>
+        </p:txBody>
+      </p:sp>
+      <p:sp>
+        <p:nvSpPr>
+          <p:cNvPr id="4" name="Date Placeholder 3"/>
+          <p:cNvSpPr>
+            <a:spLocks noGrp="1"/>
+          </p:cNvSpPr>
+          <p:nvPr>
+            <p:ph type="dt" sz="half" idx="2"/>
           </p:nvPr>
         </p:nvSpPr>
         <p:spPr>
           <a:xfrm>
-            <a:off x="838200" y="1825625"/>
-            <a:ext cx="10515600" cy="4351338"/>
+            <a:off x="9904412" y="6172200"/>
+            <a:ext cx="1600200" cy="365125"/>
           </a:xfrm>
           <a:prstGeom prst="rect">
             <a:avLst/>
           </a:prstGeom>
         </p:spPr>
         <p:txBody>
-          <a:bodyPr vert="horz" lIns="91440" tIns="45720" rIns="91440" bIns="45720" rtlCol="0">
-            <a:normAutofit/>
-          </a:bodyPr>
-          <a:lstStyle/>
-          <a:p>
-            <a:pPr lvl="0"/>
-            <a:r>
-              <a:rPr lang="en-US" smtClean="0"/>
-              <a:t>Click to edit Master text styles</a:t>
-            </a:r>
-          </a:p>
-          <a:p>
-            <a:pPr lvl="1"/>
-            <a:r>
-              <a:rPr lang="en-US" smtClean="0"/>
-              <a:t>Second level</a:t>
-            </a:r>
-          </a:p>
-          <a:p>
-            <a:pPr lvl="2"/>
-            <a:r>
-              <a:rPr lang="en-US" smtClean="0"/>
-              <a:t>Third level</a:t>
-            </a:r>
-          </a:p>
-          <a:p>
-            <a:pPr lvl="3"/>
-            <a:r>
-              <a:rPr lang="en-US" smtClean="0"/>
-              <a:t>Fourth level</a:t>
-            </a:r>
-          </a:p>
-          <a:p>
-            <a:pPr lvl="4"/>
-            <a:r>
-              <a:rPr lang="en-US" smtClean="0"/>
-              <a:t>Fifth level</a:t>
-            </a:r>
+          <a:bodyPr vert="horz" lIns="91440" tIns="45720" rIns="91440" bIns="45720" rtlCol="0" anchor="t"/>
+          <a:lstStyle>
+            <a:lvl1pPr algn="r">
+              <a:defRPr sz="1000" b="0" i="0">
+                <a:solidFill>
+                  <a:schemeClr val="bg2">
+                    <a:lumMod val="50000"/>
+                  </a:schemeClr>
+                </a:solidFill>
+                <a:effectLst/>
+                <a:latin typeface="+mn-lt"/>
+              </a:defRPr>
+            </a:lvl1pPr>
+          </a:lstStyle>
+          <a:p>
+            <a:fld id="{4301CC33-C1E3-43D5-954C-D3879CCC99B6}" type="datetimeFigureOut">
+              <a:rPr lang="en-IN" smtClean="0"/>
+              <a:t>08-05-2022</a:t>
+            </a:fld>
             <a:endParaRPr lang="en-IN"/>
           </a:p>
         </p:txBody>
       </p:sp>
       <p:sp>
         <p:nvSpPr>
-          <p:cNvPr id="4" name="Date Placeholder 3"/>
-          <p:cNvSpPr>
-            <a:spLocks noGrp="1"/>
-          </p:cNvSpPr>
-          <p:nvPr>
-            <p:ph type="dt" sz="half" idx="2"/>
+          <p:cNvPr id="5" name="Footer Placeholder 4"/>
+          <p:cNvSpPr>
+            <a:spLocks noGrp="1"/>
+          </p:cNvSpPr>
+          <p:nvPr>
+            <p:ph type="ftr" sz="quarter" idx="3"/>
           </p:nvPr>
         </p:nvSpPr>
         <p:spPr>
           <a:xfrm>
-            <a:off x="838200" y="6356350"/>
-            <a:ext cx="2743200" cy="365125"/>
+            <a:off x="684212" y="6172200"/>
+            <a:ext cx="7543800" cy="365125"/>
           </a:xfrm>
           <a:prstGeom prst="rect">
             <a:avLst/>
           </a:prstGeom>
         </p:spPr>
         <p:txBody>
-          <a:bodyPr vert="horz" lIns="91440" tIns="45720" rIns="91440" bIns="45720" rtlCol="0" anchor="ctr"/>
+          <a:bodyPr vert="horz" lIns="91440" tIns="45720" rIns="91440" bIns="45720" rtlCol="0" anchor="t"/>
           <a:lstStyle>
             <a:lvl1pPr algn="l">
-              <a:defRPr sz="1200">
+              <a:defRPr sz="1000" b="0" i="0">
                 <a:solidFill>
-                  <a:schemeClr val="tx1">
-                    <a:tint val="75000"/>
+                  <a:schemeClr val="bg2">
+                    <a:lumMod val="50000"/>
                   </a:schemeClr>
                 </a:solidFill>
+                <a:effectLst/>
+                <a:latin typeface="+mn-lt"/>
               </a:defRPr>
             </a:lvl1pPr>
           </a:lstStyle>
           <a:p>
-            <a:fld id="{4301CC33-C1E3-43D5-954C-D3879CCC99B6}" type="datetimeFigureOut">
-              <a:rPr lang="en-IN" smtClean="0"/>
-              <a:t>01-05-2022</a:t>
-            </a:fld>
             <a:endParaRPr lang="en-IN"/>
           </a:p>
         </p:txBody>
       </p:sp>
       <p:sp>
         <p:nvSpPr>
-          <p:cNvPr id="5" name="Footer Placeholder 4"/>
-          <p:cNvSpPr>
-            <a:spLocks noGrp="1"/>
-          </p:cNvSpPr>
-          <p:nvPr>
-            <p:ph type="ftr" sz="quarter" idx="3"/>
+          <p:cNvPr id="6" name="Slide Number Placeholder 5"/>
+          <p:cNvSpPr>
+            <a:spLocks noGrp="1"/>
+          </p:cNvSpPr>
+          <p:nvPr>
+            <p:ph type="sldNum" sz="quarter" idx="4"/>
           </p:nvPr>
         </p:nvSpPr>
         <p:spPr>
           <a:xfrm>
-            <a:off x="4038600" y="6356350"/>
-            <a:ext cx="4114800" cy="365125"/>
+            <a:off x="10363200" y="5578475"/>
+            <a:ext cx="1142245" cy="669925"/>
           </a:xfrm>
           <a:prstGeom prst="rect">
             <a:avLst/>
           </a:prstGeom>
         </p:spPr>
         <p:txBody>
-          <a:bodyPr vert="horz" lIns="91440" tIns="45720" rIns="91440" bIns="45720" rtlCol="0" anchor="ctr"/>
+          <a:bodyPr vert="horz" lIns="91440" tIns="45720" rIns="91440" bIns="45720" rtlCol="0" anchor="b"/>
           <a:lstStyle>
-            <a:lvl1pPr algn="ctr">
-              <a:defRPr sz="1200">
+            <a:lvl1pPr algn="r">
+              <a:defRPr sz="3200" b="0" i="0">
                 <a:solidFill>
-                  <a:schemeClr val="tx1">
-                    <a:tint val="75000"/>
+                  <a:schemeClr val="bg2">
+                    <a:lumMod val="50000"/>
                   </a:schemeClr>
                 </a:solidFill>
-              </a:defRPr>
-            </a:lvl1pPr>
-          </a:lstStyle>
-          <a:p>
-            <a:endParaRPr lang="en-IN"/>
-          </a:p>
-        </p:txBody>
-      </p:sp>
-      <p:sp>
-        <p:nvSpPr>
-          <p:cNvPr id="6" name="Slide Number Placeholder 5"/>
-          <p:cNvSpPr>
-            <a:spLocks noGrp="1"/>
-          </p:cNvSpPr>
-          <p:nvPr>
-            <p:ph type="sldNum" sz="quarter" idx="4"/>
-          </p:nvPr>
-        </p:nvSpPr>
-        <p:spPr>
-          <a:xfrm>
-            <a:off x="8610600" y="6356350"/>
-            <a:ext cx="2743200" cy="365125"/>
-          </a:xfrm>
-          <a:prstGeom prst="rect">
-            <a:avLst/>
-          </a:prstGeom>
-        </p:spPr>
-        <p:txBody>
-          <a:bodyPr vert="horz" lIns="91440" tIns="45720" rIns="91440" bIns="45720" rtlCol="0" anchor="ctr"/>
-          <a:lstStyle>
-            <a:lvl1pPr algn="r">
-              <a:defRPr sz="1200">
-                <a:solidFill>
-                  <a:schemeClr val="tx1">
-                    <a:tint val="75000"/>
-                  </a:schemeClr>
-                </a:solidFill>
+                <a:effectLst/>
+                <a:latin typeface="+mn-lt"/>
               </a:defRPr>
             </a:lvl1pPr>
           </a:lstStyle>
@@ -2654,202 +4929,328 @@
     </p:spTree>
     <p:extLst>
       <p:ext uri="{BB962C8B-B14F-4D97-AF65-F5344CB8AC3E}">
-        <p14:creationId xmlns:p14="http://schemas.microsoft.com/office/powerpoint/2010/main" val="3880799541"/>
+        <p14:creationId xmlns:p14="http://schemas.microsoft.com/office/powerpoint/2010/main" val="2914201894"/>
       </p:ext>
     </p:extLst>
   </p:cSld>
-  <p:clrMap bg1="lt1" tx1="dk1" bg2="lt2" tx2="dk2" accent1="accent1" accent2="accent2" accent3="accent3" accent4="accent4" accent5="accent5" accent6="accent6" hlink="hlink" folHlink="folHlink"/>
+  <p:clrMap bg1="dk1" tx1="lt1" bg2="dk2" tx2="lt2" accent1="accent1" accent2="accent2" accent3="accent3" accent4="accent4" accent5="accent5" accent6="accent6" hlink="hlink" folHlink="folHlink"/>
   <p:sldLayoutIdLst>
-    <p:sldLayoutId id="2147483649" r:id="rId1"/>
-    <p:sldLayoutId id="2147483650" r:id="rId2"/>
-    <p:sldLayoutId id="2147483651" r:id="rId3"/>
-    <p:sldLayoutId id="2147483652" r:id="rId4"/>
-    <p:sldLayoutId id="2147483653" r:id="rId5"/>
-    <p:sldLayoutId id="2147483654" r:id="rId6"/>
-    <p:sldLayoutId id="2147483655" r:id="rId7"/>
-    <p:sldLayoutId id="2147483656" r:id="rId8"/>
-    <p:sldLayoutId id="2147483657" r:id="rId9"/>
-    <p:sldLayoutId id="2147483658" r:id="rId10"/>
-    <p:sldLayoutId id="2147483659" r:id="rId11"/>
+    <p:sldLayoutId id="2147483727" r:id="rId1"/>
+    <p:sldLayoutId id="2147483728" r:id="rId2"/>
+    <p:sldLayoutId id="2147483729" r:id="rId3"/>
+    <p:sldLayoutId id="2147483730" r:id="rId4"/>
+    <p:sldLayoutId id="2147483731" r:id="rId5"/>
+    <p:sldLayoutId id="2147483732" r:id="rId6"/>
+    <p:sldLayoutId id="2147483733" r:id="rId7"/>
+    <p:sldLayoutId id="2147483734" r:id="rId8"/>
+    <p:sldLayoutId id="2147483735" r:id="rId9"/>
+    <p:sldLayoutId id="2147483736" r:id="rId10"/>
+    <p:sldLayoutId id="2147483737" r:id="rId11"/>
+    <p:sldLayoutId id="2147483738" r:id="rId12"/>
+    <p:sldLayoutId id="2147483739" r:id="rId13"/>
+    <p:sldLayoutId id="2147483740" r:id="rId14"/>
+    <p:sldLayoutId id="2147483741" r:id="rId15"/>
+    <p:sldLayoutId id="2147483742" r:id="rId16"/>
+    <p:sldLayoutId id="2147483743" r:id="rId17"/>
   </p:sldLayoutIdLst>
   <p:txStyles>
     <p:titleStyle>
-      <a:lvl1pPr algn="l" defTabSz="914400" rtl="0" eaLnBrk="1" latinLnBrk="0" hangingPunct="1">
-        <a:lnSpc>
-          <a:spcPct val="90000"/>
-        </a:lnSpc>
+      <a:lvl1pPr algn="l" defTabSz="457200" rtl="0" eaLnBrk="1" latinLnBrk="0" hangingPunct="1">
         <a:spcBef>
           <a:spcPct val="0"/>
         </a:spcBef>
         <a:buNone/>
-        <a:defRPr sz="4400" kern="1200">
+        <a:defRPr sz="3600" kern="1200" cap="all">
+          <a:ln w="3175" cmpd="sng">
+            <a:noFill/>
+          </a:ln>
           <a:solidFill>
             <a:schemeClr val="tx1"/>
           </a:solidFill>
+          <a:effectLst/>
           <a:latin typeface="+mj-lt"/>
           <a:ea typeface="+mj-ea"/>
           <a:cs typeface="+mj-cs"/>
         </a:defRPr>
       </a:lvl1pPr>
+      <a:lvl2pPr eaLnBrk="1" hangingPunct="1">
+        <a:defRPr>
+          <a:solidFill>
+            <a:schemeClr val="tx2"/>
+          </a:solidFill>
+        </a:defRPr>
+      </a:lvl2pPr>
+      <a:lvl3pPr eaLnBrk="1" hangingPunct="1">
+        <a:defRPr>
+          <a:solidFill>
+            <a:schemeClr val="tx2"/>
+          </a:solidFill>
+        </a:defRPr>
+      </a:lvl3pPr>
+      <a:lvl4pPr eaLnBrk="1" hangingPunct="1">
+        <a:defRPr>
+          <a:solidFill>
+            <a:schemeClr val="tx2"/>
+          </a:solidFill>
+        </a:defRPr>
+      </a:lvl4pPr>
+      <a:lvl5pPr eaLnBrk="1" hangingPunct="1">
+        <a:defRPr>
+          <a:solidFill>
+            <a:schemeClr val="tx2"/>
+          </a:solidFill>
+        </a:defRPr>
+      </a:lvl5pPr>
+      <a:lvl6pPr eaLnBrk="1" hangingPunct="1">
+        <a:defRPr>
+          <a:solidFill>
+            <a:schemeClr val="tx2"/>
+          </a:solidFill>
+        </a:defRPr>
+      </a:lvl6pPr>
+      <a:lvl7pPr eaLnBrk="1" hangingPunct="1">
+        <a:defRPr>
+          <a:solidFill>
+            <a:schemeClr val="tx2"/>
+          </a:solidFill>
+        </a:defRPr>
+      </a:lvl7pPr>
+      <a:lvl8pPr eaLnBrk="1" hangingPunct="1">
+        <a:defRPr>
+          <a:solidFill>
+            <a:schemeClr val="tx2"/>
+          </a:solidFill>
+        </a:defRPr>
+      </a:lvl8pPr>
+      <a:lvl9pPr eaLnBrk="1" hangingPunct="1">
+        <a:defRPr>
+          <a:solidFill>
+            <a:schemeClr val="tx2"/>
+          </a:solidFill>
+        </a:defRPr>
+      </a:lvl9pPr>
     </p:titleStyle>
     <p:bodyStyle>
-      <a:lvl1pPr marL="228600" indent="-228600" algn="l" defTabSz="914400" rtl="0" eaLnBrk="1" latinLnBrk="0" hangingPunct="1">
-        <a:lnSpc>
-          <a:spcPct val="90000"/>
-        </a:lnSpc>
+      <a:lvl1pPr marL="285750" indent="-285750" algn="l" defTabSz="457200" rtl="0" eaLnBrk="1" latinLnBrk="0" hangingPunct="1">
         <a:spcBef>
-          <a:spcPts val="1000"/>
+          <a:spcPct val="20000"/>
         </a:spcBef>
-        <a:buFont typeface="Arial" panose="020B0604020202020204" pitchFamily="34" charset="0"/>
-        <a:buChar char="•"/>
-        <a:defRPr sz="2800" kern="1200">
+        <a:spcAft>
+          <a:spcPts val="600"/>
+        </a:spcAft>
+        <a:buClr>
+          <a:schemeClr val="tx1"/>
+        </a:buClr>
+        <a:buSzPct val="80000"/>
+        <a:buFont typeface="Wingdings 3" panose="05040102010807070707" pitchFamily="18" charset="2"/>
+        <a:buChar char=""/>
+        <a:defRPr sz="2000" kern="1200" cap="none">
           <a:solidFill>
-            <a:schemeClr val="tx1"/>
+            <a:schemeClr val="bg2">
+              <a:lumMod val="75000"/>
+            </a:schemeClr>
           </a:solidFill>
+          <a:effectLst/>
           <a:latin typeface="+mn-lt"/>
           <a:ea typeface="+mn-ea"/>
           <a:cs typeface="+mn-cs"/>
         </a:defRPr>
       </a:lvl1pPr>
-      <a:lvl2pPr marL="685800" indent="-228600" algn="l" defTabSz="914400" rtl="0" eaLnBrk="1" latinLnBrk="0" hangingPunct="1">
-        <a:lnSpc>
-          <a:spcPct val="90000"/>
-        </a:lnSpc>
+      <a:lvl2pPr marL="742950" indent="-285750" algn="l" defTabSz="457200" rtl="0" eaLnBrk="1" latinLnBrk="0" hangingPunct="1">
         <a:spcBef>
-          <a:spcPts val="500"/>
+          <a:spcPct val="20000"/>
         </a:spcBef>
-        <a:buFont typeface="Arial" panose="020B0604020202020204" pitchFamily="34" charset="0"/>
-        <a:buChar char="•"/>
-        <a:defRPr sz="2400" kern="1200">
+        <a:spcAft>
+          <a:spcPts val="600"/>
+        </a:spcAft>
+        <a:buClr>
+          <a:schemeClr val="tx1"/>
+        </a:buClr>
+        <a:buSzPct val="80000"/>
+        <a:buFont typeface="Wingdings 3" panose="05040102010807070707" pitchFamily="18" charset="2"/>
+        <a:buChar char=""/>
+        <a:defRPr sz="1800" kern="1200" cap="none">
           <a:solidFill>
-            <a:schemeClr val="tx1"/>
+            <a:schemeClr val="bg2">
+              <a:lumMod val="75000"/>
+            </a:schemeClr>
           </a:solidFill>
+          <a:effectLst/>
           <a:latin typeface="+mn-lt"/>
           <a:ea typeface="+mn-ea"/>
           <a:cs typeface="+mn-cs"/>
         </a:defRPr>
       </a:lvl2pPr>
-      <a:lvl3pPr marL="1143000" indent="-228600" algn="l" defTabSz="914400" rtl="0" eaLnBrk="1" latinLnBrk="0" hangingPunct="1">
-        <a:lnSpc>
-          <a:spcPct val="90000"/>
-        </a:lnSpc>
+      <a:lvl3pPr marL="1200150" indent="-285750" algn="l" defTabSz="457200" rtl="0" eaLnBrk="1" latinLnBrk="0" hangingPunct="1">
         <a:spcBef>
-          <a:spcPts val="500"/>
+          <a:spcPct val="20000"/>
         </a:spcBef>
-        <a:buFont typeface="Arial" panose="020B0604020202020204" pitchFamily="34" charset="0"/>
-        <a:buChar char="•"/>
-        <a:defRPr sz="2000" kern="1200">
+        <a:spcAft>
+          <a:spcPts val="600"/>
+        </a:spcAft>
+        <a:buClr>
+          <a:schemeClr val="tx1"/>
+        </a:buClr>
+        <a:buSzPct val="80000"/>
+        <a:buFont typeface="Wingdings 3" panose="05040102010807070707" pitchFamily="18" charset="2"/>
+        <a:buChar char=""/>
+        <a:defRPr sz="1600" kern="1200" cap="none">
           <a:solidFill>
-            <a:schemeClr val="tx1"/>
+            <a:schemeClr val="bg2">
+              <a:lumMod val="75000"/>
+            </a:schemeClr>
           </a:solidFill>
+          <a:effectLst/>
           <a:latin typeface="+mn-lt"/>
           <a:ea typeface="+mn-ea"/>
           <a:cs typeface="+mn-cs"/>
         </a:defRPr>
       </a:lvl3pPr>
-      <a:lvl4pPr marL="1600200" indent="-228600" algn="l" defTabSz="914400" rtl="0" eaLnBrk="1" latinLnBrk="0" hangingPunct="1">
-        <a:lnSpc>
-          <a:spcPct val="90000"/>
-        </a:lnSpc>
+      <a:lvl4pPr marL="1543050" indent="-171450" algn="l" defTabSz="457200" rtl="0" eaLnBrk="1" latinLnBrk="0" hangingPunct="1">
         <a:spcBef>
-          <a:spcPts val="500"/>
+          <a:spcPct val="20000"/>
         </a:spcBef>
-        <a:buFont typeface="Arial" panose="020B0604020202020204" pitchFamily="34" charset="0"/>
-        <a:buChar char="•"/>
-        <a:defRPr sz="1800" kern="1200">
+        <a:spcAft>
+          <a:spcPts val="600"/>
+        </a:spcAft>
+        <a:buClr>
+          <a:schemeClr val="tx1"/>
+        </a:buClr>
+        <a:buSzPct val="80000"/>
+        <a:buFont typeface="Wingdings 3" panose="05040102010807070707" pitchFamily="18" charset="2"/>
+        <a:buChar char=""/>
+        <a:defRPr sz="1400" kern="1200" cap="none">
           <a:solidFill>
-            <a:schemeClr val="tx1"/>
+            <a:schemeClr val="bg2">
+              <a:lumMod val="75000"/>
+            </a:schemeClr>
           </a:solidFill>
+          <a:effectLst/>
           <a:latin typeface="+mn-lt"/>
           <a:ea typeface="+mn-ea"/>
           <a:cs typeface="+mn-cs"/>
         </a:defRPr>
       </a:lvl4pPr>
-      <a:lvl5pPr marL="2057400" indent="-228600" algn="l" defTabSz="914400" rtl="0" eaLnBrk="1" latinLnBrk="0" hangingPunct="1">
-        <a:lnSpc>
-          <a:spcPct val="90000"/>
-        </a:lnSpc>
+      <a:lvl5pPr marL="2000250" indent="-171450" algn="l" defTabSz="457200" rtl="0" eaLnBrk="1" latinLnBrk="0" hangingPunct="1">
         <a:spcBef>
-          <a:spcPts val="500"/>
+          <a:spcPct val="20000"/>
         </a:spcBef>
-        <a:buFont typeface="Arial" panose="020B0604020202020204" pitchFamily="34" charset="0"/>
-        <a:buChar char="•"/>
-        <a:defRPr sz="1800" kern="1200">
+        <a:spcAft>
+          <a:spcPts val="600"/>
+        </a:spcAft>
+        <a:buClr>
+          <a:schemeClr val="tx1"/>
+        </a:buClr>
+        <a:buSzPct val="80000"/>
+        <a:buFont typeface="Wingdings 3" panose="05040102010807070707" pitchFamily="18" charset="2"/>
+        <a:buChar char=""/>
+        <a:defRPr sz="1400" kern="1200" cap="none">
           <a:solidFill>
-            <a:schemeClr val="tx1"/>
+            <a:schemeClr val="bg2">
+              <a:lumMod val="75000"/>
+            </a:schemeClr>
           </a:solidFill>
+          <a:effectLst/>
           <a:latin typeface="+mn-lt"/>
           <a:ea typeface="+mn-ea"/>
           <a:cs typeface="+mn-cs"/>
         </a:defRPr>
       </a:lvl5pPr>
-      <a:lvl6pPr marL="2514600" indent="-228600" algn="l" defTabSz="914400" rtl="0" eaLnBrk="1" latinLnBrk="0" hangingPunct="1">
-        <a:lnSpc>
-          <a:spcPct val="90000"/>
-        </a:lnSpc>
+      <a:lvl6pPr marL="2514600" indent="-228600" algn="l" defTabSz="457200" rtl="0" eaLnBrk="1" latinLnBrk="0" hangingPunct="1">
         <a:spcBef>
-          <a:spcPts val="500"/>
+          <a:spcPct val="20000"/>
         </a:spcBef>
-        <a:buFont typeface="Arial" panose="020B0604020202020204" pitchFamily="34" charset="0"/>
-        <a:buChar char="•"/>
-        <a:defRPr sz="1800" kern="1200">
+        <a:spcAft>
+          <a:spcPts val="600"/>
+        </a:spcAft>
+        <a:buClr>
+          <a:schemeClr val="tx1"/>
+        </a:buClr>
+        <a:buSzPct val="80000"/>
+        <a:buFont typeface="Wingdings 3" panose="05040102010807070707" pitchFamily="18" charset="2"/>
+        <a:buChar char=""/>
+        <a:defRPr sz="1400" kern="1200" cap="none">
           <a:solidFill>
-            <a:schemeClr val="tx1"/>
+            <a:schemeClr val="bg2">
+              <a:lumMod val="75000"/>
+            </a:schemeClr>
           </a:solidFill>
+          <a:effectLst/>
           <a:latin typeface="+mn-lt"/>
           <a:ea typeface="+mn-ea"/>
           <a:cs typeface="+mn-cs"/>
         </a:defRPr>
       </a:lvl6pPr>
-      <a:lvl7pPr marL="2971800" indent="-228600" algn="l" defTabSz="914400" rtl="0" eaLnBrk="1" latinLnBrk="0" hangingPunct="1">
-        <a:lnSpc>
-          <a:spcPct val="90000"/>
-        </a:lnSpc>
+      <a:lvl7pPr marL="2971800" indent="-228600" algn="l" defTabSz="457200" rtl="0" eaLnBrk="1" latinLnBrk="0" hangingPunct="1">
         <a:spcBef>
-          <a:spcPts val="500"/>
+          <a:spcPct val="20000"/>
         </a:spcBef>
-        <a:buFont typeface="Arial" panose="020B0604020202020204" pitchFamily="34" charset="0"/>
-        <a:buChar char="•"/>
-        <a:defRPr sz="1800" kern="1200">
+        <a:spcAft>
+          <a:spcPts val="600"/>
+        </a:spcAft>
+        <a:buClr>
+          <a:schemeClr val="tx1"/>
+        </a:buClr>
+        <a:buSzPct val="80000"/>
+        <a:buFont typeface="Wingdings 3" panose="05040102010807070707" pitchFamily="18" charset="2"/>
+        <a:buChar char=""/>
+        <a:defRPr sz="1400" kern="1200" cap="none">
           <a:solidFill>
-            <a:schemeClr val="tx1"/>
+            <a:schemeClr val="bg2">
+              <a:lumMod val="75000"/>
+            </a:schemeClr>
           </a:solidFill>
+          <a:effectLst/>
           <a:latin typeface="+mn-lt"/>
           <a:ea typeface="+mn-ea"/>
           <a:cs typeface="+mn-cs"/>
         </a:defRPr>
       </a:lvl7pPr>
-      <a:lvl8pPr marL="3429000" indent="-228600" algn="l" defTabSz="914400" rtl="0" eaLnBrk="1" latinLnBrk="0" hangingPunct="1">
-        <a:lnSpc>
-          <a:spcPct val="90000"/>
-        </a:lnSpc>
+      <a:lvl8pPr marL="3429000" indent="-228600" algn="l" defTabSz="457200" rtl="0" eaLnBrk="1" latinLnBrk="0" hangingPunct="1">
         <a:spcBef>
-          <a:spcPts val="500"/>
+          <a:spcPct val="20000"/>
         </a:spcBef>
-        <a:buFont typeface="Arial" panose="020B0604020202020204" pitchFamily="34" charset="0"/>
-        <a:buChar char="•"/>
-        <a:defRPr sz="1800" kern="1200">
+        <a:spcAft>
+          <a:spcPts val="600"/>
+        </a:spcAft>
+        <a:buClr>
+          <a:schemeClr val="tx1"/>
+        </a:buClr>
+        <a:buSzPct val="80000"/>
+        <a:buFont typeface="Wingdings 3" panose="05040102010807070707" pitchFamily="18" charset="2"/>
+        <a:buChar char=""/>
+        <a:defRPr sz="1400" kern="1200" cap="none">
           <a:solidFill>
-            <a:schemeClr val="tx1"/>
+            <a:schemeClr val="bg2">
+              <a:lumMod val="75000"/>
+            </a:schemeClr>
           </a:solidFill>
+          <a:effectLst/>
           <a:latin typeface="+mn-lt"/>
           <a:ea typeface="+mn-ea"/>
           <a:cs typeface="+mn-cs"/>
         </a:defRPr>
       </a:lvl8pPr>
-      <a:lvl9pPr marL="3886200" indent="-228600" algn="l" defTabSz="914400" rtl="0" eaLnBrk="1" latinLnBrk="0" hangingPunct="1">
-        <a:lnSpc>
-          <a:spcPct val="90000"/>
-        </a:lnSpc>
+      <a:lvl9pPr marL="3886200" indent="-228600" algn="l" defTabSz="457200" rtl="0" eaLnBrk="1" latinLnBrk="0" hangingPunct="1">
         <a:spcBef>
-          <a:spcPts val="500"/>
+          <a:spcPct val="20000"/>
         </a:spcBef>
-        <a:buFont typeface="Arial" panose="020B0604020202020204" pitchFamily="34" charset="0"/>
-        <a:buChar char="•"/>
-        <a:defRPr sz="1800" kern="1200">
+        <a:spcAft>
+          <a:spcPts val="600"/>
+        </a:spcAft>
+        <a:buClr>
+          <a:schemeClr val="tx1"/>
+        </a:buClr>
+        <a:buSzPct val="80000"/>
+        <a:buFont typeface="Wingdings 3" panose="05040102010807070707" pitchFamily="18" charset="2"/>
+        <a:buChar char=""/>
+        <a:defRPr sz="1400" kern="1200" cap="none">
           <a:solidFill>
-            <a:schemeClr val="tx1"/>
+            <a:schemeClr val="bg2">
+              <a:lumMod val="75000"/>
+            </a:schemeClr>
           </a:solidFill>
+          <a:effectLst/>
           <a:latin typeface="+mn-lt"/>
           <a:ea typeface="+mn-ea"/>
           <a:cs typeface="+mn-cs"/>
@@ -2860,7 +5261,7 @@
       <a:defPPr>
         <a:defRPr lang="en-US"/>
       </a:defPPr>
-      <a:lvl1pPr marL="0" algn="l" defTabSz="914400" rtl="0" eaLnBrk="1" latinLnBrk="0" hangingPunct="1">
+      <a:lvl1pPr marL="0" algn="l" defTabSz="457200" rtl="0" eaLnBrk="1" latinLnBrk="0" hangingPunct="1">
         <a:defRPr sz="1800" kern="1200">
           <a:solidFill>
             <a:schemeClr val="tx1"/>
@@ -2870,7 +5271,7 @@
           <a:cs typeface="+mn-cs"/>
         </a:defRPr>
       </a:lvl1pPr>
-      <a:lvl2pPr marL="457200" algn="l" defTabSz="914400" rtl="0" eaLnBrk="1" latinLnBrk="0" hangingPunct="1">
+      <a:lvl2pPr marL="457200" algn="l" defTabSz="457200" rtl="0" eaLnBrk="1" latinLnBrk="0" hangingPunct="1">
         <a:defRPr sz="1800" kern="1200">
           <a:solidFill>
             <a:schemeClr val="tx1"/>
@@ -2880,7 +5281,7 @@
           <a:cs typeface="+mn-cs"/>
         </a:defRPr>
       </a:lvl2pPr>
-      <a:lvl3pPr marL="914400" algn="l" defTabSz="914400" rtl="0" eaLnBrk="1" latinLnBrk="0" hangingPunct="1">
+      <a:lvl3pPr marL="914400" algn="l" defTabSz="457200" rtl="0" eaLnBrk="1" latinLnBrk="0" hangingPunct="1">
         <a:defRPr sz="1800" kern="1200">
           <a:solidFill>
             <a:schemeClr val="tx1"/>
@@ -2890,7 +5291,7 @@
           <a:cs typeface="+mn-cs"/>
         </a:defRPr>
       </a:lvl3pPr>
-      <a:lvl4pPr marL="1371600" algn="l" defTabSz="914400" rtl="0" eaLnBrk="1" latinLnBrk="0" hangingPunct="1">
+      <a:lvl4pPr marL="1371600" algn="l" defTabSz="457200" rtl="0" eaLnBrk="1" latinLnBrk="0" hangingPunct="1">
         <a:defRPr sz="1800" kern="1200">
           <a:solidFill>
             <a:schemeClr val="tx1"/>
@@ -2900,7 +5301,7 @@
           <a:cs typeface="+mn-cs"/>
         </a:defRPr>
       </a:lvl4pPr>
-      <a:lvl5pPr marL="1828800" algn="l" defTabSz="914400" rtl="0" eaLnBrk="1" latinLnBrk="0" hangingPunct="1">
+      <a:lvl5pPr marL="1828800" algn="l" defTabSz="457200" rtl="0" eaLnBrk="1" latinLnBrk="0" hangingPunct="1">
         <a:defRPr sz="1800" kern="1200">
           <a:solidFill>
             <a:schemeClr val="tx1"/>
@@ -2910,7 +5311,7 @@
           <a:cs typeface="+mn-cs"/>
         </a:defRPr>
       </a:lvl5pPr>
-      <a:lvl6pPr marL="2286000" algn="l" defTabSz="914400" rtl="0" eaLnBrk="1" latinLnBrk="0" hangingPunct="1">
+      <a:lvl6pPr marL="2286000" algn="l" defTabSz="457200" rtl="0" eaLnBrk="1" latinLnBrk="0" hangingPunct="1">
         <a:defRPr sz="1800" kern="1200">
           <a:solidFill>
             <a:schemeClr val="tx1"/>
@@ -2920,7 +5321,7 @@
           <a:cs typeface="+mn-cs"/>
         </a:defRPr>
       </a:lvl6pPr>
-      <a:lvl7pPr marL="2743200" algn="l" defTabSz="914400" rtl="0" eaLnBrk="1" latinLnBrk="0" hangingPunct="1">
+      <a:lvl7pPr marL="2743200" algn="l" defTabSz="457200" rtl="0" eaLnBrk="1" latinLnBrk="0" hangingPunct="1">
         <a:defRPr sz="1800" kern="1200">
           <a:solidFill>
             <a:schemeClr val="tx1"/>
@@ -2930,7 +5331,7 @@
           <a:cs typeface="+mn-cs"/>
         </a:defRPr>
       </a:lvl7pPr>
-      <a:lvl8pPr marL="3200400" algn="l" defTabSz="914400" rtl="0" eaLnBrk="1" latinLnBrk="0" hangingPunct="1">
+      <a:lvl8pPr marL="3200400" algn="l" defTabSz="457200" rtl="0" eaLnBrk="1" latinLnBrk="0" hangingPunct="1">
         <a:defRPr sz="1800" kern="1200">
           <a:solidFill>
             <a:schemeClr val="tx1"/>
@@ -2940,7 +5341,7 @@
           <a:cs typeface="+mn-cs"/>
         </a:defRPr>
       </a:lvl8pPr>
-      <a:lvl9pPr marL="3657600" algn="l" defTabSz="914400" rtl="0" eaLnBrk="1" latinLnBrk="0" hangingPunct="1">
+      <a:lvl9pPr marL="3657600" algn="l" defTabSz="457200" rtl="0" eaLnBrk="1" latinLnBrk="0" hangingPunct="1">
         <a:defRPr sz="1800" kern="1200">
           <a:solidFill>
             <a:schemeClr val="tx1"/>
@@ -2974,18 +5375,102 @@
       </p:grpSpPr>
       <p:sp>
         <p:nvSpPr>
-          <p:cNvPr id="2" name="Title 1"/>
-          <p:cNvSpPr>
-            <a:spLocks noGrp="1"/>
-          </p:cNvSpPr>
-          <p:nvPr>
-            <p:ph type="ctrTitle"/>
+          <p:cNvPr id="3" name="Subtitle 2"/>
+          <p:cNvSpPr>
+            <a:spLocks noGrp="1"/>
+          </p:cNvSpPr>
+          <p:nvPr>
+            <p:ph sz="half" idx="4294967295"/>
           </p:nvPr>
         </p:nvSpPr>
         <p:spPr>
           <a:xfrm>
-            <a:off x="1857286" y="205099"/>
-            <a:ext cx="7756733" cy="897308"/>
+            <a:off x="905824" y="1402083"/>
+            <a:ext cx="5314950" cy="4249737"/>
+          </a:xfrm>
+        </p:spPr>
+        <p:txBody>
+          <a:bodyPr>
+            <a:normAutofit/>
+          </a:bodyPr>
+          <a:lstStyle/>
+          <a:p>
+            <a:pPr algn="l"/>
+            <a:r>
+              <a:rPr lang="en-US" sz="2000" dirty="0"/>
+              <a:t>Decision making is required when we want to execute a code only if a certain condition is satisfied</a:t>
+            </a:r>
+            <a:r>
+              <a:rPr lang="en-US" sz="2000" dirty="0" smtClean="0"/>
+              <a:t>.</a:t>
+            </a:r>
+          </a:p>
+          <a:p>
+            <a:pPr algn="l"/>
+            <a:r>
+              <a:rPr lang="en-US" sz="2000" dirty="0"/>
+              <a:t>The </a:t>
+            </a:r>
+            <a:r>
+              <a:rPr lang="en-US" sz="2000" b="1" dirty="0"/>
+              <a:t>if</a:t>
+            </a:r>
+            <a:r>
+              <a:rPr lang="en-US" sz="2000" dirty="0"/>
+              <a:t>…</a:t>
+            </a:r>
+            <a:r>
+              <a:rPr lang="en-US" sz="2000" b="1" dirty="0" err="1"/>
+              <a:t>elif</a:t>
+            </a:r>
+            <a:r>
+              <a:rPr lang="en-US" sz="2000" dirty="0"/>
+              <a:t>…</a:t>
+            </a:r>
+            <a:r>
+              <a:rPr lang="en-US" sz="2000" b="1" dirty="0"/>
+              <a:t>else</a:t>
+            </a:r>
+            <a:r>
+              <a:rPr lang="en-US" sz="2000" dirty="0"/>
+              <a:t> statement is used in Python for decision making.</a:t>
+            </a:r>
+            <a:endParaRPr lang="en-US" sz="2000" dirty="0" smtClean="0"/>
+          </a:p>
+          <a:p>
+            <a:pPr algn="l"/>
+            <a:r>
+              <a:rPr lang="en-US" sz="2000" b="1" dirty="0" smtClean="0"/>
+              <a:t>if x expression:</a:t>
+            </a:r>
+          </a:p>
+          <a:p>
+            <a:pPr algn="l"/>
+            <a:r>
+              <a:rPr lang="en-US" sz="2000" b="1" dirty="0" smtClean="0"/>
+              <a:t>    statement(s)</a:t>
+            </a:r>
+          </a:p>
+          <a:p>
+            <a:pPr algn="l"/>
+            <a:endParaRPr lang="en-US" sz="2000" dirty="0" smtClean="0"/>
+          </a:p>
+        </p:txBody>
+      </p:sp>
+      <p:sp>
+        <p:nvSpPr>
+          <p:cNvPr id="2" name="Title 1"/>
+          <p:cNvSpPr>
+            <a:spLocks noGrp="1"/>
+          </p:cNvSpPr>
+          <p:nvPr>
+            <p:ph type="title" idx="4294967295"/>
+          </p:nvPr>
+        </p:nvSpPr>
+        <p:spPr>
+          <a:xfrm>
+            <a:off x="4906324" y="716270"/>
+            <a:ext cx="2628900" cy="606425"/>
           </a:xfrm>
         </p:spPr>
         <p:txBody>
@@ -2996,192 +5481,733 @@
           <a:p>
             <a:r>
               <a:rPr lang="en-IN" sz="2800" b="1" dirty="0" smtClean="0"/>
-              <a:t/>
-            </a:r>
-            <a:br>
-              <a:rPr lang="en-IN" sz="2800" b="1" dirty="0" smtClean="0"/>
-            </a:br>
-            <a:r>
-              <a:rPr lang="en-IN" sz="2800" b="1" dirty="0"/>
-              <a:t/>
-            </a:r>
-            <a:br>
-              <a:rPr lang="en-IN" sz="2800" b="1" dirty="0"/>
-            </a:br>
-            <a:r>
-              <a:rPr lang="en-IN" sz="2800" b="1" dirty="0" smtClean="0"/>
-              <a:t/>
-            </a:r>
-            <a:br>
-              <a:rPr lang="en-IN" sz="2800" b="1" dirty="0" smtClean="0"/>
-            </a:br>
-            <a:r>
-              <a:rPr lang="en-IN" sz="2800" b="1" dirty="0" smtClean="0"/>
-              <a:t>Console </a:t>
-            </a:r>
-            <a:r>
-              <a:rPr lang="en-IN" sz="2800" b="1" dirty="0" err="1" smtClean="0"/>
-              <a:t>Input/Output</a:t>
-            </a:r>
-            <a:r>
-              <a:rPr lang="en-IN" sz="2800" b="1" dirty="0"/>
-              <a:t/>
-            </a:r>
-            <a:br>
-              <a:rPr lang="en-IN" sz="2800" b="1" dirty="0"/>
-            </a:br>
+              <a:t>Control Flow</a:t>
+            </a:r>
             <a:endParaRPr lang="en-US" sz="2800" b="1" dirty="0"/>
           </a:p>
         </p:txBody>
       </p:sp>
-      <p:sp>
-        <p:nvSpPr>
-          <p:cNvPr id="3" name="Subtitle 2"/>
-          <p:cNvSpPr>
-            <a:spLocks noGrp="1"/>
-          </p:cNvSpPr>
-          <p:nvPr>
-            <p:ph type="subTitle" idx="1"/>
-          </p:nvPr>
-        </p:nvSpPr>
-        <p:spPr>
+      <p:grpSp>
+        <p:nvGrpSpPr>
+          <p:cNvPr id="1045" name="Group 1044"/>
+          <p:cNvGrpSpPr/>
+          <p:nvPr/>
+        </p:nvGrpSpPr>
+        <p:grpSpPr>
           <a:xfrm>
-            <a:off x="1555333" y="1452785"/>
-            <a:ext cx="9930214" cy="4127619"/>
+            <a:off x="6590283" y="1798461"/>
+            <a:ext cx="3392682" cy="4271543"/>
+            <a:chOff x="3956701" y="2714360"/>
+            <a:chExt cx="2768839" cy="3559753"/>
           </a:xfrm>
-        </p:spPr>
-        <p:txBody>
-          <a:bodyPr>
-            <a:normAutofit fontScale="85000" lnSpcReduction="20000"/>
-          </a:bodyPr>
-          <a:lstStyle/>
-          <a:p>
-            <a:pPr algn="l"/>
-            <a:r>
-              <a:rPr lang="en-US" sz="1800" dirty="0" smtClean="0"/>
-              <a:t>Console Input /output means get input from keyboard and output to scree.</a:t>
-            </a:r>
-          </a:p>
-          <a:p>
-            <a:pPr algn="l"/>
-            <a:r>
-              <a:rPr lang="en-US" sz="1800" b="1" dirty="0" smtClean="0"/>
-              <a:t>Console Input:</a:t>
-            </a:r>
-          </a:p>
-          <a:p>
-            <a:pPr algn="l"/>
-            <a:r>
-              <a:rPr lang="en-US" sz="1800" dirty="0" smtClean="0"/>
-              <a:t>Console input can be received using the built-in function </a:t>
-            </a:r>
-            <a:r>
-              <a:rPr lang="en-US" sz="1800" b="1" dirty="0" smtClean="0"/>
-              <a:t>input().</a:t>
-            </a:r>
-          </a:p>
-          <a:p>
-            <a:pPr algn="l"/>
-            <a:r>
-              <a:rPr lang="en-US" sz="1800" dirty="0" smtClean="0"/>
-              <a:t>Name = input(“enter your name”)</a:t>
-            </a:r>
-          </a:p>
-          <a:p>
-            <a:pPr algn="l"/>
-            <a:r>
-              <a:rPr lang="en-US" sz="1800" b="1" dirty="0"/>
-              <a:t>i</a:t>
-            </a:r>
-            <a:r>
-              <a:rPr lang="en-US" sz="1800" b="1" dirty="0" smtClean="0"/>
-              <a:t>nput()</a:t>
-            </a:r>
-            <a:r>
-              <a:rPr lang="en-US" sz="1800" dirty="0" smtClean="0"/>
-              <a:t> returns string, if 123 entered,’123’ will be return.</a:t>
-            </a:r>
-          </a:p>
-          <a:p>
-            <a:pPr algn="l"/>
-            <a:r>
-              <a:rPr lang="en-US" sz="1800" b="1" dirty="0" smtClean="0"/>
-              <a:t>Split() </a:t>
-            </a:r>
-            <a:r>
-              <a:rPr lang="en-US" sz="1800" dirty="0" smtClean="0"/>
-              <a:t> with input().</a:t>
-            </a:r>
-          </a:p>
-          <a:p>
-            <a:pPr algn="l"/>
-            <a:endParaRPr lang="en-US" sz="1800" dirty="0" smtClean="0"/>
-          </a:p>
-          <a:p>
-            <a:pPr algn="l"/>
-            <a:r>
-              <a:rPr lang="en-US" sz="1800" b="1" dirty="0" smtClean="0"/>
-              <a:t>Console Output:</a:t>
-            </a:r>
-          </a:p>
-          <a:p>
-            <a:pPr algn="l"/>
-            <a:r>
-              <a:rPr lang="en-US" sz="1800" dirty="0" smtClean="0"/>
-              <a:t>Built-in function </a:t>
-            </a:r>
-            <a:r>
-              <a:rPr lang="en-US" sz="1800" b="1" dirty="0" smtClean="0"/>
-              <a:t>print() </a:t>
-            </a:r>
-            <a:r>
-              <a:rPr lang="en-US" sz="1800" dirty="0" smtClean="0"/>
-              <a:t>is used to send output to screen.</a:t>
-            </a:r>
-          </a:p>
-          <a:p>
-            <a:pPr algn="l"/>
-            <a:endParaRPr lang="en-US" sz="1800" dirty="0" smtClean="0">
-              <a:solidFill>
-                <a:srgbClr val="00B050"/>
-              </a:solidFill>
-            </a:endParaRPr>
-          </a:p>
-          <a:p>
-            <a:pPr algn="l"/>
-            <a:endParaRPr lang="en-US" sz="1800" dirty="0" smtClean="0"/>
-          </a:p>
-          <a:p>
-            <a:pPr algn="l"/>
-            <a:endParaRPr lang="en-US" sz="1800" dirty="0" smtClean="0"/>
-          </a:p>
-          <a:p>
-            <a:pPr algn="l"/>
-            <a:r>
-              <a:rPr lang="en-US" sz="1800" b="1" dirty="0"/>
-              <a:t/>
-            </a:r>
-            <a:br>
-              <a:rPr lang="en-US" sz="1800" b="1" dirty="0"/>
-            </a:br>
-            <a:endParaRPr lang="en-US" sz="1800" b="1" dirty="0" smtClean="0"/>
-          </a:p>
-          <a:p>
-            <a:pPr algn="l"/>
-            <a:endParaRPr lang="en-US" sz="1800" dirty="0" smtClean="0"/>
-          </a:p>
-        </p:txBody>
-      </p:sp>
+        </p:grpSpPr>
+        <p:sp>
+          <p:nvSpPr>
+            <p:cNvPr id="7" name="Round Same Side Corner Rectangle 6"/>
+            <p:cNvSpPr/>
+            <p:nvPr/>
+          </p:nvSpPr>
+          <p:spPr>
+            <a:xfrm>
+              <a:off x="4114798" y="2714360"/>
+              <a:ext cx="1700613" cy="290557"/>
+            </a:xfrm>
+            <a:prstGeom prst="round2SameRect">
+              <a:avLst/>
+            </a:prstGeom>
+          </p:spPr>
+          <p:style>
+            <a:lnRef idx="2">
+              <a:schemeClr val="accent1">
+                <a:shade val="50000"/>
+              </a:schemeClr>
+            </a:lnRef>
+            <a:fillRef idx="1">
+              <a:schemeClr val="accent1"/>
+            </a:fillRef>
+            <a:effectRef idx="0">
+              <a:schemeClr val="accent1"/>
+            </a:effectRef>
+            <a:fontRef idx="minor">
+              <a:schemeClr val="lt1"/>
+            </a:fontRef>
+          </p:style>
+          <p:txBody>
+            <a:bodyPr rtlCol="0" anchor="ctr"/>
+            <a:lstStyle/>
+            <a:p>
+              <a:pPr algn="ctr"/>
+              <a:r>
+                <a:rPr lang="en-US" dirty="0" smtClean="0"/>
+                <a:t>Start</a:t>
+              </a:r>
+              <a:endParaRPr lang="en-IN" dirty="0"/>
+            </a:p>
+          </p:txBody>
+        </p:sp>
+        <p:sp>
+          <p:nvSpPr>
+            <p:cNvPr id="9" name="Diamond 8"/>
+            <p:cNvSpPr/>
+            <p:nvPr/>
+          </p:nvSpPr>
+          <p:spPr>
+            <a:xfrm>
+              <a:off x="3956701" y="3401403"/>
+              <a:ext cx="2016808" cy="1255517"/>
+            </a:xfrm>
+            <a:prstGeom prst="diamond">
+              <a:avLst/>
+            </a:prstGeom>
+          </p:spPr>
+          <p:style>
+            <a:lnRef idx="2">
+              <a:schemeClr val="accent1">
+                <a:shade val="50000"/>
+              </a:schemeClr>
+            </a:lnRef>
+            <a:fillRef idx="1">
+              <a:schemeClr val="accent1"/>
+            </a:fillRef>
+            <a:effectRef idx="0">
+              <a:schemeClr val="accent1"/>
+            </a:effectRef>
+            <a:fontRef idx="minor">
+              <a:schemeClr val="lt1"/>
+            </a:fontRef>
+          </p:style>
+          <p:txBody>
+            <a:bodyPr rtlCol="0" anchor="ctr"/>
+            <a:lstStyle/>
+            <a:p>
+              <a:pPr algn="ctr"/>
+              <a:r>
+                <a:rPr lang="en-US" dirty="0" smtClean="0"/>
+                <a:t>Test</a:t>
+              </a:r>
+              <a:endParaRPr lang="en-IN" dirty="0"/>
+            </a:p>
+          </p:txBody>
+        </p:sp>
+        <p:cxnSp>
+          <p:nvCxnSpPr>
+            <p:cNvPr id="11" name="Straight Arrow Connector 10"/>
+            <p:cNvCxnSpPr>
+              <a:stCxn id="7" idx="1"/>
+              <a:endCxn id="9" idx="0"/>
+            </p:cNvCxnSpPr>
+            <p:nvPr/>
+          </p:nvCxnSpPr>
+          <p:spPr>
+            <a:xfrm>
+              <a:off x="4965105" y="3004917"/>
+              <a:ext cx="0" cy="396486"/>
+            </a:xfrm>
+            <a:prstGeom prst="straightConnector1">
+              <a:avLst/>
+            </a:prstGeom>
+            <a:ln>
+              <a:tailEnd type="triangle"/>
+            </a:ln>
+          </p:spPr>
+          <p:style>
+            <a:lnRef idx="1">
+              <a:schemeClr val="accent1"/>
+            </a:lnRef>
+            <a:fillRef idx="0">
+              <a:schemeClr val="accent1"/>
+            </a:fillRef>
+            <a:effectRef idx="0">
+              <a:schemeClr val="accent1"/>
+            </a:effectRef>
+            <a:fontRef idx="minor">
+              <a:schemeClr val="tx1"/>
+            </a:fontRef>
+          </p:style>
+        </p:cxnSp>
+        <p:cxnSp>
+          <p:nvCxnSpPr>
+            <p:cNvPr id="29" name="Straight Arrow Connector 28"/>
+            <p:cNvCxnSpPr/>
+            <p:nvPr/>
+          </p:nvCxnSpPr>
+          <p:spPr>
+            <a:xfrm>
+              <a:off x="4965104" y="4679724"/>
+              <a:ext cx="0" cy="561536"/>
+            </a:xfrm>
+            <a:prstGeom prst="straightConnector1">
+              <a:avLst/>
+            </a:prstGeom>
+            <a:ln>
+              <a:tailEnd type="triangle"/>
+            </a:ln>
+          </p:spPr>
+          <p:style>
+            <a:lnRef idx="1">
+              <a:schemeClr val="accent1"/>
+            </a:lnRef>
+            <a:fillRef idx="0">
+              <a:schemeClr val="accent1"/>
+            </a:fillRef>
+            <a:effectRef idx="0">
+              <a:schemeClr val="accent1"/>
+            </a:effectRef>
+            <a:fontRef idx="minor">
+              <a:schemeClr val="tx1"/>
+            </a:fontRef>
+          </p:style>
+        </p:cxnSp>
+        <p:sp>
+          <p:nvSpPr>
+            <p:cNvPr id="28" name="Rectangle 27"/>
+            <p:cNvSpPr/>
+            <p:nvPr/>
+          </p:nvSpPr>
+          <p:spPr>
+            <a:xfrm>
+              <a:off x="4007978" y="5284679"/>
+              <a:ext cx="1982624" cy="640934"/>
+            </a:xfrm>
+            <a:prstGeom prst="rect">
+              <a:avLst/>
+            </a:prstGeom>
+          </p:spPr>
+          <p:style>
+            <a:lnRef idx="2">
+              <a:schemeClr val="accent1">
+                <a:shade val="50000"/>
+              </a:schemeClr>
+            </a:lnRef>
+            <a:fillRef idx="1">
+              <a:schemeClr val="accent1"/>
+            </a:fillRef>
+            <a:effectRef idx="0">
+              <a:schemeClr val="accent1"/>
+            </a:effectRef>
+            <a:fontRef idx="minor">
+              <a:schemeClr val="lt1"/>
+            </a:fontRef>
+          </p:style>
+          <p:txBody>
+            <a:bodyPr rtlCol="0" anchor="ctr"/>
+            <a:lstStyle/>
+            <a:p>
+              <a:pPr algn="ctr"/>
+              <a:r>
+                <a:rPr lang="en-US" dirty="0" smtClean="0"/>
+                <a:t>Body of If</a:t>
+              </a:r>
+              <a:endParaRPr lang="en-IN" dirty="0"/>
+            </a:p>
+          </p:txBody>
+        </p:sp>
+        <p:cxnSp>
+          <p:nvCxnSpPr>
+            <p:cNvPr id="1033" name="Elbow Connector 1032"/>
+            <p:cNvCxnSpPr>
+              <a:stCxn id="9" idx="3"/>
+            </p:cNvCxnSpPr>
+            <p:nvPr/>
+          </p:nvCxnSpPr>
+          <p:spPr>
+            <a:xfrm>
+              <a:off x="5973509" y="4029162"/>
+              <a:ext cx="752031" cy="1575984"/>
+            </a:xfrm>
+            <a:prstGeom prst="bentConnector2">
+              <a:avLst/>
+            </a:prstGeom>
+          </p:spPr>
+          <p:style>
+            <a:lnRef idx="1">
+              <a:schemeClr val="accent1"/>
+            </a:lnRef>
+            <a:fillRef idx="0">
+              <a:schemeClr val="accent1"/>
+            </a:fillRef>
+            <a:effectRef idx="0">
+              <a:schemeClr val="accent1"/>
+            </a:effectRef>
+            <a:fontRef idx="minor">
+              <a:schemeClr val="tx1"/>
+            </a:fontRef>
+          </p:style>
+        </p:cxnSp>
+        <p:cxnSp>
+          <p:nvCxnSpPr>
+            <p:cNvPr id="1035" name="Straight Arrow Connector 1034"/>
+            <p:cNvCxnSpPr>
+              <a:endCxn id="28" idx="3"/>
+            </p:cNvCxnSpPr>
+            <p:nvPr/>
+          </p:nvCxnSpPr>
+          <p:spPr>
+            <a:xfrm flipH="1">
+              <a:off x="5990602" y="5605146"/>
+              <a:ext cx="734938" cy="0"/>
+            </a:xfrm>
+            <a:prstGeom prst="straightConnector1">
+              <a:avLst/>
+            </a:prstGeom>
+            <a:ln>
+              <a:tailEnd type="triangle"/>
+            </a:ln>
+          </p:spPr>
+          <p:style>
+            <a:lnRef idx="1">
+              <a:schemeClr val="accent1"/>
+            </a:lnRef>
+            <a:fillRef idx="0">
+              <a:schemeClr val="accent1"/>
+            </a:fillRef>
+            <a:effectRef idx="0">
+              <a:schemeClr val="accent1"/>
+            </a:effectRef>
+            <a:fontRef idx="minor">
+              <a:schemeClr val="tx1"/>
+            </a:fontRef>
+          </p:style>
+        </p:cxnSp>
+        <p:sp>
+          <p:nvSpPr>
+            <p:cNvPr id="1036" name="TextBox 1035"/>
+            <p:cNvSpPr txBox="1"/>
+            <p:nvPr/>
+          </p:nvSpPr>
+          <p:spPr>
+            <a:xfrm>
+              <a:off x="5973509" y="3678783"/>
+              <a:ext cx="734938" cy="369332"/>
+            </a:xfrm>
+            <a:prstGeom prst="rect">
+              <a:avLst/>
+            </a:prstGeom>
+            <a:noFill/>
+          </p:spPr>
+          <p:txBody>
+            <a:bodyPr wrap="square" rtlCol="0">
+              <a:spAutoFit/>
+            </a:bodyPr>
+            <a:lstStyle/>
+            <a:p>
+              <a:r>
+                <a:rPr lang="en-US" dirty="0" smtClean="0"/>
+                <a:t>False</a:t>
+              </a:r>
+              <a:endParaRPr lang="en-IN" dirty="0"/>
+            </a:p>
+          </p:txBody>
+        </p:sp>
+        <p:sp>
+          <p:nvSpPr>
+            <p:cNvPr id="46" name="TextBox 45"/>
+            <p:cNvSpPr txBox="1"/>
+            <p:nvPr/>
+          </p:nvSpPr>
+          <p:spPr>
+            <a:xfrm>
+              <a:off x="4982197" y="4679725"/>
+              <a:ext cx="734938" cy="369332"/>
+            </a:xfrm>
+            <a:prstGeom prst="rect">
+              <a:avLst/>
+            </a:prstGeom>
+            <a:noFill/>
+          </p:spPr>
+          <p:txBody>
+            <a:bodyPr wrap="square" rtlCol="0">
+              <a:spAutoFit/>
+            </a:bodyPr>
+            <a:lstStyle/>
+            <a:p>
+              <a:r>
+                <a:rPr lang="en-US" dirty="0" smtClean="0"/>
+                <a:t>True</a:t>
+              </a:r>
+              <a:endParaRPr lang="en-IN" dirty="0"/>
+            </a:p>
+          </p:txBody>
+        </p:sp>
+        <p:cxnSp>
+          <p:nvCxnSpPr>
+            <p:cNvPr id="1044" name="Straight Arrow Connector 1043"/>
+            <p:cNvCxnSpPr>
+              <a:stCxn id="28" idx="2"/>
+            </p:cNvCxnSpPr>
+            <p:nvPr/>
+          </p:nvCxnSpPr>
+          <p:spPr>
+            <a:xfrm flipH="1">
+              <a:off x="4982197" y="5925613"/>
+              <a:ext cx="17093" cy="348500"/>
+            </a:xfrm>
+            <a:prstGeom prst="straightConnector1">
+              <a:avLst/>
+            </a:prstGeom>
+            <a:ln>
+              <a:tailEnd type="triangle"/>
+            </a:ln>
+          </p:spPr>
+          <p:style>
+            <a:lnRef idx="1">
+              <a:schemeClr val="accent1"/>
+            </a:lnRef>
+            <a:fillRef idx="0">
+              <a:schemeClr val="accent1"/>
+            </a:fillRef>
+            <a:effectRef idx="0">
+              <a:schemeClr val="accent1"/>
+            </a:effectRef>
+            <a:fontRef idx="minor">
+              <a:schemeClr val="tx1"/>
+            </a:fontRef>
+          </p:style>
+        </p:cxnSp>
+      </p:grpSp>
     </p:spTree>
     <p:extLst>
       <p:ext uri="{BB962C8B-B14F-4D97-AF65-F5344CB8AC3E}">
-        <p14:creationId xmlns:p14="http://schemas.microsoft.com/office/powerpoint/2010/main" val="3303740726"/>
+        <p14:creationId xmlns:p14="http://schemas.microsoft.com/office/powerpoint/2010/main" val="2907014816"/>
       </p:ext>
     </p:extLst>
   </p:cSld>
   <p:clrMapOvr>
     <a:masterClrMapping/>
   </p:clrMapOvr>
+  <p:transition spd="slow">
+    <p:randomBar dir="vert"/>
+  </p:transition>
+  <p:timing>
+    <p:tnLst>
+      <p:par>
+        <p:cTn id="1" dur="indefinite" restart="never" nodeType="tmRoot">
+          <p:childTnLst>
+            <p:seq concurrent="1" nextAc="seek">
+              <p:cTn id="2" dur="indefinite" nodeType="mainSeq">
+                <p:childTnLst>
+                  <p:par>
+                    <p:cTn id="3" fill="hold">
+                      <p:stCondLst>
+                        <p:cond delay="indefinite"/>
+                      </p:stCondLst>
+                      <p:childTnLst>
+                        <p:par>
+                          <p:cTn id="4" fill="hold">
+                            <p:stCondLst>
+                              <p:cond delay="0"/>
+                            </p:stCondLst>
+                            <p:childTnLst>
+                              <p:par>
+                                <p:cTn id="5" presetID="14" presetClass="entr" presetSubtype="10" fill="hold" grpId="0" nodeType="clickEffect">
+                                  <p:stCondLst>
+                                    <p:cond delay="0"/>
+                                  </p:stCondLst>
+                                  <p:childTnLst>
+                                    <p:set>
+                                      <p:cBhvr>
+                                        <p:cTn id="6" dur="1" fill="hold">
+                                          <p:stCondLst>
+                                            <p:cond delay="0"/>
+                                          </p:stCondLst>
+                                        </p:cTn>
+                                        <p:tgtEl>
+                                          <p:spTgt spid="3">
+                                            <p:txEl>
+                                              <p:pRg st="0" end="0"/>
+                                            </p:txEl>
+                                          </p:spTgt>
+                                        </p:tgtEl>
+                                        <p:attrNameLst>
+                                          <p:attrName>style.visibility</p:attrName>
+                                        </p:attrNameLst>
+                                      </p:cBhvr>
+                                      <p:to>
+                                        <p:strVal val="visible"/>
+                                      </p:to>
+                                    </p:set>
+                                    <p:animEffect transition="in" filter="randombar(horizontal)">
+                                      <p:cBhvr>
+                                        <p:cTn id="7" dur="500"/>
+                                        <p:tgtEl>
+                                          <p:spTgt spid="3">
+                                            <p:txEl>
+                                              <p:pRg st="0" end="0"/>
+                                            </p:txEl>
+                                          </p:spTgt>
+                                        </p:tgtEl>
+                                      </p:cBhvr>
+                                    </p:animEffect>
+                                  </p:childTnLst>
+                                </p:cTn>
+                              </p:par>
+                            </p:childTnLst>
+                          </p:cTn>
+                        </p:par>
+                      </p:childTnLst>
+                    </p:cTn>
+                  </p:par>
+                  <p:par>
+                    <p:cTn id="8" fill="hold">
+                      <p:stCondLst>
+                        <p:cond delay="indefinite"/>
+                      </p:stCondLst>
+                      <p:childTnLst>
+                        <p:par>
+                          <p:cTn id="9" fill="hold">
+                            <p:stCondLst>
+                              <p:cond delay="0"/>
+                            </p:stCondLst>
+                            <p:childTnLst>
+                              <p:par>
+                                <p:cTn id="10" presetID="14" presetClass="entr" presetSubtype="10" fill="hold" grpId="0" nodeType="clickEffect">
+                                  <p:stCondLst>
+                                    <p:cond delay="0"/>
+                                  </p:stCondLst>
+                                  <p:childTnLst>
+                                    <p:set>
+                                      <p:cBhvr>
+                                        <p:cTn id="11" dur="1" fill="hold">
+                                          <p:stCondLst>
+                                            <p:cond delay="0"/>
+                                          </p:stCondLst>
+                                        </p:cTn>
+                                        <p:tgtEl>
+                                          <p:spTgt spid="3">
+                                            <p:txEl>
+                                              <p:pRg st="1" end="1"/>
+                                            </p:txEl>
+                                          </p:spTgt>
+                                        </p:tgtEl>
+                                        <p:attrNameLst>
+                                          <p:attrName>style.visibility</p:attrName>
+                                        </p:attrNameLst>
+                                      </p:cBhvr>
+                                      <p:to>
+                                        <p:strVal val="visible"/>
+                                      </p:to>
+                                    </p:set>
+                                    <p:animEffect transition="in" filter="randombar(horizontal)">
+                                      <p:cBhvr>
+                                        <p:cTn id="12" dur="500"/>
+                                        <p:tgtEl>
+                                          <p:spTgt spid="3">
+                                            <p:txEl>
+                                              <p:pRg st="1" end="1"/>
+                                            </p:txEl>
+                                          </p:spTgt>
+                                        </p:tgtEl>
+                                      </p:cBhvr>
+                                    </p:animEffect>
+                                  </p:childTnLst>
+                                </p:cTn>
+                              </p:par>
+                            </p:childTnLst>
+                          </p:cTn>
+                        </p:par>
+                      </p:childTnLst>
+                    </p:cTn>
+                  </p:par>
+                  <p:par>
+                    <p:cTn id="13" fill="hold">
+                      <p:stCondLst>
+                        <p:cond delay="indefinite"/>
+                      </p:stCondLst>
+                      <p:childTnLst>
+                        <p:par>
+                          <p:cTn id="14" fill="hold">
+                            <p:stCondLst>
+                              <p:cond delay="0"/>
+                            </p:stCondLst>
+                            <p:childTnLst>
+                              <p:par>
+                                <p:cTn id="15" presetID="14" presetClass="entr" presetSubtype="10" fill="hold" grpId="0" nodeType="clickEffect">
+                                  <p:stCondLst>
+                                    <p:cond delay="0"/>
+                                  </p:stCondLst>
+                                  <p:childTnLst>
+                                    <p:set>
+                                      <p:cBhvr>
+                                        <p:cTn id="16" dur="1" fill="hold">
+                                          <p:stCondLst>
+                                            <p:cond delay="0"/>
+                                          </p:stCondLst>
+                                        </p:cTn>
+                                        <p:tgtEl>
+                                          <p:spTgt spid="3">
+                                            <p:txEl>
+                                              <p:pRg st="2" end="2"/>
+                                            </p:txEl>
+                                          </p:spTgt>
+                                        </p:tgtEl>
+                                        <p:attrNameLst>
+                                          <p:attrName>style.visibility</p:attrName>
+                                        </p:attrNameLst>
+                                      </p:cBhvr>
+                                      <p:to>
+                                        <p:strVal val="visible"/>
+                                      </p:to>
+                                    </p:set>
+                                    <p:animEffect transition="in" filter="randombar(horizontal)">
+                                      <p:cBhvr>
+                                        <p:cTn id="17" dur="500"/>
+                                        <p:tgtEl>
+                                          <p:spTgt spid="3">
+                                            <p:txEl>
+                                              <p:pRg st="2" end="2"/>
+                                            </p:txEl>
+                                          </p:spTgt>
+                                        </p:tgtEl>
+                                      </p:cBhvr>
+                                    </p:animEffect>
+                                  </p:childTnLst>
+                                </p:cTn>
+                              </p:par>
+                            </p:childTnLst>
+                          </p:cTn>
+                        </p:par>
+                      </p:childTnLst>
+                    </p:cTn>
+                  </p:par>
+                  <p:par>
+                    <p:cTn id="18" fill="hold">
+                      <p:stCondLst>
+                        <p:cond delay="indefinite"/>
+                      </p:stCondLst>
+                      <p:childTnLst>
+                        <p:par>
+                          <p:cTn id="19" fill="hold">
+                            <p:stCondLst>
+                              <p:cond delay="0"/>
+                            </p:stCondLst>
+                            <p:childTnLst>
+                              <p:par>
+                                <p:cTn id="20" presetID="14" presetClass="entr" presetSubtype="10" fill="hold" grpId="0" nodeType="clickEffect">
+                                  <p:stCondLst>
+                                    <p:cond delay="0"/>
+                                  </p:stCondLst>
+                                  <p:childTnLst>
+                                    <p:set>
+                                      <p:cBhvr>
+                                        <p:cTn id="21" dur="1" fill="hold">
+                                          <p:stCondLst>
+                                            <p:cond delay="0"/>
+                                          </p:stCondLst>
+                                        </p:cTn>
+                                        <p:tgtEl>
+                                          <p:spTgt spid="3">
+                                            <p:txEl>
+                                              <p:pRg st="3" end="3"/>
+                                            </p:txEl>
+                                          </p:spTgt>
+                                        </p:tgtEl>
+                                        <p:attrNameLst>
+                                          <p:attrName>style.visibility</p:attrName>
+                                        </p:attrNameLst>
+                                      </p:cBhvr>
+                                      <p:to>
+                                        <p:strVal val="visible"/>
+                                      </p:to>
+                                    </p:set>
+                                    <p:animEffect transition="in" filter="randombar(horizontal)">
+                                      <p:cBhvr>
+                                        <p:cTn id="22" dur="500"/>
+                                        <p:tgtEl>
+                                          <p:spTgt spid="3">
+                                            <p:txEl>
+                                              <p:pRg st="3" end="3"/>
+                                            </p:txEl>
+                                          </p:spTgt>
+                                        </p:tgtEl>
+                                      </p:cBhvr>
+                                    </p:animEffect>
+                                  </p:childTnLst>
+                                </p:cTn>
+                              </p:par>
+                            </p:childTnLst>
+                          </p:cTn>
+                        </p:par>
+                      </p:childTnLst>
+                    </p:cTn>
+                  </p:par>
+                  <p:par>
+                    <p:cTn id="23" fill="hold">
+                      <p:stCondLst>
+                        <p:cond delay="indefinite"/>
+                      </p:stCondLst>
+                      <p:childTnLst>
+                        <p:par>
+                          <p:cTn id="24" fill="hold">
+                            <p:stCondLst>
+                              <p:cond delay="0"/>
+                            </p:stCondLst>
+                            <p:childTnLst>
+                              <p:par>
+                                <p:cTn id="25" presetID="16" presetClass="entr" presetSubtype="21" fill="hold" nodeType="clickEffect">
+                                  <p:stCondLst>
+                                    <p:cond delay="0"/>
+                                  </p:stCondLst>
+                                  <p:childTnLst>
+                                    <p:set>
+                                      <p:cBhvr>
+                                        <p:cTn id="26" dur="1" fill="hold">
+                                          <p:stCondLst>
+                                            <p:cond delay="0"/>
+                                          </p:stCondLst>
+                                        </p:cTn>
+                                        <p:tgtEl>
+                                          <p:spTgt spid="1045"/>
+                                        </p:tgtEl>
+                                        <p:attrNameLst>
+                                          <p:attrName>style.visibility</p:attrName>
+                                        </p:attrNameLst>
+                                      </p:cBhvr>
+                                      <p:to>
+                                        <p:strVal val="visible"/>
+                                      </p:to>
+                                    </p:set>
+                                    <p:animEffect transition="in" filter="barn(inVertical)">
+                                      <p:cBhvr>
+                                        <p:cTn id="27" dur="500"/>
+                                        <p:tgtEl>
+                                          <p:spTgt spid="1045"/>
+                                        </p:tgtEl>
+                                      </p:cBhvr>
+                                    </p:animEffect>
+                                  </p:childTnLst>
+                                </p:cTn>
+                              </p:par>
+                            </p:childTnLst>
+                          </p:cTn>
+                        </p:par>
+                      </p:childTnLst>
+                    </p:cTn>
+                  </p:par>
+                </p:childTnLst>
+              </p:cTn>
+              <p:prevCondLst>
+                <p:cond evt="onPrev" delay="0">
+                  <p:tgtEl>
+                    <p:sldTgt/>
+                  </p:tgtEl>
+                </p:cond>
+              </p:prevCondLst>
+              <p:nextCondLst>
+                <p:cond evt="onNext" delay="0">
+                  <p:tgtEl>
+                    <p:sldTgt/>
+                  </p:tgtEl>
+                </p:cond>
+              </p:nextCondLst>
+            </p:seq>
+          </p:childTnLst>
+        </p:cTn>
+      </p:par>
+    </p:tnLst>
+    <p:bldLst>
+      <p:bldP spid="3" grpId="0" build="p"/>
+    </p:bldLst>
+  </p:timing>
 </p:sld>
 </file>
 
@@ -3209,210 +6235,233 @@
             <a:spLocks noGrp="1"/>
           </p:cNvSpPr>
           <p:nvPr>
-            <p:ph type="ctrTitle"/>
+            <p:ph type="ctrTitle" idx="4294967295"/>
           </p:nvPr>
         </p:nvSpPr>
         <p:spPr>
           <a:xfrm>
-            <a:off x="1857286" y="205099"/>
-            <a:ext cx="7756733" cy="897308"/>
+            <a:off x="905856" y="2924013"/>
+            <a:ext cx="4503634" cy="896937"/>
           </a:xfrm>
         </p:spPr>
         <p:txBody>
           <a:bodyPr>
-            <a:normAutofit/>
+            <a:normAutofit fontScale="90000"/>
           </a:bodyPr>
           <a:lstStyle/>
           <a:p>
             <a:r>
-              <a:rPr lang="en-IN" sz="2800" b="1" dirty="0" smtClean="0"/>
-              <a:t>Formatted Printing</a:t>
-            </a:r>
-            <a:endParaRPr lang="en-US" sz="2800" b="1" dirty="0"/>
-          </a:p>
-        </p:txBody>
-      </p:sp>
-      <p:sp>
-        <p:nvSpPr>
-          <p:cNvPr id="3" name="Subtitle 2"/>
-          <p:cNvSpPr>
-            <a:spLocks noGrp="1"/>
-          </p:cNvSpPr>
-          <p:nvPr>
-            <p:ph type="subTitle" idx="1"/>
-          </p:nvPr>
-        </p:nvSpPr>
+              <a:rPr lang="en-IN" sz="2800" b="1" dirty="0"/>
+              <a:t>Python if...else Statement</a:t>
+            </a:r>
+          </a:p>
+        </p:txBody>
+      </p:sp>
+      <p:pic>
+        <p:nvPicPr>
+          <p:cNvPr id="49" name="Picture 48"/>
+          <p:cNvPicPr>
+            <a:picLocks noChangeAspect="1"/>
+          </p:cNvPicPr>
+          <p:nvPr/>
+        </p:nvPicPr>
+        <p:blipFill>
+          <a:blip r:embed="rId2" cstate="print">
+            <a:extLst>
+              <a:ext uri="{28A0092B-C50C-407E-A947-70E740481C1C}">
+                <a14:useLocalDpi xmlns:a14="http://schemas.microsoft.com/office/drawing/2010/main" val="0"/>
+              </a:ext>
+            </a:extLst>
+          </a:blip>
+          <a:stretch>
+            <a:fillRect/>
+          </a:stretch>
+        </p:blipFill>
         <p:spPr>
           <a:xfrm>
-            <a:off x="1555333" y="1452785"/>
-            <a:ext cx="9930214" cy="4127619"/>
+            <a:off x="5650364" y="734939"/>
+            <a:ext cx="5655722" cy="5275086"/>
           </a:xfrm>
+          <a:prstGeom prst="rect">
+            <a:avLst/>
+          </a:prstGeom>
+          <a:ln w="38100" cap="sq">
+            <a:solidFill>
+              <a:srgbClr val="000000"/>
+            </a:solidFill>
+            <a:prstDash val="solid"/>
+            <a:miter lim="800000"/>
+          </a:ln>
+          <a:effectLst>
+            <a:outerShdw blurRad="50800" dist="38100" dir="2700000" algn="tl" rotWithShape="0">
+              <a:srgbClr val="000000">
+                <a:alpha val="43000"/>
+              </a:srgbClr>
+            </a:outerShdw>
+          </a:effectLst>
         </p:spPr>
-        <p:txBody>
-          <a:bodyPr>
-            <a:normAutofit/>
-          </a:bodyPr>
-          <a:lstStyle/>
-          <a:p>
-            <a:pPr marL="342900" indent="-342900" algn="l">
-              <a:buFont typeface="+mj-lt"/>
-              <a:buAutoNum type="arabicPeriod"/>
-            </a:pPr>
-            <a:r>
-              <a:rPr lang="en-US" sz="1800" dirty="0" smtClean="0"/>
-              <a:t>Using formatted string literals OR using </a:t>
-            </a:r>
-            <a:r>
-              <a:rPr lang="en-US" sz="1800" b="1" dirty="0" err="1" smtClean="0"/>
-              <a:t>fstring</a:t>
-            </a:r>
-            <a:endParaRPr lang="en-US" sz="1800" b="1" dirty="0" smtClean="0"/>
-          </a:p>
-          <a:p>
-            <a:pPr marL="342900" indent="-342900" algn="l">
-              <a:buFont typeface="+mj-lt"/>
-              <a:buAutoNum type="arabicPeriod"/>
-            </a:pPr>
-            <a:r>
-              <a:rPr lang="en-US" sz="1800" dirty="0" smtClean="0"/>
-              <a:t>Using the </a:t>
-            </a:r>
-            <a:r>
-              <a:rPr lang="en-US" sz="1800" b="1" dirty="0" smtClean="0"/>
-              <a:t>format() </a:t>
-            </a:r>
-            <a:r>
-              <a:rPr lang="en-US" sz="1800" dirty="0" smtClean="0"/>
-              <a:t>method.</a:t>
-            </a:r>
-          </a:p>
-          <a:p>
-            <a:pPr algn="l"/>
-            <a:r>
-              <a:rPr lang="en-US" sz="1800" b="1" dirty="0" smtClean="0"/>
-              <a:t>Example:</a:t>
-            </a:r>
-          </a:p>
-          <a:p>
-            <a:pPr algn="l"/>
-            <a:r>
-              <a:rPr lang="en-US" sz="1600" dirty="0" smtClean="0">
-                <a:solidFill>
-                  <a:srgbClr val="00B050"/>
-                </a:solidFill>
-              </a:rPr>
-              <a:t>name : Rohan</a:t>
-            </a:r>
-          </a:p>
-          <a:p>
-            <a:pPr algn="l"/>
-            <a:r>
-              <a:rPr lang="en-US" sz="1600" dirty="0">
-                <a:solidFill>
-                  <a:srgbClr val="00B050"/>
-                </a:solidFill>
-              </a:rPr>
-              <a:t>p</a:t>
-            </a:r>
-            <a:r>
-              <a:rPr lang="en-US" sz="1600" dirty="0" smtClean="0">
-                <a:solidFill>
-                  <a:srgbClr val="00B050"/>
-                </a:solidFill>
-              </a:rPr>
-              <a:t>rint(</a:t>
-            </a:r>
-            <a:r>
-              <a:rPr lang="en-US" sz="1600" dirty="0" err="1" smtClean="0">
-                <a:solidFill>
-                  <a:srgbClr val="00B050"/>
-                </a:solidFill>
-              </a:rPr>
-              <a:t>f“My</a:t>
-            </a:r>
-            <a:r>
-              <a:rPr lang="en-US" sz="1600" dirty="0" smtClean="0">
-                <a:solidFill>
-                  <a:srgbClr val="00B050"/>
-                </a:solidFill>
-              </a:rPr>
-              <a:t> name is {name})</a:t>
-            </a:r>
-          </a:p>
-          <a:p>
-            <a:pPr algn="l"/>
-            <a:r>
-              <a:rPr lang="en-US" sz="1600" dirty="0">
-                <a:solidFill>
-                  <a:srgbClr val="00B050"/>
-                </a:solidFill>
-              </a:rPr>
-              <a:t>p</a:t>
-            </a:r>
-            <a:r>
-              <a:rPr lang="en-US" sz="1600" dirty="0" smtClean="0">
-                <a:solidFill>
-                  <a:srgbClr val="00B050"/>
-                </a:solidFill>
-              </a:rPr>
-              <a:t>rint(“My name is {name}”.format(name = name)</a:t>
-            </a:r>
-          </a:p>
-          <a:p>
-            <a:pPr algn="l"/>
-            <a:r>
-              <a:rPr lang="en-US" sz="1600" dirty="0" smtClean="0">
-                <a:solidFill>
-                  <a:srgbClr val="00B050"/>
-                </a:solidFill>
-              </a:rPr>
-              <a:t>print</a:t>
-            </a:r>
-            <a:r>
-              <a:rPr lang="en-US" sz="1600" dirty="0">
-                <a:solidFill>
-                  <a:srgbClr val="00B050"/>
-                </a:solidFill>
-              </a:rPr>
-              <a:t>(“My name is </a:t>
-            </a:r>
-            <a:r>
-              <a:rPr lang="en-US" sz="1600" dirty="0" smtClean="0">
-                <a:solidFill>
-                  <a:srgbClr val="00B050"/>
-                </a:solidFill>
-              </a:rPr>
-              <a:t>{</a:t>
-            </a:r>
-            <a:r>
-              <a:rPr lang="en-US" sz="1600" dirty="0">
-                <a:solidFill>
-                  <a:srgbClr val="00B050"/>
-                </a:solidFill>
-              </a:rPr>
-              <a:t>0</a:t>
-            </a:r>
-            <a:r>
-              <a:rPr lang="en-US" sz="1600" dirty="0" smtClean="0">
-                <a:solidFill>
-                  <a:srgbClr val="00B050"/>
-                </a:solidFill>
-              </a:rPr>
-              <a:t>}”.format(name)</a:t>
-            </a:r>
-          </a:p>
-        </p:txBody>
-      </p:sp>
+      </p:pic>
     </p:spTree>
     <p:extLst>
       <p:ext uri="{BB962C8B-B14F-4D97-AF65-F5344CB8AC3E}">
-        <p14:creationId xmlns:p14="http://schemas.microsoft.com/office/powerpoint/2010/main" val="485936874"/>
+        <p14:creationId xmlns:p14="http://schemas.microsoft.com/office/powerpoint/2010/main" val="1677972233"/>
       </p:ext>
     </p:extLst>
   </p:cSld>
   <p:clrMapOvr>
     <a:masterClrMapping/>
   </p:clrMapOvr>
+  <mc:AlternateContent xmlns:mc="http://schemas.openxmlformats.org/markup-compatibility/2006" xmlns:p14="http://schemas.microsoft.com/office/powerpoint/2010/main">
+    <mc:Choice Requires="p14">
+      <p:transition spd="slow" p14:dur="1250">
+        <p14:switch dir="r"/>
+      </p:transition>
+    </mc:Choice>
+    <mc:Fallback xmlns="">
+      <p:transition spd="slow">
+        <p:fade/>
+      </p:transition>
+    </mc:Fallback>
+  </mc:AlternateContent>
+  <p:timing>
+    <p:tnLst>
+      <p:par>
+        <p:cTn id="1" dur="indefinite" restart="never" nodeType="tmRoot">
+          <p:childTnLst>
+            <p:seq concurrent="1" nextAc="seek">
+              <p:cTn id="2" dur="indefinite" nodeType="mainSeq">
+                <p:childTnLst>
+                  <p:par>
+                    <p:cTn id="3" fill="hold">
+                      <p:stCondLst>
+                        <p:cond delay="indefinite"/>
+                      </p:stCondLst>
+                      <p:childTnLst>
+                        <p:par>
+                          <p:cTn id="4" fill="hold">
+                            <p:stCondLst>
+                              <p:cond delay="0"/>
+                            </p:stCondLst>
+                            <p:childTnLst>
+                              <p:par>
+                                <p:cTn id="5" presetID="14" presetClass="entr" presetSubtype="10" fill="hold" grpId="0" nodeType="clickEffect">
+                                  <p:stCondLst>
+                                    <p:cond delay="0"/>
+                                  </p:stCondLst>
+                                  <p:childTnLst>
+                                    <p:set>
+                                      <p:cBhvr>
+                                        <p:cTn id="6" dur="1" fill="hold">
+                                          <p:stCondLst>
+                                            <p:cond delay="0"/>
+                                          </p:stCondLst>
+                                        </p:cTn>
+                                        <p:tgtEl>
+                                          <p:spTgt spid="2"/>
+                                        </p:tgtEl>
+                                        <p:attrNameLst>
+                                          <p:attrName>style.visibility</p:attrName>
+                                        </p:attrNameLst>
+                                      </p:cBhvr>
+                                      <p:to>
+                                        <p:strVal val="visible"/>
+                                      </p:to>
+                                    </p:set>
+                                    <p:animEffect transition="in" filter="randombar(horizontal)">
+                                      <p:cBhvr>
+                                        <p:cTn id="7" dur="500"/>
+                                        <p:tgtEl>
+                                          <p:spTgt spid="2"/>
+                                        </p:tgtEl>
+                                      </p:cBhvr>
+                                    </p:animEffect>
+                                  </p:childTnLst>
+                                </p:cTn>
+                              </p:par>
+                            </p:childTnLst>
+                          </p:cTn>
+                        </p:par>
+                      </p:childTnLst>
+                    </p:cTn>
+                  </p:par>
+                  <p:par>
+                    <p:cTn id="8" fill="hold">
+                      <p:stCondLst>
+                        <p:cond delay="indefinite"/>
+                      </p:stCondLst>
+                      <p:childTnLst>
+                        <p:par>
+                          <p:cTn id="9" fill="hold">
+                            <p:stCondLst>
+                              <p:cond delay="0"/>
+                            </p:stCondLst>
+                            <p:childTnLst>
+                              <p:par>
+                                <p:cTn id="10" presetID="16" presetClass="entr" presetSubtype="21" fill="hold" nodeType="clickEffect">
+                                  <p:stCondLst>
+                                    <p:cond delay="0"/>
+                                  </p:stCondLst>
+                                  <p:childTnLst>
+                                    <p:set>
+                                      <p:cBhvr>
+                                        <p:cTn id="11" dur="1" fill="hold">
+                                          <p:stCondLst>
+                                            <p:cond delay="0"/>
+                                          </p:stCondLst>
+                                        </p:cTn>
+                                        <p:tgtEl>
+                                          <p:spTgt spid="49"/>
+                                        </p:tgtEl>
+                                        <p:attrNameLst>
+                                          <p:attrName>style.visibility</p:attrName>
+                                        </p:attrNameLst>
+                                      </p:cBhvr>
+                                      <p:to>
+                                        <p:strVal val="visible"/>
+                                      </p:to>
+                                    </p:set>
+                                    <p:animEffect transition="in" filter="barn(inVertical)">
+                                      <p:cBhvr>
+                                        <p:cTn id="12" dur="500"/>
+                                        <p:tgtEl>
+                                          <p:spTgt spid="49"/>
+                                        </p:tgtEl>
+                                      </p:cBhvr>
+                                    </p:animEffect>
+                                  </p:childTnLst>
+                                </p:cTn>
+                              </p:par>
+                            </p:childTnLst>
+                          </p:cTn>
+                        </p:par>
+                      </p:childTnLst>
+                    </p:cTn>
+                  </p:par>
+                </p:childTnLst>
+              </p:cTn>
+              <p:prevCondLst>
+                <p:cond evt="onPrev" delay="0">
+                  <p:tgtEl>
+                    <p:sldTgt/>
+                  </p:tgtEl>
+                </p:cond>
+              </p:prevCondLst>
+              <p:nextCondLst>
+                <p:cond evt="onNext" delay="0">
+                  <p:tgtEl>
+                    <p:sldTgt/>
+                  </p:tgtEl>
+                </p:cond>
+              </p:nextCondLst>
+            </p:seq>
+          </p:childTnLst>
+        </p:cTn>
+      </p:par>
+    </p:tnLst>
+    <p:bldLst>
+      <p:bldP spid="2" grpId="0"/>
+    </p:bldLst>
+  </p:timing>
 </p:sld>
 </file>
 
@@ -3440,138 +6489,303 @@
             <a:spLocks noGrp="1"/>
           </p:cNvSpPr>
           <p:nvPr>
-            <p:ph type="ctrTitle"/>
+            <p:ph type="ctrTitle" idx="4294967295"/>
           </p:nvPr>
         </p:nvSpPr>
         <p:spPr>
           <a:xfrm>
-            <a:off x="1857286" y="205099"/>
-            <a:ext cx="7756733" cy="897308"/>
+            <a:off x="3692877" y="496249"/>
+            <a:ext cx="4264351" cy="896938"/>
           </a:xfrm>
         </p:spPr>
         <p:txBody>
           <a:bodyPr>
-            <a:normAutofit/>
+            <a:normAutofit fontScale="90000"/>
           </a:bodyPr>
           <a:lstStyle/>
           <a:p>
             <a:r>
-              <a:rPr lang="en-US" sz="2800" b="1" dirty="0" smtClean="0"/>
-              <a:t>Practice</a:t>
-            </a:r>
-            <a:endParaRPr lang="en-US" sz="2800" b="1" dirty="0"/>
-          </a:p>
-        </p:txBody>
-      </p:sp>
-      <p:sp>
-        <p:nvSpPr>
-          <p:cNvPr id="3" name="Subtitle 2"/>
-          <p:cNvSpPr>
-            <a:spLocks noGrp="1"/>
-          </p:cNvSpPr>
-          <p:nvPr>
-            <p:ph type="subTitle" idx="1"/>
-          </p:nvPr>
-        </p:nvSpPr>
+              <a:rPr lang="en-US" sz="2800" b="1" dirty="0"/>
+              <a:t>Flowchart of if...</a:t>
+            </a:r>
+            <a:r>
+              <a:rPr lang="en-US" sz="2800" b="1" dirty="0" err="1"/>
+              <a:t>elif</a:t>
+            </a:r>
+            <a:r>
+              <a:rPr lang="en-US" sz="2800" b="1" dirty="0"/>
+              <a:t>...else</a:t>
+            </a:r>
+          </a:p>
+        </p:txBody>
+      </p:sp>
+      <p:pic>
+        <p:nvPicPr>
+          <p:cNvPr id="5" name="Picture 4"/>
+          <p:cNvPicPr>
+            <a:picLocks noChangeAspect="1"/>
+          </p:cNvPicPr>
+          <p:nvPr/>
+        </p:nvPicPr>
+        <p:blipFill>
+          <a:blip r:embed="rId2">
+            <a:extLst>
+              <a:ext uri="{28A0092B-C50C-407E-A947-70E740481C1C}">
+                <a14:useLocalDpi xmlns:a14="http://schemas.microsoft.com/office/drawing/2010/main" val="0"/>
+              </a:ext>
+            </a:extLst>
+          </a:blip>
+          <a:stretch>
+            <a:fillRect/>
+          </a:stretch>
+        </p:blipFill>
         <p:spPr>
           <a:xfrm>
-            <a:off x="1555333" y="1452785"/>
-            <a:ext cx="9930214" cy="4127619"/>
+            <a:off x="820397" y="1601301"/>
+            <a:ext cx="10279765" cy="4389301"/>
           </a:xfrm>
+          <a:prstGeom prst="rect">
+            <a:avLst/>
+          </a:prstGeom>
         </p:spPr>
-        <p:txBody>
-          <a:bodyPr>
-            <a:normAutofit/>
-          </a:bodyPr>
-          <a:lstStyle/>
-          <a:p>
-            <a:pPr algn="l"/>
-            <a:r>
-              <a:rPr lang="en-US" sz="1600" dirty="0" smtClean="0"/>
-              <a:t>Write a program to receive your city name and display it</a:t>
-            </a:r>
-          </a:p>
-          <a:p>
-            <a:pPr algn="l"/>
-            <a:r>
-              <a:rPr lang="en-US" sz="1600" dirty="0" smtClean="0"/>
-              <a:t>Write a program to receive salary of an employee and add 1500 as incentive and display his/her in hand salary.</a:t>
-            </a:r>
-          </a:p>
-          <a:p>
-            <a:pPr algn="l"/>
-            <a:r>
-              <a:rPr lang="en-US" sz="1600" dirty="0" smtClean="0"/>
-              <a:t>Write a program to receive employee name, salary and incentive and display them in below format</a:t>
-            </a:r>
-          </a:p>
-          <a:p>
-            <a:pPr algn="l"/>
-            <a:r>
-              <a:rPr lang="en-US" sz="1600" dirty="0" smtClean="0"/>
-              <a:t>Employee Name : Rahul </a:t>
-            </a:r>
-          </a:p>
-          <a:p>
-            <a:pPr algn="l"/>
-            <a:r>
-              <a:rPr lang="en-US" sz="1600" dirty="0" smtClean="0"/>
-              <a:t>Salary  : 30000</a:t>
-            </a:r>
-          </a:p>
-          <a:p>
-            <a:pPr algn="l"/>
-            <a:r>
-              <a:rPr lang="en-US" sz="1600" dirty="0" smtClean="0"/>
-              <a:t>Incentive : 1000</a:t>
-            </a:r>
-          </a:p>
-          <a:p>
-            <a:pPr algn="l"/>
-            <a:r>
-              <a:rPr lang="en-US" sz="1600" dirty="0" smtClean="0"/>
-              <a:t>Total : 31000</a:t>
-            </a:r>
-          </a:p>
-          <a:p>
-            <a:pPr algn="l"/>
-            <a:r>
-              <a:rPr lang="en-US" sz="1600" dirty="0" smtClean="0"/>
-              <a:t>Write a program to receive a float number and multiply it with 5 and display it.</a:t>
-            </a:r>
-          </a:p>
-          <a:p>
-            <a:pPr algn="l"/>
-            <a:r>
-              <a:rPr lang="en-US" sz="1600" dirty="0" smtClean="0"/>
-              <a:t>Write a program to receive three integers using one </a:t>
-            </a:r>
-            <a:r>
-              <a:rPr lang="en-US" sz="1600" b="1" dirty="0" smtClean="0"/>
-              <a:t>input(), add </a:t>
-            </a:r>
-            <a:r>
-              <a:rPr lang="en-US" sz="1600" dirty="0" smtClean="0"/>
-              <a:t>then and display </a:t>
-            </a:r>
-            <a:r>
-              <a:rPr lang="en-US" sz="1600" smtClean="0"/>
-              <a:t>the result.</a:t>
-            </a:r>
-            <a:endParaRPr lang="en-US" sz="1600" b="1" dirty="0" smtClean="0"/>
-          </a:p>
-        </p:txBody>
-      </p:sp>
+      </p:pic>
     </p:spTree>
     <p:extLst>
       <p:ext uri="{BB962C8B-B14F-4D97-AF65-F5344CB8AC3E}">
-        <p14:creationId xmlns:p14="http://schemas.microsoft.com/office/powerpoint/2010/main" val="3705714209"/>
+        <p14:creationId xmlns:p14="http://schemas.microsoft.com/office/powerpoint/2010/main" val="2105257252"/>
       </p:ext>
     </p:extLst>
   </p:cSld>
   <p:clrMapOvr>
     <a:masterClrMapping/>
   </p:clrMapOvr>
+  <mc:AlternateContent xmlns:mc="http://schemas.openxmlformats.org/markup-compatibility/2006" xmlns:p14="http://schemas.microsoft.com/office/powerpoint/2010/main">
+    <mc:Choice Requires="p14">
+      <p:transition spd="slow" p14:dur="1250">
+        <p14:switch dir="r"/>
+      </p:transition>
+    </mc:Choice>
+    <mc:Fallback xmlns="">
+      <p:transition spd="slow">
+        <p:fade/>
+      </p:transition>
+    </mc:Fallback>
+  </mc:AlternateContent>
+  <p:timing>
+    <p:tnLst>
+      <p:par>
+        <p:cTn id="1" dur="indefinite" restart="never" nodeType="tmRoot">
+          <p:childTnLst>
+            <p:seq concurrent="1" nextAc="seek">
+              <p:cTn id="2" dur="indefinite" nodeType="mainSeq">
+                <p:childTnLst>
+                  <p:par>
+                    <p:cTn id="3" fill="hold">
+                      <p:stCondLst>
+                        <p:cond delay="indefinite"/>
+                      </p:stCondLst>
+                      <p:childTnLst>
+                        <p:par>
+                          <p:cTn id="4" fill="hold">
+                            <p:stCondLst>
+                              <p:cond delay="0"/>
+                            </p:stCondLst>
+                            <p:childTnLst>
+                              <p:par>
+                                <p:cTn id="5" presetID="2" presetClass="entr" presetSubtype="4" fill="hold" nodeType="clickEffect">
+                                  <p:stCondLst>
+                                    <p:cond delay="0"/>
+                                  </p:stCondLst>
+                                  <p:childTnLst>
+                                    <p:set>
+                                      <p:cBhvr>
+                                        <p:cTn id="6" dur="1" fill="hold">
+                                          <p:stCondLst>
+                                            <p:cond delay="0"/>
+                                          </p:stCondLst>
+                                        </p:cTn>
+                                        <p:tgtEl>
+                                          <p:spTgt spid="5"/>
+                                        </p:tgtEl>
+                                        <p:attrNameLst>
+                                          <p:attrName>style.visibility</p:attrName>
+                                        </p:attrNameLst>
+                                      </p:cBhvr>
+                                      <p:to>
+                                        <p:strVal val="visible"/>
+                                      </p:to>
+                                    </p:set>
+                                    <p:anim calcmode="lin" valueType="num">
+                                      <p:cBhvr additive="base">
+                                        <p:cTn id="7" dur="500" fill="hold"/>
+                                        <p:tgtEl>
+                                          <p:spTgt spid="5"/>
+                                        </p:tgtEl>
+                                        <p:attrNameLst>
+                                          <p:attrName>ppt_x</p:attrName>
+                                        </p:attrNameLst>
+                                      </p:cBhvr>
+                                      <p:tavLst>
+                                        <p:tav tm="0">
+                                          <p:val>
+                                            <p:strVal val="#ppt_x"/>
+                                          </p:val>
+                                        </p:tav>
+                                        <p:tav tm="100000">
+                                          <p:val>
+                                            <p:strVal val="#ppt_x"/>
+                                          </p:val>
+                                        </p:tav>
+                                      </p:tavLst>
+                                    </p:anim>
+                                    <p:anim calcmode="lin" valueType="num">
+                                      <p:cBhvr additive="base">
+                                        <p:cTn id="8" dur="500" fill="hold"/>
+                                        <p:tgtEl>
+                                          <p:spTgt spid="5"/>
+                                        </p:tgtEl>
+                                        <p:attrNameLst>
+                                          <p:attrName>ppt_y</p:attrName>
+                                        </p:attrNameLst>
+                                      </p:cBhvr>
+                                      <p:tavLst>
+                                        <p:tav tm="0">
+                                          <p:val>
+                                            <p:strVal val="1+#ppt_h/2"/>
+                                          </p:val>
+                                        </p:tav>
+                                        <p:tav tm="100000">
+                                          <p:val>
+                                            <p:strVal val="#ppt_y"/>
+                                          </p:val>
+                                        </p:tav>
+                                      </p:tavLst>
+                                    </p:anim>
+                                  </p:childTnLst>
+                                </p:cTn>
+                              </p:par>
+                            </p:childTnLst>
+                          </p:cTn>
+                        </p:par>
+                      </p:childTnLst>
+                    </p:cTn>
+                  </p:par>
+                  <p:par>
+                    <p:cTn id="9" fill="hold">
+                      <p:stCondLst>
+                        <p:cond delay="indefinite"/>
+                      </p:stCondLst>
+                      <p:childTnLst>
+                        <p:par>
+                          <p:cTn id="10" fill="hold">
+                            <p:stCondLst>
+                              <p:cond delay="0"/>
+                            </p:stCondLst>
+                            <p:childTnLst>
+                              <p:par>
+                                <p:cTn id="11" presetID="2" presetClass="entr" presetSubtype="4" fill="hold" grpId="0" nodeType="clickEffect">
+                                  <p:stCondLst>
+                                    <p:cond delay="0"/>
+                                  </p:stCondLst>
+                                  <p:childTnLst>
+                                    <p:set>
+                                      <p:cBhvr>
+                                        <p:cTn id="12" dur="1" fill="hold">
+                                          <p:stCondLst>
+                                            <p:cond delay="0"/>
+                                          </p:stCondLst>
+                                        </p:cTn>
+                                        <p:tgtEl>
+                                          <p:spTgt spid="2"/>
+                                        </p:tgtEl>
+                                        <p:attrNameLst>
+                                          <p:attrName>style.visibility</p:attrName>
+                                        </p:attrNameLst>
+                                      </p:cBhvr>
+                                      <p:to>
+                                        <p:strVal val="visible"/>
+                                      </p:to>
+                                    </p:set>
+                                    <p:anim calcmode="lin" valueType="num">
+                                      <p:cBhvr additive="base">
+                                        <p:cTn id="13" dur="500" fill="hold"/>
+                                        <p:tgtEl>
+                                          <p:spTgt spid="2"/>
+                                        </p:tgtEl>
+                                        <p:attrNameLst>
+                                          <p:attrName>ppt_x</p:attrName>
+                                        </p:attrNameLst>
+                                      </p:cBhvr>
+                                      <p:tavLst>
+                                        <p:tav tm="0">
+                                          <p:val>
+                                            <p:strVal val="#ppt_x"/>
+                                          </p:val>
+                                        </p:tav>
+                                        <p:tav tm="100000">
+                                          <p:val>
+                                            <p:strVal val="#ppt_x"/>
+                                          </p:val>
+                                        </p:tav>
+                                      </p:tavLst>
+                                    </p:anim>
+                                    <p:anim calcmode="lin" valueType="num">
+                                      <p:cBhvr additive="base">
+                                        <p:cTn id="14" dur="500" fill="hold"/>
+                                        <p:tgtEl>
+                                          <p:spTgt spid="2"/>
+                                        </p:tgtEl>
+                                        <p:attrNameLst>
+                                          <p:attrName>ppt_y</p:attrName>
+                                        </p:attrNameLst>
+                                      </p:cBhvr>
+                                      <p:tavLst>
+                                        <p:tav tm="0">
+                                          <p:val>
+                                            <p:strVal val="1+#ppt_h/2"/>
+                                          </p:val>
+                                        </p:tav>
+                                        <p:tav tm="100000">
+                                          <p:val>
+                                            <p:strVal val="#ppt_y"/>
+                                          </p:val>
+                                        </p:tav>
+                                      </p:tavLst>
+                                    </p:anim>
+                                  </p:childTnLst>
+                                </p:cTn>
+                              </p:par>
+                            </p:childTnLst>
+                          </p:cTn>
+                        </p:par>
+                      </p:childTnLst>
+                    </p:cTn>
+                  </p:par>
+                </p:childTnLst>
+              </p:cTn>
+              <p:prevCondLst>
+                <p:cond evt="onPrev" delay="0">
+                  <p:tgtEl>
+                    <p:sldTgt/>
+                  </p:tgtEl>
+                </p:cond>
+              </p:prevCondLst>
+              <p:nextCondLst>
+                <p:cond evt="onNext" delay="0">
+                  <p:tgtEl>
+                    <p:sldTgt/>
+                  </p:tgtEl>
+                </p:cond>
+              </p:nextCondLst>
+            </p:seq>
+          </p:childTnLst>
+        </p:cTn>
+      </p:par>
+    </p:tnLst>
+    <p:bldLst>
+      <p:bldP spid="2" grpId="0"/>
+    </p:bldLst>
+  </p:timing>
 </p:sld>
 </file>
 
@@ -3599,13 +6813,43 @@
             <a:spLocks noGrp="1"/>
           </p:cNvSpPr>
           <p:nvPr>
-            <p:ph type="ctrTitle"/>
+            <p:ph type="ctrTitle" idx="4294967295"/>
           </p:nvPr>
         </p:nvSpPr>
         <p:spPr>
           <a:xfrm>
-            <a:off x="1370175" y="2290273"/>
-            <a:ext cx="7970378" cy="1324598"/>
+            <a:off x="4554908" y="751779"/>
+            <a:ext cx="2700471" cy="674687"/>
+          </a:xfrm>
+        </p:spPr>
+        <p:txBody>
+          <a:bodyPr>
+            <a:normAutofit/>
+          </a:bodyPr>
+          <a:lstStyle/>
+          <a:p>
+            <a:r>
+              <a:rPr lang="en-IN" sz="2800" b="1" dirty="0" smtClean="0"/>
+              <a:t>For Loop</a:t>
+            </a:r>
+            <a:endParaRPr lang="en-US" sz="2800" b="1" dirty="0"/>
+          </a:p>
+        </p:txBody>
+      </p:sp>
+      <p:sp>
+        <p:nvSpPr>
+          <p:cNvPr id="3" name="Subtitle 2"/>
+          <p:cNvSpPr>
+            <a:spLocks noGrp="1"/>
+          </p:cNvSpPr>
+          <p:nvPr>
+            <p:ph type="subTitle" idx="4294967295"/>
+          </p:nvPr>
+        </p:nvSpPr>
+        <p:spPr>
+          <a:xfrm>
+            <a:off x="999858" y="1387520"/>
+            <a:ext cx="6357938" cy="368300"/>
           </a:xfrm>
         </p:spPr>
         <p:txBody>
@@ -3614,48 +6858,868 @@
           </a:bodyPr>
           <a:lstStyle/>
           <a:p>
-            <a:r>
-              <a:rPr lang="en-IN" sz="6600" b="1" dirty="0" err="1"/>
-              <a:t>Jupyter</a:t>
-            </a:r>
-            <a:r>
-              <a:rPr lang="en-IN" sz="6600" b="1" dirty="0"/>
-              <a:t> </a:t>
-            </a:r>
-            <a:r>
-              <a:rPr lang="en-IN" sz="6600" b="1" dirty="0"/>
-              <a:t>Notebook</a:t>
+            <a:pPr algn="l"/>
+            <a:r>
+              <a:rPr lang="en-US" sz="1800" dirty="0"/>
+              <a:t>The for loop in Python is used to iterate over a sequence</a:t>
+            </a:r>
+            <a:endParaRPr lang="en-US" sz="1800" b="1" dirty="0" smtClean="0"/>
+          </a:p>
+          <a:p>
+            <a:pPr algn="l"/>
+            <a:r>
+              <a:rPr lang="en-US" sz="1800" b="1" dirty="0"/>
+              <a:t/>
             </a:r>
             <a:br>
-              <a:rPr lang="en-IN" sz="6600" b="1" dirty="0"/>
+              <a:rPr lang="en-US" sz="1800" b="1" dirty="0"/>
             </a:br>
-            <a:r>
-              <a:rPr lang="en-IN" sz="1200" b="1" dirty="0">
-                <a:hlinkClick r:id="rId2"/>
-              </a:rPr>
-              <a:t>https://jupyter.org/install</a:t>
-            </a:r>
-            <a:endParaRPr lang="en-IN" sz="1200" b="1" dirty="0"/>
-          </a:p>
-        </p:txBody>
-      </p:sp>
+            <a:endParaRPr lang="en-US" sz="1800" b="1" dirty="0" smtClean="0"/>
+          </a:p>
+          <a:p>
+            <a:pPr algn="l"/>
+            <a:endParaRPr lang="en-US" sz="1800" dirty="0" smtClean="0"/>
+          </a:p>
+        </p:txBody>
+      </p:sp>
+      <p:pic>
+        <p:nvPicPr>
+          <p:cNvPr id="4" name="Picture 3"/>
+          <p:cNvPicPr>
+            <a:picLocks noChangeAspect="1"/>
+          </p:cNvPicPr>
+          <p:nvPr/>
+        </p:nvPicPr>
+        <p:blipFill>
+          <a:blip r:embed="rId2" cstate="print">
+            <a:extLst>
+              <a:ext uri="{28A0092B-C50C-407E-A947-70E740481C1C}">
+                <a14:useLocalDpi xmlns:a14="http://schemas.microsoft.com/office/drawing/2010/main" val="0"/>
+              </a:ext>
+            </a:extLst>
+          </a:blip>
+          <a:stretch>
+            <a:fillRect/>
+          </a:stretch>
+        </p:blipFill>
+        <p:spPr>
+          <a:xfrm>
+            <a:off x="1239140" y="1897167"/>
+            <a:ext cx="8554339" cy="4249626"/>
+          </a:xfrm>
+          <a:prstGeom prst="rect">
+            <a:avLst/>
+          </a:prstGeom>
+        </p:spPr>
+      </p:pic>
     </p:spTree>
     <p:extLst>
       <p:ext uri="{BB962C8B-B14F-4D97-AF65-F5344CB8AC3E}">
-        <p14:creationId xmlns:p14="http://schemas.microsoft.com/office/powerpoint/2010/main" val="2987147354"/>
+        <p14:creationId xmlns:p14="http://schemas.microsoft.com/office/powerpoint/2010/main" val="1447186291"/>
       </p:ext>
     </p:extLst>
   </p:cSld>
   <p:clrMapOvr>
     <a:masterClrMapping/>
   </p:clrMapOvr>
+  <mc:AlternateContent xmlns:mc="http://schemas.openxmlformats.org/markup-compatibility/2006" xmlns:p14="http://schemas.microsoft.com/office/powerpoint/2010/main">
+    <mc:Choice Requires="p14">
+      <p:transition spd="slow" p14:dur="1250">
+        <p14:switch dir="r"/>
+      </p:transition>
+    </mc:Choice>
+    <mc:Fallback xmlns="">
+      <p:transition spd="slow">
+        <p:fade/>
+      </p:transition>
+    </mc:Fallback>
+  </mc:AlternateContent>
+  <p:timing>
+    <p:tnLst>
+      <p:par>
+        <p:cTn id="1" dur="indefinite" restart="never" nodeType="tmRoot">
+          <p:childTnLst>
+            <p:seq concurrent="1" nextAc="seek">
+              <p:cTn id="2" dur="indefinite" nodeType="mainSeq">
+                <p:childTnLst>
+                  <p:par>
+                    <p:cTn id="3" fill="hold">
+                      <p:stCondLst>
+                        <p:cond delay="indefinite"/>
+                      </p:stCondLst>
+                      <p:childTnLst>
+                        <p:par>
+                          <p:cTn id="4" fill="hold">
+                            <p:stCondLst>
+                              <p:cond delay="0"/>
+                            </p:stCondLst>
+                            <p:childTnLst>
+                              <p:par>
+                                <p:cTn id="5" presetID="2" presetClass="entr" presetSubtype="4" fill="hold" grpId="0" nodeType="clickEffect">
+                                  <p:stCondLst>
+                                    <p:cond delay="0"/>
+                                  </p:stCondLst>
+                                  <p:childTnLst>
+                                    <p:set>
+                                      <p:cBhvr>
+                                        <p:cTn id="6" dur="1" fill="hold">
+                                          <p:stCondLst>
+                                            <p:cond delay="0"/>
+                                          </p:stCondLst>
+                                        </p:cTn>
+                                        <p:tgtEl>
+                                          <p:spTgt spid="2"/>
+                                        </p:tgtEl>
+                                        <p:attrNameLst>
+                                          <p:attrName>style.visibility</p:attrName>
+                                        </p:attrNameLst>
+                                      </p:cBhvr>
+                                      <p:to>
+                                        <p:strVal val="visible"/>
+                                      </p:to>
+                                    </p:set>
+                                    <p:anim calcmode="lin" valueType="num">
+                                      <p:cBhvr additive="base">
+                                        <p:cTn id="7" dur="500" fill="hold"/>
+                                        <p:tgtEl>
+                                          <p:spTgt spid="2"/>
+                                        </p:tgtEl>
+                                        <p:attrNameLst>
+                                          <p:attrName>ppt_x</p:attrName>
+                                        </p:attrNameLst>
+                                      </p:cBhvr>
+                                      <p:tavLst>
+                                        <p:tav tm="0">
+                                          <p:val>
+                                            <p:strVal val="#ppt_x"/>
+                                          </p:val>
+                                        </p:tav>
+                                        <p:tav tm="100000">
+                                          <p:val>
+                                            <p:strVal val="#ppt_x"/>
+                                          </p:val>
+                                        </p:tav>
+                                      </p:tavLst>
+                                    </p:anim>
+                                    <p:anim calcmode="lin" valueType="num">
+                                      <p:cBhvr additive="base">
+                                        <p:cTn id="8" dur="500" fill="hold"/>
+                                        <p:tgtEl>
+                                          <p:spTgt spid="2"/>
+                                        </p:tgtEl>
+                                        <p:attrNameLst>
+                                          <p:attrName>ppt_y</p:attrName>
+                                        </p:attrNameLst>
+                                      </p:cBhvr>
+                                      <p:tavLst>
+                                        <p:tav tm="0">
+                                          <p:val>
+                                            <p:strVal val="1+#ppt_h/2"/>
+                                          </p:val>
+                                        </p:tav>
+                                        <p:tav tm="100000">
+                                          <p:val>
+                                            <p:strVal val="#ppt_y"/>
+                                          </p:val>
+                                        </p:tav>
+                                      </p:tavLst>
+                                    </p:anim>
+                                  </p:childTnLst>
+                                </p:cTn>
+                              </p:par>
+                            </p:childTnLst>
+                          </p:cTn>
+                        </p:par>
+                      </p:childTnLst>
+                    </p:cTn>
+                  </p:par>
+                  <p:par>
+                    <p:cTn id="9" fill="hold">
+                      <p:stCondLst>
+                        <p:cond delay="indefinite"/>
+                      </p:stCondLst>
+                      <p:childTnLst>
+                        <p:par>
+                          <p:cTn id="10" fill="hold">
+                            <p:stCondLst>
+                              <p:cond delay="0"/>
+                            </p:stCondLst>
+                            <p:childTnLst>
+                              <p:par>
+                                <p:cTn id="11" presetID="22" presetClass="entr" presetSubtype="4" fill="hold" grpId="0" nodeType="clickEffect">
+                                  <p:stCondLst>
+                                    <p:cond delay="0"/>
+                                  </p:stCondLst>
+                                  <p:childTnLst>
+                                    <p:set>
+                                      <p:cBhvr>
+                                        <p:cTn id="12" dur="1" fill="hold">
+                                          <p:stCondLst>
+                                            <p:cond delay="0"/>
+                                          </p:stCondLst>
+                                        </p:cTn>
+                                        <p:tgtEl>
+                                          <p:spTgt spid="3">
+                                            <p:txEl>
+                                              <p:pRg st="0" end="0"/>
+                                            </p:txEl>
+                                          </p:spTgt>
+                                        </p:tgtEl>
+                                        <p:attrNameLst>
+                                          <p:attrName>style.visibility</p:attrName>
+                                        </p:attrNameLst>
+                                      </p:cBhvr>
+                                      <p:to>
+                                        <p:strVal val="visible"/>
+                                      </p:to>
+                                    </p:set>
+                                    <p:animEffect transition="in" filter="wipe(down)">
+                                      <p:cBhvr>
+                                        <p:cTn id="13" dur="500"/>
+                                        <p:tgtEl>
+                                          <p:spTgt spid="3">
+                                            <p:txEl>
+                                              <p:pRg st="0" end="0"/>
+                                            </p:txEl>
+                                          </p:spTgt>
+                                        </p:tgtEl>
+                                      </p:cBhvr>
+                                    </p:animEffect>
+                                  </p:childTnLst>
+                                </p:cTn>
+                              </p:par>
+                            </p:childTnLst>
+                          </p:cTn>
+                        </p:par>
+                      </p:childTnLst>
+                    </p:cTn>
+                  </p:par>
+                  <p:par>
+                    <p:cTn id="14" fill="hold">
+                      <p:stCondLst>
+                        <p:cond delay="indefinite"/>
+                      </p:stCondLst>
+                      <p:childTnLst>
+                        <p:par>
+                          <p:cTn id="15" fill="hold">
+                            <p:stCondLst>
+                              <p:cond delay="0"/>
+                            </p:stCondLst>
+                            <p:childTnLst>
+                              <p:par>
+                                <p:cTn id="16" presetID="22" presetClass="entr" presetSubtype="4" fill="hold" grpId="0" nodeType="clickEffect">
+                                  <p:stCondLst>
+                                    <p:cond delay="0"/>
+                                  </p:stCondLst>
+                                  <p:childTnLst>
+                                    <p:set>
+                                      <p:cBhvr>
+                                        <p:cTn id="17" dur="1" fill="hold">
+                                          <p:stCondLst>
+                                            <p:cond delay="0"/>
+                                          </p:stCondLst>
+                                        </p:cTn>
+                                        <p:tgtEl>
+                                          <p:spTgt spid="3">
+                                            <p:txEl>
+                                              <p:pRg st="1" end="1"/>
+                                            </p:txEl>
+                                          </p:spTgt>
+                                        </p:tgtEl>
+                                        <p:attrNameLst>
+                                          <p:attrName>style.visibility</p:attrName>
+                                        </p:attrNameLst>
+                                      </p:cBhvr>
+                                      <p:to>
+                                        <p:strVal val="visible"/>
+                                      </p:to>
+                                    </p:set>
+                                    <p:animEffect transition="in" filter="wipe(down)">
+                                      <p:cBhvr>
+                                        <p:cTn id="18" dur="500"/>
+                                        <p:tgtEl>
+                                          <p:spTgt spid="3">
+                                            <p:txEl>
+                                              <p:pRg st="1" end="1"/>
+                                            </p:txEl>
+                                          </p:spTgt>
+                                        </p:tgtEl>
+                                      </p:cBhvr>
+                                    </p:animEffect>
+                                  </p:childTnLst>
+                                </p:cTn>
+                              </p:par>
+                            </p:childTnLst>
+                          </p:cTn>
+                        </p:par>
+                      </p:childTnLst>
+                    </p:cTn>
+                  </p:par>
+                  <p:par>
+                    <p:cTn id="19" fill="hold">
+                      <p:stCondLst>
+                        <p:cond delay="indefinite"/>
+                      </p:stCondLst>
+                      <p:childTnLst>
+                        <p:par>
+                          <p:cTn id="20" fill="hold">
+                            <p:stCondLst>
+                              <p:cond delay="0"/>
+                            </p:stCondLst>
+                            <p:childTnLst>
+                              <p:par>
+                                <p:cTn id="21" presetID="10" presetClass="entr" presetSubtype="0" fill="hold" nodeType="clickEffect">
+                                  <p:stCondLst>
+                                    <p:cond delay="0"/>
+                                  </p:stCondLst>
+                                  <p:childTnLst>
+                                    <p:set>
+                                      <p:cBhvr>
+                                        <p:cTn id="22" dur="1" fill="hold">
+                                          <p:stCondLst>
+                                            <p:cond delay="0"/>
+                                          </p:stCondLst>
+                                        </p:cTn>
+                                        <p:tgtEl>
+                                          <p:spTgt spid="4"/>
+                                        </p:tgtEl>
+                                        <p:attrNameLst>
+                                          <p:attrName>style.visibility</p:attrName>
+                                        </p:attrNameLst>
+                                      </p:cBhvr>
+                                      <p:to>
+                                        <p:strVal val="visible"/>
+                                      </p:to>
+                                    </p:set>
+                                    <p:animEffect transition="in" filter="fade">
+                                      <p:cBhvr>
+                                        <p:cTn id="23" dur="500"/>
+                                        <p:tgtEl>
+                                          <p:spTgt spid="4"/>
+                                        </p:tgtEl>
+                                      </p:cBhvr>
+                                    </p:animEffect>
+                                  </p:childTnLst>
+                                </p:cTn>
+                              </p:par>
+                            </p:childTnLst>
+                          </p:cTn>
+                        </p:par>
+                      </p:childTnLst>
+                    </p:cTn>
+                  </p:par>
+                </p:childTnLst>
+              </p:cTn>
+              <p:prevCondLst>
+                <p:cond evt="onPrev" delay="0">
+                  <p:tgtEl>
+                    <p:sldTgt/>
+                  </p:tgtEl>
+                </p:cond>
+              </p:prevCondLst>
+              <p:nextCondLst>
+                <p:cond evt="onNext" delay="0">
+                  <p:tgtEl>
+                    <p:sldTgt/>
+                  </p:tgtEl>
+                </p:cond>
+              </p:nextCondLst>
+            </p:seq>
+          </p:childTnLst>
+        </p:cTn>
+      </p:par>
+    </p:tnLst>
+    <p:bldLst>
+      <p:bldP spid="2" grpId="0"/>
+      <p:bldP spid="3" grpId="0" build="p"/>
+    </p:bldLst>
+  </p:timing>
+</p:sld>
+</file>
+
+<file path=ppt/slides/slide5.xml><?xml version="1.0" encoding="utf-8"?>
+<p:sld xmlns:a="http://schemas.openxmlformats.org/drawingml/2006/main" xmlns:r="http://schemas.openxmlformats.org/officeDocument/2006/relationships" xmlns:p="http://schemas.openxmlformats.org/presentationml/2006/main">
+  <p:cSld>
+    <p:spTree>
+      <p:nvGrpSpPr>
+        <p:cNvPr id="1" name=""/>
+        <p:cNvGrpSpPr/>
+        <p:nvPr/>
+      </p:nvGrpSpPr>
+      <p:grpSpPr>
+        <a:xfrm>
+          <a:off x="0" y="0"/>
+          <a:ext cx="0" cy="0"/>
+          <a:chOff x="0" y="0"/>
+          <a:chExt cx="0" cy="0"/>
+        </a:xfrm>
+      </p:grpSpPr>
+      <p:sp>
+        <p:nvSpPr>
+          <p:cNvPr id="2" name="Title 1"/>
+          <p:cNvSpPr>
+            <a:spLocks noGrp="1"/>
+          </p:cNvSpPr>
+          <p:nvPr>
+            <p:ph type="ctrTitle" idx="4294967295"/>
+          </p:nvPr>
+        </p:nvSpPr>
+        <p:spPr>
+          <a:xfrm>
+            <a:off x="803305" y="930548"/>
+            <a:ext cx="3081975" cy="718098"/>
+          </a:xfrm>
+        </p:spPr>
+        <p:txBody>
+          <a:bodyPr>
+            <a:normAutofit/>
+          </a:bodyPr>
+          <a:lstStyle/>
+          <a:p>
+            <a:r>
+              <a:rPr lang="en-IN" sz="2800" b="1" dirty="0" smtClean="0"/>
+              <a:t>While Loop</a:t>
+            </a:r>
+            <a:endParaRPr lang="en-US" sz="2800" b="1" dirty="0"/>
+          </a:p>
+        </p:txBody>
+      </p:sp>
+      <p:sp>
+        <p:nvSpPr>
+          <p:cNvPr id="3" name="Subtitle 2"/>
+          <p:cNvSpPr>
+            <a:spLocks noGrp="1"/>
+          </p:cNvSpPr>
+          <p:nvPr>
+            <p:ph type="subTitle" idx="4294967295"/>
+          </p:nvPr>
+        </p:nvSpPr>
+        <p:spPr>
+          <a:xfrm>
+            <a:off x="871671" y="2254745"/>
+            <a:ext cx="3734511" cy="1941240"/>
+          </a:xfrm>
+        </p:spPr>
+        <p:txBody>
+          <a:bodyPr>
+            <a:noAutofit/>
+          </a:bodyPr>
+          <a:lstStyle/>
+          <a:p>
+            <a:pPr algn="l"/>
+            <a:r>
+              <a:rPr lang="en-US" sz="1800" dirty="0"/>
+              <a:t>The while loop in Python is used to iterate over a block of code as long as the test expression (condition) is true</a:t>
+            </a:r>
+            <a:r>
+              <a:rPr lang="en-US" sz="1800" b="1" dirty="0"/>
+              <a:t/>
+            </a:r>
+            <a:br>
+              <a:rPr lang="en-US" sz="1800" b="1" dirty="0"/>
+            </a:br>
+            <a:endParaRPr lang="en-US" sz="1800" b="1" dirty="0" smtClean="0"/>
+          </a:p>
+          <a:p>
+            <a:pPr algn="l"/>
+            <a:endParaRPr lang="en-US" sz="1800" dirty="0" smtClean="0"/>
+          </a:p>
+        </p:txBody>
+      </p:sp>
+      <p:pic>
+        <p:nvPicPr>
+          <p:cNvPr id="5" name="Picture 4"/>
+          <p:cNvPicPr>
+            <a:picLocks noChangeAspect="1"/>
+          </p:cNvPicPr>
+          <p:nvPr/>
+        </p:nvPicPr>
+        <p:blipFill>
+          <a:blip r:embed="rId2" cstate="print">
+            <a:extLst>
+              <a:ext uri="{28A0092B-C50C-407E-A947-70E740481C1C}">
+                <a14:useLocalDpi xmlns:a14="http://schemas.microsoft.com/office/drawing/2010/main" val="0"/>
+              </a:ext>
+            </a:extLst>
+          </a:blip>
+          <a:stretch>
+            <a:fillRect/>
+          </a:stretch>
+        </p:blipFill>
+        <p:spPr>
+          <a:xfrm>
+            <a:off x="4948015" y="1170083"/>
+            <a:ext cx="6101697" cy="4837306"/>
+          </a:xfrm>
+          <a:prstGeom prst="rect">
+            <a:avLst/>
+          </a:prstGeom>
+        </p:spPr>
+      </p:pic>
+    </p:spTree>
+    <p:extLst>
+      <p:ext uri="{BB962C8B-B14F-4D97-AF65-F5344CB8AC3E}">
+        <p14:creationId xmlns:p14="http://schemas.microsoft.com/office/powerpoint/2010/main" val="880823546"/>
+      </p:ext>
+    </p:extLst>
+  </p:cSld>
+  <p:clrMapOvr>
+    <a:masterClrMapping/>
+  </p:clrMapOvr>
+  <mc:AlternateContent xmlns:mc="http://schemas.openxmlformats.org/markup-compatibility/2006" xmlns:p14="http://schemas.microsoft.com/office/powerpoint/2010/main">
+    <mc:Choice Requires="p14">
+      <p:transition spd="slow" p14:dur="1250">
+        <p14:switch dir="r"/>
+      </p:transition>
+    </mc:Choice>
+    <mc:Fallback xmlns="">
+      <p:transition spd="slow">
+        <p:fade/>
+      </p:transition>
+    </mc:Fallback>
+  </mc:AlternateContent>
+  <p:timing>
+    <p:tnLst>
+      <p:par>
+        <p:cTn id="1" dur="indefinite" restart="never" nodeType="tmRoot">
+          <p:childTnLst>
+            <p:seq concurrent="1" nextAc="seek">
+              <p:cTn id="2" dur="indefinite" nodeType="mainSeq">
+                <p:childTnLst>
+                  <p:par>
+                    <p:cTn id="3" fill="hold">
+                      <p:stCondLst>
+                        <p:cond delay="indefinite"/>
+                      </p:stCondLst>
+                      <p:childTnLst>
+                        <p:par>
+                          <p:cTn id="4" fill="hold">
+                            <p:stCondLst>
+                              <p:cond delay="0"/>
+                            </p:stCondLst>
+                            <p:childTnLst>
+                              <p:par>
+                                <p:cTn id="5" presetID="14" presetClass="entr" presetSubtype="10" fill="hold" grpId="0" nodeType="clickEffect">
+                                  <p:stCondLst>
+                                    <p:cond delay="0"/>
+                                  </p:stCondLst>
+                                  <p:childTnLst>
+                                    <p:set>
+                                      <p:cBhvr>
+                                        <p:cTn id="6" dur="1" fill="hold">
+                                          <p:stCondLst>
+                                            <p:cond delay="0"/>
+                                          </p:stCondLst>
+                                        </p:cTn>
+                                        <p:tgtEl>
+                                          <p:spTgt spid="2"/>
+                                        </p:tgtEl>
+                                        <p:attrNameLst>
+                                          <p:attrName>style.visibility</p:attrName>
+                                        </p:attrNameLst>
+                                      </p:cBhvr>
+                                      <p:to>
+                                        <p:strVal val="visible"/>
+                                      </p:to>
+                                    </p:set>
+                                    <p:animEffect transition="in" filter="randombar(horizontal)">
+                                      <p:cBhvr>
+                                        <p:cTn id="7" dur="500"/>
+                                        <p:tgtEl>
+                                          <p:spTgt spid="2"/>
+                                        </p:tgtEl>
+                                      </p:cBhvr>
+                                    </p:animEffect>
+                                  </p:childTnLst>
+                                </p:cTn>
+                              </p:par>
+                            </p:childTnLst>
+                          </p:cTn>
+                        </p:par>
+                      </p:childTnLst>
+                    </p:cTn>
+                  </p:par>
+                  <p:par>
+                    <p:cTn id="8" fill="hold">
+                      <p:stCondLst>
+                        <p:cond delay="indefinite"/>
+                      </p:stCondLst>
+                      <p:childTnLst>
+                        <p:par>
+                          <p:cTn id="9" fill="hold">
+                            <p:stCondLst>
+                              <p:cond delay="0"/>
+                            </p:stCondLst>
+                            <p:childTnLst>
+                              <p:par>
+                                <p:cTn id="10" presetID="10" presetClass="entr" presetSubtype="0" fill="hold" nodeType="clickEffect">
+                                  <p:stCondLst>
+                                    <p:cond delay="0"/>
+                                  </p:stCondLst>
+                                  <p:childTnLst>
+                                    <p:set>
+                                      <p:cBhvr>
+                                        <p:cTn id="11" dur="1" fill="hold">
+                                          <p:stCondLst>
+                                            <p:cond delay="0"/>
+                                          </p:stCondLst>
+                                        </p:cTn>
+                                        <p:tgtEl>
+                                          <p:spTgt spid="5"/>
+                                        </p:tgtEl>
+                                        <p:attrNameLst>
+                                          <p:attrName>style.visibility</p:attrName>
+                                        </p:attrNameLst>
+                                      </p:cBhvr>
+                                      <p:to>
+                                        <p:strVal val="visible"/>
+                                      </p:to>
+                                    </p:set>
+                                    <p:animEffect transition="in" filter="fade">
+                                      <p:cBhvr>
+                                        <p:cTn id="12" dur="500"/>
+                                        <p:tgtEl>
+                                          <p:spTgt spid="5"/>
+                                        </p:tgtEl>
+                                      </p:cBhvr>
+                                    </p:animEffect>
+                                  </p:childTnLst>
+                                </p:cTn>
+                              </p:par>
+                            </p:childTnLst>
+                          </p:cTn>
+                        </p:par>
+                      </p:childTnLst>
+                    </p:cTn>
+                  </p:par>
+                </p:childTnLst>
+              </p:cTn>
+              <p:prevCondLst>
+                <p:cond evt="onPrev" delay="0">
+                  <p:tgtEl>
+                    <p:sldTgt/>
+                  </p:tgtEl>
+                </p:cond>
+              </p:prevCondLst>
+              <p:nextCondLst>
+                <p:cond evt="onNext" delay="0">
+                  <p:tgtEl>
+                    <p:sldTgt/>
+                  </p:tgtEl>
+                </p:cond>
+              </p:nextCondLst>
+            </p:seq>
+          </p:childTnLst>
+        </p:cTn>
+      </p:par>
+    </p:tnLst>
+    <p:bldLst>
+      <p:bldP spid="2" grpId="0"/>
+    </p:bldLst>
+  </p:timing>
+</p:sld>
+</file>
+
+<file path=ppt/slides/slide6.xml><?xml version="1.0" encoding="utf-8"?>
+<p:sld xmlns:a="http://schemas.openxmlformats.org/drawingml/2006/main" xmlns:r="http://schemas.openxmlformats.org/officeDocument/2006/relationships" xmlns:p="http://schemas.openxmlformats.org/presentationml/2006/main">
+  <p:cSld>
+    <p:spTree>
+      <p:nvGrpSpPr>
+        <p:cNvPr id="1" name=""/>
+        <p:cNvGrpSpPr/>
+        <p:nvPr/>
+      </p:nvGrpSpPr>
+      <p:grpSpPr>
+        <a:xfrm>
+          <a:off x="0" y="0"/>
+          <a:ext cx="0" cy="0"/>
+          <a:chOff x="0" y="0"/>
+          <a:chExt cx="0" cy="0"/>
+        </a:xfrm>
+      </p:grpSpPr>
+      <p:sp>
+        <p:nvSpPr>
+          <p:cNvPr id="2" name="TextBox 1"/>
+          <p:cNvSpPr txBox="1"/>
+          <p:nvPr/>
+        </p:nvSpPr>
+        <p:spPr>
+          <a:xfrm>
+            <a:off x="4349810" y="2760291"/>
+            <a:ext cx="2768837" cy="769441"/>
+          </a:xfrm>
+          <a:prstGeom prst="rect">
+            <a:avLst/>
+          </a:prstGeom>
+          <a:noFill/>
+        </p:spPr>
+        <p:txBody>
+          <a:bodyPr wrap="square" rtlCol="0">
+            <a:spAutoFit/>
+          </a:bodyPr>
+          <a:lstStyle/>
+          <a:p>
+            <a:r>
+              <a:rPr lang="en-US" sz="4400" dirty="0" smtClean="0"/>
+              <a:t>Thank You</a:t>
+            </a:r>
+            <a:endParaRPr lang="en-IN" sz="4400" dirty="0"/>
+          </a:p>
+        </p:txBody>
+      </p:sp>
+    </p:spTree>
+    <p:extLst>
+      <p:ext uri="{BB962C8B-B14F-4D97-AF65-F5344CB8AC3E}">
+        <p14:creationId xmlns:p14="http://schemas.microsoft.com/office/powerpoint/2010/main" val="3053137921"/>
+      </p:ext>
+    </p:extLst>
+  </p:cSld>
+  <p:clrMapOvr>
+    <a:masterClrMapping/>
+  </p:clrMapOvr>
+  <mc:AlternateContent xmlns:mc="http://schemas.openxmlformats.org/markup-compatibility/2006" xmlns:p14="http://schemas.microsoft.com/office/powerpoint/2010/main">
+    <mc:Choice Requires="p14">
+      <p:transition spd="slow" p14:dur="1250">
+        <p14:switch dir="r"/>
+      </p:transition>
+    </mc:Choice>
+    <mc:Fallback xmlns="">
+      <p:transition spd="slow">
+        <p:fade/>
+      </p:transition>
+    </mc:Fallback>
+  </mc:AlternateContent>
+  <p:timing>
+    <p:tnLst>
+      <p:par>
+        <p:cTn id="1" dur="indefinite" restart="never" nodeType="tmRoot">
+          <p:childTnLst>
+            <p:seq concurrent="1" nextAc="seek">
+              <p:cTn id="2" dur="indefinite" nodeType="mainSeq">
+                <p:childTnLst>
+                  <p:par>
+                    <p:cTn id="3" fill="hold">
+                      <p:stCondLst>
+                        <p:cond delay="indefinite"/>
+                      </p:stCondLst>
+                      <p:childTnLst>
+                        <p:par>
+                          <p:cTn id="4" fill="hold">
+                            <p:stCondLst>
+                              <p:cond delay="0"/>
+                            </p:stCondLst>
+                            <p:childTnLst>
+                              <p:par>
+                                <p:cTn id="5" presetID="2" presetClass="entr" presetSubtype="4" fill="hold" grpId="0" nodeType="clickEffect">
+                                  <p:stCondLst>
+                                    <p:cond delay="0"/>
+                                  </p:stCondLst>
+                                  <p:childTnLst>
+                                    <p:set>
+                                      <p:cBhvr>
+                                        <p:cTn id="6" dur="1" fill="hold">
+                                          <p:stCondLst>
+                                            <p:cond delay="0"/>
+                                          </p:stCondLst>
+                                        </p:cTn>
+                                        <p:tgtEl>
+                                          <p:spTgt spid="2"/>
+                                        </p:tgtEl>
+                                        <p:attrNameLst>
+                                          <p:attrName>style.visibility</p:attrName>
+                                        </p:attrNameLst>
+                                      </p:cBhvr>
+                                      <p:to>
+                                        <p:strVal val="visible"/>
+                                      </p:to>
+                                    </p:set>
+                                    <p:anim calcmode="lin" valueType="num">
+                                      <p:cBhvr additive="base">
+                                        <p:cTn id="7" dur="500" fill="hold"/>
+                                        <p:tgtEl>
+                                          <p:spTgt spid="2"/>
+                                        </p:tgtEl>
+                                        <p:attrNameLst>
+                                          <p:attrName>ppt_x</p:attrName>
+                                        </p:attrNameLst>
+                                      </p:cBhvr>
+                                      <p:tavLst>
+                                        <p:tav tm="0">
+                                          <p:val>
+                                            <p:strVal val="#ppt_x"/>
+                                          </p:val>
+                                        </p:tav>
+                                        <p:tav tm="100000">
+                                          <p:val>
+                                            <p:strVal val="#ppt_x"/>
+                                          </p:val>
+                                        </p:tav>
+                                      </p:tavLst>
+                                    </p:anim>
+                                    <p:anim calcmode="lin" valueType="num">
+                                      <p:cBhvr additive="base">
+                                        <p:cTn id="8" dur="500" fill="hold"/>
+                                        <p:tgtEl>
+                                          <p:spTgt spid="2"/>
+                                        </p:tgtEl>
+                                        <p:attrNameLst>
+                                          <p:attrName>ppt_y</p:attrName>
+                                        </p:attrNameLst>
+                                      </p:cBhvr>
+                                      <p:tavLst>
+                                        <p:tav tm="0">
+                                          <p:val>
+                                            <p:strVal val="1+#ppt_h/2"/>
+                                          </p:val>
+                                        </p:tav>
+                                        <p:tav tm="100000">
+                                          <p:val>
+                                            <p:strVal val="#ppt_y"/>
+                                          </p:val>
+                                        </p:tav>
+                                      </p:tavLst>
+                                    </p:anim>
+                                  </p:childTnLst>
+                                </p:cTn>
+                              </p:par>
+                            </p:childTnLst>
+                          </p:cTn>
+                        </p:par>
+                      </p:childTnLst>
+                    </p:cTn>
+                  </p:par>
+                </p:childTnLst>
+              </p:cTn>
+              <p:prevCondLst>
+                <p:cond evt="onPrev" delay="0">
+                  <p:tgtEl>
+                    <p:sldTgt/>
+                  </p:tgtEl>
+                </p:cond>
+              </p:prevCondLst>
+              <p:nextCondLst>
+                <p:cond evt="onNext" delay="0">
+                  <p:tgtEl>
+                    <p:sldTgt/>
+                  </p:tgtEl>
+                </p:cond>
+              </p:nextCondLst>
+            </p:seq>
+          </p:childTnLst>
+        </p:cTn>
+      </p:par>
+    </p:tnLst>
+    <p:bldLst>
+      <p:bldP spid="2" grpId="0"/>
+    </p:bldLst>
+  </p:timing>
 </p:sld>
 </file>
 
 <file path=ppt/theme/theme1.xml><?xml version="1.0" encoding="utf-8"?>
-<a:theme xmlns:a="http://schemas.openxmlformats.org/drawingml/2006/main" name="Office Theme">
+<a:theme xmlns:a="http://schemas.openxmlformats.org/drawingml/2006/main" name="Slice">
   <a:themeElements>
-    <a:clrScheme name="Office">
+    <a:clrScheme name="Slice">
       <a:dk1>
         <a:sysClr val="windowText" lastClr="000000"/>
       </a:dk1>
@@ -3663,83 +7727,48 @@
         <a:sysClr val="window" lastClr="FFFFFF"/>
       </a:lt1>
       <a:dk2>
-        <a:srgbClr val="44546A"/>
+        <a:srgbClr val="146194"/>
       </a:dk2>
       <a:lt2>
-        <a:srgbClr val="E7E6E6"/>
+        <a:srgbClr val="76DBF4"/>
       </a:lt2>
       <a:accent1>
-        <a:srgbClr val="5B9BD5"/>
+        <a:srgbClr val="052F61"/>
       </a:accent1>
       <a:accent2>
-        <a:srgbClr val="ED7D31"/>
+        <a:srgbClr val="A50E82"/>
       </a:accent2>
       <a:accent3>
-        <a:srgbClr val="A5A5A5"/>
+        <a:srgbClr val="14967C"/>
       </a:accent3>
       <a:accent4>
-        <a:srgbClr val="FFC000"/>
+        <a:srgbClr val="6A9E1F"/>
       </a:accent4>
       <a:accent5>
-        <a:srgbClr val="4472C4"/>
+        <a:srgbClr val="E87D37"/>
       </a:accent5>
       <a:accent6>
-        <a:srgbClr val="70AD47"/>
+        <a:srgbClr val="C62324"/>
       </a:accent6>
       <a:hlink>
-        <a:srgbClr val="0563C1"/>
+        <a:srgbClr val="0D2E46"/>
       </a:hlink>
       <a:folHlink>
-        <a:srgbClr val="954F72"/>
+        <a:srgbClr val="356A95"/>
       </a:folHlink>
     </a:clrScheme>
-    <a:fontScheme name="Office">
+    <a:fontScheme name="Slice">
       <a:majorFont>
-        <a:latin typeface="Calibri Light" panose="020F0302020204030204"/>
+        <a:latin typeface="Century Gothic" panose="020B0502020202020204"/>
         <a:ea typeface=""/>
         <a:cs typeface=""/>
-        <a:font script="Jpan" typeface="ＭＳ Ｐゴシック"/>
-        <a:font script="Hang" typeface="맑은 고딕"/>
-        <a:font script="Hans" typeface="宋体"/>
-        <a:font script="Hant" typeface="新細明體"/>
-        <a:font script="Arab" typeface="Times New Roman"/>
-        <a:font script="Hebr" typeface="Times New Roman"/>
-        <a:font script="Thai" typeface="Angsana New"/>
-        <a:font script="Ethi" typeface="Nyala"/>
-        <a:font script="Beng" typeface="Vrinda"/>
-        <a:font script="Gujr" typeface="Shruti"/>
-        <a:font script="Khmr" typeface="MoolBoran"/>
-        <a:font script="Knda" typeface="Tunga"/>
-        <a:font script="Guru" typeface="Raavi"/>
-        <a:font script="Cans" typeface="Euphemia"/>
-        <a:font script="Cher" typeface="Plantagenet Cherokee"/>
-        <a:font script="Yiii" typeface="Microsoft Yi Baiti"/>
-        <a:font script="Tibt" typeface="Microsoft Himalaya"/>
-        <a:font script="Thaa" typeface="MV Boli"/>
-        <a:font script="Deva" typeface="Mangal"/>
-        <a:font script="Telu" typeface="Gautami"/>
-        <a:font script="Taml" typeface="Latha"/>
-        <a:font script="Syrc" typeface="Estrangelo Edessa"/>
-        <a:font script="Orya" typeface="Kalinga"/>
-        <a:font script="Mlym" typeface="Kartika"/>
-        <a:font script="Laoo" typeface="DokChampa"/>
-        <a:font script="Sinh" typeface="Iskoola Pota"/>
-        <a:font script="Mong" typeface="Mongolian Baiti"/>
-        <a:font script="Viet" typeface="Times New Roman"/>
-        <a:font script="Uigh" typeface="Microsoft Uighur"/>
-        <a:font script="Geor" typeface="Sylfaen"/>
-      </a:majorFont>
-      <a:minorFont>
-        <a:latin typeface="Calibri" panose="020F0502020204030204"/>
-        <a:ea typeface=""/>
-        <a:cs typeface=""/>
-        <a:font script="Jpan" typeface="ＭＳ Ｐゴシック"/>
-        <a:font script="Hang" typeface="맑은 고딕"/>
-        <a:font script="Hans" typeface="宋体"/>
-        <a:font script="Hant" typeface="新細明體"/>
-        <a:font script="Arab" typeface="Arial"/>
-        <a:font script="Hebr" typeface="Arial"/>
-        <a:font script="Thai" typeface="Cordia New"/>
+        <a:font script="Jpan" typeface="メイリオ"/>
+        <a:font script="Hang" typeface="HY중고딕"/>
+        <a:font script="Hans" typeface="幼圆"/>
+        <a:font script="Hant" typeface="微軟正黑體"/>
+        <a:font script="Arab" typeface="Tahoma"/>
+        <a:font script="Hebr" typeface="Gisha"/>
+        <a:font script="Thai" typeface="DilleniaUPC"/>
         <a:font script="Ethi" typeface="Nyala"/>
         <a:font script="Beng" typeface="Vrinda"/>
         <a:font script="Gujr" typeface="Shruti"/>
@@ -3760,12 +7789,47 @@
         <a:font script="Laoo" typeface="DokChampa"/>
         <a:font script="Sinh" typeface="Iskoola Pota"/>
         <a:font script="Mong" typeface="Mongolian Baiti"/>
-        <a:font script="Viet" typeface="Arial"/>
+        <a:font script="Viet" typeface="Tahoma"/>
+        <a:font script="Uigh" typeface="Microsoft Uighur"/>
+        <a:font script="Geor" typeface="Sylfaen"/>
+      </a:majorFont>
+      <a:minorFont>
+        <a:latin typeface="Century Gothic" panose="020B0502020202020204"/>
+        <a:ea typeface=""/>
+        <a:cs typeface=""/>
+        <a:font script="Jpan" typeface="メイリオ"/>
+        <a:font script="Hang" typeface="HY중고딕"/>
+        <a:font script="Hans" typeface="幼圆"/>
+        <a:font script="Hant" typeface="微軟正黑體"/>
+        <a:font script="Arab" typeface="Tahoma"/>
+        <a:font script="Hebr" typeface="Gisha"/>
+        <a:font script="Thai" typeface="DilleniaUPC"/>
+        <a:font script="Ethi" typeface="Nyala"/>
+        <a:font script="Beng" typeface="Vrinda"/>
+        <a:font script="Gujr" typeface="Shruti"/>
+        <a:font script="Khmr" typeface="DaunPenh"/>
+        <a:font script="Knda" typeface="Tunga"/>
+        <a:font script="Guru" typeface="Raavi"/>
+        <a:font script="Cans" typeface="Euphemia"/>
+        <a:font script="Cher" typeface="Plantagenet Cherokee"/>
+        <a:font script="Yiii" typeface="Microsoft Yi Baiti"/>
+        <a:font script="Tibt" typeface="Microsoft Himalaya"/>
+        <a:font script="Thaa" typeface="MV Boli"/>
+        <a:font script="Deva" typeface="Mangal"/>
+        <a:font script="Telu" typeface="Gautami"/>
+        <a:font script="Taml" typeface="Latha"/>
+        <a:font script="Syrc" typeface="Estrangelo Edessa"/>
+        <a:font script="Orya" typeface="Kalinga"/>
+        <a:font script="Mlym" typeface="Kartika"/>
+        <a:font script="Laoo" typeface="DokChampa"/>
+        <a:font script="Sinh" typeface="Iskoola Pota"/>
+        <a:font script="Mong" typeface="Mongolian Baiti"/>
+        <a:font script="Viet" typeface="Tahoma"/>
         <a:font script="Uigh" typeface="Microsoft Uighur"/>
         <a:font script="Geor" typeface="Sylfaen"/>
       </a:minorFont>
     </a:fontScheme>
-    <a:fmtScheme name="Office">
+    <a:fmtScheme name="Slice">
       <a:fillStyleLst>
         <a:solidFill>
           <a:schemeClr val="phClr"/>
@@ -3774,23 +7838,16 @@
           <a:gsLst>
             <a:gs pos="0">
               <a:schemeClr val="phClr">
+                <a:tint val="62000"/>
+                <a:hueMod val="94000"/>
+                <a:satMod val="140000"/>
                 <a:lumMod val="110000"/>
-                <a:satMod val="105000"/>
-                <a:tint val="67000"/>
-              </a:schemeClr>
-            </a:gs>
-            <a:gs pos="50000">
-              <a:schemeClr val="phClr">
-                <a:lumMod val="105000"/>
-                <a:satMod val="103000"/>
-                <a:tint val="73000"/>
               </a:schemeClr>
             </a:gs>
             <a:gs pos="100000">
               <a:schemeClr val="phClr">
-                <a:lumMod val="105000"/>
-                <a:satMod val="109000"/>
-                <a:tint val="81000"/>
+                <a:tint val="84000"/>
+                <a:satMod val="160000"/>
               </a:schemeClr>
             </a:gs>
           </a:gsLst>
@@ -3800,23 +7857,16 @@
           <a:gsLst>
             <a:gs pos="0">
               <a:schemeClr val="phClr">
-                <a:satMod val="103000"/>
-                <a:lumMod val="102000"/>
-                <a:tint val="94000"/>
-              </a:schemeClr>
-            </a:gs>
-            <a:gs pos="50000">
-              <a:schemeClr val="phClr">
-                <a:satMod val="110000"/>
-                <a:lumMod val="100000"/>
-                <a:shade val="100000"/>
+                <a:tint val="98000"/>
+                <a:hueMod val="94000"/>
+                <a:satMod val="130000"/>
+                <a:lumMod val="128000"/>
               </a:schemeClr>
             </a:gs>
             <a:gs pos="100000">
               <a:schemeClr val="phClr">
-                <a:lumMod val="99000"/>
-                <a:satMod val="120000"/>
-                <a:shade val="78000"/>
+                <a:shade val="94000"/>
+                <a:lumMod val="88000"/>
               </a:schemeClr>
             </a:gs>
           </a:gsLst>
@@ -3824,26 +7874,29 @@
         </a:gradFill>
       </a:fillStyleLst>
       <a:lnStyleLst>
-        <a:ln w="6350" cap="flat" cmpd="sng" algn="ctr">
+        <a:ln w="9525" cap="rnd" cmpd="sng" algn="ctr">
+          <a:solidFill>
+            <a:schemeClr val="phClr">
+              <a:tint val="76000"/>
+              <a:alpha val="60000"/>
+              <a:hueMod val="94000"/>
+            </a:schemeClr>
+          </a:solidFill>
+          <a:prstDash val="solid"/>
+        </a:ln>
+        <a:ln w="15875" cap="rnd" cmpd="sng" algn="ctr">
+          <a:solidFill>
+            <a:schemeClr val="phClr">
+              <a:hueMod val="94000"/>
+            </a:schemeClr>
+          </a:solidFill>
+          <a:prstDash val="solid"/>
+        </a:ln>
+        <a:ln w="28575" cap="rnd" cmpd="sng" algn="ctr">
           <a:solidFill>
             <a:schemeClr val="phClr"/>
           </a:solidFill>
           <a:prstDash val="solid"/>
-          <a:miter lim="800000"/>
-        </a:ln>
-        <a:ln w="12700" cap="flat" cmpd="sng" algn="ctr">
-          <a:solidFill>
-            <a:schemeClr val="phClr"/>
-          </a:solidFill>
-          <a:prstDash val="solid"/>
-          <a:miter lim="800000"/>
-        </a:ln>
-        <a:ln w="19050" cap="flat" cmpd="sng" algn="ctr">
-          <a:solidFill>
-            <a:schemeClr val="phClr"/>
-          </a:solidFill>
-          <a:prstDash val="solid"/>
-          <a:miter lim="800000"/>
         </a:ln>
       </a:lnStyleLst>
       <a:effectStyleLst>
@@ -3851,54 +7904,78 @@
           <a:effectLst/>
         </a:effectStyle>
         <a:effectStyle>
-          <a:effectLst/>
+          <a:effectLst>
+            <a:innerShdw blurRad="25400" dist="12700" dir="13500000">
+              <a:srgbClr val="000000">
+                <a:alpha val="45000"/>
+              </a:srgbClr>
+            </a:innerShdw>
+          </a:effectLst>
         </a:effectStyle>
         <a:effectStyle>
           <a:effectLst>
-            <a:outerShdw blurRad="57150" dist="19050" dir="5400000" algn="ctr" rotWithShape="0">
+            <a:outerShdw blurRad="50800" dist="38100" dir="5400000" rotWithShape="0">
               <a:srgbClr val="000000">
-                <a:alpha val="63000"/>
+                <a:alpha val="46000"/>
               </a:srgbClr>
             </a:outerShdw>
           </a:effectLst>
+          <a:scene3d>
+            <a:camera prst="orthographicFront">
+              <a:rot lat="0" lon="0" rev="0"/>
+            </a:camera>
+            <a:lightRig rig="threePt" dir="t"/>
+          </a:scene3d>
+          <a:sp3d prstMaterial="plastic">
+            <a:bevelT w="25400" h="25400"/>
+          </a:sp3d>
         </a:effectStyle>
       </a:effectStyleLst>
       <a:bgFillStyleLst>
         <a:solidFill>
           <a:schemeClr val="phClr"/>
         </a:solidFill>
-        <a:solidFill>
-          <a:schemeClr val="phClr">
-            <a:tint val="95000"/>
-            <a:satMod val="170000"/>
-          </a:schemeClr>
-        </a:solidFill>
+        <a:gradFill rotWithShape="1">
+          <a:gsLst>
+            <a:gs pos="10000">
+              <a:schemeClr val="phClr">
+                <a:tint val="97000"/>
+                <a:hueMod val="92000"/>
+                <a:satMod val="169000"/>
+                <a:lumMod val="164000"/>
+              </a:schemeClr>
+            </a:gs>
+            <a:gs pos="100000">
+              <a:schemeClr val="phClr">
+                <a:shade val="96000"/>
+                <a:satMod val="120000"/>
+                <a:lumMod val="90000"/>
+              </a:schemeClr>
+            </a:gs>
+          </a:gsLst>
+          <a:lin ang="6120000" scaled="1"/>
+        </a:gradFill>
         <a:gradFill rotWithShape="1">
           <a:gsLst>
             <a:gs pos="0">
               <a:schemeClr val="phClr">
-                <a:tint val="93000"/>
-                <a:satMod val="150000"/>
-                <a:shade val="98000"/>
-                <a:lumMod val="102000"/>
-              </a:schemeClr>
-            </a:gs>
-            <a:gs pos="50000">
-              <a:schemeClr val="phClr">
-                <a:tint val="98000"/>
-                <a:satMod val="130000"/>
-                <a:shade val="90000"/>
-                <a:lumMod val="103000"/>
+                <a:tint val="97000"/>
+                <a:hueMod val="92000"/>
+                <a:satMod val="169000"/>
+                <a:lumMod val="164000"/>
               </a:schemeClr>
             </a:gs>
             <a:gs pos="100000">
               <a:schemeClr val="phClr">
-                <a:shade val="63000"/>
+                <a:shade val="96000"/>
                 <a:satMod val="120000"/>
+                <a:lumMod val="90000"/>
               </a:schemeClr>
             </a:gs>
           </a:gsLst>
-          <a:lin ang="5400000" scaled="0"/>
+          <a:path path="circle">
+            <a:fillToRect b="100000"/>
+          </a:path>
         </a:gradFill>
       </a:bgFillStyleLst>
     </a:fmtScheme>
@@ -3907,7 +7984,7 @@
   <a:extraClrSchemeLst/>
   <a:extLst>
     <a:ext uri="{05A4C25C-085E-4340-85A3-A5531E510DB2}">
-      <thm15:themeFamily xmlns:thm15="http://schemas.microsoft.com/office/thememl/2012/main" name="Office Theme" id="{62F939B6-93AF-4DB8-9C6B-D6C7DFDC589F}" vid="{4A3C46E8-61CC-4603-A589-7422A47A8E4A}"/>
+      <thm15:themeFamily xmlns:thm15="http://schemas.microsoft.com/office/thememl/2012/main" name="Slice" id="{0507925B-6AC9-4358-8E18-C330545D08F8}" vid="{13FEC7C6-62A9-40C4-99D2-581AACACAA2F}"/>
     </a:ext>
   </a:extLst>
 </a:theme>

--- a/Python Session/Python_11_may.pptx
+++ b/Python Session/Python_11_may.pptx
@@ -2,15 +2,19 @@
 <file path=ppt/presentation.xml><?xml version="1.0" encoding="utf-8"?>
 <p:presentation xmlns:a="http://schemas.openxmlformats.org/drawingml/2006/main" xmlns:r="http://schemas.openxmlformats.org/officeDocument/2006/relationships" xmlns:p="http://schemas.openxmlformats.org/presentationml/2006/main" saveSubsetFonts="1">
   <p:sldMasterIdLst>
-    <p:sldMasterId id="2147483726" r:id="rId1"/>
+    <p:sldMasterId id="2147483744" r:id="rId1"/>
   </p:sldMasterIdLst>
   <p:sldIdLst>
     <p:sldId id="267" r:id="rId2"/>
-    <p:sldId id="268" r:id="rId3"/>
-    <p:sldId id="269" r:id="rId4"/>
-    <p:sldId id="270" r:id="rId5"/>
-    <p:sldId id="271" r:id="rId6"/>
-    <p:sldId id="272" r:id="rId7"/>
+    <p:sldId id="273" r:id="rId3"/>
+    <p:sldId id="268" r:id="rId4"/>
+    <p:sldId id="269" r:id="rId5"/>
+    <p:sldId id="270" r:id="rId6"/>
+    <p:sldId id="271" r:id="rId7"/>
+    <p:sldId id="274" r:id="rId8"/>
+    <p:sldId id="275" r:id="rId9"/>
+    <p:sldId id="276" r:id="rId10"/>
+    <p:sldId id="272" r:id="rId11"/>
   </p:sldIdLst>
   <p:sldSz cx="12192000" cy="6858000"/>
   <p:notesSz cx="6858000" cy="9144000"/>
@@ -134,6 +138,536 @@
           <a:chExt cx="0" cy="0"/>
         </a:xfrm>
       </p:grpSpPr>
+      <p:grpSp>
+        <p:nvGrpSpPr>
+          <p:cNvPr id="7" name="Group 6"/>
+          <p:cNvGrpSpPr/>
+          <p:nvPr/>
+        </p:nvGrpSpPr>
+        <p:grpSpPr>
+          <a:xfrm>
+            <a:off x="0" y="-8467"/>
+            <a:ext cx="12192000" cy="6866467"/>
+            <a:chOff x="0" y="-8467"/>
+            <a:chExt cx="12192000" cy="6866467"/>
+          </a:xfrm>
+        </p:grpSpPr>
+        <p:cxnSp>
+          <p:nvCxnSpPr>
+            <p:cNvPr id="32" name="Straight Connector 31"/>
+            <p:cNvCxnSpPr/>
+            <p:nvPr/>
+          </p:nvCxnSpPr>
+          <p:spPr>
+            <a:xfrm>
+              <a:off x="9371012" y="0"/>
+              <a:ext cx="1219200" cy="6858000"/>
+            </a:xfrm>
+            <a:prstGeom prst="line">
+              <a:avLst/>
+            </a:prstGeom>
+            <a:ln w="9525">
+              <a:solidFill>
+                <a:schemeClr val="bg1">
+                  <a:lumMod val="75000"/>
+                </a:schemeClr>
+              </a:solidFill>
+            </a:ln>
+          </p:spPr>
+          <p:style>
+            <a:lnRef idx="2">
+              <a:schemeClr val="accent1"/>
+            </a:lnRef>
+            <a:fillRef idx="0">
+              <a:schemeClr val="accent1"/>
+            </a:fillRef>
+            <a:effectRef idx="1">
+              <a:schemeClr val="accent1"/>
+            </a:effectRef>
+            <a:fontRef idx="minor">
+              <a:schemeClr val="tx1"/>
+            </a:fontRef>
+          </p:style>
+        </p:cxnSp>
+        <p:cxnSp>
+          <p:nvCxnSpPr>
+            <p:cNvPr id="21" name="Straight Connector 20"/>
+            <p:cNvCxnSpPr/>
+            <p:nvPr/>
+          </p:nvCxnSpPr>
+          <p:spPr>
+            <a:xfrm flipH="1">
+              <a:off x="7425267" y="3681413"/>
+              <a:ext cx="4763558" cy="3176587"/>
+            </a:xfrm>
+            <a:prstGeom prst="line">
+              <a:avLst/>
+            </a:prstGeom>
+            <a:ln w="9525">
+              <a:solidFill>
+                <a:schemeClr val="bg1">
+                  <a:lumMod val="85000"/>
+                </a:schemeClr>
+              </a:solidFill>
+            </a:ln>
+          </p:spPr>
+          <p:style>
+            <a:lnRef idx="2">
+              <a:schemeClr val="accent1"/>
+            </a:lnRef>
+            <a:fillRef idx="0">
+              <a:schemeClr val="accent1"/>
+            </a:fillRef>
+            <a:effectRef idx="1">
+              <a:schemeClr val="accent1"/>
+            </a:effectRef>
+            <a:fontRef idx="minor">
+              <a:schemeClr val="tx1"/>
+            </a:fontRef>
+          </p:style>
+        </p:cxnSp>
+        <p:sp>
+          <p:nvSpPr>
+            <p:cNvPr id="24" name="Rectangle 23"/>
+            <p:cNvSpPr/>
+            <p:nvPr/>
+          </p:nvSpPr>
+          <p:spPr>
+            <a:xfrm>
+              <a:off x="9181476" y="-8467"/>
+              <a:ext cx="3007349" cy="6866467"/>
+            </a:xfrm>
+            <a:custGeom>
+              <a:avLst/>
+              <a:gdLst/>
+              <a:ahLst/>
+              <a:cxnLst/>
+              <a:rect l="l" t="t" r="r" b="b"/>
+              <a:pathLst>
+                <a:path w="3007349" h="6866467">
+                  <a:moveTo>
+                    <a:pt x="2045532" y="0"/>
+                  </a:moveTo>
+                  <a:lnTo>
+                    <a:pt x="3007349" y="0"/>
+                  </a:lnTo>
+                  <a:lnTo>
+                    <a:pt x="3007349" y="6866467"/>
+                  </a:lnTo>
+                  <a:lnTo>
+                    <a:pt x="0" y="6866467"/>
+                  </a:lnTo>
+                  <a:lnTo>
+                    <a:pt x="2045532" y="0"/>
+                  </a:lnTo>
+                  <a:close/>
+                </a:path>
+              </a:pathLst>
+            </a:custGeom>
+            <a:solidFill>
+              <a:schemeClr val="accent1">
+                <a:alpha val="30000"/>
+              </a:schemeClr>
+            </a:solidFill>
+            <a:ln>
+              <a:noFill/>
+            </a:ln>
+            <a:effectLst/>
+          </p:spPr>
+          <p:style>
+            <a:lnRef idx="1">
+              <a:schemeClr val="accent1"/>
+            </a:lnRef>
+            <a:fillRef idx="3">
+              <a:schemeClr val="accent1"/>
+            </a:fillRef>
+            <a:effectRef idx="2">
+              <a:schemeClr val="accent1"/>
+            </a:effectRef>
+            <a:fontRef idx="minor">
+              <a:schemeClr val="lt1"/>
+            </a:fontRef>
+          </p:style>
+        </p:sp>
+        <p:sp>
+          <p:nvSpPr>
+            <p:cNvPr id="26" name="Rectangle 25"/>
+            <p:cNvSpPr/>
+            <p:nvPr/>
+          </p:nvSpPr>
+          <p:spPr>
+            <a:xfrm>
+              <a:off x="9603442" y="-8467"/>
+              <a:ext cx="2588558" cy="6866467"/>
+            </a:xfrm>
+            <a:custGeom>
+              <a:avLst/>
+              <a:gdLst/>
+              <a:ahLst/>
+              <a:cxnLst/>
+              <a:rect l="l" t="t" r="r" b="b"/>
+              <a:pathLst>
+                <a:path w="2573311" h="6866467">
+                  <a:moveTo>
+                    <a:pt x="0" y="0"/>
+                  </a:moveTo>
+                  <a:lnTo>
+                    <a:pt x="2573311" y="0"/>
+                  </a:lnTo>
+                  <a:lnTo>
+                    <a:pt x="2573311" y="6866467"/>
+                  </a:lnTo>
+                  <a:lnTo>
+                    <a:pt x="1202336" y="6866467"/>
+                  </a:lnTo>
+                  <a:lnTo>
+                    <a:pt x="0" y="0"/>
+                  </a:lnTo>
+                  <a:close/>
+                </a:path>
+              </a:pathLst>
+            </a:custGeom>
+            <a:solidFill>
+              <a:schemeClr val="accent1">
+                <a:alpha val="20000"/>
+              </a:schemeClr>
+            </a:solidFill>
+            <a:ln>
+              <a:noFill/>
+            </a:ln>
+            <a:effectLst/>
+          </p:spPr>
+          <p:style>
+            <a:lnRef idx="1">
+              <a:schemeClr val="accent1"/>
+            </a:lnRef>
+            <a:fillRef idx="3">
+              <a:schemeClr val="accent1"/>
+            </a:fillRef>
+            <a:effectRef idx="2">
+              <a:schemeClr val="accent1"/>
+            </a:effectRef>
+            <a:fontRef idx="minor">
+              <a:schemeClr val="lt1"/>
+            </a:fontRef>
+          </p:style>
+        </p:sp>
+        <p:sp>
+          <p:nvSpPr>
+            <p:cNvPr id="27" name="Isosceles Triangle 26"/>
+            <p:cNvSpPr/>
+            <p:nvPr/>
+          </p:nvSpPr>
+          <p:spPr>
+            <a:xfrm>
+              <a:off x="8932333" y="3048000"/>
+              <a:ext cx="3259667" cy="3810000"/>
+            </a:xfrm>
+            <a:prstGeom prst="triangle">
+              <a:avLst>
+                <a:gd name="adj" fmla="val 100000"/>
+              </a:avLst>
+            </a:prstGeom>
+            <a:solidFill>
+              <a:schemeClr val="accent2">
+                <a:alpha val="72000"/>
+              </a:schemeClr>
+            </a:solidFill>
+            <a:ln>
+              <a:noFill/>
+            </a:ln>
+            <a:effectLst/>
+          </p:spPr>
+          <p:style>
+            <a:lnRef idx="1">
+              <a:schemeClr val="accent1"/>
+            </a:lnRef>
+            <a:fillRef idx="3">
+              <a:schemeClr val="accent1"/>
+            </a:fillRef>
+            <a:effectRef idx="2">
+              <a:schemeClr val="accent1"/>
+            </a:effectRef>
+            <a:fontRef idx="minor">
+              <a:schemeClr val="lt1"/>
+            </a:fontRef>
+          </p:style>
+        </p:sp>
+        <p:sp>
+          <p:nvSpPr>
+            <p:cNvPr id="28" name="Rectangle 27"/>
+            <p:cNvSpPr/>
+            <p:nvPr/>
+          </p:nvSpPr>
+          <p:spPr>
+            <a:xfrm>
+              <a:off x="9334500" y="-8467"/>
+              <a:ext cx="2854326" cy="6866467"/>
+            </a:xfrm>
+            <a:custGeom>
+              <a:avLst/>
+              <a:gdLst/>
+              <a:ahLst/>
+              <a:cxnLst/>
+              <a:rect l="l" t="t" r="r" b="b"/>
+              <a:pathLst>
+                <a:path w="2858013" h="6866467">
+                  <a:moveTo>
+                    <a:pt x="0" y="0"/>
+                  </a:moveTo>
+                  <a:lnTo>
+                    <a:pt x="2858013" y="0"/>
+                  </a:lnTo>
+                  <a:lnTo>
+                    <a:pt x="2858013" y="6866467"/>
+                  </a:lnTo>
+                  <a:lnTo>
+                    <a:pt x="2473942" y="6866467"/>
+                  </a:lnTo>
+                  <a:lnTo>
+                    <a:pt x="0" y="0"/>
+                  </a:lnTo>
+                  <a:close/>
+                </a:path>
+              </a:pathLst>
+            </a:custGeom>
+            <a:solidFill>
+              <a:schemeClr val="accent2">
+                <a:lumMod val="75000"/>
+                <a:alpha val="70000"/>
+              </a:schemeClr>
+            </a:solidFill>
+            <a:ln>
+              <a:noFill/>
+            </a:ln>
+            <a:effectLst/>
+          </p:spPr>
+          <p:style>
+            <a:lnRef idx="1">
+              <a:schemeClr val="accent1"/>
+            </a:lnRef>
+            <a:fillRef idx="3">
+              <a:schemeClr val="accent1"/>
+            </a:fillRef>
+            <a:effectRef idx="2">
+              <a:schemeClr val="accent1"/>
+            </a:effectRef>
+            <a:fontRef idx="minor">
+              <a:schemeClr val="lt1"/>
+            </a:fontRef>
+          </p:style>
+        </p:sp>
+        <p:sp>
+          <p:nvSpPr>
+            <p:cNvPr id="29" name="Rectangle 28"/>
+            <p:cNvSpPr/>
+            <p:nvPr/>
+          </p:nvSpPr>
+          <p:spPr>
+            <a:xfrm>
+              <a:off x="10898730" y="-8467"/>
+              <a:ext cx="1290094" cy="6866467"/>
+            </a:xfrm>
+            <a:custGeom>
+              <a:avLst/>
+              <a:gdLst/>
+              <a:ahLst/>
+              <a:cxnLst/>
+              <a:rect l="l" t="t" r="r" b="b"/>
+              <a:pathLst>
+                <a:path w="1290094" h="6858000">
+                  <a:moveTo>
+                    <a:pt x="1019735" y="0"/>
+                  </a:moveTo>
+                  <a:lnTo>
+                    <a:pt x="1290094" y="0"/>
+                  </a:lnTo>
+                  <a:lnTo>
+                    <a:pt x="1290094" y="6858000"/>
+                  </a:lnTo>
+                  <a:lnTo>
+                    <a:pt x="0" y="6858000"/>
+                  </a:lnTo>
+                  <a:lnTo>
+                    <a:pt x="1019735" y="0"/>
+                  </a:lnTo>
+                  <a:close/>
+                </a:path>
+              </a:pathLst>
+            </a:custGeom>
+            <a:solidFill>
+              <a:schemeClr val="accent1">
+                <a:lumMod val="60000"/>
+                <a:lumOff val="40000"/>
+                <a:alpha val="70000"/>
+              </a:schemeClr>
+            </a:solidFill>
+            <a:ln>
+              <a:noFill/>
+            </a:ln>
+            <a:effectLst/>
+          </p:spPr>
+          <p:style>
+            <a:lnRef idx="1">
+              <a:schemeClr val="accent1"/>
+            </a:lnRef>
+            <a:fillRef idx="3">
+              <a:schemeClr val="accent1"/>
+            </a:fillRef>
+            <a:effectRef idx="2">
+              <a:schemeClr val="accent1"/>
+            </a:effectRef>
+            <a:fontRef idx="minor">
+              <a:schemeClr val="lt1"/>
+            </a:fontRef>
+          </p:style>
+        </p:sp>
+        <p:sp>
+          <p:nvSpPr>
+            <p:cNvPr id="30" name="Rectangle 29"/>
+            <p:cNvSpPr/>
+            <p:nvPr/>
+          </p:nvSpPr>
+          <p:spPr>
+            <a:xfrm>
+              <a:off x="10938999" y="-8467"/>
+              <a:ext cx="1249825" cy="6866467"/>
+            </a:xfrm>
+            <a:custGeom>
+              <a:avLst/>
+              <a:gdLst/>
+              <a:ahLst/>
+              <a:cxnLst/>
+              <a:rect l="l" t="t" r="r" b="b"/>
+              <a:pathLst>
+                <a:path w="1249825" h="6858000">
+                  <a:moveTo>
+                    <a:pt x="0" y="0"/>
+                  </a:moveTo>
+                  <a:lnTo>
+                    <a:pt x="1249825" y="0"/>
+                  </a:lnTo>
+                  <a:lnTo>
+                    <a:pt x="1249825" y="6858000"/>
+                  </a:lnTo>
+                  <a:lnTo>
+                    <a:pt x="1109382" y="6858000"/>
+                  </a:lnTo>
+                  <a:lnTo>
+                    <a:pt x="0" y="0"/>
+                  </a:lnTo>
+                  <a:close/>
+                </a:path>
+              </a:pathLst>
+            </a:custGeom>
+            <a:solidFill>
+              <a:schemeClr val="accent1">
+                <a:alpha val="65000"/>
+              </a:schemeClr>
+            </a:solidFill>
+            <a:ln>
+              <a:noFill/>
+            </a:ln>
+            <a:effectLst/>
+          </p:spPr>
+          <p:style>
+            <a:lnRef idx="1">
+              <a:schemeClr val="accent1"/>
+            </a:lnRef>
+            <a:fillRef idx="3">
+              <a:schemeClr val="accent1"/>
+            </a:fillRef>
+            <a:effectRef idx="2">
+              <a:schemeClr val="accent1"/>
+            </a:effectRef>
+            <a:fontRef idx="minor">
+              <a:schemeClr val="lt1"/>
+            </a:fontRef>
+          </p:style>
+        </p:sp>
+        <p:sp>
+          <p:nvSpPr>
+            <p:cNvPr id="31" name="Isosceles Triangle 30"/>
+            <p:cNvSpPr/>
+            <p:nvPr/>
+          </p:nvSpPr>
+          <p:spPr>
+            <a:xfrm>
+              <a:off x="10371666" y="3589867"/>
+              <a:ext cx="1817159" cy="3268133"/>
+            </a:xfrm>
+            <a:prstGeom prst="triangle">
+              <a:avLst>
+                <a:gd name="adj" fmla="val 100000"/>
+              </a:avLst>
+            </a:prstGeom>
+            <a:solidFill>
+              <a:schemeClr val="accent1">
+                <a:alpha val="80000"/>
+              </a:schemeClr>
+            </a:solidFill>
+            <a:ln>
+              <a:noFill/>
+            </a:ln>
+            <a:effectLst/>
+          </p:spPr>
+          <p:style>
+            <a:lnRef idx="1">
+              <a:schemeClr val="accent1"/>
+            </a:lnRef>
+            <a:fillRef idx="3">
+              <a:schemeClr val="accent1"/>
+            </a:fillRef>
+            <a:effectRef idx="2">
+              <a:schemeClr val="accent1"/>
+            </a:effectRef>
+            <a:fontRef idx="minor">
+              <a:schemeClr val="lt1"/>
+            </a:fontRef>
+          </p:style>
+        </p:sp>
+        <p:sp>
+          <p:nvSpPr>
+            <p:cNvPr id="19" name="Isosceles Triangle 18"/>
+            <p:cNvSpPr/>
+            <p:nvPr/>
+          </p:nvSpPr>
+          <p:spPr>
+            <a:xfrm rot="10800000">
+              <a:off x="0" y="0"/>
+              <a:ext cx="842596" cy="5666154"/>
+            </a:xfrm>
+            <a:prstGeom prst="triangle">
+              <a:avLst>
+                <a:gd name="adj" fmla="val 100000"/>
+              </a:avLst>
+            </a:prstGeom>
+            <a:solidFill>
+              <a:schemeClr val="accent1">
+                <a:alpha val="85000"/>
+              </a:schemeClr>
+            </a:solidFill>
+            <a:ln>
+              <a:noFill/>
+            </a:ln>
+            <a:effectLst/>
+          </p:spPr>
+          <p:style>
+            <a:lnRef idx="1">
+              <a:schemeClr val="accent1"/>
+            </a:lnRef>
+            <a:fillRef idx="3">
+              <a:schemeClr val="accent1"/>
+            </a:fillRef>
+            <a:effectRef idx="2">
+              <a:schemeClr val="accent1"/>
+            </a:effectRef>
+            <a:fontRef idx="minor">
+              <a:schemeClr val="lt1"/>
+            </a:fontRef>
+          </p:style>
+        </p:sp>
+      </p:grpSp>
       <p:sp>
         <p:nvSpPr>
           <p:cNvPr id="2" name="Title 1"/>
@@ -146,18 +680,20 @@
         </p:nvSpPr>
         <p:spPr>
           <a:xfrm>
-            <a:off x="684212" y="685799"/>
-            <a:ext cx="8001000" cy="2971801"/>
+            <a:off x="1507067" y="2404534"/>
+            <a:ext cx="7766936" cy="1646302"/>
           </a:xfrm>
         </p:spPr>
         <p:txBody>
           <a:bodyPr anchor="b">
-            <a:normAutofit/>
+            <a:noAutofit/>
           </a:bodyPr>
           <a:lstStyle>
-            <a:lvl1pPr algn="l">
-              <a:defRPr sz="4800">
-                <a:effectLst/>
+            <a:lvl1pPr algn="r">
+              <a:defRPr sz="5400">
+                <a:solidFill>
+                  <a:schemeClr val="accent1"/>
+                </a:solidFill>
               </a:defRPr>
             </a:lvl1pPr>
           </a:lstStyle>
@@ -182,21 +718,20 @@
         </p:nvSpPr>
         <p:spPr>
           <a:xfrm>
-            <a:off x="684212" y="3843867"/>
-            <a:ext cx="6400800" cy="1947333"/>
+            <a:off x="1507067" y="4050833"/>
+            <a:ext cx="7766936" cy="1096899"/>
           </a:xfrm>
         </p:spPr>
         <p:txBody>
-          <a:bodyPr anchor="t">
-            <a:normAutofit/>
-          </a:bodyPr>
+          <a:bodyPr anchor="t"/>
           <a:lstStyle>
-            <a:lvl1pPr marL="0" indent="0" algn="l">
-              <a:buNone/>
-              <a:defRPr sz="2100">
+            <a:lvl1pPr marL="0" indent="0" algn="r">
+              <a:buNone/>
+              <a:defRPr>
                 <a:solidFill>
-                  <a:schemeClr val="bg2">
-                    <a:lumMod val="75000"/>
+                  <a:schemeClr val="tx1">
+                    <a:lumMod val="50000"/>
+                    <a:lumOff val="50000"/>
                   </a:schemeClr>
                 </a:solidFill>
               </a:defRPr>
@@ -308,7 +843,7 @@
           <a:p>
             <a:fld id="{4301CC33-C1E3-43D5-954C-D3879CCC99B6}" type="datetimeFigureOut">
               <a:rPr lang="en-IN" smtClean="0"/>
-              <a:t>08-05-2022</a:t>
+              <a:t>11-05-2022</a:t>
             </a:fld>
             <a:endParaRPr lang="en-IN"/>
           </a:p>
@@ -356,185 +891,10 @@
           </a:p>
         </p:txBody>
       </p:sp>
-      <p:cxnSp>
-        <p:nvCxnSpPr>
-          <p:cNvPr id="16" name="Straight Connector 15"/>
-          <p:cNvCxnSpPr/>
-          <p:nvPr/>
-        </p:nvCxnSpPr>
-        <p:spPr>
-          <a:xfrm flipH="1">
-            <a:off x="8228012" y="8467"/>
-            <a:ext cx="3810000" cy="3810000"/>
-          </a:xfrm>
-          <a:prstGeom prst="line">
-            <a:avLst/>
-          </a:prstGeom>
-          <a:ln w="12700">
-            <a:solidFill>
-              <a:schemeClr val="tx1"/>
-            </a:solidFill>
-          </a:ln>
-        </p:spPr>
-        <p:style>
-          <a:lnRef idx="2">
-            <a:schemeClr val="accent1"/>
-          </a:lnRef>
-          <a:fillRef idx="0">
-            <a:schemeClr val="accent1"/>
-          </a:fillRef>
-          <a:effectRef idx="1">
-            <a:schemeClr val="accent1"/>
-          </a:effectRef>
-          <a:fontRef idx="minor">
-            <a:schemeClr val="tx1"/>
-          </a:fontRef>
-        </p:style>
-      </p:cxnSp>
-      <p:cxnSp>
-        <p:nvCxnSpPr>
-          <p:cNvPr id="17" name="Straight Connector 16"/>
-          <p:cNvCxnSpPr/>
-          <p:nvPr/>
-        </p:nvCxnSpPr>
-        <p:spPr>
-          <a:xfrm flipH="1">
-            <a:off x="6108170" y="91545"/>
-            <a:ext cx="6080655" cy="6080655"/>
-          </a:xfrm>
-          <a:prstGeom prst="line">
-            <a:avLst/>
-          </a:prstGeom>
-          <a:ln w="12700">
-            <a:solidFill>
-              <a:schemeClr val="tx1"/>
-            </a:solidFill>
-          </a:ln>
-        </p:spPr>
-        <p:style>
-          <a:lnRef idx="2">
-            <a:schemeClr val="accent1"/>
-          </a:lnRef>
-          <a:fillRef idx="0">
-            <a:schemeClr val="accent1"/>
-          </a:fillRef>
-          <a:effectRef idx="1">
-            <a:schemeClr val="accent1"/>
-          </a:effectRef>
-          <a:fontRef idx="minor">
-            <a:schemeClr val="tx1"/>
-          </a:fontRef>
-        </p:style>
-      </p:cxnSp>
-      <p:cxnSp>
-        <p:nvCxnSpPr>
-          <p:cNvPr id="19" name="Straight Connector 18"/>
-          <p:cNvCxnSpPr/>
-          <p:nvPr/>
-        </p:nvCxnSpPr>
-        <p:spPr>
-          <a:xfrm flipH="1">
-            <a:off x="7235825" y="228600"/>
-            <a:ext cx="4953000" cy="4953000"/>
-          </a:xfrm>
-          <a:prstGeom prst="line">
-            <a:avLst/>
-          </a:prstGeom>
-          <a:ln w="12700">
-            <a:solidFill>
-              <a:schemeClr val="tx1"/>
-            </a:solidFill>
-          </a:ln>
-        </p:spPr>
-        <p:style>
-          <a:lnRef idx="2">
-            <a:schemeClr val="accent1"/>
-          </a:lnRef>
-          <a:fillRef idx="0">
-            <a:schemeClr val="accent1"/>
-          </a:fillRef>
-          <a:effectRef idx="1">
-            <a:schemeClr val="accent1"/>
-          </a:effectRef>
-          <a:fontRef idx="minor">
-            <a:schemeClr val="tx1"/>
-          </a:fontRef>
-        </p:style>
-      </p:cxnSp>
-      <p:cxnSp>
-        <p:nvCxnSpPr>
-          <p:cNvPr id="21" name="Straight Connector 20"/>
-          <p:cNvCxnSpPr/>
-          <p:nvPr/>
-        </p:nvCxnSpPr>
-        <p:spPr>
-          <a:xfrm flipH="1">
-            <a:off x="7335837" y="32278"/>
-            <a:ext cx="4852989" cy="4852989"/>
-          </a:xfrm>
-          <a:prstGeom prst="line">
-            <a:avLst/>
-          </a:prstGeom>
-          <a:ln w="31750">
-            <a:solidFill>
-              <a:schemeClr val="tx1"/>
-            </a:solidFill>
-          </a:ln>
-        </p:spPr>
-        <p:style>
-          <a:lnRef idx="2">
-            <a:schemeClr val="accent1"/>
-          </a:lnRef>
-          <a:fillRef idx="0">
-            <a:schemeClr val="accent1"/>
-          </a:fillRef>
-          <a:effectRef idx="1">
-            <a:schemeClr val="accent1"/>
-          </a:effectRef>
-          <a:fontRef idx="minor">
-            <a:schemeClr val="tx1"/>
-          </a:fontRef>
-        </p:style>
-      </p:cxnSp>
-      <p:cxnSp>
-        <p:nvCxnSpPr>
-          <p:cNvPr id="23" name="Straight Connector 22"/>
-          <p:cNvCxnSpPr/>
-          <p:nvPr/>
-        </p:nvCxnSpPr>
-        <p:spPr>
-          <a:xfrm flipH="1">
-            <a:off x="7845426" y="609601"/>
-            <a:ext cx="4343399" cy="4343399"/>
-          </a:xfrm>
-          <a:prstGeom prst="line">
-            <a:avLst/>
-          </a:prstGeom>
-          <a:ln w="31750">
-            <a:solidFill>
-              <a:schemeClr val="tx1"/>
-            </a:solidFill>
-          </a:ln>
-        </p:spPr>
-        <p:style>
-          <a:lnRef idx="2">
-            <a:schemeClr val="accent1"/>
-          </a:lnRef>
-          <a:fillRef idx="0">
-            <a:schemeClr val="accent1"/>
-          </a:fillRef>
-          <a:effectRef idx="1">
-            <a:schemeClr val="accent1"/>
-          </a:effectRef>
-          <a:fontRef idx="minor">
-            <a:schemeClr val="tx1"/>
-          </a:fontRef>
-        </p:style>
-      </p:cxnSp>
     </p:spTree>
     <p:extLst>
       <p:ext uri="{BB962C8B-B14F-4D97-AF65-F5344CB8AC3E}">
-        <p14:creationId xmlns:p14="http://schemas.microsoft.com/office/powerpoint/2010/main" val="4129420036"/>
+        <p14:creationId xmlns:p14="http://schemas.microsoft.com/office/powerpoint/2010/main" val="1175068637"/>
       </p:ext>
     </p:extLst>
   </p:cSld>
@@ -545,267 +905,6 @@
 </file>
 
 <file path=ppt/slideLayouts/slideLayout10.xml><?xml version="1.0" encoding="utf-8"?>
-<p:sldLayout xmlns:a="http://schemas.openxmlformats.org/drawingml/2006/main" xmlns:r="http://schemas.openxmlformats.org/officeDocument/2006/relationships" xmlns:p="http://schemas.openxmlformats.org/presentationml/2006/main" preserve="1">
-  <p:cSld name="Panoramic Picture with Caption">
-    <p:spTree>
-      <p:nvGrpSpPr>
-        <p:cNvPr id="1" name=""/>
-        <p:cNvGrpSpPr/>
-        <p:nvPr/>
-      </p:nvGrpSpPr>
-      <p:grpSpPr>
-        <a:xfrm>
-          <a:off x="0" y="0"/>
-          <a:ext cx="0" cy="0"/>
-          <a:chOff x="0" y="0"/>
-          <a:chExt cx="0" cy="0"/>
-        </a:xfrm>
-      </p:grpSpPr>
-      <p:sp>
-        <p:nvSpPr>
-          <p:cNvPr id="2" name="Title 1"/>
-          <p:cNvSpPr>
-            <a:spLocks noGrp="1"/>
-          </p:cNvSpPr>
-          <p:nvPr>
-            <p:ph type="title"/>
-          </p:nvPr>
-        </p:nvSpPr>
-        <p:spPr/>
-        <p:txBody>
-          <a:bodyPr/>
-          <a:lstStyle/>
-          <a:p>
-            <a:r>
-              <a:rPr lang="en-US" smtClean="0"/>
-              <a:t>Click to edit Master title style</a:t>
-            </a:r>
-            <a:endParaRPr lang="en-US" dirty="0"/>
-          </a:p>
-        </p:txBody>
-      </p:sp>
-      <p:sp>
-        <p:nvSpPr>
-          <p:cNvPr id="17" name="Picture Placeholder 2"/>
-          <p:cNvSpPr>
-            <a:spLocks noGrp="1" noChangeAspect="1"/>
-          </p:cNvSpPr>
-          <p:nvPr>
-            <p:ph type="pic" idx="13"/>
-          </p:nvPr>
-        </p:nvSpPr>
-        <p:spPr>
-          <a:xfrm>
-            <a:off x="685800" y="533400"/>
-            <a:ext cx="10818812" cy="3124200"/>
-          </a:xfrm>
-          <a:prstGeom prst="snip2DiagRect">
-            <a:avLst>
-              <a:gd name="adj1" fmla="val 10815"/>
-              <a:gd name="adj2" fmla="val 0"/>
-            </a:avLst>
-          </a:prstGeom>
-          <a:ln w="15875">
-            <a:solidFill>
-              <a:schemeClr val="tx1">
-                <a:alpha val="40000"/>
-              </a:schemeClr>
-            </a:solidFill>
-          </a:ln>
-          <a:effectLst>
-            <a:innerShdw blurRad="57150" dist="38100" dir="14460000">
-              <a:srgbClr val="000000">
-                <a:alpha val="70000"/>
-              </a:srgbClr>
-            </a:innerShdw>
-          </a:effectLst>
-        </p:spPr>
-        <p:txBody>
-          <a:bodyPr anchor="t">
-            <a:normAutofit/>
-          </a:bodyPr>
-          <a:lstStyle>
-            <a:lvl1pPr marL="0" indent="0" algn="ctr">
-              <a:buNone/>
-              <a:defRPr sz="1600"/>
-            </a:lvl1pPr>
-            <a:lvl2pPr marL="457200" indent="0">
-              <a:buNone/>
-              <a:defRPr sz="1600"/>
-            </a:lvl2pPr>
-            <a:lvl3pPr marL="914400" indent="0">
-              <a:buNone/>
-              <a:defRPr sz="1600"/>
-            </a:lvl3pPr>
-            <a:lvl4pPr marL="1371600" indent="0">
-              <a:buNone/>
-              <a:defRPr sz="1600"/>
-            </a:lvl4pPr>
-            <a:lvl5pPr marL="1828800" indent="0">
-              <a:buNone/>
-              <a:defRPr sz="1600"/>
-            </a:lvl5pPr>
-            <a:lvl6pPr marL="2286000" indent="0">
-              <a:buNone/>
-              <a:defRPr sz="1600"/>
-            </a:lvl6pPr>
-            <a:lvl7pPr marL="2743200" indent="0">
-              <a:buNone/>
-              <a:defRPr sz="1600"/>
-            </a:lvl7pPr>
-            <a:lvl8pPr marL="3200400" indent="0">
-              <a:buNone/>
-              <a:defRPr sz="1600"/>
-            </a:lvl8pPr>
-            <a:lvl9pPr marL="3657600" indent="0">
-              <a:buNone/>
-              <a:defRPr sz="1600"/>
-            </a:lvl9pPr>
-          </a:lstStyle>
-          <a:p>
-            <a:r>
-              <a:rPr lang="en-US" smtClean="0"/>
-              <a:t>Click icon to add picture</a:t>
-            </a:r>
-            <a:endParaRPr lang="en-US" dirty="0"/>
-          </a:p>
-        </p:txBody>
-      </p:sp>
-      <p:sp>
-        <p:nvSpPr>
-          <p:cNvPr id="16" name="Text Placeholder 9"/>
-          <p:cNvSpPr>
-            <a:spLocks noGrp="1"/>
-          </p:cNvSpPr>
-          <p:nvPr>
-            <p:ph type="body" sz="quarter" idx="14"/>
-          </p:nvPr>
-        </p:nvSpPr>
-        <p:spPr>
-          <a:xfrm>
-            <a:off x="914402" y="3843867"/>
-            <a:ext cx="8304210" cy="457200"/>
-          </a:xfrm>
-        </p:spPr>
-        <p:txBody>
-          <a:bodyPr anchor="t">
-            <a:normAutofit/>
-          </a:bodyPr>
-          <a:lstStyle>
-            <a:lvl1pPr marL="0" indent="0">
-              <a:buFontTx/>
-              <a:buNone/>
-              <a:defRPr sz="1600"/>
-            </a:lvl1pPr>
-            <a:lvl2pPr marL="457200" indent="0">
-              <a:buFontTx/>
-              <a:buNone/>
-              <a:defRPr/>
-            </a:lvl2pPr>
-            <a:lvl3pPr marL="914400" indent="0">
-              <a:buFontTx/>
-              <a:buNone/>
-              <a:defRPr/>
-            </a:lvl3pPr>
-            <a:lvl4pPr marL="1371600" indent="0">
-              <a:buFontTx/>
-              <a:buNone/>
-              <a:defRPr/>
-            </a:lvl4pPr>
-            <a:lvl5pPr marL="1828800" indent="0">
-              <a:buFontTx/>
-              <a:buNone/>
-              <a:defRPr/>
-            </a:lvl5pPr>
-          </a:lstStyle>
-          <a:p>
-            <a:pPr lvl="0"/>
-            <a:r>
-              <a:rPr lang="en-US" smtClean="0"/>
-              <a:t>Click to edit Master text styles</a:t>
-            </a:r>
-          </a:p>
-        </p:txBody>
-      </p:sp>
-      <p:sp>
-        <p:nvSpPr>
-          <p:cNvPr id="3" name="Date Placeholder 2"/>
-          <p:cNvSpPr>
-            <a:spLocks noGrp="1"/>
-          </p:cNvSpPr>
-          <p:nvPr>
-            <p:ph type="dt" sz="half" idx="10"/>
-          </p:nvPr>
-        </p:nvSpPr>
-        <p:spPr/>
-        <p:txBody>
-          <a:bodyPr/>
-          <a:lstStyle/>
-          <a:p>
-            <a:fld id="{4301CC33-C1E3-43D5-954C-D3879CCC99B6}" type="datetimeFigureOut">
-              <a:rPr lang="en-IN" smtClean="0"/>
-              <a:t>08-05-2022</a:t>
-            </a:fld>
-            <a:endParaRPr lang="en-IN"/>
-          </a:p>
-        </p:txBody>
-      </p:sp>
-      <p:sp>
-        <p:nvSpPr>
-          <p:cNvPr id="4" name="Footer Placeholder 3"/>
-          <p:cNvSpPr>
-            <a:spLocks noGrp="1"/>
-          </p:cNvSpPr>
-          <p:nvPr>
-            <p:ph type="ftr" sz="quarter" idx="11"/>
-          </p:nvPr>
-        </p:nvSpPr>
-        <p:spPr/>
-        <p:txBody>
-          <a:bodyPr/>
-          <a:lstStyle/>
-          <a:p>
-            <a:endParaRPr lang="en-IN"/>
-          </a:p>
-        </p:txBody>
-      </p:sp>
-      <p:sp>
-        <p:nvSpPr>
-          <p:cNvPr id="5" name="Slide Number Placeholder 4"/>
-          <p:cNvSpPr>
-            <a:spLocks noGrp="1"/>
-          </p:cNvSpPr>
-          <p:nvPr>
-            <p:ph type="sldNum" sz="quarter" idx="12"/>
-          </p:nvPr>
-        </p:nvSpPr>
-        <p:spPr/>
-        <p:txBody>
-          <a:bodyPr/>
-          <a:lstStyle/>
-          <a:p>
-            <a:fld id="{CB30A393-CD7A-45A1-9433-308CC08C211E}" type="slidenum">
-              <a:rPr lang="en-IN" smtClean="0"/>
-              <a:t>‹#›</a:t>
-            </a:fld>
-            <a:endParaRPr lang="en-IN"/>
-          </a:p>
-        </p:txBody>
-      </p:sp>
-    </p:spTree>
-    <p:extLst>
-      <p:ext uri="{BB962C8B-B14F-4D97-AF65-F5344CB8AC3E}">
-        <p14:creationId xmlns:p14="http://schemas.microsoft.com/office/powerpoint/2010/main" val="2395881644"/>
-      </p:ext>
-    </p:extLst>
-  </p:cSld>
-  <p:clrMapOvr>
-    <a:masterClrMapping/>
-  </p:clrMapOvr>
-</p:sldLayout>
-</file>
-
-<file path=ppt/slideLayouts/slideLayout11.xml><?xml version="1.0" encoding="utf-8"?>
 <p:sldLayout xmlns:a="http://schemas.openxmlformats.org/drawingml/2006/main" xmlns:r="http://schemas.openxmlformats.org/officeDocument/2006/relationships" xmlns:p="http://schemas.openxmlformats.org/presentationml/2006/main" preserve="1">
   <p:cSld name="Title and Caption">
     <p:spTree>
@@ -834,8 +933,8 @@
         </p:nvSpPr>
         <p:spPr>
           <a:xfrm>
-            <a:off x="684213" y="685800"/>
-            <a:ext cx="10058400" cy="2743200"/>
+            <a:off x="677335" y="609600"/>
+            <a:ext cx="8596668" cy="3403600"/>
           </a:xfrm>
         </p:spPr>
         <p:txBody>
@@ -844,7 +943,7 @@
           </a:bodyPr>
           <a:lstStyle>
             <a:lvl1pPr algn="l">
-              <a:defRPr sz="3200" b="0" cap="all"/>
+              <a:defRPr sz="4400" b="0" cap="none"/>
             </a:lvl1pPr>
           </a:lstStyle>
           <a:p>
@@ -868,8 +967,8 @@
         </p:nvSpPr>
         <p:spPr>
           <a:xfrm>
-            <a:off x="684212" y="4114800"/>
-            <a:ext cx="8535988" cy="1879600"/>
+            <a:off x="677335" y="4470400"/>
+            <a:ext cx="8596668" cy="1570962"/>
           </a:xfrm>
         </p:spPr>
         <p:txBody>
@@ -879,10 +978,11 @@
           <a:lstStyle>
             <a:lvl1pPr marL="0" indent="0" algn="l">
               <a:buNone/>
-              <a:defRPr sz="2000">
+              <a:defRPr sz="1800">
                 <a:solidFill>
-                  <a:schemeClr val="bg2">
+                  <a:schemeClr val="tx1">
                     <a:lumMod val="75000"/>
+                    <a:lumOff val="25000"/>
                   </a:schemeClr>
                 </a:solidFill>
               </a:defRPr>
@@ -994,7 +1094,7 @@
           <a:p>
             <a:fld id="{4301CC33-C1E3-43D5-954C-D3879CCC99B6}" type="datetimeFigureOut">
               <a:rPr lang="en-IN" smtClean="0"/>
-              <a:t>08-05-2022</a:t>
+              <a:t>11-05-2022</a:t>
             </a:fld>
             <a:endParaRPr lang="en-IN"/>
           </a:p>
@@ -1045,7 +1145,7 @@
     </p:spTree>
     <p:extLst>
       <p:ext uri="{BB962C8B-B14F-4D97-AF65-F5344CB8AC3E}">
-        <p14:creationId xmlns:p14="http://schemas.microsoft.com/office/powerpoint/2010/main" val="53000225"/>
+        <p14:creationId xmlns:p14="http://schemas.microsoft.com/office/powerpoint/2010/main" val="3102633040"/>
       </p:ext>
     </p:extLst>
   </p:cSld>
@@ -1055,7 +1155,7 @@
 </p:sldLayout>
 </file>
 
-<file path=ppt/slideLayouts/slideLayout12.xml><?xml version="1.0" encoding="utf-8"?>
+<file path=ppt/slideLayouts/slideLayout11.xml><?xml version="1.0" encoding="utf-8"?>
 <p:sldLayout xmlns:a="http://schemas.openxmlformats.org/drawingml/2006/main" xmlns:r="http://schemas.openxmlformats.org/officeDocument/2006/relationships" xmlns:p="http://schemas.openxmlformats.org/presentationml/2006/main" preserve="1">
   <p:cSld name="Quote with Caption">
     <p:spTree>
@@ -1084,8 +1184,8 @@
         </p:nvSpPr>
         <p:spPr>
           <a:xfrm>
-            <a:off x="1141411" y="685800"/>
-            <a:ext cx="9144001" cy="2743200"/>
+            <a:off x="931334" y="609600"/>
+            <a:ext cx="8094134" cy="3022600"/>
           </a:xfrm>
         </p:spPr>
         <p:txBody>
@@ -1094,11 +1194,7 @@
           </a:bodyPr>
           <a:lstStyle>
             <a:lvl1pPr algn="l">
-              <a:defRPr sz="3200" b="0" cap="all">
-                <a:solidFill>
-                  <a:schemeClr val="tx1"/>
-                </a:solidFill>
-              </a:defRPr>
+              <a:defRPr sz="4400" b="0" cap="none"/>
             </a:lvl1pPr>
           </a:lstStyle>
           <a:p>
@@ -1112,7 +1208,7 @@
       </p:sp>
       <p:sp>
         <p:nvSpPr>
-          <p:cNvPr id="10" name="Text Placeholder 9"/>
+          <p:cNvPr id="23" name="Text Placeholder 9"/>
           <p:cNvSpPr>
             <a:spLocks noGrp="1"/>
           </p:cNvSpPr>
@@ -1122,17 +1218,26 @@
         </p:nvSpPr>
         <p:spPr>
           <a:xfrm>
-            <a:off x="1446212" y="3429000"/>
-            <a:ext cx="8534400" cy="381000"/>
+            <a:off x="1366139" y="3632200"/>
+            <a:ext cx="7224524" cy="381000"/>
           </a:xfrm>
         </p:spPr>
         <p:txBody>
-          <a:bodyPr anchor="ctr"/>
+          <a:bodyPr anchor="ctr">
+            <a:noAutofit/>
+          </a:bodyPr>
           <a:lstStyle>
             <a:lvl1pPr marL="0" indent="0">
               <a:buFontTx/>
               <a:buNone/>
-              <a:defRPr/>
+              <a:defRPr sz="1600">
+                <a:solidFill>
+                  <a:schemeClr val="tx1">
+                    <a:lumMod val="50000"/>
+                    <a:lumOff val="50000"/>
+                  </a:schemeClr>
+                </a:solidFill>
+              </a:defRPr>
             </a:lvl1pPr>
             <a:lvl2pPr marL="457200" indent="0">
               <a:buFontTx/>
@@ -1176,8 +1281,8 @@
         </p:nvSpPr>
         <p:spPr>
           <a:xfrm>
-            <a:off x="684213" y="4301067"/>
-            <a:ext cx="8534400" cy="1684865"/>
+            <a:off x="677335" y="4470400"/>
+            <a:ext cx="8596668" cy="1570962"/>
           </a:xfrm>
         </p:spPr>
         <p:txBody>
@@ -1187,10 +1292,11 @@
           <a:lstStyle>
             <a:lvl1pPr marL="0" indent="0" algn="l">
               <a:buNone/>
-              <a:defRPr sz="2000">
+              <a:defRPr sz="1800">
                 <a:solidFill>
-                  <a:schemeClr val="bg2">
+                  <a:schemeClr val="tx1">
                     <a:lumMod val="75000"/>
+                    <a:lumOff val="25000"/>
                   </a:schemeClr>
                 </a:solidFill>
               </a:defRPr>
@@ -1302,7 +1408,7 @@
           <a:p>
             <a:fld id="{4301CC33-C1E3-43D5-954C-D3879CCC99B6}" type="datetimeFigureOut">
               <a:rPr lang="en-IN" smtClean="0"/>
-              <a:t>08-05-2022</a:t>
+              <a:t>11-05-2022</a:t>
             </a:fld>
             <a:endParaRPr lang="en-IN"/>
           </a:p>
@@ -1352,13 +1458,13 @@
       </p:sp>
       <p:sp>
         <p:nvSpPr>
-          <p:cNvPr id="14" name="TextBox 13"/>
+          <p:cNvPr id="20" name="TextBox 19"/>
           <p:cNvSpPr txBox="1"/>
           <p:nvPr/>
         </p:nvSpPr>
         <p:spPr>
           <a:xfrm>
-            <a:off x="531812" y="812222"/>
+            <a:off x="541870" y="790378"/>
             <a:ext cx="609600" cy="584776"/>
           </a:xfrm>
           <a:prstGeom prst="rect">
@@ -1373,11 +1479,18 @@
           <a:p>
             <a:pPr lvl="0"/>
             <a:r>
-              <a:rPr lang="en-US" sz="8000" dirty="0">
+              <a:rPr lang="en-US" sz="8000" baseline="0" dirty="0">
+                <a:ln w="3175" cmpd="sng">
+                  <a:noFill/>
+                </a:ln>
                 <a:solidFill>
-                  <a:schemeClr val="tx1"/>
+                  <a:schemeClr val="accent1">
+                    <a:lumMod val="60000"/>
+                    <a:lumOff val="40000"/>
+                  </a:schemeClr>
                 </a:solidFill>
                 <a:effectLst/>
+                <a:latin typeface="Arial"/>
               </a:rPr>
               <a:t>“</a:t>
             </a:r>
@@ -1386,13 +1499,13 @@
       </p:sp>
       <p:sp>
         <p:nvSpPr>
-          <p:cNvPr id="15" name="TextBox 14"/>
+          <p:cNvPr id="22" name="TextBox 21"/>
           <p:cNvSpPr txBox="1"/>
           <p:nvPr/>
         </p:nvSpPr>
         <p:spPr>
           <a:xfrm>
-            <a:off x="10285412" y="2768601"/>
+            <a:off x="8893011" y="2886556"/>
             <a:ext cx="609600" cy="584776"/>
           </a:xfrm>
           <a:prstGeom prst="rect">
@@ -1405,23 +1518,38 @@
           </a:bodyPr>
           <a:lstStyle/>
           <a:p>
-            <a:pPr lvl="0" algn="r"/>
-            <a:r>
-              <a:rPr lang="en-US" sz="8000" dirty="0">
+            <a:pPr lvl="0"/>
+            <a:r>
+              <a:rPr lang="en-US" sz="8000" baseline="0" dirty="0">
+                <a:ln w="3175" cmpd="sng">
+                  <a:noFill/>
+                </a:ln>
                 <a:solidFill>
-                  <a:schemeClr val="tx1"/>
+                  <a:schemeClr val="accent1">
+                    <a:lumMod val="60000"/>
+                    <a:lumOff val="40000"/>
+                  </a:schemeClr>
                 </a:solidFill>
-                <a:effectLst/>
+                <a:latin typeface="Arial"/>
               </a:rPr>
               <a:t>”</a:t>
             </a:r>
+            <a:endParaRPr lang="en-US" dirty="0">
+              <a:solidFill>
+                <a:schemeClr val="accent1">
+                  <a:lumMod val="60000"/>
+                  <a:lumOff val="40000"/>
+                </a:schemeClr>
+              </a:solidFill>
+              <a:latin typeface="Arial"/>
+            </a:endParaRPr>
           </a:p>
         </p:txBody>
       </p:sp>
     </p:spTree>
     <p:extLst>
       <p:ext uri="{BB962C8B-B14F-4D97-AF65-F5344CB8AC3E}">
-        <p14:creationId xmlns:p14="http://schemas.microsoft.com/office/powerpoint/2010/main" val="2393446924"/>
+        <p14:creationId xmlns:p14="http://schemas.microsoft.com/office/powerpoint/2010/main" val="1765239765"/>
       </p:ext>
     </p:extLst>
   </p:cSld>
@@ -1431,7 +1559,7 @@
 </p:sldLayout>
 </file>
 
-<file path=ppt/slideLayouts/slideLayout13.xml><?xml version="1.0" encoding="utf-8"?>
+<file path=ppt/slideLayouts/slideLayout12.xml><?xml version="1.0" encoding="utf-8"?>
 <p:sldLayout xmlns:a="http://schemas.openxmlformats.org/drawingml/2006/main" xmlns:r="http://schemas.openxmlformats.org/officeDocument/2006/relationships" xmlns:p="http://schemas.openxmlformats.org/presentationml/2006/main" preserve="1">
   <p:cSld name="Name Card">
     <p:spTree>
@@ -1460,8 +1588,8 @@
         </p:nvSpPr>
         <p:spPr>
           <a:xfrm>
-            <a:off x="684212" y="3429000"/>
-            <a:ext cx="8534400" cy="1697400"/>
+            <a:off x="677335" y="1931988"/>
+            <a:ext cx="8596668" cy="2595460"/>
           </a:xfrm>
         </p:spPr>
         <p:txBody>
@@ -1470,7 +1598,7 @@
           </a:bodyPr>
           <a:lstStyle>
             <a:lvl1pPr algn="l">
-              <a:defRPr sz="3200" b="0" cap="all"/>
+              <a:defRPr sz="4400" b="0" cap="none"/>
             </a:lvl1pPr>
           </a:lstStyle>
           <a:p>
@@ -1494,8 +1622,8 @@
         </p:nvSpPr>
         <p:spPr>
           <a:xfrm>
-            <a:off x="684211" y="5132981"/>
-            <a:ext cx="8535990" cy="860400"/>
+            <a:off x="677335" y="4527448"/>
+            <a:ext cx="8596668" cy="1513914"/>
           </a:xfrm>
         </p:spPr>
         <p:txBody>
@@ -1505,10 +1633,11 @@
           <a:lstStyle>
             <a:lvl1pPr marL="0" indent="0" algn="l">
               <a:buNone/>
-              <a:defRPr sz="2000">
+              <a:defRPr sz="1800">
                 <a:solidFill>
-                  <a:schemeClr val="bg2">
+                  <a:schemeClr val="tx1">
                     <a:lumMod val="75000"/>
+                    <a:lumOff val="25000"/>
                   </a:schemeClr>
                 </a:solidFill>
               </a:defRPr>
@@ -1620,7 +1749,7 @@
           <a:p>
             <a:fld id="{4301CC33-C1E3-43D5-954C-D3879CCC99B6}" type="datetimeFigureOut">
               <a:rPr lang="en-IN" smtClean="0"/>
-              <a:t>08-05-2022</a:t>
+              <a:t>11-05-2022</a:t>
             </a:fld>
             <a:endParaRPr lang="en-IN"/>
           </a:p>
@@ -1671,7 +1800,7 @@
     </p:spTree>
     <p:extLst>
       <p:ext uri="{BB962C8B-B14F-4D97-AF65-F5344CB8AC3E}">
-        <p14:creationId xmlns:p14="http://schemas.microsoft.com/office/powerpoint/2010/main" val="1317892808"/>
+        <p14:creationId xmlns:p14="http://schemas.microsoft.com/office/powerpoint/2010/main" val="3718269581"/>
       </p:ext>
     </p:extLst>
   </p:cSld>
@@ -1681,7 +1810,7 @@
 </p:sldLayout>
 </file>
 
-<file path=ppt/slideLayouts/slideLayout14.xml><?xml version="1.0" encoding="utf-8"?>
+<file path=ppt/slideLayouts/slideLayout13.xml><?xml version="1.0" encoding="utf-8"?>
 <p:sldLayout xmlns:a="http://schemas.openxmlformats.org/drawingml/2006/main" xmlns:r="http://schemas.openxmlformats.org/officeDocument/2006/relationships" xmlns:p="http://schemas.openxmlformats.org/presentationml/2006/main" preserve="1">
   <p:cSld name="Quote Name Card">
     <p:spTree>
@@ -1710,8 +1839,8 @@
         </p:nvSpPr>
         <p:spPr>
           <a:xfrm>
-            <a:off x="1141413" y="685800"/>
-            <a:ext cx="9144000" cy="2743200"/>
+            <a:off x="931334" y="609600"/>
+            <a:ext cx="8094134" cy="3022600"/>
           </a:xfrm>
         </p:spPr>
         <p:txBody>
@@ -1720,84 +1849,95 @@
           </a:bodyPr>
           <a:lstStyle>
             <a:lvl1pPr algn="l">
-              <a:defRPr sz="3200" b="0" cap="all">
+              <a:defRPr sz="4400" b="0" cap="none"/>
+            </a:lvl1pPr>
+          </a:lstStyle>
+          <a:p>
+            <a:r>
+              <a:rPr lang="en-US" smtClean="0"/>
+              <a:t>Click to edit Master title style</a:t>
+            </a:r>
+            <a:endParaRPr lang="en-US" dirty="0"/>
+          </a:p>
+        </p:txBody>
+      </p:sp>
+      <p:sp>
+        <p:nvSpPr>
+          <p:cNvPr id="23" name="Text Placeholder 9"/>
+          <p:cNvSpPr>
+            <a:spLocks noGrp="1"/>
+          </p:cNvSpPr>
+          <p:nvPr>
+            <p:ph type="body" sz="quarter" idx="13"/>
+          </p:nvPr>
+        </p:nvSpPr>
+        <p:spPr>
+          <a:xfrm>
+            <a:off x="677332" y="4013200"/>
+            <a:ext cx="8596669" cy="514248"/>
+          </a:xfrm>
+        </p:spPr>
+        <p:txBody>
+          <a:bodyPr anchor="b">
+            <a:noAutofit/>
+          </a:bodyPr>
+          <a:lstStyle>
+            <a:lvl1pPr marL="0" indent="0">
+              <a:buFontTx/>
+              <a:buNone/>
+              <a:defRPr sz="2400">
                 <a:solidFill>
-                  <a:schemeClr val="tx1"/>
+                  <a:schemeClr val="tx1">
+                    <a:lumMod val="75000"/>
+                    <a:lumOff val="25000"/>
+                  </a:schemeClr>
                 </a:solidFill>
               </a:defRPr>
             </a:lvl1pPr>
+            <a:lvl2pPr marL="457200" indent="0">
+              <a:buFontTx/>
+              <a:buNone/>
+              <a:defRPr/>
+            </a:lvl2pPr>
+            <a:lvl3pPr marL="914400" indent="0">
+              <a:buFontTx/>
+              <a:buNone/>
+              <a:defRPr/>
+            </a:lvl3pPr>
+            <a:lvl4pPr marL="1371600" indent="0">
+              <a:buFontTx/>
+              <a:buNone/>
+              <a:defRPr/>
+            </a:lvl4pPr>
+            <a:lvl5pPr marL="1828800" indent="0">
+              <a:buFontTx/>
+              <a:buNone/>
+              <a:defRPr/>
+            </a:lvl5pPr>
           </a:lstStyle>
           <a:p>
+            <a:pPr lvl="0"/>
             <a:r>
               <a:rPr lang="en-US" smtClean="0"/>
-              <a:t>Click to edit Master title style</a:t>
-            </a:r>
-            <a:endParaRPr lang="en-US" dirty="0"/>
-          </a:p>
-        </p:txBody>
-      </p:sp>
-      <p:sp>
-        <p:nvSpPr>
-          <p:cNvPr id="10" name="Text Placeholder 9"/>
-          <p:cNvSpPr>
-            <a:spLocks noGrp="1"/>
-          </p:cNvSpPr>
-          <p:nvPr>
-            <p:ph type="body" sz="quarter" idx="13"/>
+              <a:t>Click to edit Master text styles</a:t>
+            </a:r>
+          </a:p>
+        </p:txBody>
+      </p:sp>
+      <p:sp>
+        <p:nvSpPr>
+          <p:cNvPr id="3" name="Text Placeholder 2"/>
+          <p:cNvSpPr>
+            <a:spLocks noGrp="1"/>
+          </p:cNvSpPr>
+          <p:nvPr>
+            <p:ph type="body" idx="1"/>
           </p:nvPr>
         </p:nvSpPr>
         <p:spPr>
           <a:xfrm>
-            <a:off x="684212" y="3928534"/>
-            <a:ext cx="8534401" cy="1049866"/>
-          </a:xfrm>
-        </p:spPr>
-        <p:txBody>
-          <a:bodyPr vert="horz" lIns="91440" tIns="45720" rIns="91440" bIns="45720" rtlCol="0" anchor="b">
-            <a:normAutofit/>
-          </a:bodyPr>
-          <a:lstStyle>
-            <a:lvl1pPr>
-              <a:buNone/>
-              <a:defRPr lang="en-US" sz="2400" b="0" cap="all" dirty="0">
-                <a:ln w="3175" cmpd="sng">
-                  <a:noFill/>
-                </a:ln>
-                <a:solidFill>
-                  <a:schemeClr val="tx1"/>
-                </a:solidFill>
-                <a:effectLst/>
-              </a:defRPr>
-            </a:lvl1pPr>
-          </a:lstStyle>
-          <a:p>
-            <a:pPr marL="0" lvl="0">
-              <a:spcBef>
-                <a:spcPct val="0"/>
-              </a:spcBef>
-              <a:buNone/>
-            </a:pPr>
-            <a:r>
-              <a:rPr lang="en-US" smtClean="0"/>
-              <a:t>Click to edit Master text styles</a:t>
-            </a:r>
-          </a:p>
-        </p:txBody>
-      </p:sp>
-      <p:sp>
-        <p:nvSpPr>
-          <p:cNvPr id="3" name="Text Placeholder 2"/>
-          <p:cNvSpPr>
-            <a:spLocks noGrp="1"/>
-          </p:cNvSpPr>
-          <p:nvPr>
-            <p:ph type="body" idx="1"/>
-          </p:nvPr>
-        </p:nvSpPr>
-        <p:spPr>
-          <a:xfrm>
-            <a:off x="684211" y="4978400"/>
-            <a:ext cx="8534401" cy="1016000"/>
+            <a:off x="677335" y="4527448"/>
+            <a:ext cx="8596668" cy="1513914"/>
           </a:xfrm>
         </p:spPr>
         <p:txBody>
@@ -1809,8 +1949,9 @@
               <a:buNone/>
               <a:defRPr sz="1800">
                 <a:solidFill>
-                  <a:schemeClr val="bg2">
-                    <a:lumMod val="75000"/>
+                  <a:schemeClr val="tx1">
+                    <a:lumMod val="50000"/>
+                    <a:lumOff val="50000"/>
                   </a:schemeClr>
                 </a:solidFill>
               </a:defRPr>
@@ -1922,7 +2063,7 @@
           <a:p>
             <a:fld id="{4301CC33-C1E3-43D5-954C-D3879CCC99B6}" type="datetimeFigureOut">
               <a:rPr lang="en-IN" smtClean="0"/>
-              <a:t>08-05-2022</a:t>
+              <a:t>11-05-2022</a:t>
             </a:fld>
             <a:endParaRPr lang="en-IN"/>
           </a:p>
@@ -1972,13 +2113,13 @@
       </p:sp>
       <p:sp>
         <p:nvSpPr>
-          <p:cNvPr id="11" name="TextBox 10"/>
+          <p:cNvPr id="24" name="TextBox 23"/>
           <p:cNvSpPr txBox="1"/>
           <p:nvPr/>
         </p:nvSpPr>
         <p:spPr>
           <a:xfrm>
-            <a:off x="531812" y="812222"/>
+            <a:off x="541870" y="790378"/>
             <a:ext cx="609600" cy="584776"/>
           </a:xfrm>
           <a:prstGeom prst="rect">
@@ -1993,11 +2134,18 @@
           <a:p>
             <a:pPr lvl="0"/>
             <a:r>
-              <a:rPr lang="en-US" sz="8000" dirty="0">
+              <a:rPr lang="en-US" sz="8000" baseline="0" dirty="0">
+                <a:ln w="3175" cmpd="sng">
+                  <a:noFill/>
+                </a:ln>
                 <a:solidFill>
-                  <a:schemeClr val="tx1"/>
+                  <a:schemeClr val="accent1">
+                    <a:lumMod val="60000"/>
+                    <a:lumOff val="40000"/>
+                  </a:schemeClr>
                 </a:solidFill>
                 <a:effectLst/>
+                <a:latin typeface="Arial"/>
               </a:rPr>
               <a:t>“</a:t>
             </a:r>
@@ -2006,13 +2154,13 @@
       </p:sp>
       <p:sp>
         <p:nvSpPr>
-          <p:cNvPr id="12" name="TextBox 11"/>
+          <p:cNvPr id="25" name="TextBox 24"/>
           <p:cNvSpPr txBox="1"/>
           <p:nvPr/>
         </p:nvSpPr>
         <p:spPr>
           <a:xfrm>
-            <a:off x="10285412" y="2768601"/>
+            <a:off x="8893011" y="2886556"/>
             <a:ext cx="609600" cy="584776"/>
           </a:xfrm>
           <a:prstGeom prst="rect">
@@ -2025,13 +2173,20 @@
           </a:bodyPr>
           <a:lstStyle/>
           <a:p>
-            <a:pPr lvl="0" algn="r"/>
-            <a:r>
-              <a:rPr lang="en-US" sz="8000" dirty="0">
+            <a:pPr lvl="0"/>
+            <a:r>
+              <a:rPr lang="en-US" sz="8000" baseline="0" dirty="0">
+                <a:ln w="3175" cmpd="sng">
+                  <a:noFill/>
+                </a:ln>
                 <a:solidFill>
-                  <a:schemeClr val="tx1"/>
+                  <a:schemeClr val="accent1">
+                    <a:lumMod val="60000"/>
+                    <a:lumOff val="40000"/>
+                  </a:schemeClr>
                 </a:solidFill>
                 <a:effectLst/>
+                <a:latin typeface="Arial"/>
               </a:rPr>
               <a:t>”</a:t>
             </a:r>
@@ -2041,7 +2196,7 @@
     </p:spTree>
     <p:extLst>
       <p:ext uri="{BB962C8B-B14F-4D97-AF65-F5344CB8AC3E}">
-        <p14:creationId xmlns:p14="http://schemas.microsoft.com/office/powerpoint/2010/main" val="3125603037"/>
+        <p14:creationId xmlns:p14="http://schemas.microsoft.com/office/powerpoint/2010/main" val="3291412122"/>
       </p:ext>
     </p:extLst>
   </p:cSld>
@@ -2051,7 +2206,7 @@
 </p:sldLayout>
 </file>
 
-<file path=ppt/slideLayouts/slideLayout15.xml><?xml version="1.0" encoding="utf-8"?>
+<file path=ppt/slideLayouts/slideLayout14.xml><?xml version="1.0" encoding="utf-8"?>
 <p:sldLayout xmlns:a="http://schemas.openxmlformats.org/drawingml/2006/main" xmlns:r="http://schemas.openxmlformats.org/officeDocument/2006/relationships" xmlns:p="http://schemas.openxmlformats.org/presentationml/2006/main" preserve="1">
   <p:cSld name="True or False">
     <p:spTree>
@@ -2080,21 +2235,20 @@
         </p:nvSpPr>
         <p:spPr>
           <a:xfrm>
-            <a:off x="684213" y="685800"/>
-            <a:ext cx="10058400" cy="2743200"/>
+            <a:off x="685799" y="609600"/>
+            <a:ext cx="8588203" cy="3022600"/>
           </a:xfrm>
         </p:spPr>
         <p:txBody>
-          <a:bodyPr vert="horz" lIns="91440" tIns="45720" rIns="91440" bIns="45720" rtlCol="0" anchor="ctr">
+          <a:bodyPr anchor="ctr">
             <a:normAutofit/>
           </a:bodyPr>
           <a:lstStyle>
-            <a:lvl1pPr>
-              <a:defRPr lang="en-US" b="0" dirty="0"/>
+            <a:lvl1pPr algn="l">
+              <a:defRPr sz="4400" b="0" cap="none"/>
             </a:lvl1pPr>
           </a:lstStyle>
           <a:p>
-            <a:pPr marL="0" lvl="0"/>
             <a:r>
               <a:rPr lang="en-US" smtClean="0"/>
               <a:t>Click to edit Master title style</a:t>
@@ -2105,7 +2259,7 @@
       </p:sp>
       <p:sp>
         <p:nvSpPr>
-          <p:cNvPr id="10" name="Text Placeholder 9"/>
+          <p:cNvPr id="23" name="Text Placeholder 9"/>
           <p:cNvSpPr>
             <a:spLocks noGrp="1"/>
           </p:cNvSpPr>
@@ -2115,35 +2269,47 @@
         </p:nvSpPr>
         <p:spPr>
           <a:xfrm>
-            <a:off x="684212" y="3928534"/>
-            <a:ext cx="8534400" cy="838200"/>
+            <a:off x="677332" y="4013200"/>
+            <a:ext cx="8596669" cy="514248"/>
           </a:xfrm>
         </p:spPr>
         <p:txBody>
-          <a:bodyPr vert="horz" lIns="91440" tIns="45720" rIns="91440" bIns="45720" rtlCol="0" anchor="b">
-            <a:normAutofit/>
+          <a:bodyPr anchor="b">
+            <a:noAutofit/>
           </a:bodyPr>
           <a:lstStyle>
-            <a:lvl1pPr>
-              <a:buNone/>
-              <a:defRPr lang="en-US" sz="2400" b="0" cap="all" dirty="0">
-                <a:ln w="3175" cmpd="sng">
-                  <a:noFill/>
-                </a:ln>
+            <a:lvl1pPr marL="0" indent="0">
+              <a:buFontTx/>
+              <a:buNone/>
+              <a:defRPr sz="2400">
                 <a:solidFill>
-                  <a:schemeClr val="tx1"/>
+                  <a:schemeClr val="accent1"/>
                 </a:solidFill>
-                <a:effectLst/>
               </a:defRPr>
             </a:lvl1pPr>
+            <a:lvl2pPr marL="457200" indent="0">
+              <a:buFontTx/>
+              <a:buNone/>
+              <a:defRPr/>
+            </a:lvl2pPr>
+            <a:lvl3pPr marL="914400" indent="0">
+              <a:buFontTx/>
+              <a:buNone/>
+              <a:defRPr/>
+            </a:lvl3pPr>
+            <a:lvl4pPr marL="1371600" indent="0">
+              <a:buFontTx/>
+              <a:buNone/>
+              <a:defRPr/>
+            </a:lvl4pPr>
+            <a:lvl5pPr marL="1828800" indent="0">
+              <a:buFontTx/>
+              <a:buNone/>
+              <a:defRPr/>
+            </a:lvl5pPr>
           </a:lstStyle>
           <a:p>
-            <a:pPr marL="0" lvl="0">
-              <a:spcBef>
-                <a:spcPct val="0"/>
-              </a:spcBef>
-              <a:buNone/>
-            </a:pPr>
+            <a:pPr lvl="0"/>
             <a:r>
               <a:rPr lang="en-US" smtClean="0"/>
               <a:t>Click to edit Master text styles</a:t>
@@ -2163,8 +2329,8 @@
         </p:nvSpPr>
         <p:spPr>
           <a:xfrm>
-            <a:off x="684211" y="4766732"/>
-            <a:ext cx="8534401" cy="1227667"/>
+            <a:off x="677335" y="4527448"/>
+            <a:ext cx="8596668" cy="1513914"/>
           </a:xfrm>
         </p:spPr>
         <p:txBody>
@@ -2176,8 +2342,9 @@
               <a:buNone/>
               <a:defRPr sz="1800">
                 <a:solidFill>
-                  <a:schemeClr val="bg2">
-                    <a:lumMod val="75000"/>
+                  <a:schemeClr val="tx1">
+                    <a:lumMod val="50000"/>
+                    <a:lumOff val="50000"/>
                   </a:schemeClr>
                 </a:solidFill>
               </a:defRPr>
@@ -2289,7 +2456,7 @@
           <a:p>
             <a:fld id="{4301CC33-C1E3-43D5-954C-D3879CCC99B6}" type="datetimeFigureOut">
               <a:rPr lang="en-IN" smtClean="0"/>
-              <a:t>08-05-2022</a:t>
+              <a:t>11-05-2022</a:t>
             </a:fld>
             <a:endParaRPr lang="en-IN"/>
           </a:p>
@@ -2340,7 +2507,7 @@
     </p:spTree>
     <p:extLst>
       <p:ext uri="{BB962C8B-B14F-4D97-AF65-F5344CB8AC3E}">
-        <p14:creationId xmlns:p14="http://schemas.microsoft.com/office/powerpoint/2010/main" val="2921048745"/>
+        <p14:creationId xmlns:p14="http://schemas.microsoft.com/office/powerpoint/2010/main" val="2612070348"/>
       </p:ext>
     </p:extLst>
   </p:cSld>
@@ -2350,7 +2517,7 @@
 </p:sldLayout>
 </file>
 
-<file path=ppt/slideLayouts/slideLayout16.xml><?xml version="1.0" encoding="utf-8"?>
+<file path=ppt/slideLayouts/slideLayout15.xml><?xml version="1.0" encoding="utf-8"?>
 <p:sldLayout xmlns:a="http://schemas.openxmlformats.org/drawingml/2006/main" xmlns:r="http://schemas.openxmlformats.org/officeDocument/2006/relationships" xmlns:p="http://schemas.openxmlformats.org/presentationml/2006/main" type="vertTx" preserve="1">
   <p:cSld name="Title and Vertical Text">
     <p:spTree>
@@ -2380,11 +2547,7 @@
         <p:spPr/>
         <p:txBody>
           <a:bodyPr/>
-          <a:lstStyle>
-            <a:lvl1pPr algn="l">
-              <a:defRPr/>
-            </a:lvl1pPr>
-          </a:lstStyle>
+          <a:lstStyle/>
           <a:p>
             <a:r>
               <a:rPr lang="en-US" smtClean="0"/>
@@ -2406,7 +2569,7 @@
         </p:nvSpPr>
         <p:spPr/>
         <p:txBody>
-          <a:bodyPr vert="eaVert" anchor="t"/>
+          <a:bodyPr vert="eaVert"/>
           <a:lstStyle/>
           <a:p>
             <a:pPr lvl="0"/>
@@ -2463,7 +2626,7 @@
           <a:p>
             <a:fld id="{4301CC33-C1E3-43D5-954C-D3879CCC99B6}" type="datetimeFigureOut">
               <a:rPr lang="en-IN" smtClean="0"/>
-              <a:t>08-05-2022</a:t>
+              <a:t>11-05-2022</a:t>
             </a:fld>
             <a:endParaRPr lang="en-IN"/>
           </a:p>
@@ -2514,7 +2677,7 @@
     </p:spTree>
     <p:extLst>
       <p:ext uri="{BB962C8B-B14F-4D97-AF65-F5344CB8AC3E}">
-        <p14:creationId xmlns:p14="http://schemas.microsoft.com/office/powerpoint/2010/main" val="1246303957"/>
+        <p14:creationId xmlns:p14="http://schemas.microsoft.com/office/powerpoint/2010/main" val="3231094873"/>
       </p:ext>
     </p:extLst>
   </p:cSld>
@@ -2524,7 +2687,7 @@
 </p:sldLayout>
 </file>
 
-<file path=ppt/slideLayouts/slideLayout17.xml><?xml version="1.0" encoding="utf-8"?>
+<file path=ppt/slideLayouts/slideLayout16.xml><?xml version="1.0" encoding="utf-8"?>
 <p:sldLayout xmlns:a="http://schemas.openxmlformats.org/drawingml/2006/main" xmlns:r="http://schemas.openxmlformats.org/officeDocument/2006/relationships" xmlns:p="http://schemas.openxmlformats.org/presentationml/2006/main" type="vertTitleAndTx" preserve="1">
   <p:cSld name="Vertical Title and Text">
     <p:spTree>
@@ -2553,42 +2716,42 @@
         </p:nvSpPr>
         <p:spPr>
           <a:xfrm>
-            <a:off x="8685212" y="685800"/>
-            <a:ext cx="2057400" cy="4572000"/>
+            <a:off x="7967673" y="609599"/>
+            <a:ext cx="1304743" cy="5251451"/>
           </a:xfrm>
         </p:spPr>
         <p:txBody>
+          <a:bodyPr vert="eaVert" anchor="ctr"/>
+          <a:lstStyle/>
+          <a:p>
+            <a:r>
+              <a:rPr lang="en-US" smtClean="0"/>
+              <a:t>Click to edit Master title style</a:t>
+            </a:r>
+            <a:endParaRPr lang="en-US" dirty="0"/>
+          </a:p>
+        </p:txBody>
+      </p:sp>
+      <p:sp>
+        <p:nvSpPr>
+          <p:cNvPr id="3" name="Vertical Text Placeholder 2"/>
+          <p:cNvSpPr>
+            <a:spLocks noGrp="1"/>
+          </p:cNvSpPr>
+          <p:nvPr>
+            <p:ph type="body" orient="vert" idx="1"/>
+          </p:nvPr>
+        </p:nvSpPr>
+        <p:spPr>
+          <a:xfrm>
+            <a:off x="677335" y="609600"/>
+            <a:ext cx="7060150" cy="5251450"/>
+          </a:xfrm>
+        </p:spPr>
+        <p:txBody>
           <a:bodyPr vert="eaVert"/>
           <a:lstStyle/>
           <a:p>
-            <a:r>
-              <a:rPr lang="en-US" smtClean="0"/>
-              <a:t>Click to edit Master title style</a:t>
-            </a:r>
-            <a:endParaRPr lang="en-US" dirty="0"/>
-          </a:p>
-        </p:txBody>
-      </p:sp>
-      <p:sp>
-        <p:nvSpPr>
-          <p:cNvPr id="3" name="Vertical Text Placeholder 2"/>
-          <p:cNvSpPr>
-            <a:spLocks noGrp="1"/>
-          </p:cNvSpPr>
-          <p:nvPr>
-            <p:ph type="body" orient="vert" idx="1"/>
-          </p:nvPr>
-        </p:nvSpPr>
-        <p:spPr>
-          <a:xfrm>
-            <a:off x="685800" y="685800"/>
-            <a:ext cx="7823200" cy="5308600"/>
-          </a:xfrm>
-        </p:spPr>
-        <p:txBody>
-          <a:bodyPr vert="eaVert" anchor="t"/>
-          <a:lstStyle/>
-          <a:p>
             <a:pPr lvl="0"/>
             <a:r>
               <a:rPr lang="en-US" smtClean="0"/>
@@ -2643,7 +2806,7 @@
           <a:p>
             <a:fld id="{4301CC33-C1E3-43D5-954C-D3879CCC99B6}" type="datetimeFigureOut">
               <a:rPr lang="en-IN" smtClean="0"/>
-              <a:t>08-05-2022</a:t>
+              <a:t>11-05-2022</a:t>
             </a:fld>
             <a:endParaRPr lang="en-IN"/>
           </a:p>
@@ -2694,7 +2857,7 @@
     </p:spTree>
     <p:extLst>
       <p:ext uri="{BB962C8B-B14F-4D97-AF65-F5344CB8AC3E}">
-        <p14:creationId xmlns:p14="http://schemas.microsoft.com/office/powerpoint/2010/main" val="4265233967"/>
+        <p14:creationId xmlns:p14="http://schemas.microsoft.com/office/powerpoint/2010/main" val="1034500831"/>
       </p:ext>
     </p:extLst>
   </p:cSld>
@@ -2733,32 +2896,38 @@
         </p:nvSpPr>
         <p:spPr/>
         <p:txBody>
+          <a:bodyPr>
+            <a:normAutofit/>
+          </a:bodyPr>
+          <a:lstStyle>
+            <a:lvl1pPr>
+              <a:defRPr sz="3600"/>
+            </a:lvl1pPr>
+          </a:lstStyle>
+          <a:p>
+            <a:r>
+              <a:rPr lang="en-US" smtClean="0"/>
+              <a:t>Click to edit Master title style</a:t>
+            </a:r>
+            <a:endParaRPr lang="en-US" dirty="0"/>
+          </a:p>
+        </p:txBody>
+      </p:sp>
+      <p:sp>
+        <p:nvSpPr>
+          <p:cNvPr id="3" name="Content Placeholder 2"/>
+          <p:cNvSpPr>
+            <a:spLocks noGrp="1"/>
+          </p:cNvSpPr>
+          <p:nvPr>
+            <p:ph idx="1"/>
+          </p:nvPr>
+        </p:nvSpPr>
+        <p:spPr/>
+        <p:txBody>
           <a:bodyPr/>
           <a:lstStyle/>
           <a:p>
-            <a:r>
-              <a:rPr lang="en-US" smtClean="0"/>
-              <a:t>Click to edit Master title style</a:t>
-            </a:r>
-            <a:endParaRPr lang="en-US" dirty="0"/>
-          </a:p>
-        </p:txBody>
-      </p:sp>
-      <p:sp>
-        <p:nvSpPr>
-          <p:cNvPr id="3" name="Content Placeholder 2"/>
-          <p:cNvSpPr>
-            <a:spLocks noGrp="1"/>
-          </p:cNvSpPr>
-          <p:nvPr>
-            <p:ph idx="1"/>
-          </p:nvPr>
-        </p:nvSpPr>
-        <p:spPr/>
-        <p:txBody>
-          <a:bodyPr anchor="ctr"/>
-          <a:lstStyle/>
-          <a:p>
             <a:pPr lvl="0"/>
             <a:r>
               <a:rPr lang="en-US" smtClean="0"/>
@@ -2813,7 +2982,7 @@
           <a:p>
             <a:fld id="{4301CC33-C1E3-43D5-954C-D3879CCC99B6}" type="datetimeFigureOut">
               <a:rPr lang="en-IN" smtClean="0"/>
-              <a:t>08-05-2022</a:t>
+              <a:t>11-05-2022</a:t>
             </a:fld>
             <a:endParaRPr lang="en-IN"/>
           </a:p>
@@ -2864,7 +3033,7 @@
     </p:spTree>
     <p:extLst>
       <p:ext uri="{BB962C8B-B14F-4D97-AF65-F5344CB8AC3E}">
-        <p14:creationId xmlns:p14="http://schemas.microsoft.com/office/powerpoint/2010/main" val="1213202461"/>
+        <p14:creationId xmlns:p14="http://schemas.microsoft.com/office/powerpoint/2010/main" val="3322209063"/>
       </p:ext>
     </p:extLst>
   </p:cSld>
@@ -2903,17 +3072,15 @@
         </p:nvSpPr>
         <p:spPr>
           <a:xfrm>
-            <a:off x="684211" y="2006600"/>
-            <a:ext cx="8534401" cy="2281600"/>
+            <a:off x="677335" y="2700867"/>
+            <a:ext cx="8596668" cy="1826581"/>
           </a:xfrm>
         </p:spPr>
         <p:txBody>
-          <a:bodyPr anchor="b">
-            <a:normAutofit/>
-          </a:bodyPr>
+          <a:bodyPr anchor="b"/>
           <a:lstStyle>
             <a:lvl1pPr algn="l">
-              <a:defRPr sz="3600" b="0" cap="all"/>
+              <a:defRPr sz="4000" b="0" cap="none"/>
             </a:lvl1pPr>
           </a:lstStyle>
           <a:p>
@@ -2937,21 +3104,20 @@
         </p:nvSpPr>
         <p:spPr>
           <a:xfrm>
-            <a:off x="684213" y="4495800"/>
-            <a:ext cx="8534400" cy="1498600"/>
+            <a:off x="677335" y="4527448"/>
+            <a:ext cx="8596668" cy="860400"/>
           </a:xfrm>
         </p:spPr>
         <p:txBody>
-          <a:bodyPr anchor="t">
-            <a:normAutofit/>
-          </a:bodyPr>
+          <a:bodyPr anchor="t"/>
           <a:lstStyle>
             <a:lvl1pPr marL="0" indent="0" algn="l">
               <a:buNone/>
-              <a:defRPr sz="1800">
+              <a:defRPr sz="2000">
                 <a:solidFill>
-                  <a:schemeClr val="bg2">
-                    <a:lumMod val="75000"/>
+                  <a:schemeClr val="tx1">
+                    <a:lumMod val="50000"/>
+                    <a:lumOff val="50000"/>
                   </a:schemeClr>
                 </a:solidFill>
               </a:defRPr>
@@ -3063,7 +3229,7 @@
           <a:p>
             <a:fld id="{4301CC33-C1E3-43D5-954C-D3879CCC99B6}" type="datetimeFigureOut">
               <a:rPr lang="en-IN" smtClean="0"/>
-              <a:t>08-05-2022</a:t>
+              <a:t>11-05-2022</a:t>
             </a:fld>
             <a:endParaRPr lang="en-IN"/>
           </a:p>
@@ -3114,7 +3280,7 @@
     </p:spTree>
     <p:extLst>
       <p:ext uri="{BB962C8B-B14F-4D97-AF65-F5344CB8AC3E}">
-        <p14:creationId xmlns:p14="http://schemas.microsoft.com/office/powerpoint/2010/main" val="2845523513"/>
+        <p14:creationId xmlns:p14="http://schemas.microsoft.com/office/powerpoint/2010/main" val="4141915920"/>
       </p:ext>
     </p:extLst>
   </p:cSld>
@@ -3176,14 +3342,12 @@
         </p:nvSpPr>
         <p:spPr>
           <a:xfrm>
-            <a:off x="684211" y="685800"/>
-            <a:ext cx="4937655" cy="3615267"/>
+            <a:off x="677334" y="2160589"/>
+            <a:ext cx="4184035" cy="3880772"/>
           </a:xfrm>
         </p:spPr>
         <p:txBody>
-          <a:bodyPr>
-            <a:normAutofit/>
-          </a:bodyPr>
+          <a:bodyPr/>
           <a:lstStyle/>
           <a:p>
             <a:pPr lvl="0"/>
@@ -3235,14 +3399,12 @@
         </p:nvSpPr>
         <p:spPr>
           <a:xfrm>
-            <a:off x="5808133" y="685801"/>
-            <a:ext cx="4934479" cy="3615266"/>
+            <a:off x="5089970" y="2160589"/>
+            <a:ext cx="4184034" cy="3880773"/>
           </a:xfrm>
         </p:spPr>
         <p:txBody>
-          <a:bodyPr>
-            <a:normAutofit/>
-          </a:bodyPr>
+          <a:bodyPr/>
           <a:lstStyle/>
           <a:p>
             <a:pPr lvl="0"/>
@@ -3299,7 +3461,7 @@
           <a:p>
             <a:fld id="{4301CC33-C1E3-43D5-954C-D3879CCC99B6}" type="datetimeFigureOut">
               <a:rPr lang="en-IN" smtClean="0"/>
-              <a:t>08-05-2022</a:t>
+              <a:t>11-05-2022</a:t>
             </a:fld>
             <a:endParaRPr lang="en-IN"/>
           </a:p>
@@ -3350,7 +3512,7 @@
     </p:spTree>
     <p:extLst>
       <p:ext uri="{BB962C8B-B14F-4D97-AF65-F5344CB8AC3E}">
-        <p14:creationId xmlns:p14="http://schemas.microsoft.com/office/powerpoint/2010/main" val="3797491097"/>
+        <p14:creationId xmlns:p14="http://schemas.microsoft.com/office/powerpoint/2010/main" val="2736293925"/>
       </p:ext>
     </p:extLst>
   </p:cSld>
@@ -3416,8 +3578,8 @@
         </p:nvSpPr>
         <p:spPr>
           <a:xfrm>
-            <a:off x="972080" y="685800"/>
-            <a:ext cx="4649787" cy="576262"/>
+            <a:off x="675745" y="2160983"/>
+            <a:ext cx="4185623" cy="576262"/>
           </a:xfrm>
         </p:spPr>
         <p:txBody>
@@ -3427,11 +3589,7 @@
           <a:lstStyle>
             <a:lvl1pPr marL="0" indent="0">
               <a:buNone/>
-              <a:defRPr sz="2800" b="0">
-                <a:solidFill>
-                  <a:schemeClr val="tx1"/>
-                </a:solidFill>
-              </a:defRPr>
+              <a:defRPr sz="2400" b="0"/>
             </a:lvl1pPr>
             <a:lvl2pPr marL="457200" indent="0">
               <a:buNone/>
@@ -3487,12 +3645,12 @@
         </p:nvSpPr>
         <p:spPr>
           <a:xfrm>
-            <a:off x="684211" y="1270529"/>
-            <a:ext cx="4937655" cy="3030538"/>
+            <a:off x="675745" y="2737245"/>
+            <a:ext cx="4185623" cy="3304117"/>
           </a:xfrm>
         </p:spPr>
         <p:txBody>
-          <a:bodyPr anchor="t">
+          <a:bodyPr>
             <a:normAutofit/>
           </a:bodyPr>
           <a:lstStyle/>
@@ -3546,8 +3704,8 @@
         </p:nvSpPr>
         <p:spPr>
           <a:xfrm>
-            <a:off x="6079066" y="685800"/>
-            <a:ext cx="4665134" cy="576262"/>
+            <a:off x="5088383" y="2160983"/>
+            <a:ext cx="4185618" cy="576262"/>
           </a:xfrm>
         </p:spPr>
         <p:txBody>
@@ -3557,11 +3715,7 @@
           <a:lstStyle>
             <a:lvl1pPr marL="0" indent="0">
               <a:buNone/>
-              <a:defRPr sz="2800" b="0">
-                <a:solidFill>
-                  <a:schemeClr val="tx1"/>
-                </a:solidFill>
-              </a:defRPr>
+              <a:defRPr sz="2400" b="0"/>
             </a:lvl1pPr>
             <a:lvl2pPr marL="457200" indent="0">
               <a:buNone/>
@@ -3617,12 +3771,12 @@
         </p:nvSpPr>
         <p:spPr>
           <a:xfrm>
-            <a:off x="5806545" y="1262062"/>
-            <a:ext cx="4929188" cy="3030538"/>
+            <a:off x="5088384" y="2737245"/>
+            <a:ext cx="4185617" cy="3304117"/>
           </a:xfrm>
         </p:spPr>
         <p:txBody>
-          <a:bodyPr anchor="t">
+          <a:bodyPr>
             <a:normAutofit/>
           </a:bodyPr>
           <a:lstStyle/>
@@ -3681,7 +3835,7 @@
           <a:p>
             <a:fld id="{4301CC33-C1E3-43D5-954C-D3879CCC99B6}" type="datetimeFigureOut">
               <a:rPr lang="en-IN" smtClean="0"/>
-              <a:t>08-05-2022</a:t>
+              <a:t>11-05-2022</a:t>
             </a:fld>
             <a:endParaRPr lang="en-IN"/>
           </a:p>
@@ -3732,7 +3886,7 @@
     </p:spTree>
     <p:extLst>
       <p:ext uri="{BB962C8B-B14F-4D97-AF65-F5344CB8AC3E}">
-        <p14:creationId xmlns:p14="http://schemas.microsoft.com/office/powerpoint/2010/main" val="446208586"/>
+        <p14:creationId xmlns:p14="http://schemas.microsoft.com/office/powerpoint/2010/main" val="1436556886"/>
       </p:ext>
     </p:extLst>
   </p:cSld>
@@ -3769,7 +3923,12 @@
             <p:ph type="title"/>
           </p:nvPr>
         </p:nvSpPr>
-        <p:spPr/>
+        <p:spPr>
+          <a:xfrm>
+            <a:off x="677334" y="609600"/>
+            <a:ext cx="8596668" cy="1320800"/>
+          </a:xfrm>
+        </p:spPr>
         <p:txBody>
           <a:bodyPr/>
           <a:lstStyle/>
@@ -3799,7 +3958,7 @@
           <a:p>
             <a:fld id="{4301CC33-C1E3-43D5-954C-D3879CCC99B6}" type="datetimeFigureOut">
               <a:rPr lang="en-IN" smtClean="0"/>
-              <a:t>08-05-2022</a:t>
+              <a:t>11-05-2022</a:t>
             </a:fld>
             <a:endParaRPr lang="en-IN"/>
           </a:p>
@@ -3850,7 +4009,7 @@
     </p:spTree>
     <p:extLst>
       <p:ext uri="{BB962C8B-B14F-4D97-AF65-F5344CB8AC3E}">
-        <p14:creationId xmlns:p14="http://schemas.microsoft.com/office/powerpoint/2010/main" val="686666511"/>
+        <p14:creationId xmlns:p14="http://schemas.microsoft.com/office/powerpoint/2010/main" val="502394032"/>
       </p:ext>
     </p:extLst>
   </p:cSld>
@@ -3894,7 +4053,7 @@
           <a:p>
             <a:fld id="{4301CC33-C1E3-43D5-954C-D3879CCC99B6}" type="datetimeFigureOut">
               <a:rPr lang="en-IN" smtClean="0"/>
-              <a:t>08-05-2022</a:t>
+              <a:t>11-05-2022</a:t>
             </a:fld>
             <a:endParaRPr lang="en-IN"/>
           </a:p>
@@ -3945,7 +4104,7 @@
     </p:spTree>
     <p:extLst>
       <p:ext uri="{BB962C8B-B14F-4D97-AF65-F5344CB8AC3E}">
-        <p14:creationId xmlns:p14="http://schemas.microsoft.com/office/powerpoint/2010/main" val="3516359504"/>
+        <p14:creationId xmlns:p14="http://schemas.microsoft.com/office/powerpoint/2010/main" val="952453505"/>
       </p:ext>
     </p:extLst>
   </p:cSld>
@@ -3984,8 +4143,8 @@
         </p:nvSpPr>
         <p:spPr>
           <a:xfrm>
-            <a:off x="7085012" y="685800"/>
-            <a:ext cx="3657600" cy="1371600"/>
+            <a:off x="677334" y="1498604"/>
+            <a:ext cx="3854528" cy="1278466"/>
           </a:xfrm>
         </p:spPr>
         <p:txBody>
@@ -3993,8 +4152,8 @@
             <a:normAutofit/>
           </a:bodyPr>
           <a:lstStyle>
-            <a:lvl1pPr algn="l">
-              <a:defRPr sz="2400" b="0"/>
+            <a:lvl1pPr>
+              <a:defRPr sz="2000"/>
             </a:lvl1pPr>
           </a:lstStyle>
           <a:p>
@@ -4018,12 +4177,12 @@
         </p:nvSpPr>
         <p:spPr>
           <a:xfrm>
-            <a:off x="684212" y="685800"/>
-            <a:ext cx="5943601" cy="5308600"/>
+            <a:off x="4760461" y="514924"/>
+            <a:ext cx="4513541" cy="5526437"/>
           </a:xfrm>
         </p:spPr>
         <p:txBody>
-          <a:bodyPr anchor="ctr">
+          <a:bodyPr>
             <a:normAutofit/>
           </a:bodyPr>
           <a:lstStyle/>
@@ -4077,50 +4236,50 @@
         </p:nvSpPr>
         <p:spPr>
           <a:xfrm>
-            <a:off x="7085012" y="2209799"/>
-            <a:ext cx="3657600" cy="2091267"/>
+            <a:off x="677334" y="2777069"/>
+            <a:ext cx="3854528" cy="2584449"/>
           </a:xfrm>
         </p:spPr>
         <p:txBody>
-          <a:bodyPr anchor="t">
+          <a:bodyPr>
             <a:normAutofit/>
           </a:bodyPr>
           <a:lstStyle>
             <a:lvl1pPr marL="0" indent="0">
               <a:buNone/>
-              <a:defRPr sz="1600"/>
+              <a:defRPr sz="1400"/>
             </a:lvl1pPr>
-            <a:lvl2pPr marL="457200" indent="0">
+            <a:lvl2pPr marL="457063" indent="0">
+              <a:buNone/>
+              <a:defRPr sz="1400"/>
+            </a:lvl2pPr>
+            <a:lvl3pPr marL="914126" indent="0">
               <a:buNone/>
               <a:defRPr sz="1200"/>
-            </a:lvl2pPr>
-            <a:lvl3pPr marL="914400" indent="0">
+            </a:lvl3pPr>
+            <a:lvl4pPr marL="1371189" indent="0">
               <a:buNone/>
               <a:defRPr sz="1000"/>
-            </a:lvl3pPr>
-            <a:lvl4pPr marL="1371600" indent="0">
-              <a:buNone/>
-              <a:defRPr sz="900"/>
             </a:lvl4pPr>
-            <a:lvl5pPr marL="1828800" indent="0">
-              <a:buNone/>
-              <a:defRPr sz="900"/>
+            <a:lvl5pPr marL="1828251" indent="0">
+              <a:buNone/>
+              <a:defRPr sz="1000"/>
             </a:lvl5pPr>
-            <a:lvl6pPr marL="2286000" indent="0">
-              <a:buNone/>
-              <a:defRPr sz="900"/>
+            <a:lvl6pPr marL="2285314" indent="0">
+              <a:buNone/>
+              <a:defRPr sz="1000"/>
             </a:lvl6pPr>
-            <a:lvl7pPr marL="2743200" indent="0">
-              <a:buNone/>
-              <a:defRPr sz="900"/>
+            <a:lvl7pPr marL="2742377" indent="0">
+              <a:buNone/>
+              <a:defRPr sz="1000"/>
             </a:lvl7pPr>
-            <a:lvl8pPr marL="3200400" indent="0">
-              <a:buNone/>
-              <a:defRPr sz="900"/>
+            <a:lvl8pPr marL="3199440" indent="0">
+              <a:buNone/>
+              <a:defRPr sz="1000"/>
             </a:lvl8pPr>
-            <a:lvl9pPr marL="3657600" indent="0">
-              <a:buNone/>
-              <a:defRPr sz="900"/>
+            <a:lvl9pPr marL="3656503" indent="0">
+              <a:buNone/>
+              <a:defRPr sz="1000"/>
             </a:lvl9pPr>
           </a:lstStyle>
           <a:p>
@@ -4149,7 +4308,7 @@
           <a:p>
             <a:fld id="{4301CC33-C1E3-43D5-954C-D3879CCC99B6}" type="datetimeFigureOut">
               <a:rPr lang="en-IN" smtClean="0"/>
-              <a:t>08-05-2022</a:t>
+              <a:t>11-05-2022</a:t>
             </a:fld>
             <a:endParaRPr lang="en-IN"/>
           </a:p>
@@ -4200,7 +4359,7 @@
     </p:spTree>
     <p:extLst>
       <p:ext uri="{BB962C8B-B14F-4D97-AF65-F5344CB8AC3E}">
-        <p14:creationId xmlns:p14="http://schemas.microsoft.com/office/powerpoint/2010/main" val="1737545734"/>
+        <p14:creationId xmlns:p14="http://schemas.microsoft.com/office/powerpoint/2010/main" val="368134112"/>
       </p:ext>
     </p:extLst>
   </p:cSld>
@@ -4239,8 +4398,8 @@
         </p:nvSpPr>
         <p:spPr>
           <a:xfrm>
-            <a:off x="4722812" y="1447800"/>
-            <a:ext cx="6019800" cy="1143000"/>
+            <a:off x="677334" y="4800600"/>
+            <a:ext cx="8596667" cy="566738"/>
           </a:xfrm>
         </p:spPr>
         <p:txBody>
@@ -4249,7 +4408,7 @@
           </a:bodyPr>
           <a:lstStyle>
             <a:lvl1pPr algn="l">
-              <a:defRPr sz="2800" b="0"/>
+              <a:defRPr sz="2400" b="0"/>
             </a:lvl1pPr>
           </a:lstStyle>
           <a:p>
@@ -4263,7 +4422,7 @@
       </p:sp>
       <p:sp>
         <p:nvSpPr>
-          <p:cNvPr id="14" name="Picture Placeholder 2"/>
+          <p:cNvPr id="3" name="Picture Placeholder 2"/>
           <p:cNvSpPr>
             <a:spLocks noGrp="1" noChangeAspect="1"/>
           </p:cNvSpPr>
@@ -4273,29 +4432,9 @@
         </p:nvSpPr>
         <p:spPr>
           <a:xfrm>
-            <a:off x="989012" y="914400"/>
-            <a:ext cx="3280974" cy="4572000"/>
+            <a:off x="677334" y="609600"/>
+            <a:ext cx="8596668" cy="3845718"/>
           </a:xfrm>
-          <a:prstGeom prst="snip2DiagRect">
-            <a:avLst>
-              <a:gd name="adj1" fmla="val 10815"/>
-              <a:gd name="adj2" fmla="val 0"/>
-            </a:avLst>
-          </a:prstGeom>
-          <a:ln w="15875">
-            <a:solidFill>
-              <a:schemeClr val="tx1">
-                <a:alpha val="40000"/>
-              </a:schemeClr>
-            </a:solidFill>
-          </a:ln>
-          <a:effectLst>
-            <a:innerShdw blurRad="57150" dist="38100" dir="14460000">
-              <a:srgbClr val="000000">
-                <a:alpha val="70000"/>
-              </a:srgbClr>
-            </a:innerShdw>
-          </a:effectLst>
         </p:spPr>
         <p:txBody>
           <a:bodyPr anchor="t">
@@ -4360,18 +4499,18 @@
         </p:nvSpPr>
         <p:spPr>
           <a:xfrm>
-            <a:off x="4722812" y="2777066"/>
-            <a:ext cx="6021388" cy="2048933"/>
+            <a:off x="677334" y="5367338"/>
+            <a:ext cx="8596667" cy="674024"/>
           </a:xfrm>
         </p:spPr>
         <p:txBody>
-          <a:bodyPr anchor="t">
+          <a:bodyPr>
             <a:normAutofit/>
           </a:bodyPr>
           <a:lstStyle>
             <a:lvl1pPr marL="0" indent="0">
               <a:buNone/>
-              <a:defRPr sz="1800"/>
+              <a:defRPr sz="1200"/>
             </a:lvl1pPr>
             <a:lvl2pPr marL="457200" indent="0">
               <a:buNone/>
@@ -4432,7 +4571,7 @@
           <a:p>
             <a:fld id="{4301CC33-C1E3-43D5-954C-D3879CCC99B6}" type="datetimeFigureOut">
               <a:rPr lang="en-IN" smtClean="0"/>
-              <a:t>08-05-2022</a:t>
+              <a:t>11-05-2022</a:t>
             </a:fld>
             <a:endParaRPr lang="en-IN"/>
           </a:p>
@@ -4483,7 +4622,7 @@
     </p:spTree>
     <p:extLst>
       <p:ext uri="{BB962C8B-B14F-4D97-AF65-F5344CB8AC3E}">
-        <p14:creationId xmlns:p14="http://schemas.microsoft.com/office/powerpoint/2010/main" val="603519867"/>
+        <p14:creationId xmlns:p14="http://schemas.microsoft.com/office/powerpoint/2010/main" val="2838739646"/>
       </p:ext>
     </p:extLst>
   </p:cSld>
@@ -4497,8 +4636,8 @@
 <p:sldMaster xmlns:a="http://schemas.openxmlformats.org/drawingml/2006/main" xmlns:r="http://schemas.openxmlformats.org/officeDocument/2006/relationships" xmlns:p="http://schemas.openxmlformats.org/presentationml/2006/main">
   <p:cSld>
     <p:bg>
-      <p:bgRef idx="1002">
-        <a:schemeClr val="bg2"/>
+      <p:bgRef idx="1001">
+        <a:schemeClr val="bg1"/>
       </p:bgRef>
     </p:bg>
     <p:spTree>
@@ -4523,29 +4662,31 @@
         </p:nvGrpSpPr>
         <p:grpSpPr>
           <a:xfrm>
-            <a:off x="9206969" y="2963333"/>
-            <a:ext cx="2981858" cy="3208867"/>
-            <a:chOff x="9206969" y="2963333"/>
-            <a:chExt cx="2981858" cy="3208867"/>
+            <a:off x="0" y="-8467"/>
+            <a:ext cx="12192000" cy="6866467"/>
+            <a:chOff x="0" y="-8467"/>
+            <a:chExt cx="12192000" cy="6866467"/>
           </a:xfrm>
         </p:grpSpPr>
         <p:cxnSp>
           <p:nvCxnSpPr>
-            <p:cNvPr id="8" name="Straight Connector 7"/>
+            <p:cNvPr id="20" name="Straight Connector 19"/>
             <p:cNvCxnSpPr/>
             <p:nvPr/>
           </p:nvCxnSpPr>
           <p:spPr>
-            <a:xfrm flipH="1">
-              <a:off x="11276012" y="2963333"/>
-              <a:ext cx="912814" cy="912812"/>
+            <a:xfrm>
+              <a:off x="9371012" y="0"/>
+              <a:ext cx="1219200" cy="6858000"/>
             </a:xfrm>
             <a:prstGeom prst="line">
               <a:avLst/>
             </a:prstGeom>
             <a:ln w="9525">
               <a:solidFill>
-                <a:schemeClr val="tx1"/>
+                <a:schemeClr val="bg1">
+                  <a:lumMod val="75000"/>
+                </a:schemeClr>
               </a:solidFill>
             </a:ln>
           </p:spPr>
@@ -4566,21 +4707,23 @@
         </p:cxnSp>
         <p:cxnSp>
           <p:nvCxnSpPr>
-            <p:cNvPr id="9" name="Straight Connector 8"/>
+            <p:cNvPr id="21" name="Straight Connector 20"/>
             <p:cNvCxnSpPr/>
             <p:nvPr/>
           </p:nvCxnSpPr>
           <p:spPr>
             <a:xfrm flipH="1">
-              <a:off x="9206969" y="3190344"/>
-              <a:ext cx="2981857" cy="2981856"/>
+              <a:off x="7425267" y="3681413"/>
+              <a:ext cx="4763558" cy="3176587"/>
             </a:xfrm>
             <a:prstGeom prst="line">
               <a:avLst/>
             </a:prstGeom>
             <a:ln w="9525">
               <a:solidFill>
-                <a:schemeClr val="tx1"/>
+                <a:schemeClr val="bg1">
+                  <a:lumMod val="85000"/>
+                </a:schemeClr>
               </a:solidFill>
             </a:ln>
           </p:spPr>
@@ -4599,111 +4742,447 @@
             </a:fontRef>
           </p:style>
         </p:cxnSp>
-        <p:cxnSp>
-          <p:nvCxnSpPr>
-            <p:cNvPr id="10" name="Straight Connector 9"/>
-            <p:cNvCxnSpPr/>
+        <p:sp>
+          <p:nvSpPr>
+            <p:cNvPr id="22" name="Rectangle 23"/>
+            <p:cNvSpPr/>
             <p:nvPr/>
-          </p:nvCxnSpPr>
+          </p:nvSpPr>
           <p:spPr>
-            <a:xfrm flipH="1">
-              <a:off x="10292292" y="3285067"/>
-              <a:ext cx="1896534" cy="1896533"/>
+            <a:xfrm>
+              <a:off x="9181476" y="-8467"/>
+              <a:ext cx="3007349" cy="6866467"/>
             </a:xfrm>
-            <a:prstGeom prst="line">
+            <a:custGeom>
               <a:avLst/>
-            </a:prstGeom>
-            <a:ln w="9525">
-              <a:solidFill>
-                <a:schemeClr val="tx1"/>
-              </a:solidFill>
+              <a:gdLst/>
+              <a:ahLst/>
+              <a:cxnLst/>
+              <a:rect l="l" t="t" r="r" b="b"/>
+              <a:pathLst>
+                <a:path w="3007349" h="6866467">
+                  <a:moveTo>
+                    <a:pt x="2045532" y="0"/>
+                  </a:moveTo>
+                  <a:lnTo>
+                    <a:pt x="3007349" y="0"/>
+                  </a:lnTo>
+                  <a:lnTo>
+                    <a:pt x="3007349" y="6866467"/>
+                  </a:lnTo>
+                  <a:lnTo>
+                    <a:pt x="0" y="6866467"/>
+                  </a:lnTo>
+                  <a:lnTo>
+                    <a:pt x="2045532" y="0"/>
+                  </a:lnTo>
+                  <a:close/>
+                </a:path>
+              </a:pathLst>
+            </a:custGeom>
+            <a:solidFill>
+              <a:schemeClr val="accent1">
+                <a:alpha val="30000"/>
+              </a:schemeClr>
+            </a:solidFill>
+            <a:ln>
+              <a:noFill/>
             </a:ln>
+            <a:effectLst/>
           </p:spPr>
           <p:style>
-            <a:lnRef idx="2">
+            <a:lnRef idx="1">
               <a:schemeClr val="accent1"/>
             </a:lnRef>
-            <a:fillRef idx="0">
+            <a:fillRef idx="3">
               <a:schemeClr val="accent1"/>
             </a:fillRef>
-            <a:effectRef idx="1">
+            <a:effectRef idx="2">
               <a:schemeClr val="accent1"/>
             </a:effectRef>
             <a:fontRef idx="minor">
-              <a:schemeClr val="tx1"/>
+              <a:schemeClr val="lt1"/>
             </a:fontRef>
           </p:style>
-        </p:cxnSp>
-        <p:cxnSp>
-          <p:nvCxnSpPr>
-            <p:cNvPr id="11" name="Straight Connector 10"/>
-            <p:cNvCxnSpPr/>
+        </p:sp>
+        <p:sp>
+          <p:nvSpPr>
+            <p:cNvPr id="23" name="Rectangle 25"/>
+            <p:cNvSpPr/>
             <p:nvPr/>
-          </p:nvCxnSpPr>
+          </p:nvSpPr>
           <p:spPr>
-            <a:xfrm flipH="1">
-              <a:off x="10443103" y="3131080"/>
-              <a:ext cx="1745722" cy="1745720"/>
+            <a:xfrm>
+              <a:off x="9603442" y="-8467"/>
+              <a:ext cx="2588558" cy="6866467"/>
             </a:xfrm>
-            <a:prstGeom prst="line">
+            <a:custGeom>
               <a:avLst/>
-            </a:prstGeom>
-            <a:ln w="28575">
-              <a:solidFill>
-                <a:schemeClr val="tx1"/>
-              </a:solidFill>
+              <a:gdLst/>
+              <a:ahLst/>
+              <a:cxnLst/>
+              <a:rect l="l" t="t" r="r" b="b"/>
+              <a:pathLst>
+                <a:path w="2573311" h="6866467">
+                  <a:moveTo>
+                    <a:pt x="0" y="0"/>
+                  </a:moveTo>
+                  <a:lnTo>
+                    <a:pt x="2573311" y="0"/>
+                  </a:lnTo>
+                  <a:lnTo>
+                    <a:pt x="2573311" y="6866467"/>
+                  </a:lnTo>
+                  <a:lnTo>
+                    <a:pt x="1202336" y="6866467"/>
+                  </a:lnTo>
+                  <a:lnTo>
+                    <a:pt x="0" y="0"/>
+                  </a:lnTo>
+                  <a:close/>
+                </a:path>
+              </a:pathLst>
+            </a:custGeom>
+            <a:solidFill>
+              <a:schemeClr val="accent1">
+                <a:alpha val="20000"/>
+              </a:schemeClr>
+            </a:solidFill>
+            <a:ln>
+              <a:noFill/>
             </a:ln>
+            <a:effectLst/>
           </p:spPr>
           <p:style>
-            <a:lnRef idx="2">
+            <a:lnRef idx="1">
               <a:schemeClr val="accent1"/>
             </a:lnRef>
-            <a:fillRef idx="0">
+            <a:fillRef idx="3">
               <a:schemeClr val="accent1"/>
             </a:fillRef>
-            <a:effectRef idx="1">
+            <a:effectRef idx="2">
               <a:schemeClr val="accent1"/>
             </a:effectRef>
             <a:fontRef idx="minor">
-              <a:schemeClr val="tx1"/>
+              <a:schemeClr val="lt1"/>
             </a:fontRef>
           </p:style>
-        </p:cxnSp>
-        <p:cxnSp>
-          <p:nvCxnSpPr>
-            <p:cNvPr id="12" name="Straight Connector 11"/>
-            <p:cNvCxnSpPr/>
+        </p:sp>
+        <p:sp>
+          <p:nvSpPr>
+            <p:cNvPr id="24" name="Isosceles Triangle 23"/>
+            <p:cNvSpPr/>
             <p:nvPr/>
-          </p:nvCxnSpPr>
+          </p:nvSpPr>
           <p:spPr>
-            <a:xfrm flipH="1">
-              <a:off x="10918826" y="3683001"/>
-              <a:ext cx="1270001" cy="1269999"/>
+            <a:xfrm>
+              <a:off x="8932333" y="3048000"/>
+              <a:ext cx="3259667" cy="3810000"/>
             </a:xfrm>
-            <a:prstGeom prst="line">
-              <a:avLst/>
+            <a:prstGeom prst="triangle">
+              <a:avLst>
+                <a:gd name="adj" fmla="val 100000"/>
+              </a:avLst>
             </a:prstGeom>
-            <a:ln w="28575">
-              <a:solidFill>
-                <a:schemeClr val="tx1"/>
-              </a:solidFill>
+            <a:solidFill>
+              <a:schemeClr val="accent2">
+                <a:alpha val="72000"/>
+              </a:schemeClr>
+            </a:solidFill>
+            <a:ln>
+              <a:noFill/>
             </a:ln>
+            <a:effectLst/>
           </p:spPr>
           <p:style>
-            <a:lnRef idx="2">
+            <a:lnRef idx="1">
               <a:schemeClr val="accent1"/>
             </a:lnRef>
-            <a:fillRef idx="0">
+            <a:fillRef idx="3">
               <a:schemeClr val="accent1"/>
             </a:fillRef>
-            <a:effectRef idx="1">
+            <a:effectRef idx="2">
               <a:schemeClr val="accent1"/>
             </a:effectRef>
             <a:fontRef idx="minor">
-              <a:schemeClr val="tx1"/>
+              <a:schemeClr val="lt1"/>
             </a:fontRef>
           </p:style>
-        </p:cxnSp>
+        </p:sp>
+        <p:sp>
+          <p:nvSpPr>
+            <p:cNvPr id="25" name="Rectangle 27"/>
+            <p:cNvSpPr/>
+            <p:nvPr/>
+          </p:nvSpPr>
+          <p:spPr>
+            <a:xfrm>
+              <a:off x="9334500" y="-8467"/>
+              <a:ext cx="2854326" cy="6866467"/>
+            </a:xfrm>
+            <a:custGeom>
+              <a:avLst/>
+              <a:gdLst/>
+              <a:ahLst/>
+              <a:cxnLst/>
+              <a:rect l="l" t="t" r="r" b="b"/>
+              <a:pathLst>
+                <a:path w="2858013" h="6866467">
+                  <a:moveTo>
+                    <a:pt x="0" y="0"/>
+                  </a:moveTo>
+                  <a:lnTo>
+                    <a:pt x="2858013" y="0"/>
+                  </a:lnTo>
+                  <a:lnTo>
+                    <a:pt x="2858013" y="6866467"/>
+                  </a:lnTo>
+                  <a:lnTo>
+                    <a:pt x="2473942" y="6866467"/>
+                  </a:lnTo>
+                  <a:lnTo>
+                    <a:pt x="0" y="0"/>
+                  </a:lnTo>
+                  <a:close/>
+                </a:path>
+              </a:pathLst>
+            </a:custGeom>
+            <a:solidFill>
+              <a:schemeClr val="accent2">
+                <a:lumMod val="75000"/>
+                <a:alpha val="70000"/>
+              </a:schemeClr>
+            </a:solidFill>
+            <a:ln>
+              <a:noFill/>
+            </a:ln>
+            <a:effectLst/>
+          </p:spPr>
+          <p:style>
+            <a:lnRef idx="1">
+              <a:schemeClr val="accent1"/>
+            </a:lnRef>
+            <a:fillRef idx="3">
+              <a:schemeClr val="accent1"/>
+            </a:fillRef>
+            <a:effectRef idx="2">
+              <a:schemeClr val="accent1"/>
+            </a:effectRef>
+            <a:fontRef idx="minor">
+              <a:schemeClr val="lt1"/>
+            </a:fontRef>
+          </p:style>
+        </p:sp>
+        <p:sp>
+          <p:nvSpPr>
+            <p:cNvPr id="26" name="Rectangle 28"/>
+            <p:cNvSpPr/>
+            <p:nvPr/>
+          </p:nvSpPr>
+          <p:spPr>
+            <a:xfrm>
+              <a:off x="10898730" y="-8467"/>
+              <a:ext cx="1290094" cy="6866467"/>
+            </a:xfrm>
+            <a:custGeom>
+              <a:avLst/>
+              <a:gdLst/>
+              <a:ahLst/>
+              <a:cxnLst/>
+              <a:rect l="l" t="t" r="r" b="b"/>
+              <a:pathLst>
+                <a:path w="1290094" h="6858000">
+                  <a:moveTo>
+                    <a:pt x="1019735" y="0"/>
+                  </a:moveTo>
+                  <a:lnTo>
+                    <a:pt x="1290094" y="0"/>
+                  </a:lnTo>
+                  <a:lnTo>
+                    <a:pt x="1290094" y="6858000"/>
+                  </a:lnTo>
+                  <a:lnTo>
+                    <a:pt x="0" y="6858000"/>
+                  </a:lnTo>
+                  <a:lnTo>
+                    <a:pt x="1019735" y="0"/>
+                  </a:lnTo>
+                  <a:close/>
+                </a:path>
+              </a:pathLst>
+            </a:custGeom>
+            <a:solidFill>
+              <a:schemeClr val="accent1">
+                <a:lumMod val="60000"/>
+                <a:lumOff val="40000"/>
+                <a:alpha val="70000"/>
+              </a:schemeClr>
+            </a:solidFill>
+            <a:ln>
+              <a:noFill/>
+            </a:ln>
+            <a:effectLst/>
+          </p:spPr>
+          <p:style>
+            <a:lnRef idx="1">
+              <a:schemeClr val="accent1"/>
+            </a:lnRef>
+            <a:fillRef idx="3">
+              <a:schemeClr val="accent1"/>
+            </a:fillRef>
+            <a:effectRef idx="2">
+              <a:schemeClr val="accent1"/>
+            </a:effectRef>
+            <a:fontRef idx="minor">
+              <a:schemeClr val="lt1"/>
+            </a:fontRef>
+          </p:style>
+        </p:sp>
+        <p:sp>
+          <p:nvSpPr>
+            <p:cNvPr id="27" name="Rectangle 29"/>
+            <p:cNvSpPr/>
+            <p:nvPr/>
+          </p:nvSpPr>
+          <p:spPr>
+            <a:xfrm>
+              <a:off x="10938999" y="-8467"/>
+              <a:ext cx="1249825" cy="6866467"/>
+            </a:xfrm>
+            <a:custGeom>
+              <a:avLst/>
+              <a:gdLst/>
+              <a:ahLst/>
+              <a:cxnLst/>
+              <a:rect l="l" t="t" r="r" b="b"/>
+              <a:pathLst>
+                <a:path w="1249825" h="6858000">
+                  <a:moveTo>
+                    <a:pt x="0" y="0"/>
+                  </a:moveTo>
+                  <a:lnTo>
+                    <a:pt x="1249825" y="0"/>
+                  </a:lnTo>
+                  <a:lnTo>
+                    <a:pt x="1249825" y="6858000"/>
+                  </a:lnTo>
+                  <a:lnTo>
+                    <a:pt x="1109382" y="6858000"/>
+                  </a:lnTo>
+                  <a:lnTo>
+                    <a:pt x="0" y="0"/>
+                  </a:lnTo>
+                  <a:close/>
+                </a:path>
+              </a:pathLst>
+            </a:custGeom>
+            <a:solidFill>
+              <a:schemeClr val="accent1">
+                <a:alpha val="65000"/>
+              </a:schemeClr>
+            </a:solidFill>
+            <a:ln>
+              <a:noFill/>
+            </a:ln>
+            <a:effectLst/>
+          </p:spPr>
+          <p:style>
+            <a:lnRef idx="1">
+              <a:schemeClr val="accent1"/>
+            </a:lnRef>
+            <a:fillRef idx="3">
+              <a:schemeClr val="accent1"/>
+            </a:fillRef>
+            <a:effectRef idx="2">
+              <a:schemeClr val="accent1"/>
+            </a:effectRef>
+            <a:fontRef idx="minor">
+              <a:schemeClr val="lt1"/>
+            </a:fontRef>
+          </p:style>
+        </p:sp>
+        <p:sp>
+          <p:nvSpPr>
+            <p:cNvPr id="28" name="Isosceles Triangle 27"/>
+            <p:cNvSpPr/>
+            <p:nvPr/>
+          </p:nvSpPr>
+          <p:spPr>
+            <a:xfrm>
+              <a:off x="10371666" y="3589867"/>
+              <a:ext cx="1817159" cy="3268133"/>
+            </a:xfrm>
+            <a:prstGeom prst="triangle">
+              <a:avLst>
+                <a:gd name="adj" fmla="val 100000"/>
+              </a:avLst>
+            </a:prstGeom>
+            <a:solidFill>
+              <a:schemeClr val="accent1">
+                <a:alpha val="80000"/>
+              </a:schemeClr>
+            </a:solidFill>
+            <a:ln>
+              <a:noFill/>
+            </a:ln>
+            <a:effectLst/>
+          </p:spPr>
+          <p:style>
+            <a:lnRef idx="1">
+              <a:schemeClr val="accent1"/>
+            </a:lnRef>
+            <a:fillRef idx="3">
+              <a:schemeClr val="accent1"/>
+            </a:fillRef>
+            <a:effectRef idx="2">
+              <a:schemeClr val="accent1"/>
+            </a:effectRef>
+            <a:fontRef idx="minor">
+              <a:schemeClr val="lt1"/>
+            </a:fontRef>
+          </p:style>
+        </p:sp>
+        <p:sp>
+          <p:nvSpPr>
+            <p:cNvPr id="29" name="Isosceles Triangle 28"/>
+            <p:cNvSpPr/>
+            <p:nvPr/>
+          </p:nvSpPr>
+          <p:spPr>
+            <a:xfrm>
+              <a:off x="0" y="4013200"/>
+              <a:ext cx="448733" cy="2844800"/>
+            </a:xfrm>
+            <a:prstGeom prst="triangle">
+              <a:avLst>
+                <a:gd name="adj" fmla="val 0"/>
+              </a:avLst>
+            </a:prstGeom>
+            <a:solidFill>
+              <a:schemeClr val="accent1">
+                <a:alpha val="85000"/>
+              </a:schemeClr>
+            </a:solidFill>
+            <a:ln>
+              <a:noFill/>
+            </a:ln>
+            <a:effectLst/>
+          </p:spPr>
+          <p:style>
+            <a:lnRef idx="1">
+              <a:schemeClr val="accent1"/>
+            </a:lnRef>
+            <a:fillRef idx="3">
+              <a:schemeClr val="accent1"/>
+            </a:fillRef>
+            <a:effectRef idx="2">
+              <a:schemeClr val="accent1"/>
+            </a:effectRef>
+            <a:fontRef idx="minor">
+              <a:schemeClr val="lt1"/>
+            </a:fontRef>
+          </p:style>
+        </p:sp>
       </p:grpSp>
       <p:sp>
         <p:nvSpPr>
@@ -4717,85 +5196,22 @@
         </p:nvSpPr>
         <p:spPr>
           <a:xfrm>
-            <a:off x="684212" y="4487332"/>
-            <a:ext cx="8534400" cy="1507067"/>
-          </a:xfrm>
-          <a:prstGeom prst="rect">
-            <a:avLst/>
-          </a:prstGeom>
-          <a:effectLst/>
-        </p:spPr>
-        <p:txBody>
-          <a:bodyPr vert="horz" lIns="91440" tIns="45720" rIns="91440" bIns="45720" rtlCol="0" anchor="ctr">
-            <a:normAutofit/>
-          </a:bodyPr>
-          <a:lstStyle/>
-          <a:p>
-            <a:r>
-              <a:rPr lang="en-US" smtClean="0"/>
-              <a:t>Click to edit Master title style</a:t>
-            </a:r>
-            <a:endParaRPr lang="en-US" dirty="0"/>
-          </a:p>
-        </p:txBody>
-      </p:sp>
-      <p:sp>
-        <p:nvSpPr>
-          <p:cNvPr id="3" name="Text Placeholder 2"/>
-          <p:cNvSpPr>
-            <a:spLocks noGrp="1"/>
-          </p:cNvSpPr>
-          <p:nvPr>
-            <p:ph type="body" idx="1"/>
-          </p:nvPr>
-        </p:nvSpPr>
-        <p:spPr>
-          <a:xfrm>
-            <a:off x="684212" y="685800"/>
-            <a:ext cx="8534400" cy="3615267"/>
+            <a:off x="677334" y="609600"/>
+            <a:ext cx="8596668" cy="1320800"/>
           </a:xfrm>
           <a:prstGeom prst="rect">
             <a:avLst/>
           </a:prstGeom>
         </p:spPr>
         <p:txBody>
-          <a:bodyPr vert="horz" lIns="91440" tIns="45720" rIns="91440" bIns="45720" rtlCol="0" anchor="ctr">
+          <a:bodyPr vert="horz" lIns="91440" tIns="45720" rIns="91440" bIns="45720" rtlCol="0" anchor="t">
             <a:normAutofit/>
           </a:bodyPr>
           <a:lstStyle/>
           <a:p>
-            <a:pPr lvl="0"/>
             <a:r>
               <a:rPr lang="en-US" smtClean="0"/>
-              <a:t>Click to edit Master text styles</a:t>
-            </a:r>
-          </a:p>
-          <a:p>
-            <a:pPr lvl="1"/>
-            <a:r>
-              <a:rPr lang="en-US" smtClean="0"/>
-              <a:t>Second level</a:t>
-            </a:r>
-          </a:p>
-          <a:p>
-            <a:pPr lvl="2"/>
-            <a:r>
-              <a:rPr lang="en-US" smtClean="0"/>
-              <a:t>Third level</a:t>
-            </a:r>
-          </a:p>
-          <a:p>
-            <a:pPr lvl="3"/>
-            <a:r>
-              <a:rPr lang="en-US" smtClean="0"/>
-              <a:t>Fourth level</a:t>
-            </a:r>
-          </a:p>
-          <a:p>
-            <a:pPr lvl="4"/>
-            <a:r>
-              <a:rPr lang="en-US" smtClean="0"/>
-              <a:t>Fifth level</a:t>
+              <a:t>Click to edit Master title style</a:t>
             </a:r>
             <a:endParaRPr lang="en-US" dirty="0"/>
           </a:p>
@@ -4803,117 +5219,171 @@
       </p:sp>
       <p:sp>
         <p:nvSpPr>
-          <p:cNvPr id="4" name="Date Placeholder 3"/>
-          <p:cNvSpPr>
-            <a:spLocks noGrp="1"/>
-          </p:cNvSpPr>
-          <p:nvPr>
-            <p:ph type="dt" sz="half" idx="2"/>
+          <p:cNvPr id="3" name="Text Placeholder 2"/>
+          <p:cNvSpPr>
+            <a:spLocks noGrp="1"/>
+          </p:cNvSpPr>
+          <p:nvPr>
+            <p:ph type="body" idx="1"/>
           </p:nvPr>
         </p:nvSpPr>
         <p:spPr>
           <a:xfrm>
-            <a:off x="9904412" y="6172200"/>
-            <a:ext cx="1600200" cy="365125"/>
+            <a:off x="677334" y="2160589"/>
+            <a:ext cx="8596668" cy="3880773"/>
           </a:xfrm>
           <a:prstGeom prst="rect">
             <a:avLst/>
           </a:prstGeom>
         </p:spPr>
         <p:txBody>
-          <a:bodyPr vert="horz" lIns="91440" tIns="45720" rIns="91440" bIns="45720" rtlCol="0" anchor="t"/>
-          <a:lstStyle>
-            <a:lvl1pPr algn="r">
-              <a:defRPr sz="1000" b="0" i="0">
-                <a:solidFill>
-                  <a:schemeClr val="bg2">
-                    <a:lumMod val="50000"/>
-                  </a:schemeClr>
-                </a:solidFill>
-                <a:effectLst/>
-                <a:latin typeface="+mn-lt"/>
-              </a:defRPr>
-            </a:lvl1pPr>
-          </a:lstStyle>
-          <a:p>
-            <a:fld id="{4301CC33-C1E3-43D5-954C-D3879CCC99B6}" type="datetimeFigureOut">
-              <a:rPr lang="en-IN" smtClean="0"/>
-              <a:t>08-05-2022</a:t>
-            </a:fld>
-            <a:endParaRPr lang="en-IN"/>
-          </a:p>
-        </p:txBody>
-      </p:sp>
-      <p:sp>
-        <p:nvSpPr>
-          <p:cNvPr id="5" name="Footer Placeholder 4"/>
-          <p:cNvSpPr>
-            <a:spLocks noGrp="1"/>
-          </p:cNvSpPr>
-          <p:nvPr>
-            <p:ph type="ftr" sz="quarter" idx="3"/>
+          <a:bodyPr vert="horz" lIns="91440" tIns="45720" rIns="91440" bIns="45720" rtlCol="0">
+            <a:normAutofit/>
+          </a:bodyPr>
+          <a:lstStyle/>
+          <a:p>
+            <a:pPr lvl="0"/>
+            <a:r>
+              <a:rPr lang="en-US" smtClean="0"/>
+              <a:t>Click to edit Master text styles</a:t>
+            </a:r>
+          </a:p>
+          <a:p>
+            <a:pPr lvl="1"/>
+            <a:r>
+              <a:rPr lang="en-US" smtClean="0"/>
+              <a:t>Second level</a:t>
+            </a:r>
+          </a:p>
+          <a:p>
+            <a:pPr lvl="2"/>
+            <a:r>
+              <a:rPr lang="en-US" smtClean="0"/>
+              <a:t>Third level</a:t>
+            </a:r>
+          </a:p>
+          <a:p>
+            <a:pPr lvl="3"/>
+            <a:r>
+              <a:rPr lang="en-US" smtClean="0"/>
+              <a:t>Fourth level</a:t>
+            </a:r>
+          </a:p>
+          <a:p>
+            <a:pPr lvl="4"/>
+            <a:r>
+              <a:rPr lang="en-US" smtClean="0"/>
+              <a:t>Fifth level</a:t>
+            </a:r>
+            <a:endParaRPr lang="en-US" dirty="0"/>
+          </a:p>
+        </p:txBody>
+      </p:sp>
+      <p:sp>
+        <p:nvSpPr>
+          <p:cNvPr id="4" name="Date Placeholder 3"/>
+          <p:cNvSpPr>
+            <a:spLocks noGrp="1"/>
+          </p:cNvSpPr>
+          <p:nvPr>
+            <p:ph type="dt" sz="half" idx="2"/>
           </p:nvPr>
         </p:nvSpPr>
         <p:spPr>
           <a:xfrm>
-            <a:off x="684212" y="6172200"/>
-            <a:ext cx="7543800" cy="365125"/>
+            <a:off x="7205133" y="6041362"/>
+            <a:ext cx="911939" cy="365125"/>
           </a:xfrm>
           <a:prstGeom prst="rect">
             <a:avLst/>
           </a:prstGeom>
         </p:spPr>
         <p:txBody>
-          <a:bodyPr vert="horz" lIns="91440" tIns="45720" rIns="91440" bIns="45720" rtlCol="0" anchor="t"/>
+          <a:bodyPr vert="horz" lIns="91440" tIns="45720" rIns="91440" bIns="45720" rtlCol="0" anchor="ctr"/>
           <a:lstStyle>
-            <a:lvl1pPr algn="l">
-              <a:defRPr sz="1000" b="0" i="0">
+            <a:lvl1pPr algn="r">
+              <a:defRPr sz="900">
                 <a:solidFill>
-                  <a:schemeClr val="bg2">
-                    <a:lumMod val="50000"/>
+                  <a:schemeClr val="tx1">
+                    <a:tint val="75000"/>
                   </a:schemeClr>
                 </a:solidFill>
-                <a:effectLst/>
-                <a:latin typeface="+mn-lt"/>
               </a:defRPr>
             </a:lvl1pPr>
           </a:lstStyle>
           <a:p>
+            <a:fld id="{4301CC33-C1E3-43D5-954C-D3879CCC99B6}" type="datetimeFigureOut">
+              <a:rPr lang="en-IN" smtClean="0"/>
+              <a:t>11-05-2022</a:t>
+            </a:fld>
             <a:endParaRPr lang="en-IN"/>
           </a:p>
         </p:txBody>
       </p:sp>
       <p:sp>
         <p:nvSpPr>
-          <p:cNvPr id="6" name="Slide Number Placeholder 5"/>
-          <p:cNvSpPr>
-            <a:spLocks noGrp="1"/>
-          </p:cNvSpPr>
-          <p:nvPr>
-            <p:ph type="sldNum" sz="quarter" idx="4"/>
+          <p:cNvPr id="5" name="Footer Placeholder 4"/>
+          <p:cNvSpPr>
+            <a:spLocks noGrp="1"/>
+          </p:cNvSpPr>
+          <p:nvPr>
+            <p:ph type="ftr" sz="quarter" idx="3"/>
           </p:nvPr>
         </p:nvSpPr>
         <p:spPr>
           <a:xfrm>
-            <a:off x="10363200" y="5578475"/>
-            <a:ext cx="1142245" cy="669925"/>
+            <a:off x="677334" y="6041362"/>
+            <a:ext cx="6297612" cy="365125"/>
           </a:xfrm>
           <a:prstGeom prst="rect">
             <a:avLst/>
           </a:prstGeom>
         </p:spPr>
         <p:txBody>
-          <a:bodyPr vert="horz" lIns="91440" tIns="45720" rIns="91440" bIns="45720" rtlCol="0" anchor="b"/>
+          <a:bodyPr vert="horz" lIns="91440" tIns="45720" rIns="91440" bIns="45720" rtlCol="0" anchor="ctr"/>
+          <a:lstStyle>
+            <a:lvl1pPr algn="l">
+              <a:defRPr sz="900">
+                <a:solidFill>
+                  <a:schemeClr val="tx1">
+                    <a:tint val="75000"/>
+                  </a:schemeClr>
+                </a:solidFill>
+              </a:defRPr>
+            </a:lvl1pPr>
+          </a:lstStyle>
+          <a:p>
+            <a:endParaRPr lang="en-IN"/>
+          </a:p>
+        </p:txBody>
+      </p:sp>
+      <p:sp>
+        <p:nvSpPr>
+          <p:cNvPr id="6" name="Slide Number Placeholder 5"/>
+          <p:cNvSpPr>
+            <a:spLocks noGrp="1"/>
+          </p:cNvSpPr>
+          <p:nvPr>
+            <p:ph type="sldNum" sz="quarter" idx="4"/>
+          </p:nvPr>
+        </p:nvSpPr>
+        <p:spPr>
+          <a:xfrm>
+            <a:off x="8590663" y="6041362"/>
+            <a:ext cx="683339" cy="365125"/>
+          </a:xfrm>
+          <a:prstGeom prst="rect">
+            <a:avLst/>
+          </a:prstGeom>
+        </p:spPr>
+        <p:txBody>
+          <a:bodyPr vert="horz" lIns="91440" tIns="45720" rIns="91440" bIns="45720" rtlCol="0" anchor="ctr"/>
           <a:lstStyle>
             <a:lvl1pPr algn="r">
-              <a:defRPr sz="3200" b="0" i="0">
+              <a:defRPr sz="900">
                 <a:solidFill>
-                  <a:schemeClr val="bg2">
-                    <a:lumMod val="50000"/>
-                  </a:schemeClr>
+                  <a:schemeClr val="accent1"/>
                 </a:solidFill>
-                <a:effectLst/>
-                <a:latin typeface="+mn-lt"/>
               </a:defRPr>
             </a:lvl1pPr>
           </a:lstStyle>
@@ -4929,29 +5399,28 @@
     </p:spTree>
     <p:extLst>
       <p:ext uri="{BB962C8B-B14F-4D97-AF65-F5344CB8AC3E}">
-        <p14:creationId xmlns:p14="http://schemas.microsoft.com/office/powerpoint/2010/main" val="2914201894"/>
+        <p14:creationId xmlns:p14="http://schemas.microsoft.com/office/powerpoint/2010/main" val="3234284116"/>
       </p:ext>
     </p:extLst>
   </p:cSld>
-  <p:clrMap bg1="dk1" tx1="lt1" bg2="dk2" tx2="lt2" accent1="accent1" accent2="accent2" accent3="accent3" accent4="accent4" accent5="accent5" accent6="accent6" hlink="hlink" folHlink="folHlink"/>
+  <p:clrMap bg1="lt1" tx1="dk1" bg2="lt2" tx2="dk2" accent1="accent1" accent2="accent2" accent3="accent3" accent4="accent4" accent5="accent5" accent6="accent6" hlink="hlink" folHlink="folHlink"/>
   <p:sldLayoutIdLst>
-    <p:sldLayoutId id="2147483727" r:id="rId1"/>
-    <p:sldLayoutId id="2147483728" r:id="rId2"/>
-    <p:sldLayoutId id="2147483729" r:id="rId3"/>
-    <p:sldLayoutId id="2147483730" r:id="rId4"/>
-    <p:sldLayoutId id="2147483731" r:id="rId5"/>
-    <p:sldLayoutId id="2147483732" r:id="rId6"/>
-    <p:sldLayoutId id="2147483733" r:id="rId7"/>
-    <p:sldLayoutId id="2147483734" r:id="rId8"/>
-    <p:sldLayoutId id="2147483735" r:id="rId9"/>
-    <p:sldLayoutId id="2147483736" r:id="rId10"/>
-    <p:sldLayoutId id="2147483737" r:id="rId11"/>
-    <p:sldLayoutId id="2147483738" r:id="rId12"/>
-    <p:sldLayoutId id="2147483739" r:id="rId13"/>
-    <p:sldLayoutId id="2147483740" r:id="rId14"/>
-    <p:sldLayoutId id="2147483741" r:id="rId15"/>
-    <p:sldLayoutId id="2147483742" r:id="rId16"/>
-    <p:sldLayoutId id="2147483743" r:id="rId17"/>
+    <p:sldLayoutId id="2147483745" r:id="rId1"/>
+    <p:sldLayoutId id="2147483746" r:id="rId2"/>
+    <p:sldLayoutId id="2147483747" r:id="rId3"/>
+    <p:sldLayoutId id="2147483748" r:id="rId4"/>
+    <p:sldLayoutId id="2147483749" r:id="rId5"/>
+    <p:sldLayoutId id="2147483750" r:id="rId6"/>
+    <p:sldLayoutId id="2147483751" r:id="rId7"/>
+    <p:sldLayoutId id="2147483752" r:id="rId8"/>
+    <p:sldLayoutId id="2147483753" r:id="rId9"/>
+    <p:sldLayoutId id="2147483754" r:id="rId10"/>
+    <p:sldLayoutId id="2147483755" r:id="rId11"/>
+    <p:sldLayoutId id="2147483756" r:id="rId12"/>
+    <p:sldLayoutId id="2147483757" r:id="rId13"/>
+    <p:sldLayoutId id="2147483758" r:id="rId14"/>
+    <p:sldLayoutId id="2147483759" r:id="rId15"/>
+    <p:sldLayoutId id="2147483760" r:id="rId16"/>
   </p:sldLayoutIdLst>
   <p:txStyles>
     <p:titleStyle>
@@ -4960,14 +5429,10 @@
           <a:spcPct val="0"/>
         </a:spcBef>
         <a:buNone/>
-        <a:defRPr sz="3600" kern="1200" cap="all">
-          <a:ln w="3175" cmpd="sng">
-            <a:noFill/>
-          </a:ln>
+        <a:defRPr sz="3600" kern="1200">
           <a:solidFill>
-            <a:schemeClr val="tx1"/>
+            <a:schemeClr val="accent1"/>
           </a:solidFill>
-          <a:effectLst/>
           <a:latin typeface="+mj-lt"/>
           <a:ea typeface="+mj-ea"/>
           <a:cs typeface="+mj-cs"/>
@@ -5031,26 +5496,26 @@
       </a:lvl9pPr>
     </p:titleStyle>
     <p:bodyStyle>
-      <a:lvl1pPr marL="285750" indent="-285750" algn="l" defTabSz="457200" rtl="0" eaLnBrk="1" latinLnBrk="0" hangingPunct="1">
+      <a:lvl1pPr marL="342900" indent="-342900" algn="l" defTabSz="457200" rtl="0" eaLnBrk="1" latinLnBrk="0" hangingPunct="1">
         <a:spcBef>
-          <a:spcPct val="20000"/>
+          <a:spcPts val="1000"/>
         </a:spcBef>
         <a:spcAft>
-          <a:spcPts val="600"/>
+          <a:spcPts val="0"/>
         </a:spcAft>
         <a:buClr>
-          <a:schemeClr val="tx1"/>
+          <a:schemeClr val="accent1"/>
         </a:buClr>
         <a:buSzPct val="80000"/>
-        <a:buFont typeface="Wingdings 3" panose="05040102010807070707" pitchFamily="18" charset="2"/>
-        <a:buChar char=""/>
-        <a:defRPr sz="2000" kern="1200" cap="none">
+        <a:buFont typeface="Wingdings 3" charset="2"/>
+        <a:buChar char=""/>
+        <a:defRPr sz="1800" kern="1200">
           <a:solidFill>
-            <a:schemeClr val="bg2">
+            <a:schemeClr val="tx1">
               <a:lumMod val="75000"/>
+              <a:lumOff val="25000"/>
             </a:schemeClr>
           </a:solidFill>
-          <a:effectLst/>
           <a:latin typeface="+mn-lt"/>
           <a:ea typeface="+mn-ea"/>
           <a:cs typeface="+mn-cs"/>
@@ -5058,99 +5523,99 @@
       </a:lvl1pPr>
       <a:lvl2pPr marL="742950" indent="-285750" algn="l" defTabSz="457200" rtl="0" eaLnBrk="1" latinLnBrk="0" hangingPunct="1">
         <a:spcBef>
-          <a:spcPct val="20000"/>
+          <a:spcPts val="1000"/>
         </a:spcBef>
         <a:spcAft>
-          <a:spcPts val="600"/>
+          <a:spcPts val="0"/>
         </a:spcAft>
         <a:buClr>
-          <a:schemeClr val="tx1"/>
+          <a:schemeClr val="accent1"/>
         </a:buClr>
         <a:buSzPct val="80000"/>
-        <a:buFont typeface="Wingdings 3" panose="05040102010807070707" pitchFamily="18" charset="2"/>
-        <a:buChar char=""/>
-        <a:defRPr sz="1800" kern="1200" cap="none">
+        <a:buFont typeface="Wingdings 3" charset="2"/>
+        <a:buChar char=""/>
+        <a:defRPr sz="1600" kern="1200">
           <a:solidFill>
-            <a:schemeClr val="bg2">
+            <a:schemeClr val="tx1">
               <a:lumMod val="75000"/>
+              <a:lumOff val="25000"/>
             </a:schemeClr>
           </a:solidFill>
-          <a:effectLst/>
           <a:latin typeface="+mn-lt"/>
           <a:ea typeface="+mn-ea"/>
           <a:cs typeface="+mn-cs"/>
         </a:defRPr>
       </a:lvl2pPr>
-      <a:lvl3pPr marL="1200150" indent="-285750" algn="l" defTabSz="457200" rtl="0" eaLnBrk="1" latinLnBrk="0" hangingPunct="1">
+      <a:lvl3pPr marL="1143000" indent="-228600" algn="l" defTabSz="457200" rtl="0" eaLnBrk="1" latinLnBrk="0" hangingPunct="1">
         <a:spcBef>
-          <a:spcPct val="20000"/>
+          <a:spcPts val="1000"/>
         </a:spcBef>
         <a:spcAft>
-          <a:spcPts val="600"/>
+          <a:spcPts val="0"/>
         </a:spcAft>
         <a:buClr>
-          <a:schemeClr val="tx1"/>
+          <a:schemeClr val="accent1"/>
         </a:buClr>
         <a:buSzPct val="80000"/>
-        <a:buFont typeface="Wingdings 3" panose="05040102010807070707" pitchFamily="18" charset="2"/>
-        <a:buChar char=""/>
-        <a:defRPr sz="1600" kern="1200" cap="none">
+        <a:buFont typeface="Wingdings 3" charset="2"/>
+        <a:buChar char=""/>
+        <a:defRPr sz="1400" kern="1200">
           <a:solidFill>
-            <a:schemeClr val="bg2">
+            <a:schemeClr val="tx1">
               <a:lumMod val="75000"/>
+              <a:lumOff val="25000"/>
             </a:schemeClr>
           </a:solidFill>
-          <a:effectLst/>
           <a:latin typeface="+mn-lt"/>
           <a:ea typeface="+mn-ea"/>
           <a:cs typeface="+mn-cs"/>
         </a:defRPr>
       </a:lvl3pPr>
-      <a:lvl4pPr marL="1543050" indent="-171450" algn="l" defTabSz="457200" rtl="0" eaLnBrk="1" latinLnBrk="0" hangingPunct="1">
+      <a:lvl4pPr marL="1600200" indent="-228600" algn="l" defTabSz="457200" rtl="0" eaLnBrk="1" latinLnBrk="0" hangingPunct="1">
         <a:spcBef>
-          <a:spcPct val="20000"/>
+          <a:spcPts val="1000"/>
         </a:spcBef>
         <a:spcAft>
-          <a:spcPts val="600"/>
+          <a:spcPts val="0"/>
         </a:spcAft>
         <a:buClr>
-          <a:schemeClr val="tx1"/>
+          <a:schemeClr val="accent1"/>
         </a:buClr>
         <a:buSzPct val="80000"/>
-        <a:buFont typeface="Wingdings 3" panose="05040102010807070707" pitchFamily="18" charset="2"/>
-        <a:buChar char=""/>
-        <a:defRPr sz="1400" kern="1200" cap="none">
+        <a:buFont typeface="Wingdings 3" charset="2"/>
+        <a:buChar char=""/>
+        <a:defRPr sz="1200" kern="1200">
           <a:solidFill>
-            <a:schemeClr val="bg2">
+            <a:schemeClr val="tx1">
               <a:lumMod val="75000"/>
+              <a:lumOff val="25000"/>
             </a:schemeClr>
           </a:solidFill>
-          <a:effectLst/>
           <a:latin typeface="+mn-lt"/>
           <a:ea typeface="+mn-ea"/>
           <a:cs typeface="+mn-cs"/>
         </a:defRPr>
       </a:lvl4pPr>
-      <a:lvl5pPr marL="2000250" indent="-171450" algn="l" defTabSz="457200" rtl="0" eaLnBrk="1" latinLnBrk="0" hangingPunct="1">
+      <a:lvl5pPr marL="2057400" indent="-228600" algn="l" defTabSz="457200" rtl="0" eaLnBrk="1" latinLnBrk="0" hangingPunct="1">
         <a:spcBef>
-          <a:spcPct val="20000"/>
+          <a:spcPts val="1000"/>
         </a:spcBef>
         <a:spcAft>
-          <a:spcPts val="600"/>
+          <a:spcPts val="0"/>
         </a:spcAft>
         <a:buClr>
-          <a:schemeClr val="tx1"/>
+          <a:schemeClr val="accent1"/>
         </a:buClr>
         <a:buSzPct val="80000"/>
-        <a:buFont typeface="Wingdings 3" panose="05040102010807070707" pitchFamily="18" charset="2"/>
-        <a:buChar char=""/>
-        <a:defRPr sz="1400" kern="1200" cap="none">
+        <a:buFont typeface="Wingdings 3" charset="2"/>
+        <a:buChar char=""/>
+        <a:defRPr sz="1200" kern="1200">
           <a:solidFill>
-            <a:schemeClr val="bg2">
+            <a:schemeClr val="tx1">
               <a:lumMod val="75000"/>
+              <a:lumOff val="25000"/>
             </a:schemeClr>
           </a:solidFill>
-          <a:effectLst/>
           <a:latin typeface="+mn-lt"/>
           <a:ea typeface="+mn-ea"/>
           <a:cs typeface="+mn-cs"/>
@@ -5158,24 +5623,24 @@
       </a:lvl5pPr>
       <a:lvl6pPr marL="2514600" indent="-228600" algn="l" defTabSz="457200" rtl="0" eaLnBrk="1" latinLnBrk="0" hangingPunct="1">
         <a:spcBef>
-          <a:spcPct val="20000"/>
+          <a:spcPts val="1000"/>
         </a:spcBef>
         <a:spcAft>
-          <a:spcPts val="600"/>
+          <a:spcPts val="0"/>
         </a:spcAft>
         <a:buClr>
-          <a:schemeClr val="tx1"/>
+          <a:schemeClr val="accent1"/>
         </a:buClr>
         <a:buSzPct val="80000"/>
-        <a:buFont typeface="Wingdings 3" panose="05040102010807070707" pitchFamily="18" charset="2"/>
-        <a:buChar char=""/>
-        <a:defRPr sz="1400" kern="1200" cap="none">
+        <a:buFont typeface="Wingdings 3" charset="2"/>
+        <a:buChar char=""/>
+        <a:defRPr sz="1200" kern="1200">
           <a:solidFill>
-            <a:schemeClr val="bg2">
+            <a:schemeClr val="tx1">
               <a:lumMod val="75000"/>
+              <a:lumOff val="25000"/>
             </a:schemeClr>
           </a:solidFill>
-          <a:effectLst/>
           <a:latin typeface="+mn-lt"/>
           <a:ea typeface="+mn-ea"/>
           <a:cs typeface="+mn-cs"/>
@@ -5183,24 +5648,24 @@
       </a:lvl6pPr>
       <a:lvl7pPr marL="2971800" indent="-228600" algn="l" defTabSz="457200" rtl="0" eaLnBrk="1" latinLnBrk="0" hangingPunct="1">
         <a:spcBef>
-          <a:spcPct val="20000"/>
+          <a:spcPts val="1000"/>
         </a:spcBef>
         <a:spcAft>
-          <a:spcPts val="600"/>
+          <a:spcPts val="0"/>
         </a:spcAft>
         <a:buClr>
-          <a:schemeClr val="tx1"/>
+          <a:schemeClr val="accent1"/>
         </a:buClr>
         <a:buSzPct val="80000"/>
-        <a:buFont typeface="Wingdings 3" panose="05040102010807070707" pitchFamily="18" charset="2"/>
-        <a:buChar char=""/>
-        <a:defRPr sz="1400" kern="1200" cap="none">
+        <a:buFont typeface="Wingdings 3" charset="2"/>
+        <a:buChar char=""/>
+        <a:defRPr sz="1200" kern="1200">
           <a:solidFill>
-            <a:schemeClr val="bg2">
+            <a:schemeClr val="tx1">
               <a:lumMod val="75000"/>
+              <a:lumOff val="25000"/>
             </a:schemeClr>
           </a:solidFill>
-          <a:effectLst/>
           <a:latin typeface="+mn-lt"/>
           <a:ea typeface="+mn-ea"/>
           <a:cs typeface="+mn-cs"/>
@@ -5208,24 +5673,24 @@
       </a:lvl7pPr>
       <a:lvl8pPr marL="3429000" indent="-228600" algn="l" defTabSz="457200" rtl="0" eaLnBrk="1" latinLnBrk="0" hangingPunct="1">
         <a:spcBef>
-          <a:spcPct val="20000"/>
+          <a:spcPts val="1000"/>
         </a:spcBef>
         <a:spcAft>
-          <a:spcPts val="600"/>
+          <a:spcPts val="0"/>
         </a:spcAft>
         <a:buClr>
-          <a:schemeClr val="tx1"/>
+          <a:schemeClr val="accent1"/>
         </a:buClr>
         <a:buSzPct val="80000"/>
-        <a:buFont typeface="Wingdings 3" panose="05040102010807070707" pitchFamily="18" charset="2"/>
-        <a:buChar char=""/>
-        <a:defRPr sz="1400" kern="1200" cap="none">
+        <a:buFont typeface="Wingdings 3" charset="2"/>
+        <a:buChar char=""/>
+        <a:defRPr sz="1200" kern="1200">
           <a:solidFill>
-            <a:schemeClr val="bg2">
+            <a:schemeClr val="tx1">
               <a:lumMod val="75000"/>
+              <a:lumOff val="25000"/>
             </a:schemeClr>
           </a:solidFill>
-          <a:effectLst/>
           <a:latin typeface="+mn-lt"/>
           <a:ea typeface="+mn-ea"/>
           <a:cs typeface="+mn-cs"/>
@@ -5233,24 +5698,24 @@
       </a:lvl8pPr>
       <a:lvl9pPr marL="3886200" indent="-228600" algn="l" defTabSz="457200" rtl="0" eaLnBrk="1" latinLnBrk="0" hangingPunct="1">
         <a:spcBef>
-          <a:spcPct val="20000"/>
+          <a:spcPts val="1000"/>
         </a:spcBef>
         <a:spcAft>
-          <a:spcPts val="600"/>
+          <a:spcPts val="0"/>
         </a:spcAft>
         <a:buClr>
-          <a:schemeClr val="tx1"/>
+          <a:schemeClr val="accent1"/>
         </a:buClr>
         <a:buSzPct val="80000"/>
-        <a:buFont typeface="Wingdings 3" panose="05040102010807070707" pitchFamily="18" charset="2"/>
-        <a:buChar char=""/>
-        <a:defRPr sz="1400" kern="1200" cap="none">
+        <a:buFont typeface="Wingdings 3" charset="2"/>
+        <a:buChar char=""/>
+        <a:defRPr sz="1200" kern="1200">
           <a:solidFill>
-            <a:schemeClr val="bg2">
+            <a:schemeClr val="tx1">
               <a:lumMod val="75000"/>
+              <a:lumOff val="25000"/>
             </a:schemeClr>
           </a:solidFill>
-          <a:effectLst/>
           <a:latin typeface="+mn-lt"/>
           <a:ea typeface="+mn-ea"/>
           <a:cs typeface="+mn-cs"/>
@@ -5385,8 +5850,8 @@
         </p:nvSpPr>
         <p:spPr>
           <a:xfrm>
-            <a:off x="905824" y="1402083"/>
-            <a:ext cx="5314950" cy="4249737"/>
+            <a:off x="0" y="1401763"/>
+            <a:ext cx="8878888" cy="4249737"/>
           </a:xfrm>
         </p:spPr>
         <p:txBody>
@@ -5395,6 +5860,528 @@
           </a:bodyPr>
           <a:lstStyle/>
           <a:p>
+            <a:r>
+              <a:rPr lang="en-US" sz="2000" dirty="0" smtClean="0"/>
+              <a:t>Sequence</a:t>
+            </a:r>
+          </a:p>
+          <a:p>
+            <a:r>
+              <a:rPr lang="en-US" dirty="0" smtClean="0"/>
+              <a:t>Selection/Decision</a:t>
+            </a:r>
+          </a:p>
+          <a:p>
+            <a:r>
+              <a:rPr lang="en-US" sz="2000" dirty="0" smtClean="0"/>
+              <a:t>Iteration/looping</a:t>
+            </a:r>
+          </a:p>
+          <a:p>
+            <a:pPr marL="0" indent="0" algn="l">
+              <a:buNone/>
+            </a:pPr>
+            <a:endParaRPr lang="en-US" sz="2000" dirty="0" smtClean="0"/>
+          </a:p>
+        </p:txBody>
+      </p:sp>
+      <p:sp>
+        <p:nvSpPr>
+          <p:cNvPr id="2" name="Title 1"/>
+          <p:cNvSpPr>
+            <a:spLocks noGrp="1"/>
+          </p:cNvSpPr>
+          <p:nvPr>
+            <p:ph type="title" idx="4294967295"/>
+          </p:nvPr>
+        </p:nvSpPr>
+        <p:spPr>
+          <a:xfrm>
+            <a:off x="0" y="492125"/>
+            <a:ext cx="4435475" cy="606425"/>
+          </a:xfrm>
+        </p:spPr>
+        <p:txBody>
+          <a:bodyPr>
+            <a:normAutofit/>
+          </a:bodyPr>
+          <a:lstStyle/>
+          <a:p>
+            <a:r>
+              <a:rPr lang="en-IN" sz="2800" b="1" dirty="0" smtClean="0"/>
+              <a:t>Program control flow</a:t>
+            </a:r>
+            <a:endParaRPr lang="en-US" sz="2800" b="1" dirty="0"/>
+          </a:p>
+        </p:txBody>
+      </p:sp>
+    </p:spTree>
+    <p:extLst>
+      <p:ext uri="{BB962C8B-B14F-4D97-AF65-F5344CB8AC3E}">
+        <p14:creationId xmlns:p14="http://schemas.microsoft.com/office/powerpoint/2010/main" val="2907014816"/>
+      </p:ext>
+    </p:extLst>
+  </p:cSld>
+  <p:clrMapOvr>
+    <a:masterClrMapping/>
+  </p:clrMapOvr>
+  <p:transition spd="slow">
+    <p:randomBar dir="vert"/>
+  </p:transition>
+  <p:timing>
+    <p:tnLst>
+      <p:par>
+        <p:cTn id="1" dur="indefinite" restart="never" nodeType="tmRoot">
+          <p:childTnLst>
+            <p:seq concurrent="1" nextAc="seek">
+              <p:cTn id="2" dur="indefinite" nodeType="mainSeq">
+                <p:childTnLst>
+                  <p:par>
+                    <p:cTn id="3" fill="hold">
+                      <p:stCondLst>
+                        <p:cond delay="indefinite"/>
+                      </p:stCondLst>
+                      <p:childTnLst>
+                        <p:par>
+                          <p:cTn id="4" fill="hold">
+                            <p:stCondLst>
+                              <p:cond delay="0"/>
+                            </p:stCondLst>
+                            <p:childTnLst>
+                              <p:par>
+                                <p:cTn id="5" presetID="14" presetClass="entr" presetSubtype="10" fill="hold" grpId="0" nodeType="clickEffect">
+                                  <p:stCondLst>
+                                    <p:cond delay="0"/>
+                                  </p:stCondLst>
+                                  <p:childTnLst>
+                                    <p:set>
+                                      <p:cBhvr>
+                                        <p:cTn id="6" dur="1" fill="hold">
+                                          <p:stCondLst>
+                                            <p:cond delay="0"/>
+                                          </p:stCondLst>
+                                        </p:cTn>
+                                        <p:tgtEl>
+                                          <p:spTgt spid="3">
+                                            <p:txEl>
+                                              <p:pRg st="0" end="0"/>
+                                            </p:txEl>
+                                          </p:spTgt>
+                                        </p:tgtEl>
+                                        <p:attrNameLst>
+                                          <p:attrName>style.visibility</p:attrName>
+                                        </p:attrNameLst>
+                                      </p:cBhvr>
+                                      <p:to>
+                                        <p:strVal val="visible"/>
+                                      </p:to>
+                                    </p:set>
+                                    <p:animEffect transition="in" filter="randombar(horizontal)">
+                                      <p:cBhvr>
+                                        <p:cTn id="7" dur="500"/>
+                                        <p:tgtEl>
+                                          <p:spTgt spid="3">
+                                            <p:txEl>
+                                              <p:pRg st="0" end="0"/>
+                                            </p:txEl>
+                                          </p:spTgt>
+                                        </p:tgtEl>
+                                      </p:cBhvr>
+                                    </p:animEffect>
+                                  </p:childTnLst>
+                                </p:cTn>
+                              </p:par>
+                            </p:childTnLst>
+                          </p:cTn>
+                        </p:par>
+                      </p:childTnLst>
+                    </p:cTn>
+                  </p:par>
+                  <p:par>
+                    <p:cTn id="8" fill="hold">
+                      <p:stCondLst>
+                        <p:cond delay="indefinite"/>
+                      </p:stCondLst>
+                      <p:childTnLst>
+                        <p:par>
+                          <p:cTn id="9" fill="hold">
+                            <p:stCondLst>
+                              <p:cond delay="0"/>
+                            </p:stCondLst>
+                            <p:childTnLst>
+                              <p:par>
+                                <p:cTn id="10" presetID="14" presetClass="entr" presetSubtype="10" fill="hold" grpId="0" nodeType="clickEffect">
+                                  <p:stCondLst>
+                                    <p:cond delay="0"/>
+                                  </p:stCondLst>
+                                  <p:childTnLst>
+                                    <p:set>
+                                      <p:cBhvr>
+                                        <p:cTn id="11" dur="1" fill="hold">
+                                          <p:stCondLst>
+                                            <p:cond delay="0"/>
+                                          </p:stCondLst>
+                                        </p:cTn>
+                                        <p:tgtEl>
+                                          <p:spTgt spid="3">
+                                            <p:txEl>
+                                              <p:pRg st="1" end="1"/>
+                                            </p:txEl>
+                                          </p:spTgt>
+                                        </p:tgtEl>
+                                        <p:attrNameLst>
+                                          <p:attrName>style.visibility</p:attrName>
+                                        </p:attrNameLst>
+                                      </p:cBhvr>
+                                      <p:to>
+                                        <p:strVal val="visible"/>
+                                      </p:to>
+                                    </p:set>
+                                    <p:animEffect transition="in" filter="randombar(horizontal)">
+                                      <p:cBhvr>
+                                        <p:cTn id="12" dur="500"/>
+                                        <p:tgtEl>
+                                          <p:spTgt spid="3">
+                                            <p:txEl>
+                                              <p:pRg st="1" end="1"/>
+                                            </p:txEl>
+                                          </p:spTgt>
+                                        </p:tgtEl>
+                                      </p:cBhvr>
+                                    </p:animEffect>
+                                  </p:childTnLst>
+                                </p:cTn>
+                              </p:par>
+                            </p:childTnLst>
+                          </p:cTn>
+                        </p:par>
+                      </p:childTnLst>
+                    </p:cTn>
+                  </p:par>
+                  <p:par>
+                    <p:cTn id="13" fill="hold">
+                      <p:stCondLst>
+                        <p:cond delay="indefinite"/>
+                      </p:stCondLst>
+                      <p:childTnLst>
+                        <p:par>
+                          <p:cTn id="14" fill="hold">
+                            <p:stCondLst>
+                              <p:cond delay="0"/>
+                            </p:stCondLst>
+                            <p:childTnLst>
+                              <p:par>
+                                <p:cTn id="15" presetID="14" presetClass="entr" presetSubtype="10" fill="hold" grpId="0" nodeType="clickEffect">
+                                  <p:stCondLst>
+                                    <p:cond delay="0"/>
+                                  </p:stCondLst>
+                                  <p:childTnLst>
+                                    <p:set>
+                                      <p:cBhvr>
+                                        <p:cTn id="16" dur="1" fill="hold">
+                                          <p:stCondLst>
+                                            <p:cond delay="0"/>
+                                          </p:stCondLst>
+                                        </p:cTn>
+                                        <p:tgtEl>
+                                          <p:spTgt spid="3">
+                                            <p:txEl>
+                                              <p:pRg st="2" end="2"/>
+                                            </p:txEl>
+                                          </p:spTgt>
+                                        </p:tgtEl>
+                                        <p:attrNameLst>
+                                          <p:attrName>style.visibility</p:attrName>
+                                        </p:attrNameLst>
+                                      </p:cBhvr>
+                                      <p:to>
+                                        <p:strVal val="visible"/>
+                                      </p:to>
+                                    </p:set>
+                                    <p:animEffect transition="in" filter="randombar(horizontal)">
+                                      <p:cBhvr>
+                                        <p:cTn id="17" dur="500"/>
+                                        <p:tgtEl>
+                                          <p:spTgt spid="3">
+                                            <p:txEl>
+                                              <p:pRg st="2" end="2"/>
+                                            </p:txEl>
+                                          </p:spTgt>
+                                        </p:tgtEl>
+                                      </p:cBhvr>
+                                    </p:animEffect>
+                                  </p:childTnLst>
+                                </p:cTn>
+                              </p:par>
+                            </p:childTnLst>
+                          </p:cTn>
+                        </p:par>
+                      </p:childTnLst>
+                    </p:cTn>
+                  </p:par>
+                </p:childTnLst>
+              </p:cTn>
+              <p:prevCondLst>
+                <p:cond evt="onPrev" delay="0">
+                  <p:tgtEl>
+                    <p:sldTgt/>
+                  </p:tgtEl>
+                </p:cond>
+              </p:prevCondLst>
+              <p:nextCondLst>
+                <p:cond evt="onNext" delay="0">
+                  <p:tgtEl>
+                    <p:sldTgt/>
+                  </p:tgtEl>
+                </p:cond>
+              </p:nextCondLst>
+            </p:seq>
+          </p:childTnLst>
+        </p:cTn>
+      </p:par>
+    </p:tnLst>
+    <p:bldLst>
+      <p:bldP spid="3" grpId="0" build="p"/>
+    </p:bldLst>
+  </p:timing>
+</p:sld>
+</file>
+
+<file path=ppt/slides/slide10.xml><?xml version="1.0" encoding="utf-8"?>
+<p:sld xmlns:a="http://schemas.openxmlformats.org/drawingml/2006/main" xmlns:r="http://schemas.openxmlformats.org/officeDocument/2006/relationships" xmlns:p="http://schemas.openxmlformats.org/presentationml/2006/main">
+  <p:cSld>
+    <p:spTree>
+      <p:nvGrpSpPr>
+        <p:cNvPr id="1" name=""/>
+        <p:cNvGrpSpPr/>
+        <p:nvPr/>
+      </p:nvGrpSpPr>
+      <p:grpSpPr>
+        <a:xfrm>
+          <a:off x="0" y="0"/>
+          <a:ext cx="0" cy="0"/>
+          <a:chOff x="0" y="0"/>
+          <a:chExt cx="0" cy="0"/>
+        </a:xfrm>
+      </p:grpSpPr>
+      <p:sp>
+        <p:nvSpPr>
+          <p:cNvPr id="2" name="TextBox 1"/>
+          <p:cNvSpPr txBox="1"/>
+          <p:nvPr/>
+        </p:nvSpPr>
+        <p:spPr>
+          <a:xfrm>
+            <a:off x="4349810" y="2760291"/>
+            <a:ext cx="2768837" cy="769441"/>
+          </a:xfrm>
+          <a:prstGeom prst="rect">
+            <a:avLst/>
+          </a:prstGeom>
+          <a:noFill/>
+        </p:spPr>
+        <p:txBody>
+          <a:bodyPr wrap="square" rtlCol="0">
+            <a:spAutoFit/>
+          </a:bodyPr>
+          <a:lstStyle/>
+          <a:p>
+            <a:r>
+              <a:rPr lang="en-US" sz="4400" dirty="0" smtClean="0"/>
+              <a:t>Thank You</a:t>
+            </a:r>
+            <a:endParaRPr lang="en-IN" sz="4400" dirty="0"/>
+          </a:p>
+        </p:txBody>
+      </p:sp>
+    </p:spTree>
+    <p:extLst>
+      <p:ext uri="{BB962C8B-B14F-4D97-AF65-F5344CB8AC3E}">
+        <p14:creationId xmlns:p14="http://schemas.microsoft.com/office/powerpoint/2010/main" val="3053137921"/>
+      </p:ext>
+    </p:extLst>
+  </p:cSld>
+  <p:clrMapOvr>
+    <a:masterClrMapping/>
+  </p:clrMapOvr>
+  <mc:AlternateContent xmlns:mc="http://schemas.openxmlformats.org/markup-compatibility/2006" xmlns:p14="http://schemas.microsoft.com/office/powerpoint/2010/main">
+    <mc:Choice Requires="p14">
+      <p:transition spd="slow" p14:dur="1250">
+        <p14:switch dir="r"/>
+      </p:transition>
+    </mc:Choice>
+    <mc:Fallback xmlns="">
+      <p:transition spd="slow">
+        <p:fade/>
+      </p:transition>
+    </mc:Fallback>
+  </mc:AlternateContent>
+  <p:timing>
+    <p:tnLst>
+      <p:par>
+        <p:cTn id="1" dur="indefinite" restart="never" nodeType="tmRoot">
+          <p:childTnLst>
+            <p:seq concurrent="1" nextAc="seek">
+              <p:cTn id="2" dur="indefinite" nodeType="mainSeq">
+                <p:childTnLst>
+                  <p:par>
+                    <p:cTn id="3" fill="hold">
+                      <p:stCondLst>
+                        <p:cond delay="indefinite"/>
+                      </p:stCondLst>
+                      <p:childTnLst>
+                        <p:par>
+                          <p:cTn id="4" fill="hold">
+                            <p:stCondLst>
+                              <p:cond delay="0"/>
+                            </p:stCondLst>
+                            <p:childTnLst>
+                              <p:par>
+                                <p:cTn id="5" presetID="2" presetClass="entr" presetSubtype="4" fill="hold" grpId="0" nodeType="clickEffect">
+                                  <p:stCondLst>
+                                    <p:cond delay="0"/>
+                                  </p:stCondLst>
+                                  <p:childTnLst>
+                                    <p:set>
+                                      <p:cBhvr>
+                                        <p:cTn id="6" dur="1" fill="hold">
+                                          <p:stCondLst>
+                                            <p:cond delay="0"/>
+                                          </p:stCondLst>
+                                        </p:cTn>
+                                        <p:tgtEl>
+                                          <p:spTgt spid="2"/>
+                                        </p:tgtEl>
+                                        <p:attrNameLst>
+                                          <p:attrName>style.visibility</p:attrName>
+                                        </p:attrNameLst>
+                                      </p:cBhvr>
+                                      <p:to>
+                                        <p:strVal val="visible"/>
+                                      </p:to>
+                                    </p:set>
+                                    <p:anim calcmode="lin" valueType="num">
+                                      <p:cBhvr additive="base">
+                                        <p:cTn id="7" dur="500" fill="hold"/>
+                                        <p:tgtEl>
+                                          <p:spTgt spid="2"/>
+                                        </p:tgtEl>
+                                        <p:attrNameLst>
+                                          <p:attrName>ppt_x</p:attrName>
+                                        </p:attrNameLst>
+                                      </p:cBhvr>
+                                      <p:tavLst>
+                                        <p:tav tm="0">
+                                          <p:val>
+                                            <p:strVal val="#ppt_x"/>
+                                          </p:val>
+                                        </p:tav>
+                                        <p:tav tm="100000">
+                                          <p:val>
+                                            <p:strVal val="#ppt_x"/>
+                                          </p:val>
+                                        </p:tav>
+                                      </p:tavLst>
+                                    </p:anim>
+                                    <p:anim calcmode="lin" valueType="num">
+                                      <p:cBhvr additive="base">
+                                        <p:cTn id="8" dur="500" fill="hold"/>
+                                        <p:tgtEl>
+                                          <p:spTgt spid="2"/>
+                                        </p:tgtEl>
+                                        <p:attrNameLst>
+                                          <p:attrName>ppt_y</p:attrName>
+                                        </p:attrNameLst>
+                                      </p:cBhvr>
+                                      <p:tavLst>
+                                        <p:tav tm="0">
+                                          <p:val>
+                                            <p:strVal val="1+#ppt_h/2"/>
+                                          </p:val>
+                                        </p:tav>
+                                        <p:tav tm="100000">
+                                          <p:val>
+                                            <p:strVal val="#ppt_y"/>
+                                          </p:val>
+                                        </p:tav>
+                                      </p:tavLst>
+                                    </p:anim>
+                                  </p:childTnLst>
+                                </p:cTn>
+                              </p:par>
+                            </p:childTnLst>
+                          </p:cTn>
+                        </p:par>
+                      </p:childTnLst>
+                    </p:cTn>
+                  </p:par>
+                </p:childTnLst>
+              </p:cTn>
+              <p:prevCondLst>
+                <p:cond evt="onPrev" delay="0">
+                  <p:tgtEl>
+                    <p:sldTgt/>
+                  </p:tgtEl>
+                </p:cond>
+              </p:prevCondLst>
+              <p:nextCondLst>
+                <p:cond evt="onNext" delay="0">
+                  <p:tgtEl>
+                    <p:sldTgt/>
+                  </p:tgtEl>
+                </p:cond>
+              </p:nextCondLst>
+            </p:seq>
+          </p:childTnLst>
+        </p:cTn>
+      </p:par>
+    </p:tnLst>
+    <p:bldLst>
+      <p:bldP spid="2" grpId="0"/>
+    </p:bldLst>
+  </p:timing>
+</p:sld>
+</file>
+
+<file path=ppt/slides/slide2.xml><?xml version="1.0" encoding="utf-8"?>
+<p:sld xmlns:a="http://schemas.openxmlformats.org/drawingml/2006/main" xmlns:r="http://schemas.openxmlformats.org/officeDocument/2006/relationships" xmlns:p="http://schemas.openxmlformats.org/presentationml/2006/main">
+  <p:cSld>
+    <p:spTree>
+      <p:nvGrpSpPr>
+        <p:cNvPr id="1" name=""/>
+        <p:cNvGrpSpPr/>
+        <p:nvPr/>
+      </p:nvGrpSpPr>
+      <p:grpSpPr>
+        <a:xfrm>
+          <a:off x="0" y="0"/>
+          <a:ext cx="0" cy="0"/>
+          <a:chOff x="0" y="0"/>
+          <a:chExt cx="0" cy="0"/>
+        </a:xfrm>
+      </p:grpSpPr>
+      <p:sp>
+        <p:nvSpPr>
+          <p:cNvPr id="3" name="Subtitle 2"/>
+          <p:cNvSpPr>
+            <a:spLocks noGrp="1"/>
+          </p:cNvSpPr>
+          <p:nvPr>
+            <p:ph sz="half" idx="4294967295"/>
+          </p:nvPr>
+        </p:nvSpPr>
+        <p:spPr>
+          <a:xfrm>
+            <a:off x="0" y="1401763"/>
+            <a:ext cx="5314950" cy="4249737"/>
+          </a:xfrm>
+        </p:spPr>
+        <p:txBody>
+          <a:bodyPr>
+            <a:normAutofit/>
+          </a:bodyPr>
+          <a:lstStyle/>
+          <a:p>
             <a:pPr algn="l"/>
             <a:r>
               <a:rPr lang="en-US" sz="2000" dirty="0"/>
@@ -5469,13 +6456,13 @@
         </p:nvSpPr>
         <p:spPr>
           <a:xfrm>
-            <a:off x="4906324" y="716270"/>
+            <a:off x="9563100" y="715963"/>
             <a:ext cx="2628900" cy="606425"/>
           </a:xfrm>
         </p:spPr>
         <p:txBody>
           <a:bodyPr>
-            <a:normAutofit fontScale="90000"/>
+            <a:normAutofit/>
           </a:bodyPr>
           <a:lstStyle/>
           <a:p>
@@ -5868,7 +6855,7 @@
     </p:spTree>
     <p:extLst>
       <p:ext uri="{BB962C8B-B14F-4D97-AF65-F5344CB8AC3E}">
-        <p14:creationId xmlns:p14="http://schemas.microsoft.com/office/powerpoint/2010/main" val="2907014816"/>
+        <p14:creationId xmlns:p14="http://schemas.microsoft.com/office/powerpoint/2010/main" val="2162781550"/>
       </p:ext>
     </p:extLst>
   </p:cSld>
@@ -6211,7 +7198,7 @@
 </p:sld>
 </file>
 
-<file path=ppt/slides/slide2.xml><?xml version="1.0" encoding="utf-8"?>
+<file path=ppt/slides/slide3.xml><?xml version="1.0" encoding="utf-8"?>
 <p:sld xmlns:a="http://schemas.openxmlformats.org/drawingml/2006/main" xmlns:r="http://schemas.openxmlformats.org/officeDocument/2006/relationships" xmlns:p="http://schemas.openxmlformats.org/presentationml/2006/main">
   <p:cSld>
     <p:spTree>
@@ -6240,8 +7227,8 @@
         </p:nvSpPr>
         <p:spPr>
           <a:xfrm>
-            <a:off x="905856" y="2924013"/>
-            <a:ext cx="4503634" cy="896937"/>
+            <a:off x="0" y="2924175"/>
+            <a:ext cx="4503738" cy="896938"/>
           </a:xfrm>
         </p:spPr>
         <p:txBody>
@@ -6465,7 +7452,7 @@
 </p:sld>
 </file>
 
-<file path=ppt/slides/slide3.xml><?xml version="1.0" encoding="utf-8"?>
+<file path=ppt/slides/slide4.xml><?xml version="1.0" encoding="utf-8"?>
 <p:sld xmlns:a="http://schemas.openxmlformats.org/drawingml/2006/main" xmlns:r="http://schemas.openxmlformats.org/officeDocument/2006/relationships" xmlns:p="http://schemas.openxmlformats.org/presentationml/2006/main">
   <p:cSld>
     <p:spTree>
@@ -6494,8 +7481,8 @@
         </p:nvSpPr>
         <p:spPr>
           <a:xfrm>
-            <a:off x="3692877" y="496249"/>
-            <a:ext cx="4264351" cy="896938"/>
+            <a:off x="0" y="496888"/>
+            <a:ext cx="4264025" cy="896937"/>
           </a:xfrm>
         </p:spPr>
         <p:txBody>
@@ -6789,7 +7776,7 @@
 </p:sld>
 </file>
 
-<file path=ppt/slides/slide4.xml><?xml version="1.0" encoding="utf-8"?>
+<file path=ppt/slides/slide5.xml><?xml version="1.0" encoding="utf-8"?>
 <p:sld xmlns:a="http://schemas.openxmlformats.org/drawingml/2006/main" xmlns:r="http://schemas.openxmlformats.org/officeDocument/2006/relationships" xmlns:p="http://schemas.openxmlformats.org/presentationml/2006/main">
   <p:cSld>
     <p:spTree>
@@ -6818,8 +7805,8 @@
         </p:nvSpPr>
         <p:spPr>
           <a:xfrm>
-            <a:off x="4554908" y="751779"/>
-            <a:ext cx="2700471" cy="674687"/>
+            <a:off x="0" y="752475"/>
+            <a:ext cx="2700338" cy="674688"/>
           </a:xfrm>
         </p:spPr>
         <p:txBody>
@@ -6848,7 +7835,7 @@
         </p:nvSpPr>
         <p:spPr>
           <a:xfrm>
-            <a:off x="999858" y="1387520"/>
+            <a:off x="0" y="1387475"/>
             <a:ext cx="6357938" cy="368300"/>
           </a:xfrm>
         </p:spPr>
@@ -7237,7 +8224,7 @@
 </p:sld>
 </file>
 
-<file path=ppt/slides/slide5.xml><?xml version="1.0" encoding="utf-8"?>
+<file path=ppt/slides/slide6.xml><?xml version="1.0" encoding="utf-8"?>
 <p:sld xmlns:a="http://schemas.openxmlformats.org/drawingml/2006/main" xmlns:r="http://schemas.openxmlformats.org/officeDocument/2006/relationships" xmlns:p="http://schemas.openxmlformats.org/presentationml/2006/main">
   <p:cSld>
     <p:spTree>
@@ -7266,8 +8253,8 @@
         </p:nvSpPr>
         <p:spPr>
           <a:xfrm>
-            <a:off x="803305" y="930548"/>
-            <a:ext cx="3081975" cy="718098"/>
+            <a:off x="0" y="930275"/>
+            <a:ext cx="3081338" cy="719138"/>
           </a:xfrm>
         </p:spPr>
         <p:txBody>
@@ -7296,8 +8283,8 @@
         </p:nvSpPr>
         <p:spPr>
           <a:xfrm>
-            <a:off x="871671" y="2254745"/>
-            <a:ext cx="3734511" cy="1941240"/>
+            <a:off x="0" y="2254250"/>
+            <a:ext cx="3735388" cy="1941513"/>
           </a:xfrm>
         </p:spPr>
         <p:txBody>
@@ -7520,7 +8507,7 @@
 </p:sld>
 </file>
 
-<file path=ppt/slides/slide6.xml><?xml version="1.0" encoding="utf-8"?>
+<file path=ppt/slides/slide7.xml><?xml version="1.0" encoding="utf-8"?>
 <p:sld xmlns:a="http://schemas.openxmlformats.org/drawingml/2006/main" xmlns:r="http://schemas.openxmlformats.org/officeDocument/2006/relationships" xmlns:p="http://schemas.openxmlformats.org/presentationml/2006/main">
   <p:cSld>
     <p:spTree>
@@ -7545,8 +8532,8 @@
         </p:nvSpPr>
         <p:spPr>
           <a:xfrm>
-            <a:off x="4349810" y="2760291"/>
-            <a:ext cx="2768837" cy="769441"/>
+            <a:off x="2820112" y="546931"/>
+            <a:ext cx="4802736" cy="769441"/>
           </a:xfrm>
           <a:prstGeom prst="rect">
             <a:avLst/>
@@ -7561,29 +8548,89 @@
           <a:p>
             <a:r>
               <a:rPr lang="en-US" sz="4400" dirty="0" smtClean="0"/>
-              <a:t>Thank You</a:t>
+              <a:t>Jump Statements</a:t>
             </a:r>
             <a:endParaRPr lang="en-IN" sz="4400" dirty="0"/>
+          </a:p>
+        </p:txBody>
+      </p:sp>
+      <p:sp>
+        <p:nvSpPr>
+          <p:cNvPr id="3" name="TextBox 2"/>
+          <p:cNvSpPr txBox="1"/>
+          <p:nvPr/>
+        </p:nvSpPr>
+        <p:spPr>
+          <a:xfrm>
+            <a:off x="502777" y="2117932"/>
+            <a:ext cx="3496656" cy="769441"/>
+          </a:xfrm>
+          <a:prstGeom prst="rect">
+            <a:avLst/>
+          </a:prstGeom>
+          <a:noFill/>
+        </p:spPr>
+        <p:txBody>
+          <a:bodyPr wrap="square" rtlCol="0">
+            <a:spAutoFit/>
+          </a:bodyPr>
+          <a:lstStyle/>
+          <a:p>
+            <a:r>
+              <a:rPr lang="en-US" sz="4400" dirty="0" smtClean="0"/>
+              <a:t>Break</a:t>
+            </a:r>
+            <a:endParaRPr lang="en-IN" sz="2800" dirty="0"/>
+          </a:p>
+        </p:txBody>
+      </p:sp>
+      <p:sp>
+        <p:nvSpPr>
+          <p:cNvPr id="4" name="TextBox 3"/>
+          <p:cNvSpPr txBox="1"/>
+          <p:nvPr/>
+        </p:nvSpPr>
+        <p:spPr>
+          <a:xfrm>
+            <a:off x="432986" y="2887373"/>
+            <a:ext cx="3241706" cy="769441"/>
+          </a:xfrm>
+          <a:prstGeom prst="rect">
+            <a:avLst/>
+          </a:prstGeom>
+          <a:noFill/>
+        </p:spPr>
+        <p:txBody>
+          <a:bodyPr wrap="square" rtlCol="0">
+            <a:spAutoFit/>
+          </a:bodyPr>
+          <a:lstStyle/>
+          <a:p>
+            <a:r>
+              <a:rPr lang="en-US" sz="4400" dirty="0" smtClean="0"/>
+              <a:t>Continue</a:t>
+            </a:r>
+            <a:endParaRPr lang="en-IN" sz="2800" dirty="0"/>
           </a:p>
         </p:txBody>
       </p:sp>
     </p:spTree>
     <p:extLst>
       <p:ext uri="{BB962C8B-B14F-4D97-AF65-F5344CB8AC3E}">
-        <p14:creationId xmlns:p14="http://schemas.microsoft.com/office/powerpoint/2010/main" val="3053137921"/>
+        <p14:creationId xmlns:p14="http://schemas.microsoft.com/office/powerpoint/2010/main" val="1502401901"/>
       </p:ext>
     </p:extLst>
   </p:cSld>
   <p:clrMapOvr>
     <a:masterClrMapping/>
   </p:clrMapOvr>
-  <mc:AlternateContent xmlns:mc="http://schemas.openxmlformats.org/markup-compatibility/2006" xmlns:p14="http://schemas.microsoft.com/office/powerpoint/2010/main">
-    <mc:Choice Requires="p14">
+  <mc:AlternateContent xmlns:mc="http://schemas.openxmlformats.org/markup-compatibility/2006">
+    <mc:Choice xmlns:p14="http://schemas.microsoft.com/office/powerpoint/2010/main" Requires="p14">
       <p:transition spd="slow" p14:dur="1250">
         <p14:switch dir="r"/>
       </p:transition>
     </mc:Choice>
-    <mc:Fallback xmlns="">
+    <mc:Fallback>
       <p:transition spd="slow">
         <p:fade/>
       </p:transition>
@@ -7688,6 +8735,647 @@
                       </p:childTnLst>
                     </p:cTn>
                   </p:par>
+                  <p:par>
+                    <p:cTn id="9" fill="hold">
+                      <p:stCondLst>
+                        <p:cond delay="indefinite"/>
+                      </p:stCondLst>
+                      <p:childTnLst>
+                        <p:par>
+                          <p:cTn id="10" fill="hold">
+                            <p:stCondLst>
+                              <p:cond delay="0"/>
+                            </p:stCondLst>
+                            <p:childTnLst>
+                              <p:par>
+                                <p:cTn id="11" presetID="2" presetClass="entr" presetSubtype="4" fill="hold" grpId="0" nodeType="clickEffect">
+                                  <p:stCondLst>
+                                    <p:cond delay="0"/>
+                                  </p:stCondLst>
+                                  <p:childTnLst>
+                                    <p:set>
+                                      <p:cBhvr>
+                                        <p:cTn id="12" dur="1" fill="hold">
+                                          <p:stCondLst>
+                                            <p:cond delay="0"/>
+                                          </p:stCondLst>
+                                        </p:cTn>
+                                        <p:tgtEl>
+                                          <p:spTgt spid="3"/>
+                                        </p:tgtEl>
+                                        <p:attrNameLst>
+                                          <p:attrName>style.visibility</p:attrName>
+                                        </p:attrNameLst>
+                                      </p:cBhvr>
+                                      <p:to>
+                                        <p:strVal val="visible"/>
+                                      </p:to>
+                                    </p:set>
+                                    <p:anim calcmode="lin" valueType="num">
+                                      <p:cBhvr additive="base">
+                                        <p:cTn id="13" dur="500" fill="hold"/>
+                                        <p:tgtEl>
+                                          <p:spTgt spid="3"/>
+                                        </p:tgtEl>
+                                        <p:attrNameLst>
+                                          <p:attrName>ppt_x</p:attrName>
+                                        </p:attrNameLst>
+                                      </p:cBhvr>
+                                      <p:tavLst>
+                                        <p:tav tm="0">
+                                          <p:val>
+                                            <p:strVal val="#ppt_x"/>
+                                          </p:val>
+                                        </p:tav>
+                                        <p:tav tm="100000">
+                                          <p:val>
+                                            <p:strVal val="#ppt_x"/>
+                                          </p:val>
+                                        </p:tav>
+                                      </p:tavLst>
+                                    </p:anim>
+                                    <p:anim calcmode="lin" valueType="num">
+                                      <p:cBhvr additive="base">
+                                        <p:cTn id="14" dur="500" fill="hold"/>
+                                        <p:tgtEl>
+                                          <p:spTgt spid="3"/>
+                                        </p:tgtEl>
+                                        <p:attrNameLst>
+                                          <p:attrName>ppt_y</p:attrName>
+                                        </p:attrNameLst>
+                                      </p:cBhvr>
+                                      <p:tavLst>
+                                        <p:tav tm="0">
+                                          <p:val>
+                                            <p:strVal val="1+#ppt_h/2"/>
+                                          </p:val>
+                                        </p:tav>
+                                        <p:tav tm="100000">
+                                          <p:val>
+                                            <p:strVal val="#ppt_y"/>
+                                          </p:val>
+                                        </p:tav>
+                                      </p:tavLst>
+                                    </p:anim>
+                                  </p:childTnLst>
+                                </p:cTn>
+                              </p:par>
+                            </p:childTnLst>
+                          </p:cTn>
+                        </p:par>
+                      </p:childTnLst>
+                    </p:cTn>
+                  </p:par>
+                  <p:par>
+                    <p:cTn id="15" fill="hold">
+                      <p:stCondLst>
+                        <p:cond delay="indefinite"/>
+                      </p:stCondLst>
+                      <p:childTnLst>
+                        <p:par>
+                          <p:cTn id="16" fill="hold">
+                            <p:stCondLst>
+                              <p:cond delay="0"/>
+                            </p:stCondLst>
+                            <p:childTnLst>
+                              <p:par>
+                                <p:cTn id="17" presetID="2" presetClass="entr" presetSubtype="4" fill="hold" grpId="0" nodeType="clickEffect">
+                                  <p:stCondLst>
+                                    <p:cond delay="0"/>
+                                  </p:stCondLst>
+                                  <p:childTnLst>
+                                    <p:set>
+                                      <p:cBhvr>
+                                        <p:cTn id="18" dur="1" fill="hold">
+                                          <p:stCondLst>
+                                            <p:cond delay="0"/>
+                                          </p:stCondLst>
+                                        </p:cTn>
+                                        <p:tgtEl>
+                                          <p:spTgt spid="4"/>
+                                        </p:tgtEl>
+                                        <p:attrNameLst>
+                                          <p:attrName>style.visibility</p:attrName>
+                                        </p:attrNameLst>
+                                      </p:cBhvr>
+                                      <p:to>
+                                        <p:strVal val="visible"/>
+                                      </p:to>
+                                    </p:set>
+                                    <p:anim calcmode="lin" valueType="num">
+                                      <p:cBhvr additive="base">
+                                        <p:cTn id="19" dur="500" fill="hold"/>
+                                        <p:tgtEl>
+                                          <p:spTgt spid="4"/>
+                                        </p:tgtEl>
+                                        <p:attrNameLst>
+                                          <p:attrName>ppt_x</p:attrName>
+                                        </p:attrNameLst>
+                                      </p:cBhvr>
+                                      <p:tavLst>
+                                        <p:tav tm="0">
+                                          <p:val>
+                                            <p:strVal val="#ppt_x"/>
+                                          </p:val>
+                                        </p:tav>
+                                        <p:tav tm="100000">
+                                          <p:val>
+                                            <p:strVal val="#ppt_x"/>
+                                          </p:val>
+                                        </p:tav>
+                                      </p:tavLst>
+                                    </p:anim>
+                                    <p:anim calcmode="lin" valueType="num">
+                                      <p:cBhvr additive="base">
+                                        <p:cTn id="20" dur="500" fill="hold"/>
+                                        <p:tgtEl>
+                                          <p:spTgt spid="4"/>
+                                        </p:tgtEl>
+                                        <p:attrNameLst>
+                                          <p:attrName>ppt_y</p:attrName>
+                                        </p:attrNameLst>
+                                      </p:cBhvr>
+                                      <p:tavLst>
+                                        <p:tav tm="0">
+                                          <p:val>
+                                            <p:strVal val="1+#ppt_h/2"/>
+                                          </p:val>
+                                        </p:tav>
+                                        <p:tav tm="100000">
+                                          <p:val>
+                                            <p:strVal val="#ppt_y"/>
+                                          </p:val>
+                                        </p:tav>
+                                      </p:tavLst>
+                                    </p:anim>
+                                  </p:childTnLst>
+                                </p:cTn>
+                              </p:par>
+                            </p:childTnLst>
+                          </p:cTn>
+                        </p:par>
+                      </p:childTnLst>
+                    </p:cTn>
+                  </p:par>
+                </p:childTnLst>
+              </p:cTn>
+              <p:prevCondLst>
+                <p:cond evt="onPrev" delay="0">
+                  <p:tgtEl>
+                    <p:sldTgt/>
+                  </p:tgtEl>
+                </p:cond>
+              </p:prevCondLst>
+              <p:nextCondLst>
+                <p:cond evt="onNext" delay="0">
+                  <p:tgtEl>
+                    <p:sldTgt/>
+                  </p:tgtEl>
+                </p:cond>
+              </p:nextCondLst>
+            </p:seq>
+          </p:childTnLst>
+        </p:cTn>
+      </p:par>
+    </p:tnLst>
+    <p:bldLst>
+      <p:bldP spid="2" grpId="0"/>
+      <p:bldP spid="3" grpId="0"/>
+      <p:bldP spid="4" grpId="0"/>
+    </p:bldLst>
+  </p:timing>
+</p:sld>
+</file>
+
+<file path=ppt/slides/slide8.xml><?xml version="1.0" encoding="utf-8"?>
+<p:sld xmlns:a="http://schemas.openxmlformats.org/drawingml/2006/main" xmlns:r="http://schemas.openxmlformats.org/officeDocument/2006/relationships" xmlns:p="http://schemas.openxmlformats.org/presentationml/2006/main">
+  <p:cSld>
+    <p:spTree>
+      <p:nvGrpSpPr>
+        <p:cNvPr id="1" name=""/>
+        <p:cNvGrpSpPr/>
+        <p:nvPr/>
+      </p:nvGrpSpPr>
+      <p:grpSpPr>
+        <a:xfrm>
+          <a:off x="0" y="0"/>
+          <a:ext cx="0" cy="0"/>
+          <a:chOff x="0" y="0"/>
+          <a:chExt cx="0" cy="0"/>
+        </a:xfrm>
+      </p:grpSpPr>
+      <p:sp>
+        <p:nvSpPr>
+          <p:cNvPr id="2" name="Title 1"/>
+          <p:cNvSpPr>
+            <a:spLocks noGrp="1"/>
+          </p:cNvSpPr>
+          <p:nvPr>
+            <p:ph type="ctrTitle" idx="4294967295"/>
+          </p:nvPr>
+        </p:nvSpPr>
+        <p:spPr>
+          <a:xfrm>
+            <a:off x="0" y="930275"/>
+            <a:ext cx="3081338" cy="719138"/>
+          </a:xfrm>
+        </p:spPr>
+        <p:txBody>
+          <a:bodyPr>
+            <a:normAutofit/>
+          </a:bodyPr>
+          <a:lstStyle/>
+          <a:p>
+            <a:r>
+              <a:rPr lang="en-IN" sz="2800" b="1" dirty="0" smtClean="0"/>
+              <a:t>Break Statement</a:t>
+            </a:r>
+            <a:endParaRPr lang="en-US" sz="2800" b="1" dirty="0"/>
+          </a:p>
+        </p:txBody>
+      </p:sp>
+      <p:sp>
+        <p:nvSpPr>
+          <p:cNvPr id="3" name="Subtitle 2"/>
+          <p:cNvSpPr>
+            <a:spLocks noGrp="1"/>
+          </p:cNvSpPr>
+          <p:nvPr>
+            <p:ph type="subTitle" idx="4294967295"/>
+          </p:nvPr>
+        </p:nvSpPr>
+        <p:spPr>
+          <a:xfrm>
+            <a:off x="0" y="2228611"/>
+            <a:ext cx="5170207" cy="2522851"/>
+          </a:xfrm>
+        </p:spPr>
+        <p:txBody>
+          <a:bodyPr>
+            <a:noAutofit/>
+          </a:bodyPr>
+          <a:lstStyle/>
+          <a:p>
+            <a:pPr algn="l"/>
+            <a:r>
+              <a:rPr lang="en-US" sz="1800" dirty="0" smtClean="0"/>
+              <a:t>The break statement terminates the current loop &amp; resumes execution at the next statement immediately after the end of that loop.</a:t>
+            </a:r>
+            <a:r>
+              <a:rPr lang="en-US" sz="1800" b="1" dirty="0"/>
+              <a:t/>
+            </a:r>
+            <a:br>
+              <a:rPr lang="en-US" sz="1800" b="1" dirty="0"/>
+            </a:br>
+            <a:endParaRPr lang="en-US" sz="1800" b="1" dirty="0" smtClean="0"/>
+          </a:p>
+          <a:p>
+            <a:pPr algn="l"/>
+            <a:r>
+              <a:rPr lang="en-US" sz="1800" dirty="0" smtClean="0"/>
+              <a:t>If break is inside the nested loop, innermost loop will be terminated.</a:t>
+            </a:r>
+            <a:endParaRPr lang="en-US" sz="1800" dirty="0" smtClean="0"/>
+          </a:p>
+        </p:txBody>
+      </p:sp>
+      <p:pic>
+        <p:nvPicPr>
+          <p:cNvPr id="4" name="Picture 3"/>
+          <p:cNvPicPr>
+            <a:picLocks noChangeAspect="1"/>
+          </p:cNvPicPr>
+          <p:nvPr/>
+        </p:nvPicPr>
+        <p:blipFill>
+          <a:blip r:embed="rId2">
+            <a:extLst>
+              <a:ext uri="{28A0092B-C50C-407E-A947-70E740481C1C}">
+                <a14:useLocalDpi xmlns:a14="http://schemas.microsoft.com/office/drawing/2010/main" val="0"/>
+              </a:ext>
+            </a:extLst>
+          </a:blip>
+          <a:stretch>
+            <a:fillRect/>
+          </a:stretch>
+        </p:blipFill>
+        <p:spPr>
+          <a:xfrm>
+            <a:off x="5110384" y="930275"/>
+            <a:ext cx="7081615" cy="5219047"/>
+          </a:xfrm>
+          <a:prstGeom prst="rect">
+            <a:avLst/>
+          </a:prstGeom>
+        </p:spPr>
+      </p:pic>
+    </p:spTree>
+    <p:extLst>
+      <p:ext uri="{BB962C8B-B14F-4D97-AF65-F5344CB8AC3E}">
+        <p14:creationId xmlns:p14="http://schemas.microsoft.com/office/powerpoint/2010/main" val="2757829190"/>
+      </p:ext>
+    </p:extLst>
+  </p:cSld>
+  <p:clrMapOvr>
+    <a:masterClrMapping/>
+  </p:clrMapOvr>
+  <mc:AlternateContent xmlns:mc="http://schemas.openxmlformats.org/markup-compatibility/2006">
+    <mc:Choice xmlns:p14="http://schemas.microsoft.com/office/powerpoint/2010/main" Requires="p14">
+      <p:transition spd="slow" p14:dur="1250">
+        <p14:switch dir="r"/>
+      </p:transition>
+    </mc:Choice>
+    <mc:Fallback>
+      <p:transition spd="slow">
+        <p:fade/>
+      </p:transition>
+    </mc:Fallback>
+  </mc:AlternateContent>
+  <p:timing>
+    <p:tnLst>
+      <p:par>
+        <p:cTn id="1" dur="indefinite" restart="never" nodeType="tmRoot">
+          <p:childTnLst>
+            <p:seq concurrent="1" nextAc="seek">
+              <p:cTn id="2" dur="indefinite" nodeType="mainSeq">
+                <p:childTnLst>
+                  <p:par>
+                    <p:cTn id="3" fill="hold">
+                      <p:stCondLst>
+                        <p:cond delay="indefinite"/>
+                      </p:stCondLst>
+                      <p:childTnLst>
+                        <p:par>
+                          <p:cTn id="4" fill="hold">
+                            <p:stCondLst>
+                              <p:cond delay="0"/>
+                            </p:stCondLst>
+                            <p:childTnLst>
+                              <p:par>
+                                <p:cTn id="5" presetID="14" presetClass="entr" presetSubtype="10" fill="hold" grpId="0" nodeType="clickEffect">
+                                  <p:stCondLst>
+                                    <p:cond delay="0"/>
+                                  </p:stCondLst>
+                                  <p:childTnLst>
+                                    <p:set>
+                                      <p:cBhvr>
+                                        <p:cTn id="6" dur="1" fill="hold">
+                                          <p:stCondLst>
+                                            <p:cond delay="0"/>
+                                          </p:stCondLst>
+                                        </p:cTn>
+                                        <p:tgtEl>
+                                          <p:spTgt spid="2"/>
+                                        </p:tgtEl>
+                                        <p:attrNameLst>
+                                          <p:attrName>style.visibility</p:attrName>
+                                        </p:attrNameLst>
+                                      </p:cBhvr>
+                                      <p:to>
+                                        <p:strVal val="visible"/>
+                                      </p:to>
+                                    </p:set>
+                                    <p:animEffect transition="in" filter="randombar(horizontal)">
+                                      <p:cBhvr>
+                                        <p:cTn id="7" dur="500"/>
+                                        <p:tgtEl>
+                                          <p:spTgt spid="2"/>
+                                        </p:tgtEl>
+                                      </p:cBhvr>
+                                    </p:animEffect>
+                                  </p:childTnLst>
+                                </p:cTn>
+                              </p:par>
+                            </p:childTnLst>
+                          </p:cTn>
+                        </p:par>
+                      </p:childTnLst>
+                    </p:cTn>
+                  </p:par>
+                </p:childTnLst>
+              </p:cTn>
+              <p:prevCondLst>
+                <p:cond evt="onPrev" delay="0">
+                  <p:tgtEl>
+                    <p:sldTgt/>
+                  </p:tgtEl>
+                </p:cond>
+              </p:prevCondLst>
+              <p:nextCondLst>
+                <p:cond evt="onNext" delay="0">
+                  <p:tgtEl>
+                    <p:sldTgt/>
+                  </p:tgtEl>
+                </p:cond>
+              </p:nextCondLst>
+            </p:seq>
+          </p:childTnLst>
+        </p:cTn>
+      </p:par>
+    </p:tnLst>
+    <p:bldLst>
+      <p:bldP spid="2" grpId="0"/>
+    </p:bldLst>
+  </p:timing>
+</p:sld>
+</file>
+
+<file path=ppt/slides/slide9.xml><?xml version="1.0" encoding="utf-8"?>
+<p:sld xmlns:a="http://schemas.openxmlformats.org/drawingml/2006/main" xmlns:r="http://schemas.openxmlformats.org/officeDocument/2006/relationships" xmlns:p="http://schemas.openxmlformats.org/presentationml/2006/main">
+  <p:cSld>
+    <p:spTree>
+      <p:nvGrpSpPr>
+        <p:cNvPr id="1" name=""/>
+        <p:cNvGrpSpPr/>
+        <p:nvPr/>
+      </p:nvGrpSpPr>
+      <p:grpSpPr>
+        <a:xfrm>
+          <a:off x="0" y="0"/>
+          <a:ext cx="0" cy="0"/>
+          <a:chOff x="0" y="0"/>
+          <a:chExt cx="0" cy="0"/>
+        </a:xfrm>
+      </p:grpSpPr>
+      <p:sp>
+        <p:nvSpPr>
+          <p:cNvPr id="2" name="Title 1"/>
+          <p:cNvSpPr>
+            <a:spLocks noGrp="1"/>
+          </p:cNvSpPr>
+          <p:nvPr>
+            <p:ph type="ctrTitle" idx="4294967295"/>
+          </p:nvPr>
+        </p:nvSpPr>
+        <p:spPr>
+          <a:xfrm>
+            <a:off x="-1" y="930275"/>
+            <a:ext cx="3443955" cy="719138"/>
+          </a:xfrm>
+        </p:spPr>
+        <p:txBody>
+          <a:bodyPr>
+            <a:normAutofit fontScale="90000"/>
+          </a:bodyPr>
+          <a:lstStyle/>
+          <a:p>
+            <a:r>
+              <a:rPr lang="en-IN" sz="2800" b="1" dirty="0" smtClean="0"/>
+              <a:t>Continue</a:t>
+            </a:r>
+            <a:r>
+              <a:rPr lang="en-IN" sz="2800" b="1" dirty="0" smtClean="0"/>
+              <a:t> Statement</a:t>
+            </a:r>
+            <a:endParaRPr lang="en-US" sz="2800" b="1" dirty="0"/>
+          </a:p>
+        </p:txBody>
+      </p:sp>
+      <p:sp>
+        <p:nvSpPr>
+          <p:cNvPr id="3" name="Subtitle 2"/>
+          <p:cNvSpPr>
+            <a:spLocks noGrp="1"/>
+          </p:cNvSpPr>
+          <p:nvPr>
+            <p:ph type="subTitle" idx="4294967295"/>
+          </p:nvPr>
+        </p:nvSpPr>
+        <p:spPr>
+          <a:xfrm>
+            <a:off x="0" y="2228611"/>
+            <a:ext cx="5170207" cy="2522851"/>
+          </a:xfrm>
+        </p:spPr>
+        <p:txBody>
+          <a:bodyPr>
+            <a:noAutofit/>
+          </a:bodyPr>
+          <a:lstStyle/>
+          <a:p>
+            <a:pPr algn="l"/>
+            <a:r>
+              <a:rPr lang="en-US" dirty="0" smtClean="0"/>
+              <a:t>When the continue statement is encountered, the control jump to the beginning of the loop the next iteration.</a:t>
+            </a:r>
+            <a:endParaRPr lang="en-US" sz="1800" b="1" dirty="0" smtClean="0"/>
+          </a:p>
+        </p:txBody>
+      </p:sp>
+      <p:pic>
+        <p:nvPicPr>
+          <p:cNvPr id="5" name="Picture 4"/>
+          <p:cNvPicPr>
+            <a:picLocks noChangeAspect="1"/>
+          </p:cNvPicPr>
+          <p:nvPr/>
+        </p:nvPicPr>
+        <p:blipFill>
+          <a:blip r:embed="rId2">
+            <a:extLst>
+              <a:ext uri="{28A0092B-C50C-407E-A947-70E740481C1C}">
+                <a14:useLocalDpi xmlns:a14="http://schemas.microsoft.com/office/drawing/2010/main" val="0"/>
+              </a:ext>
+            </a:extLst>
+          </a:blip>
+          <a:stretch>
+            <a:fillRect/>
+          </a:stretch>
+        </p:blipFill>
+        <p:spPr>
+          <a:xfrm>
+            <a:off x="5717138" y="1075553"/>
+            <a:ext cx="5802593" cy="5208587"/>
+          </a:xfrm>
+          <a:prstGeom prst="rect">
+            <a:avLst/>
+          </a:prstGeom>
+        </p:spPr>
+      </p:pic>
+    </p:spTree>
+    <p:extLst>
+      <p:ext uri="{BB962C8B-B14F-4D97-AF65-F5344CB8AC3E}">
+        <p14:creationId xmlns:p14="http://schemas.microsoft.com/office/powerpoint/2010/main" val="535118327"/>
+      </p:ext>
+    </p:extLst>
+  </p:cSld>
+  <p:clrMapOvr>
+    <a:masterClrMapping/>
+  </p:clrMapOvr>
+  <mc:AlternateContent xmlns:mc="http://schemas.openxmlformats.org/markup-compatibility/2006">
+    <mc:Choice xmlns:p14="http://schemas.microsoft.com/office/powerpoint/2010/main" Requires="p14">
+      <p:transition spd="slow" p14:dur="1250">
+        <p14:switch dir="r"/>
+      </p:transition>
+    </mc:Choice>
+    <mc:Fallback>
+      <p:transition spd="slow">
+        <p:fade/>
+      </p:transition>
+    </mc:Fallback>
+  </mc:AlternateContent>
+  <p:timing>
+    <p:tnLst>
+      <p:par>
+        <p:cTn id="1" dur="indefinite" restart="never" nodeType="tmRoot">
+          <p:childTnLst>
+            <p:seq concurrent="1" nextAc="seek">
+              <p:cTn id="2" dur="indefinite" nodeType="mainSeq">
+                <p:childTnLst>
+                  <p:par>
+                    <p:cTn id="3" fill="hold">
+                      <p:stCondLst>
+                        <p:cond delay="indefinite"/>
+                      </p:stCondLst>
+                      <p:childTnLst>
+                        <p:par>
+                          <p:cTn id="4" fill="hold">
+                            <p:stCondLst>
+                              <p:cond delay="0"/>
+                            </p:stCondLst>
+                            <p:childTnLst>
+                              <p:par>
+                                <p:cTn id="5" presetID="14" presetClass="entr" presetSubtype="10" fill="hold" grpId="0" nodeType="clickEffect">
+                                  <p:stCondLst>
+                                    <p:cond delay="0"/>
+                                  </p:stCondLst>
+                                  <p:childTnLst>
+                                    <p:set>
+                                      <p:cBhvr>
+                                        <p:cTn id="6" dur="1" fill="hold">
+                                          <p:stCondLst>
+                                            <p:cond delay="0"/>
+                                          </p:stCondLst>
+                                        </p:cTn>
+                                        <p:tgtEl>
+                                          <p:spTgt spid="2"/>
+                                        </p:tgtEl>
+                                        <p:attrNameLst>
+                                          <p:attrName>style.visibility</p:attrName>
+                                        </p:attrNameLst>
+                                      </p:cBhvr>
+                                      <p:to>
+                                        <p:strVal val="visible"/>
+                                      </p:to>
+                                    </p:set>
+                                    <p:animEffect transition="in" filter="randombar(horizontal)">
+                                      <p:cBhvr>
+                                        <p:cTn id="7" dur="500"/>
+                                        <p:tgtEl>
+                                          <p:spTgt spid="2"/>
+                                        </p:tgtEl>
+                                      </p:cBhvr>
+                                    </p:animEffect>
+                                  </p:childTnLst>
+                                </p:cTn>
+                              </p:par>
+                            </p:childTnLst>
+                          </p:cTn>
+                        </p:par>
+                      </p:childTnLst>
+                    </p:cTn>
+                  </p:par>
                 </p:childTnLst>
               </p:cTn>
               <p:prevCondLst>
@@ -7717,9 +9405,9 @@
 </file>
 
 <file path=ppt/theme/theme1.xml><?xml version="1.0" encoding="utf-8"?>
-<a:theme xmlns:a="http://schemas.openxmlformats.org/drawingml/2006/main" name="Slice">
+<a:theme xmlns:a="http://schemas.openxmlformats.org/drawingml/2006/main" name="Facet">
   <a:themeElements>
-    <a:clrScheme name="Slice">
+    <a:clrScheme name="Facet">
       <a:dk1>
         <a:sysClr val="windowText" lastClr="000000"/>
       </a:dk1>
@@ -7727,48 +9415,48 @@
         <a:sysClr val="window" lastClr="FFFFFF"/>
       </a:lt1>
       <a:dk2>
-        <a:srgbClr val="146194"/>
+        <a:srgbClr val="2C3C43"/>
       </a:dk2>
       <a:lt2>
-        <a:srgbClr val="76DBF4"/>
+        <a:srgbClr val="EBEBEB"/>
       </a:lt2>
       <a:accent1>
-        <a:srgbClr val="052F61"/>
+        <a:srgbClr val="90C226"/>
       </a:accent1>
       <a:accent2>
-        <a:srgbClr val="A50E82"/>
+        <a:srgbClr val="54A021"/>
       </a:accent2>
       <a:accent3>
-        <a:srgbClr val="14967C"/>
+        <a:srgbClr val="E6B91E"/>
       </a:accent3>
       <a:accent4>
-        <a:srgbClr val="6A9E1F"/>
+        <a:srgbClr val="E76618"/>
       </a:accent4>
       <a:accent5>
-        <a:srgbClr val="E87D37"/>
+        <a:srgbClr val="C42F1A"/>
       </a:accent5>
       <a:accent6>
-        <a:srgbClr val="C62324"/>
+        <a:srgbClr val="918655"/>
       </a:accent6>
       <a:hlink>
-        <a:srgbClr val="0D2E46"/>
+        <a:srgbClr val="99CA3C"/>
       </a:hlink>
       <a:folHlink>
-        <a:srgbClr val="356A95"/>
+        <a:srgbClr val="B9D181"/>
       </a:folHlink>
     </a:clrScheme>
-    <a:fontScheme name="Slice">
+    <a:fontScheme name="Facet">
       <a:majorFont>
-        <a:latin typeface="Century Gothic" panose="020B0502020202020204"/>
+        <a:latin typeface="Trebuchet MS" panose="020B0603020202020204"/>
         <a:ea typeface=""/>
         <a:cs typeface=""/>
         <a:font script="Jpan" typeface="メイリオ"/>
-        <a:font script="Hang" typeface="HY중고딕"/>
-        <a:font script="Hans" typeface="幼圆"/>
+        <a:font script="Hang" typeface="맑은 고딕"/>
+        <a:font script="Hans" typeface="方正姚体"/>
         <a:font script="Hant" typeface="微軟正黑體"/>
         <a:font script="Arab" typeface="Tahoma"/>
-        <a:font script="Hebr" typeface="Gisha"/>
-        <a:font script="Thai" typeface="DilleniaUPC"/>
+        <a:font script="Hebr" typeface="Arial"/>
+        <a:font script="Thai" typeface="Cordia New"/>
         <a:font script="Ethi" typeface="Nyala"/>
         <a:font script="Beng" typeface="Vrinda"/>
         <a:font script="Gujr" typeface="Shruti"/>
@@ -7794,16 +9482,16 @@
         <a:font script="Geor" typeface="Sylfaen"/>
       </a:majorFont>
       <a:minorFont>
-        <a:latin typeface="Century Gothic" panose="020B0502020202020204"/>
+        <a:latin typeface="Trebuchet MS" panose="020B0603020202020204"/>
         <a:ea typeface=""/>
         <a:cs typeface=""/>
         <a:font script="Jpan" typeface="メイリオ"/>
-        <a:font script="Hang" typeface="HY중고딕"/>
-        <a:font script="Hans" typeface="幼圆"/>
+        <a:font script="Hang" typeface="HY그래픽M"/>
+        <a:font script="Hans" typeface="华文新魏"/>
         <a:font script="Hant" typeface="微軟正黑體"/>
         <a:font script="Arab" typeface="Tahoma"/>
         <a:font script="Hebr" typeface="Gisha"/>
-        <a:font script="Thai" typeface="DilleniaUPC"/>
+        <a:font script="Thai" typeface="IrisUPC"/>
         <a:font script="Ethi" typeface="Nyala"/>
         <a:font script="Beng" typeface="Vrinda"/>
         <a:font script="Gujr" typeface="Shruti"/>
@@ -7824,12 +9512,12 @@
         <a:font script="Laoo" typeface="DokChampa"/>
         <a:font script="Sinh" typeface="Iskoola Pota"/>
         <a:font script="Mong" typeface="Mongolian Baiti"/>
-        <a:font script="Viet" typeface="Tahoma"/>
+        <a:font script="Viet" typeface="Arial"/>
         <a:font script="Uigh" typeface="Microsoft Uighur"/>
         <a:font script="Geor" typeface="Sylfaen"/>
       </a:minorFont>
     </a:fontScheme>
-    <a:fmtScheme name="Slice">
+    <a:fmtScheme name="Facet">
       <a:fillStyleLst>
         <a:solidFill>
           <a:schemeClr val="phClr"/>
@@ -7838,16 +9526,13 @@
           <a:gsLst>
             <a:gs pos="0">
               <a:schemeClr val="phClr">
-                <a:tint val="62000"/>
-                <a:hueMod val="94000"/>
-                <a:satMod val="140000"/>
+                <a:tint val="65000"/>
                 <a:lumMod val="110000"/>
               </a:schemeClr>
             </a:gs>
-            <a:gs pos="100000">
+            <a:gs pos="88000">
               <a:schemeClr val="phClr">
-                <a:tint val="84000"/>
-                <a:satMod val="160000"/>
+                <a:tint val="90000"/>
               </a:schemeClr>
             </a:gs>
           </a:gsLst>
@@ -7857,16 +9542,14 @@
           <a:gsLst>
             <a:gs pos="0">
               <a:schemeClr val="phClr">
-                <a:tint val="98000"/>
-                <a:hueMod val="94000"/>
-                <a:satMod val="130000"/>
-                <a:lumMod val="128000"/>
+                <a:tint val="96000"/>
+                <a:lumMod val="100000"/>
               </a:schemeClr>
             </a:gs>
-            <a:gs pos="100000">
+            <a:gs pos="78000">
               <a:schemeClr val="phClr">
                 <a:shade val="94000"/>
-                <a:lumMod val="88000"/>
+                <a:lumMod val="94000"/>
               </a:schemeClr>
             </a:gs>
           </a:gsLst>
@@ -7874,25 +9557,19 @@
         </a:gradFill>
       </a:fillStyleLst>
       <a:lnStyleLst>
-        <a:ln w="9525" cap="rnd" cmpd="sng" algn="ctr">
+        <a:ln w="12700" cap="rnd" cmpd="sng" algn="ctr">
           <a:solidFill>
-            <a:schemeClr val="phClr">
-              <a:tint val="76000"/>
-              <a:alpha val="60000"/>
-              <a:hueMod val="94000"/>
-            </a:schemeClr>
+            <a:schemeClr val="phClr"/>
           </a:solidFill>
           <a:prstDash val="solid"/>
         </a:ln>
-        <a:ln w="15875" cap="rnd" cmpd="sng" algn="ctr">
+        <a:ln w="19050" cap="rnd" cmpd="sng" algn="ctr">
           <a:solidFill>
-            <a:schemeClr val="phClr">
-              <a:hueMod val="94000"/>
-            </a:schemeClr>
+            <a:schemeClr val="phClr"/>
           </a:solidFill>
           <a:prstDash val="solid"/>
         </a:ln>
-        <a:ln w="28575" cap="rnd" cmpd="sng" algn="ctr">
+        <a:ln w="25400" cap="rnd" cmpd="sng" algn="ctr">
           <a:solidFill>
             <a:schemeClr val="phClr"/>
           </a:solidFill>
@@ -7905,18 +9582,18 @@
         </a:effectStyle>
         <a:effectStyle>
           <a:effectLst>
-            <a:innerShdw blurRad="25400" dist="12700" dir="13500000">
+            <a:outerShdw blurRad="38100" dist="25400" dir="5400000" rotWithShape="0">
               <a:srgbClr val="000000">
-                <a:alpha val="45000"/>
+                <a:alpha val="35000"/>
               </a:srgbClr>
-            </a:innerShdw>
+            </a:outerShdw>
           </a:effectLst>
         </a:effectStyle>
         <a:effectStyle>
           <a:effectLst>
             <a:outerShdw blurRad="50800" dist="38100" dir="5400000" rotWithShape="0">
               <a:srgbClr val="000000">
-                <a:alpha val="46000"/>
+                <a:alpha val="35000"/>
               </a:srgbClr>
             </a:outerShdw>
           </a:effectLst>
@@ -7924,10 +9601,10 @@
             <a:camera prst="orthographicFront">
               <a:rot lat="0" lon="0" rev="0"/>
             </a:camera>
-            <a:lightRig rig="threePt" dir="t"/>
+            <a:lightRig rig="threePt" dir="tl"/>
           </a:scene3d>
           <a:sp3d prstMaterial="plastic">
-            <a:bevelT w="25400" h="25400"/>
+            <a:bevelT w="0" h="0"/>
           </a:sp3d>
         </a:effectStyle>
       </a:effectStyleLst>
@@ -7937,44 +9614,38 @@
         </a:solidFill>
         <a:gradFill rotWithShape="1">
           <a:gsLst>
-            <a:gs pos="10000">
+            <a:gs pos="0">
               <a:schemeClr val="phClr">
-                <a:tint val="97000"/>
-                <a:hueMod val="92000"/>
-                <a:satMod val="169000"/>
-                <a:lumMod val="164000"/>
+                <a:tint val="90000"/>
+                <a:lumMod val="104000"/>
               </a:schemeClr>
             </a:gs>
-            <a:gs pos="100000">
+            <a:gs pos="94000">
               <a:schemeClr val="phClr">
                 <a:shade val="96000"/>
-                <a:satMod val="120000"/>
-                <a:lumMod val="90000"/>
+                <a:lumMod val="82000"/>
               </a:schemeClr>
             </a:gs>
           </a:gsLst>
-          <a:lin ang="6120000" scaled="1"/>
+          <a:lin ang="5400000" scaled="0"/>
         </a:gradFill>
         <a:gradFill rotWithShape="1">
           <a:gsLst>
             <a:gs pos="0">
               <a:schemeClr val="phClr">
-                <a:tint val="97000"/>
-                <a:hueMod val="92000"/>
-                <a:satMod val="169000"/>
-                <a:lumMod val="164000"/>
+                <a:tint val="90000"/>
+                <a:lumMod val="110000"/>
               </a:schemeClr>
             </a:gs>
             <a:gs pos="100000">
               <a:schemeClr val="phClr">
-                <a:shade val="96000"/>
-                <a:satMod val="120000"/>
-                <a:lumMod val="90000"/>
+                <a:shade val="94000"/>
+                <a:lumMod val="96000"/>
               </a:schemeClr>
             </a:gs>
           </a:gsLst>
           <a:path path="circle">
-            <a:fillToRect b="100000"/>
+            <a:fillToRect l="50000" t="50000" r="100000" b="100000"/>
           </a:path>
         </a:gradFill>
       </a:bgFillStyleLst>
@@ -7984,7 +9655,7 @@
   <a:extraClrSchemeLst/>
   <a:extLst>
     <a:ext uri="{05A4C25C-085E-4340-85A3-A5531E510DB2}">
-      <thm15:themeFamily xmlns:thm15="http://schemas.microsoft.com/office/thememl/2012/main" name="Slice" id="{0507925B-6AC9-4358-8E18-C330545D08F8}" vid="{13FEC7C6-62A9-40C4-99D2-581AACACAA2F}"/>
+      <thm15:themeFamily xmlns:thm15="http://schemas.microsoft.com/office/thememl/2012/main" name="Facet" id="{C0C680CD-088A-49FC-A102-D699147F32B2}" vid="{CFBC31BA-B70F-4F30-BCAA-4F3011E16C4D}"/>
     </a:ext>
   </a:extLst>
 </a:theme>
